--- a/javascript/STFORU_포트폴리오_김민재.pptx
+++ b/javascript/STFORU_포트폴리오_김민재.pptx
@@ -5,27 +5,33 @@
     <p:sldMasterId id="2147483648" r:id="rId1"/>
   </p:sldMasterIdLst>
   <p:notesMasterIdLst>
-    <p:notesMasterId r:id="rId17"/>
+    <p:notesMasterId r:id="rId23"/>
   </p:notesMasterIdLst>
   <p:handoutMasterIdLst>
-    <p:handoutMasterId r:id="rId18"/>
+    <p:handoutMasterId r:id="rId24"/>
   </p:handoutMasterIdLst>
   <p:sldIdLst>
     <p:sldId id="256" r:id="rId2"/>
     <p:sldId id="276" r:id="rId3"/>
     <p:sldId id="275" r:id="rId4"/>
     <p:sldId id="277" r:id="rId5"/>
-    <p:sldId id="273" r:id="rId6"/>
-    <p:sldId id="274" r:id="rId7"/>
-    <p:sldId id="285" r:id="rId8"/>
-    <p:sldId id="278" r:id="rId9"/>
-    <p:sldId id="286" r:id="rId10"/>
-    <p:sldId id="279" r:id="rId11"/>
-    <p:sldId id="280" r:id="rId12"/>
-    <p:sldId id="281" r:id="rId13"/>
-    <p:sldId id="287" r:id="rId14"/>
-    <p:sldId id="283" r:id="rId15"/>
-    <p:sldId id="282" r:id="rId16"/>
+    <p:sldId id="292" r:id="rId6"/>
+    <p:sldId id="289" r:id="rId7"/>
+    <p:sldId id="291" r:id="rId8"/>
+    <p:sldId id="273" r:id="rId9"/>
+    <p:sldId id="274" r:id="rId10"/>
+    <p:sldId id="285" r:id="rId11"/>
+    <p:sldId id="278" r:id="rId12"/>
+    <p:sldId id="294" r:id="rId13"/>
+    <p:sldId id="295" r:id="rId14"/>
+    <p:sldId id="286" r:id="rId15"/>
+    <p:sldId id="279" r:id="rId16"/>
+    <p:sldId id="280" r:id="rId17"/>
+    <p:sldId id="297" r:id="rId18"/>
+    <p:sldId id="296" r:id="rId19"/>
+    <p:sldId id="287" r:id="rId20"/>
+    <p:sldId id="283" r:id="rId21"/>
+    <p:sldId id="282" r:id="rId22"/>
   </p:sldIdLst>
   <p:sldSz cx="12192000" cy="6858000"/>
   <p:notesSz cx="6797675" cy="9926638"/>
@@ -137,14 +143,20 @@
             <p14:sldId id="276"/>
             <p14:sldId id="275"/>
             <p14:sldId id="277"/>
+            <p14:sldId id="292"/>
+            <p14:sldId id="289"/>
+            <p14:sldId id="291"/>
             <p14:sldId id="273"/>
             <p14:sldId id="274"/>
             <p14:sldId id="285"/>
             <p14:sldId id="278"/>
+            <p14:sldId id="294"/>
+            <p14:sldId id="295"/>
             <p14:sldId id="286"/>
             <p14:sldId id="279"/>
             <p14:sldId id="280"/>
-            <p14:sldId id="281"/>
+            <p14:sldId id="297"/>
+            <p14:sldId id="296"/>
             <p14:sldId id="287"/>
             <p14:sldId id="283"/>
             <p14:sldId id="282"/>
@@ -372,7 +384,7 @@
           <a:p>
             <a:fld id="{98FBB39A-9110-43FD-8DF2-684D1523A0BC}" type="datetime1">
               <a:rPr lang="ko-KR" altLang="en-US" smtClean="0"/>
-              <a:t>2021-02-22</a:t>
+              <a:t>2021-03-11</a:t>
             </a:fld>
             <a:endParaRPr lang="ko-KR" altLang="en-US"/>
           </a:p>
@@ -1392,7 +1404,7 @@
           </a:ln>
           <a:extLst>
             <a:ext uri="{C572A759-6A51-4108-AA02-DFA0A04FC94B}">
-              <ma14:wrappingTextBoxFlag xmlns:ma14="http://schemas.microsoft.com/office/mac/drawingml/2011/main" xmlns:a14="http://schemas.microsoft.com/office/drawing/2010/main" xmlns:m="http://schemas.openxmlformats.org/officeDocument/2006/math" xmlns="" val="1"/>
+              <ma14:wrappingTextBoxFlag xmlns="" xmlns:m="http://schemas.openxmlformats.org/officeDocument/2006/math" xmlns:a14="http://schemas.microsoft.com/office/drawing/2010/main" xmlns:ma14="http://schemas.microsoft.com/office/mac/drawingml/2011/main" val="1"/>
             </a:ext>
           </a:extLst>
         </p:spPr>
@@ -1495,7 +1507,7 @@
           </a:ln>
           <a:extLst>
             <a:ext uri="{C572A759-6A51-4108-AA02-DFA0A04FC94B}">
-              <ma14:wrappingTextBoxFlag xmlns:ma14="http://schemas.microsoft.com/office/mac/drawingml/2011/main" xmlns:a14="http://schemas.microsoft.com/office/drawing/2010/main" xmlns:m="http://schemas.openxmlformats.org/officeDocument/2006/math" xmlns="" val="1"/>
+              <ma14:wrappingTextBoxFlag xmlns="" xmlns:m="http://schemas.openxmlformats.org/officeDocument/2006/math" xmlns:a14="http://schemas.microsoft.com/office/drawing/2010/main" xmlns:ma14="http://schemas.microsoft.com/office/mac/drawingml/2011/main" val="1"/>
             </a:ext>
           </a:extLst>
         </p:spPr>
@@ -3312,6 +3324,2226 @@
       </p:grpSpPr>
       <p:sp>
         <p:nvSpPr>
+          <p:cNvPr id="3" name="제목 2">
+            <a:extLst>
+              <a:ext uri="{FF2B5EF4-FFF2-40B4-BE49-F238E27FC236}">
+                <a16:creationId xmlns:a16="http://schemas.microsoft.com/office/drawing/2014/main" id="{683ED0D4-343F-4AC4-936C-4771ADDE3DEC}"/>
+              </a:ext>
+            </a:extLst>
+          </p:cNvPr>
+          <p:cNvSpPr>
+            <a:spLocks noGrp="1"/>
+          </p:cNvSpPr>
+          <p:nvPr>
+            <p:ph type="title"/>
+          </p:nvPr>
+        </p:nvSpPr>
+        <p:spPr/>
+        <p:txBody>
+          <a:bodyPr/>
+          <a:lstStyle/>
+          <a:p>
+            <a:r>
+              <a:rPr lang="ko-KR" altLang="en-US" dirty="0"/>
+              <a:t>로그인</a:t>
+            </a:r>
+          </a:p>
+        </p:txBody>
+      </p:sp>
+      <p:sp>
+        <p:nvSpPr>
+          <p:cNvPr id="4" name="텍스트 개체 틀 3">
+            <a:extLst>
+              <a:ext uri="{FF2B5EF4-FFF2-40B4-BE49-F238E27FC236}">
+                <a16:creationId xmlns:a16="http://schemas.microsoft.com/office/drawing/2014/main" id="{566248F4-75FF-4781-B7FF-A6FE901E2D68}"/>
+              </a:ext>
+            </a:extLst>
+          </p:cNvPr>
+          <p:cNvSpPr>
+            <a:spLocks noGrp="1"/>
+          </p:cNvSpPr>
+          <p:nvPr>
+            <p:ph type="body" sz="quarter" idx="10"/>
+          </p:nvPr>
+        </p:nvSpPr>
+        <p:spPr/>
+        <p:txBody>
+          <a:bodyPr/>
+          <a:lstStyle/>
+          <a:p>
+            <a:r>
+              <a:rPr lang="en-US" altLang="ko-KR" dirty="0" err="1"/>
+              <a:t>STforU</a:t>
+            </a:r>
+            <a:r>
+              <a:rPr lang="en-US" altLang="ko-KR" dirty="0"/>
+              <a:t> </a:t>
+            </a:r>
+            <a:r>
+              <a:rPr lang="ko-KR" altLang="en-US" dirty="0"/>
+              <a:t>로그인</a:t>
+            </a:r>
+          </a:p>
+        </p:txBody>
+      </p:sp>
+    </p:spTree>
+    <p:extLst>
+      <p:ext uri="{BB962C8B-B14F-4D97-AF65-F5344CB8AC3E}">
+        <p14:creationId xmlns:p14="http://schemas.microsoft.com/office/powerpoint/2010/main" val="2688302106"/>
+      </p:ext>
+    </p:extLst>
+  </p:cSld>
+  <p:clrMapOvr>
+    <a:masterClrMapping/>
+  </p:clrMapOvr>
+</p:sld>
+</file>
+
+<file path=ppt/slides/slide11.xml><?xml version="1.0" encoding="utf-8"?>
+<p:sld xmlns:a="http://schemas.openxmlformats.org/drawingml/2006/main" xmlns:r="http://schemas.openxmlformats.org/officeDocument/2006/relationships" xmlns:p="http://schemas.openxmlformats.org/presentationml/2006/main">
+  <p:cSld>
+    <p:spTree>
+      <p:nvGrpSpPr>
+        <p:cNvPr id="1" name=""/>
+        <p:cNvGrpSpPr/>
+        <p:nvPr/>
+      </p:nvGrpSpPr>
+      <p:grpSpPr>
+        <a:xfrm>
+          <a:off x="0" y="0"/>
+          <a:ext cx="0" cy="0"/>
+          <a:chOff x="0" y="0"/>
+          <a:chExt cx="0" cy="0"/>
+        </a:xfrm>
+      </p:grpSpPr>
+      <p:pic>
+        <p:nvPicPr>
+          <p:cNvPr id="3" name="그림 2">
+            <a:extLst>
+              <a:ext uri="{FF2B5EF4-FFF2-40B4-BE49-F238E27FC236}">
+                <a16:creationId xmlns:a16="http://schemas.microsoft.com/office/drawing/2014/main" id="{7F9666C6-5EBB-41DF-82A8-3893617DD406}"/>
+              </a:ext>
+            </a:extLst>
+          </p:cNvPr>
+          <p:cNvPicPr>
+            <a:picLocks noChangeAspect="1"/>
+          </p:cNvPicPr>
+          <p:nvPr/>
+        </p:nvPicPr>
+        <p:blipFill>
+          <a:blip r:embed="rId2"/>
+          <a:stretch>
+            <a:fillRect/>
+          </a:stretch>
+        </p:blipFill>
+        <p:spPr>
+          <a:xfrm>
+            <a:off x="153662" y="727979"/>
+            <a:ext cx="8390208" cy="4141182"/>
+          </a:xfrm>
+          <a:prstGeom prst="rect">
+            <a:avLst/>
+          </a:prstGeom>
+        </p:spPr>
+      </p:pic>
+      <p:sp>
+        <p:nvSpPr>
+          <p:cNvPr id="4" name="텍스트 개체 틀 3">
+            <a:extLst>
+              <a:ext uri="{FF2B5EF4-FFF2-40B4-BE49-F238E27FC236}">
+                <a16:creationId xmlns:a16="http://schemas.microsoft.com/office/drawing/2014/main" id="{32E285E0-25D1-4806-B9DF-3590BD92D435}"/>
+              </a:ext>
+            </a:extLst>
+          </p:cNvPr>
+          <p:cNvSpPr>
+            <a:spLocks noGrp="1"/>
+          </p:cNvSpPr>
+          <p:nvPr>
+            <p:ph type="body" sz="quarter" idx="10"/>
+          </p:nvPr>
+        </p:nvSpPr>
+        <p:spPr/>
+        <p:txBody>
+          <a:bodyPr/>
+          <a:lstStyle/>
+          <a:p>
+            <a:r>
+              <a:rPr lang="en-US" altLang="ko-KR" dirty="0"/>
+              <a:t>Login.html</a:t>
+            </a:r>
+            <a:endParaRPr lang="ko-KR" altLang="en-US" dirty="0"/>
+          </a:p>
+        </p:txBody>
+      </p:sp>
+      <p:sp>
+        <p:nvSpPr>
+          <p:cNvPr id="5" name="텍스트 개체 틀 4">
+            <a:extLst>
+              <a:ext uri="{FF2B5EF4-FFF2-40B4-BE49-F238E27FC236}">
+                <a16:creationId xmlns:a16="http://schemas.microsoft.com/office/drawing/2014/main" id="{181CE6EC-43A5-4409-9C12-1C3782E8CB22}"/>
+              </a:ext>
+            </a:extLst>
+          </p:cNvPr>
+          <p:cNvSpPr>
+            <a:spLocks noGrp="1"/>
+          </p:cNvSpPr>
+          <p:nvPr>
+            <p:ph type="body" sz="quarter" idx="11"/>
+          </p:nvPr>
+        </p:nvSpPr>
+        <p:spPr/>
+        <p:txBody>
+          <a:bodyPr/>
+          <a:lstStyle/>
+          <a:p>
+            <a:r>
+              <a:rPr lang="ko-KR" altLang="en-US" dirty="0"/>
+              <a:t>로그인 페이지</a:t>
+            </a:r>
+          </a:p>
+        </p:txBody>
+      </p:sp>
+      <p:graphicFrame>
+        <p:nvGraphicFramePr>
+          <p:cNvPr id="7" name="표 6">
+            <a:extLst>
+              <a:ext uri="{FF2B5EF4-FFF2-40B4-BE49-F238E27FC236}">
+                <a16:creationId xmlns:a16="http://schemas.microsoft.com/office/drawing/2014/main" id="{EE672C9C-2796-4CD4-B138-FB14ECB9EFA6}"/>
+              </a:ext>
+            </a:extLst>
+          </p:cNvPr>
+          <p:cNvGraphicFramePr>
+            <a:graphicFrameLocks noGrp="1"/>
+          </p:cNvGraphicFramePr>
+          <p:nvPr>
+            <p:extLst>
+              <p:ext uri="{D42A27DB-BD31-4B8C-83A1-F6EECF244321}">
+                <p14:modId xmlns:p14="http://schemas.microsoft.com/office/powerpoint/2010/main" val="717000853"/>
+              </p:ext>
+            </p:extLst>
+          </p:nvPr>
+        </p:nvGraphicFramePr>
+        <p:xfrm>
+          <a:off x="8688288" y="476672"/>
+          <a:ext cx="3384376" cy="3086480"/>
+        </p:xfrm>
+        <a:graphic>
+          <a:graphicData uri="http://schemas.openxmlformats.org/drawingml/2006/table">
+            <a:tbl>
+              <a:tblPr firstRow="1" bandRow="1">
+                <a:tableStyleId>{5C22544A-7EE6-4342-B048-85BDC9FD1C3A}</a:tableStyleId>
+              </a:tblPr>
+              <a:tblGrid>
+                <a:gridCol w="403256">
+                  <a:extLst>
+                    <a:ext uri="{9D8B030D-6E8A-4147-A177-3AD203B41FA5}">
+                      <a16:colId xmlns:a16="http://schemas.microsoft.com/office/drawing/2014/main" val="74772085"/>
+                    </a:ext>
+                  </a:extLst>
+                </a:gridCol>
+                <a:gridCol w="2981120">
+                  <a:extLst>
+                    <a:ext uri="{9D8B030D-6E8A-4147-A177-3AD203B41FA5}">
+                      <a16:colId xmlns:a16="http://schemas.microsoft.com/office/drawing/2014/main" val="2572474025"/>
+                    </a:ext>
+                  </a:extLst>
+                </a:gridCol>
+              </a:tblGrid>
+              <a:tr h="258850">
+                <a:tc gridSpan="2">
+                  <a:txBody>
+                    <a:bodyPr/>
+                    <a:lstStyle/>
+                    <a:p>
+                      <a:pPr marL="0" marR="0" lvl="0" indent="0" algn="l" defTabSz="914400" rtl="0" eaLnBrk="1" fontAlgn="auto" latinLnBrk="1" hangingPunct="1">
+                        <a:lnSpc>
+                          <a:spcPct val="100000"/>
+                        </a:lnSpc>
+                        <a:spcBef>
+                          <a:spcPts val="0"/>
+                        </a:spcBef>
+                        <a:spcAft>
+                          <a:spcPts val="0"/>
+                        </a:spcAft>
+                        <a:buClrTx/>
+                        <a:buSzTx/>
+                        <a:buFontTx/>
+                        <a:buNone/>
+                        <a:tabLst/>
+                        <a:defRPr/>
+                      </a:pPr>
+                      <a:r>
+                        <a:rPr lang="en-US" altLang="ko-KR" sz="900" b="1" dirty="0">
+                          <a:solidFill>
+                            <a:srgbClr val="4E5263"/>
+                          </a:solidFill>
+                          <a:latin typeface="+mn-ea"/>
+                          <a:ea typeface="+mn-ea"/>
+                          <a:sym typeface="맑은 고딕"/>
+                        </a:rPr>
+                        <a:t>Summery. </a:t>
+                      </a:r>
+                      <a:r>
+                        <a:rPr lang="ko-KR" altLang="en-US" sz="900" b="1" dirty="0">
+                          <a:solidFill>
+                            <a:srgbClr val="4E5263"/>
+                          </a:solidFill>
+                          <a:latin typeface="+mn-ea"/>
+                          <a:ea typeface="+mn-ea"/>
+                          <a:sym typeface="맑은 고딕"/>
+                        </a:rPr>
+                        <a:t>로그인 페이지</a:t>
+                      </a:r>
+                      <a:endParaRPr lang="en" altLang="ko-KR" sz="900" b="1" dirty="0">
+                        <a:solidFill>
+                          <a:srgbClr val="4E5263"/>
+                        </a:solidFill>
+                        <a:latin typeface="+mn-ea"/>
+                        <a:ea typeface="+mn-ea"/>
+                        <a:sym typeface="맑은 고딕"/>
+                      </a:endParaRPr>
+                    </a:p>
+                  </a:txBody>
+                  <a:tcPr anchor="ctr">
+                    <a:lnL w="3175" cap="flat" cmpd="sng" algn="ctr">
+                      <a:noFill/>
+                      <a:prstDash val="solid"/>
+                      <a:round/>
+                      <a:headEnd type="none" w="med" len="med"/>
+                      <a:tailEnd type="none" w="med" len="med"/>
+                    </a:lnL>
+                    <a:lnR w="3175" cap="flat" cmpd="sng" algn="ctr">
+                      <a:noFill/>
+                      <a:prstDash val="solid"/>
+                      <a:round/>
+                      <a:headEnd type="none" w="med" len="med"/>
+                      <a:tailEnd type="none" w="med" len="med"/>
+                    </a:lnR>
+                    <a:lnT w="3175" cap="flat" cmpd="sng" algn="ctr">
+                      <a:noFill/>
+                      <a:prstDash val="solid"/>
+                      <a:round/>
+                      <a:headEnd type="none" w="med" len="med"/>
+                      <a:tailEnd type="none" w="med" len="med"/>
+                    </a:lnT>
+                    <a:lnB w="3175" cap="flat" cmpd="sng" algn="ctr">
+                      <a:solidFill>
+                        <a:schemeClr val="bg1">
+                          <a:lumMod val="65000"/>
+                        </a:schemeClr>
+                      </a:solidFill>
+                      <a:prstDash val="solid"/>
+                      <a:round/>
+                      <a:headEnd type="none" w="med" len="med"/>
+                      <a:tailEnd type="none" w="med" len="med"/>
+                    </a:lnB>
+                    <a:solidFill>
+                      <a:schemeClr val="bg1"/>
+                    </a:solidFill>
+                  </a:tcPr>
+                </a:tc>
+                <a:tc hMerge="1">
+                  <a:txBody>
+                    <a:bodyPr/>
+                    <a:lstStyle/>
+                    <a:p>
+                      <a:pPr marL="0" marR="0" lvl="0" indent="0" algn="l" defTabSz="914400" rtl="0" eaLnBrk="1" fontAlgn="auto" latinLnBrk="1" hangingPunct="1">
+                        <a:lnSpc>
+                          <a:spcPct val="100000"/>
+                        </a:lnSpc>
+                        <a:spcBef>
+                          <a:spcPts val="0"/>
+                        </a:spcBef>
+                        <a:spcAft>
+                          <a:spcPts val="0"/>
+                        </a:spcAft>
+                        <a:buClrTx/>
+                        <a:buSzTx/>
+                        <a:buFontTx/>
+                        <a:buNone/>
+                        <a:tabLst/>
+                        <a:defRPr/>
+                      </a:pPr>
+                      <a:endParaRPr lang="en" altLang="ko-KR" sz="900" b="1" dirty="0">
+                        <a:solidFill>
+                          <a:srgbClr val="4E5263"/>
+                        </a:solidFill>
+                        <a:latin typeface="SF Pro Text" pitchFamily="2" charset="0"/>
+                        <a:ea typeface="SF Pro Text" pitchFamily="2" charset="0"/>
+                        <a:sym typeface="맑은 고딕"/>
+                      </a:endParaRPr>
+                    </a:p>
+                  </a:txBody>
+                  <a:tcPr anchor="ctr">
+                    <a:lnL w="3175" cap="flat" cmpd="sng" algn="ctr">
+                      <a:solidFill>
+                        <a:schemeClr val="tx1">
+                          <a:lumMod val="50000"/>
+                          <a:lumOff val="50000"/>
+                        </a:schemeClr>
+                      </a:solidFill>
+                      <a:prstDash val="solid"/>
+                      <a:round/>
+                      <a:headEnd type="none" w="med" len="med"/>
+                      <a:tailEnd type="none" w="med" len="med"/>
+                    </a:lnL>
+                    <a:lnR w="3175" cap="flat" cmpd="sng" algn="ctr">
+                      <a:noFill/>
+                      <a:prstDash val="solid"/>
+                      <a:round/>
+                      <a:headEnd type="none" w="med" len="med"/>
+                      <a:tailEnd type="none" w="med" len="med"/>
+                    </a:lnR>
+                    <a:lnT w="3175" cap="flat" cmpd="sng" algn="ctr">
+                      <a:noFill/>
+                      <a:prstDash val="solid"/>
+                      <a:round/>
+                      <a:headEnd type="none" w="med" len="med"/>
+                      <a:tailEnd type="none" w="med" len="med"/>
+                    </a:lnT>
+                    <a:lnB w="3175" cap="flat" cmpd="sng" algn="ctr">
+                      <a:solidFill>
+                        <a:schemeClr val="tx1">
+                          <a:lumMod val="50000"/>
+                          <a:lumOff val="50000"/>
+                        </a:schemeClr>
+                      </a:solidFill>
+                      <a:prstDash val="solid"/>
+                      <a:round/>
+                      <a:headEnd type="none" w="med" len="med"/>
+                      <a:tailEnd type="none" w="med" len="med"/>
+                    </a:lnB>
+                    <a:noFill/>
+                  </a:tcPr>
+                </a:tc>
+                <a:extLst>
+                  <a:ext uri="{0D108BD9-81ED-4DB2-BD59-A6C34878D82A}">
+                    <a16:rowId xmlns:a16="http://schemas.microsoft.com/office/drawing/2014/main" val="1283880267"/>
+                  </a:ext>
+                </a:extLst>
+              </a:tr>
+              <a:tr h="786307">
+                <a:tc gridSpan="2">
+                  <a:txBody>
+                    <a:bodyPr/>
+                    <a:lstStyle/>
+                    <a:p>
+                      <a:pPr marL="108000" marR="0" lvl="0" indent="-108000" algn="just" defTabSz="914400" rtl="0" eaLnBrk="1" fontAlgn="auto" latinLnBrk="1" hangingPunct="1">
+                        <a:lnSpc>
+                          <a:spcPct val="120000"/>
+                        </a:lnSpc>
+                        <a:spcBef>
+                          <a:spcPts val="0"/>
+                        </a:spcBef>
+                        <a:spcAft>
+                          <a:spcPts val="0"/>
+                        </a:spcAft>
+                        <a:buClrTx/>
+                        <a:buSzTx/>
+                        <a:buFont typeface="Arial" panose="020B0604020202020204" pitchFamily="34" charset="0"/>
+                        <a:buChar char="•"/>
+                        <a:tabLst/>
+                        <a:defRPr/>
+                      </a:pPr>
+                      <a:r>
+                        <a:rPr lang="ko-KR" altLang="en-US" sz="800" b="0" dirty="0">
+                          <a:solidFill>
+                            <a:schemeClr val="tx1"/>
+                          </a:solidFill>
+                          <a:latin typeface="+mn-ea"/>
+                          <a:ea typeface="+mn-ea"/>
+                          <a:sym typeface="맑은 고딕"/>
+                        </a:rPr>
+                        <a:t>회원들은 로그인 페이지를 통해 로그인이 가능합니다</a:t>
+                      </a:r>
+                      <a:r>
+                        <a:rPr lang="en-US" altLang="ko-KR" sz="800" b="0" dirty="0">
+                          <a:solidFill>
+                            <a:schemeClr val="tx1"/>
+                          </a:solidFill>
+                          <a:latin typeface="+mn-ea"/>
+                          <a:ea typeface="+mn-ea"/>
+                          <a:sym typeface="맑은 고딕"/>
+                        </a:rPr>
+                        <a:t>.</a:t>
+                      </a:r>
+                    </a:p>
+                  </a:txBody>
+                  <a:tcPr anchor="ctr">
+                    <a:lnL w="3175" cap="flat" cmpd="sng" algn="ctr">
+                      <a:noFill/>
+                      <a:prstDash val="solid"/>
+                      <a:round/>
+                      <a:headEnd type="none" w="med" len="med"/>
+                      <a:tailEnd type="none" w="med" len="med"/>
+                    </a:lnL>
+                    <a:lnR w="3175" cap="flat" cmpd="sng" algn="ctr">
+                      <a:noFill/>
+                      <a:prstDash val="solid"/>
+                      <a:round/>
+                      <a:headEnd type="none" w="med" len="med"/>
+                      <a:tailEnd type="none" w="med" len="med"/>
+                    </a:lnR>
+                    <a:lnT w="3175" cap="flat" cmpd="sng" algn="ctr">
+                      <a:solidFill>
+                        <a:schemeClr val="bg1">
+                          <a:lumMod val="65000"/>
+                        </a:schemeClr>
+                      </a:solidFill>
+                      <a:prstDash val="solid"/>
+                      <a:round/>
+                      <a:headEnd type="none" w="med" len="med"/>
+                      <a:tailEnd type="none" w="med" len="med"/>
+                    </a:lnT>
+                    <a:lnB w="3175" cap="flat" cmpd="sng" algn="ctr">
+                      <a:solidFill>
+                        <a:schemeClr val="tx1">
+                          <a:lumMod val="50000"/>
+                          <a:lumOff val="50000"/>
+                        </a:schemeClr>
+                      </a:solidFill>
+                      <a:prstDash val="solid"/>
+                      <a:round/>
+                      <a:headEnd type="none" w="med" len="med"/>
+                      <a:tailEnd type="none" w="med" len="med"/>
+                    </a:lnB>
+                    <a:noFill/>
+                  </a:tcPr>
+                </a:tc>
+                <a:tc hMerge="1">
+                  <a:txBody>
+                    <a:bodyPr/>
+                    <a:lstStyle/>
+                    <a:p>
+                      <a:pPr latinLnBrk="1"/>
+                      <a:endParaRPr lang="ko-KR" altLang="en-US"/>
+                    </a:p>
+                  </a:txBody>
+                  <a:tcPr/>
+                </a:tc>
+                <a:extLst>
+                  <a:ext uri="{0D108BD9-81ED-4DB2-BD59-A6C34878D82A}">
+                    <a16:rowId xmlns:a16="http://schemas.microsoft.com/office/drawing/2014/main" val="3072083066"/>
+                  </a:ext>
+                </a:extLst>
+              </a:tr>
+              <a:tr h="241592">
+                <a:tc>
+                  <a:txBody>
+                    <a:bodyPr/>
+                    <a:lstStyle/>
+                    <a:p>
+                      <a:pPr algn="ctr" latinLnBrk="1">
+                        <a:lnSpc>
+                          <a:spcPct val="120000"/>
+                        </a:lnSpc>
+                      </a:pPr>
+                      <a:r>
+                        <a:rPr lang="en-US" altLang="ko-KR" sz="850" b="0" dirty="0">
+                          <a:solidFill>
+                            <a:schemeClr val="tx1"/>
+                          </a:solidFill>
+                          <a:latin typeface="+mn-ea"/>
+                          <a:ea typeface="+mn-ea"/>
+                        </a:rPr>
+                        <a:t>1</a:t>
+                      </a:r>
+                      <a:endParaRPr lang="ko-KR" altLang="en-US" sz="850" b="0" dirty="0">
+                        <a:solidFill>
+                          <a:schemeClr val="tx1"/>
+                        </a:solidFill>
+                        <a:latin typeface="+mn-ea"/>
+                        <a:ea typeface="+mn-ea"/>
+                      </a:endParaRPr>
+                    </a:p>
+                  </a:txBody>
+                  <a:tcPr anchor="ctr">
+                    <a:lnL w="3175" cap="flat" cmpd="sng" algn="ctr">
+                      <a:noFill/>
+                      <a:prstDash val="solid"/>
+                      <a:round/>
+                      <a:headEnd type="none" w="med" len="med"/>
+                      <a:tailEnd type="none" w="med" len="med"/>
+                    </a:lnL>
+                    <a:lnR w="3175" cap="flat" cmpd="sng" algn="ctr">
+                      <a:solidFill>
+                        <a:schemeClr val="tx1">
+                          <a:lumMod val="50000"/>
+                          <a:lumOff val="50000"/>
+                        </a:schemeClr>
+                      </a:solidFill>
+                      <a:prstDash val="solid"/>
+                      <a:round/>
+                      <a:headEnd type="none" w="med" len="med"/>
+                      <a:tailEnd type="none" w="med" len="med"/>
+                    </a:lnR>
+                    <a:lnT w="3175" cap="flat" cmpd="sng" algn="ctr">
+                      <a:solidFill>
+                        <a:schemeClr val="tx1">
+                          <a:lumMod val="50000"/>
+                          <a:lumOff val="50000"/>
+                        </a:schemeClr>
+                      </a:solidFill>
+                      <a:prstDash val="solid"/>
+                      <a:round/>
+                      <a:headEnd type="none" w="med" len="med"/>
+                      <a:tailEnd type="none" w="med" len="med"/>
+                    </a:lnT>
+                    <a:lnB w="3175" cap="flat" cmpd="sng" algn="ctr">
+                      <a:solidFill>
+                        <a:schemeClr val="tx1">
+                          <a:lumMod val="50000"/>
+                          <a:lumOff val="50000"/>
+                        </a:schemeClr>
+                      </a:solidFill>
+                      <a:prstDash val="solid"/>
+                      <a:round/>
+                      <a:headEnd type="none" w="med" len="med"/>
+                      <a:tailEnd type="none" w="med" len="med"/>
+                    </a:lnB>
+                    <a:noFill/>
+                  </a:tcPr>
+                </a:tc>
+                <a:tc>
+                  <a:txBody>
+                    <a:bodyPr/>
+                    <a:lstStyle/>
+                    <a:p>
+                      <a:pPr algn="just" latinLnBrk="1">
+                        <a:lnSpc>
+                          <a:spcPct val="120000"/>
+                        </a:lnSpc>
+                      </a:pPr>
+                      <a:r>
+                        <a:rPr lang="ko-KR" altLang="en-US" sz="850" b="0" dirty="0">
+                          <a:latin typeface="+mn-ea"/>
+                          <a:ea typeface="+mn-ea"/>
+                        </a:rPr>
+                        <a:t>아이디를 잃어버렸거나 비밀번호를 잃어버린 회원들이 아이디 찾기 </a:t>
+                      </a:r>
+                      <a:r>
+                        <a:rPr lang="en-US" altLang="ko-KR" sz="850" b="0" dirty="0">
+                          <a:latin typeface="+mn-ea"/>
+                          <a:ea typeface="+mn-ea"/>
+                        </a:rPr>
+                        <a:t>(11p)</a:t>
+                      </a:r>
+                      <a:r>
+                        <a:rPr lang="ko-KR" altLang="en-US" sz="850" b="0" dirty="0">
+                          <a:latin typeface="+mn-ea"/>
+                          <a:ea typeface="+mn-ea"/>
+                        </a:rPr>
+                        <a:t> 또는 비밀번호 찾기</a:t>
+                      </a:r>
+                      <a:r>
+                        <a:rPr lang="en-US" altLang="ko-KR" sz="850" b="0" dirty="0">
+                          <a:latin typeface="+mn-ea"/>
+                          <a:ea typeface="+mn-ea"/>
+                        </a:rPr>
+                        <a:t>(12p)</a:t>
+                      </a:r>
+                      <a:r>
+                        <a:rPr lang="ko-KR" altLang="en-US" sz="850" b="0" dirty="0">
+                          <a:latin typeface="+mn-ea"/>
+                          <a:ea typeface="+mn-ea"/>
+                        </a:rPr>
+                        <a:t>로 이동하게 하는 버튼입니다</a:t>
+                      </a:r>
+                      <a:r>
+                        <a:rPr lang="en-US" altLang="ko-KR" sz="850" b="0" dirty="0">
+                          <a:latin typeface="+mn-ea"/>
+                          <a:ea typeface="+mn-ea"/>
+                        </a:rPr>
+                        <a:t>.</a:t>
+                      </a:r>
+                      <a:r>
+                        <a:rPr lang="ko-KR" altLang="en-US" sz="850" b="0" dirty="0">
+                          <a:latin typeface="+mn-ea"/>
+                          <a:ea typeface="+mn-ea"/>
+                        </a:rPr>
+                        <a:t> </a:t>
+                      </a:r>
+                      <a:endParaRPr lang="en-US" altLang="ko-KR" sz="850" b="0" dirty="0">
+                        <a:latin typeface="+mn-ea"/>
+                        <a:ea typeface="+mn-ea"/>
+                      </a:endParaRPr>
+                    </a:p>
+                  </a:txBody>
+                  <a:tcPr anchor="ctr">
+                    <a:lnL w="3175" cap="flat" cmpd="sng" algn="ctr">
+                      <a:solidFill>
+                        <a:schemeClr val="tx1">
+                          <a:lumMod val="50000"/>
+                          <a:lumOff val="50000"/>
+                        </a:schemeClr>
+                      </a:solidFill>
+                      <a:prstDash val="solid"/>
+                      <a:round/>
+                      <a:headEnd type="none" w="med" len="med"/>
+                      <a:tailEnd type="none" w="med" len="med"/>
+                    </a:lnL>
+                    <a:lnR w="3175" cap="flat" cmpd="sng" algn="ctr">
+                      <a:noFill/>
+                      <a:prstDash val="solid"/>
+                      <a:round/>
+                      <a:headEnd type="none" w="med" len="med"/>
+                      <a:tailEnd type="none" w="med" len="med"/>
+                    </a:lnR>
+                    <a:lnT w="3175" cap="flat" cmpd="sng" algn="ctr">
+                      <a:solidFill>
+                        <a:schemeClr val="tx1">
+                          <a:lumMod val="50000"/>
+                          <a:lumOff val="50000"/>
+                        </a:schemeClr>
+                      </a:solidFill>
+                      <a:prstDash val="solid"/>
+                      <a:round/>
+                      <a:headEnd type="none" w="med" len="med"/>
+                      <a:tailEnd type="none" w="med" len="med"/>
+                    </a:lnT>
+                    <a:lnB w="3175" cap="flat" cmpd="sng" algn="ctr">
+                      <a:solidFill>
+                        <a:schemeClr val="tx1">
+                          <a:lumMod val="50000"/>
+                          <a:lumOff val="50000"/>
+                        </a:schemeClr>
+                      </a:solidFill>
+                      <a:prstDash val="solid"/>
+                      <a:round/>
+                      <a:headEnd type="none" w="med" len="med"/>
+                      <a:tailEnd type="none" w="med" len="med"/>
+                    </a:lnB>
+                    <a:noFill/>
+                  </a:tcPr>
+                </a:tc>
+                <a:extLst>
+                  <a:ext uri="{0D108BD9-81ED-4DB2-BD59-A6C34878D82A}">
+                    <a16:rowId xmlns:a16="http://schemas.microsoft.com/office/drawing/2014/main" val="896699591"/>
+                  </a:ext>
+                </a:extLst>
+              </a:tr>
+              <a:tr h="241592">
+                <a:tc>
+                  <a:txBody>
+                    <a:bodyPr/>
+                    <a:lstStyle/>
+                    <a:p>
+                      <a:pPr algn="ctr" latinLnBrk="1">
+                        <a:lnSpc>
+                          <a:spcPct val="120000"/>
+                        </a:lnSpc>
+                      </a:pPr>
+                      <a:r>
+                        <a:rPr lang="en-US" altLang="ko-KR" sz="850" b="0" dirty="0">
+                          <a:latin typeface="+mn-ea"/>
+                          <a:ea typeface="+mn-ea"/>
+                        </a:rPr>
+                        <a:t>2</a:t>
+                      </a:r>
+                      <a:endParaRPr lang="ko-KR" altLang="en-US" sz="850" b="0" dirty="0">
+                        <a:latin typeface="+mn-ea"/>
+                        <a:ea typeface="+mn-ea"/>
+                      </a:endParaRPr>
+                    </a:p>
+                  </a:txBody>
+                  <a:tcPr anchor="ctr">
+                    <a:lnL w="3175" cap="flat" cmpd="sng" algn="ctr">
+                      <a:noFill/>
+                      <a:prstDash val="solid"/>
+                      <a:round/>
+                      <a:headEnd type="none" w="med" len="med"/>
+                      <a:tailEnd type="none" w="med" len="med"/>
+                    </a:lnL>
+                    <a:lnR w="3175" cap="flat" cmpd="sng" algn="ctr">
+                      <a:solidFill>
+                        <a:schemeClr val="tx1">
+                          <a:lumMod val="50000"/>
+                          <a:lumOff val="50000"/>
+                        </a:schemeClr>
+                      </a:solidFill>
+                      <a:prstDash val="solid"/>
+                      <a:round/>
+                      <a:headEnd type="none" w="med" len="med"/>
+                      <a:tailEnd type="none" w="med" len="med"/>
+                    </a:lnR>
+                    <a:lnT w="3175" cap="flat" cmpd="sng" algn="ctr">
+                      <a:solidFill>
+                        <a:schemeClr val="tx1">
+                          <a:lumMod val="50000"/>
+                          <a:lumOff val="50000"/>
+                        </a:schemeClr>
+                      </a:solidFill>
+                      <a:prstDash val="solid"/>
+                      <a:round/>
+                      <a:headEnd type="none" w="med" len="med"/>
+                      <a:tailEnd type="none" w="med" len="med"/>
+                    </a:lnT>
+                    <a:lnB w="3175" cap="flat" cmpd="sng" algn="ctr">
+                      <a:solidFill>
+                        <a:schemeClr val="tx1">
+                          <a:lumMod val="50000"/>
+                          <a:lumOff val="50000"/>
+                        </a:schemeClr>
+                      </a:solidFill>
+                      <a:prstDash val="solid"/>
+                      <a:round/>
+                      <a:headEnd type="none" w="med" len="med"/>
+                      <a:tailEnd type="none" w="med" len="med"/>
+                    </a:lnB>
+                    <a:noFill/>
+                  </a:tcPr>
+                </a:tc>
+                <a:tc>
+                  <a:txBody>
+                    <a:bodyPr/>
+                    <a:lstStyle/>
+                    <a:p>
+                      <a:pPr marL="0" marR="0" lvl="0" indent="0" algn="just" defTabSz="914400" rtl="0" eaLnBrk="1" fontAlgn="auto" latinLnBrk="1" hangingPunct="1">
+                        <a:lnSpc>
+                          <a:spcPct val="120000"/>
+                        </a:lnSpc>
+                        <a:spcBef>
+                          <a:spcPts val="0"/>
+                        </a:spcBef>
+                        <a:spcAft>
+                          <a:spcPts val="0"/>
+                        </a:spcAft>
+                        <a:buClrTx/>
+                        <a:buSzTx/>
+                        <a:buFontTx/>
+                        <a:buNone/>
+                        <a:tabLst/>
+                        <a:defRPr/>
+                      </a:pPr>
+                      <a:r>
+                        <a:rPr kumimoji="1" lang="ko-KR" altLang="en-US" sz="850" dirty="0">
+                          <a:solidFill>
+                            <a:schemeClr val="tx1"/>
+                          </a:solidFill>
+                          <a:latin typeface="+mn-ea"/>
+                        </a:rPr>
+                        <a:t>회원 이메일과 비밀번호를 올바르게 적은 후 로그인 하도록 하는 버튼입니다</a:t>
+                      </a:r>
+                      <a:r>
+                        <a:rPr kumimoji="1" lang="en-US" altLang="ko-KR" sz="850" dirty="0">
+                          <a:solidFill>
+                            <a:schemeClr val="tx1"/>
+                          </a:solidFill>
+                          <a:latin typeface="+mn-ea"/>
+                        </a:rPr>
+                        <a:t>.</a:t>
+                      </a:r>
+                      <a:endParaRPr kumimoji="1" lang="ko-KR" altLang="en-US" sz="850" dirty="0">
+                        <a:solidFill>
+                          <a:schemeClr val="tx1"/>
+                        </a:solidFill>
+                        <a:latin typeface="+mn-ea"/>
+                      </a:endParaRPr>
+                    </a:p>
+                  </a:txBody>
+                  <a:tcPr anchor="ctr">
+                    <a:lnL w="3175" cap="flat" cmpd="sng" algn="ctr">
+                      <a:solidFill>
+                        <a:schemeClr val="tx1">
+                          <a:lumMod val="50000"/>
+                          <a:lumOff val="50000"/>
+                        </a:schemeClr>
+                      </a:solidFill>
+                      <a:prstDash val="solid"/>
+                      <a:round/>
+                      <a:headEnd type="none" w="med" len="med"/>
+                      <a:tailEnd type="none" w="med" len="med"/>
+                    </a:lnL>
+                    <a:lnR w="3175" cap="flat" cmpd="sng" algn="ctr">
+                      <a:noFill/>
+                      <a:prstDash val="solid"/>
+                      <a:round/>
+                      <a:headEnd type="none" w="med" len="med"/>
+                      <a:tailEnd type="none" w="med" len="med"/>
+                    </a:lnR>
+                    <a:lnT w="3175" cap="flat" cmpd="sng" algn="ctr">
+                      <a:solidFill>
+                        <a:schemeClr val="tx1">
+                          <a:lumMod val="50000"/>
+                          <a:lumOff val="50000"/>
+                        </a:schemeClr>
+                      </a:solidFill>
+                      <a:prstDash val="solid"/>
+                      <a:round/>
+                      <a:headEnd type="none" w="med" len="med"/>
+                      <a:tailEnd type="none" w="med" len="med"/>
+                    </a:lnT>
+                    <a:lnB w="3175" cap="flat" cmpd="sng" algn="ctr">
+                      <a:solidFill>
+                        <a:schemeClr val="tx1">
+                          <a:lumMod val="50000"/>
+                          <a:lumOff val="50000"/>
+                        </a:schemeClr>
+                      </a:solidFill>
+                      <a:prstDash val="solid"/>
+                      <a:round/>
+                      <a:headEnd type="none" w="med" len="med"/>
+                      <a:tailEnd type="none" w="med" len="med"/>
+                    </a:lnB>
+                    <a:noFill/>
+                  </a:tcPr>
+                </a:tc>
+                <a:extLst>
+                  <a:ext uri="{0D108BD9-81ED-4DB2-BD59-A6C34878D82A}">
+                    <a16:rowId xmlns:a16="http://schemas.microsoft.com/office/drawing/2014/main" val="2972133637"/>
+                  </a:ext>
+                </a:extLst>
+              </a:tr>
+              <a:tr h="241592">
+                <a:tc>
+                  <a:txBody>
+                    <a:bodyPr/>
+                    <a:lstStyle/>
+                    <a:p>
+                      <a:pPr algn="ctr" latinLnBrk="1">
+                        <a:lnSpc>
+                          <a:spcPct val="120000"/>
+                        </a:lnSpc>
+                      </a:pPr>
+                      <a:r>
+                        <a:rPr lang="en-US" altLang="ko-KR" sz="850" b="0" dirty="0">
+                          <a:latin typeface="+mn-ea"/>
+                          <a:ea typeface="+mn-ea"/>
+                        </a:rPr>
+                        <a:t>3</a:t>
+                      </a:r>
+                      <a:endParaRPr lang="ko-KR" altLang="en-US" sz="850" b="0" dirty="0">
+                        <a:latin typeface="+mn-ea"/>
+                        <a:ea typeface="+mn-ea"/>
+                      </a:endParaRPr>
+                    </a:p>
+                  </a:txBody>
+                  <a:tcPr anchor="ctr">
+                    <a:lnL w="3175" cap="flat" cmpd="sng" algn="ctr">
+                      <a:noFill/>
+                      <a:prstDash val="solid"/>
+                      <a:round/>
+                      <a:headEnd type="none" w="med" len="med"/>
+                      <a:tailEnd type="none" w="med" len="med"/>
+                    </a:lnL>
+                    <a:lnR w="3175" cap="flat" cmpd="sng" algn="ctr">
+                      <a:solidFill>
+                        <a:schemeClr val="tx1">
+                          <a:lumMod val="50000"/>
+                          <a:lumOff val="50000"/>
+                        </a:schemeClr>
+                      </a:solidFill>
+                      <a:prstDash val="solid"/>
+                      <a:round/>
+                      <a:headEnd type="none" w="med" len="med"/>
+                      <a:tailEnd type="none" w="med" len="med"/>
+                    </a:lnR>
+                    <a:lnT w="3175" cap="flat" cmpd="sng" algn="ctr">
+                      <a:solidFill>
+                        <a:schemeClr val="tx1">
+                          <a:lumMod val="50000"/>
+                          <a:lumOff val="50000"/>
+                        </a:schemeClr>
+                      </a:solidFill>
+                      <a:prstDash val="solid"/>
+                      <a:round/>
+                      <a:headEnd type="none" w="med" len="med"/>
+                      <a:tailEnd type="none" w="med" len="med"/>
+                    </a:lnT>
+                    <a:lnB w="3175" cap="flat" cmpd="sng" algn="ctr">
+                      <a:solidFill>
+                        <a:schemeClr val="tx1">
+                          <a:lumMod val="50000"/>
+                          <a:lumOff val="50000"/>
+                        </a:schemeClr>
+                      </a:solidFill>
+                      <a:prstDash val="solid"/>
+                      <a:round/>
+                      <a:headEnd type="none" w="med" len="med"/>
+                      <a:tailEnd type="none" w="med" len="med"/>
+                    </a:lnB>
+                    <a:noFill/>
+                  </a:tcPr>
+                </a:tc>
+                <a:tc>
+                  <a:txBody>
+                    <a:bodyPr/>
+                    <a:lstStyle/>
+                    <a:p>
+                      <a:pPr algn="just" latinLnBrk="1">
+                        <a:lnSpc>
+                          <a:spcPct val="120000"/>
+                        </a:lnSpc>
+                      </a:pPr>
+                      <a:r>
+                        <a:rPr lang="ko-KR" altLang="en-US" sz="850" b="0" dirty="0">
+                          <a:latin typeface="+mn-ea"/>
+                          <a:ea typeface="+mn-ea"/>
+                        </a:rPr>
+                        <a:t>신규회원가입 화면으로 이동하는 버튼입니다</a:t>
+                      </a:r>
+                      <a:r>
+                        <a:rPr lang="en-US" altLang="ko-KR" sz="850" b="0" dirty="0">
+                          <a:latin typeface="+mn-ea"/>
+                          <a:ea typeface="+mn-ea"/>
+                        </a:rPr>
+                        <a:t>. </a:t>
+                      </a:r>
+                    </a:p>
+                    <a:p>
+                      <a:pPr algn="just" latinLnBrk="1">
+                        <a:lnSpc>
+                          <a:spcPct val="120000"/>
+                        </a:lnSpc>
+                      </a:pPr>
+                      <a:r>
+                        <a:rPr lang="en-US" altLang="ko-KR" sz="850" b="0" dirty="0">
+                          <a:latin typeface="+mn-ea"/>
+                          <a:ea typeface="+mn-ea"/>
+                        </a:rPr>
+                        <a:t>(8~10</a:t>
+                      </a:r>
+                      <a:r>
+                        <a:rPr lang="ko-KR" altLang="en-US" sz="850" b="0" dirty="0">
+                          <a:latin typeface="+mn-ea"/>
+                          <a:ea typeface="+mn-ea"/>
+                        </a:rPr>
+                        <a:t>페이지</a:t>
+                      </a:r>
+                      <a:r>
+                        <a:rPr lang="en-US" altLang="ko-KR" sz="850" b="0" dirty="0">
+                          <a:latin typeface="+mn-ea"/>
+                          <a:ea typeface="+mn-ea"/>
+                        </a:rPr>
+                        <a:t> </a:t>
+                      </a:r>
+                      <a:r>
+                        <a:rPr lang="ko-KR" altLang="en-US" sz="850" b="0" dirty="0">
+                          <a:latin typeface="+mn-ea"/>
+                          <a:ea typeface="+mn-ea"/>
+                        </a:rPr>
+                        <a:t>참조</a:t>
+                      </a:r>
+                      <a:r>
+                        <a:rPr lang="en-US" altLang="ko-KR" sz="850" b="0" dirty="0">
+                          <a:latin typeface="+mn-ea"/>
+                          <a:ea typeface="+mn-ea"/>
+                        </a:rPr>
+                        <a:t>)</a:t>
+                      </a:r>
+                      <a:endParaRPr lang="ko-KR" altLang="en-US" sz="850" b="0" dirty="0">
+                        <a:latin typeface="+mn-ea"/>
+                        <a:ea typeface="+mn-ea"/>
+                      </a:endParaRPr>
+                    </a:p>
+                  </a:txBody>
+                  <a:tcPr anchor="ctr">
+                    <a:lnL w="3175" cap="flat" cmpd="sng" algn="ctr">
+                      <a:solidFill>
+                        <a:schemeClr val="tx1">
+                          <a:lumMod val="50000"/>
+                          <a:lumOff val="50000"/>
+                        </a:schemeClr>
+                      </a:solidFill>
+                      <a:prstDash val="solid"/>
+                      <a:round/>
+                      <a:headEnd type="none" w="med" len="med"/>
+                      <a:tailEnd type="none" w="med" len="med"/>
+                    </a:lnL>
+                    <a:lnR w="3175" cap="flat" cmpd="sng" algn="ctr">
+                      <a:noFill/>
+                      <a:prstDash val="solid"/>
+                      <a:round/>
+                      <a:headEnd type="none" w="med" len="med"/>
+                      <a:tailEnd type="none" w="med" len="med"/>
+                    </a:lnR>
+                    <a:lnT w="3175" cap="flat" cmpd="sng" algn="ctr">
+                      <a:solidFill>
+                        <a:schemeClr val="tx1">
+                          <a:lumMod val="50000"/>
+                          <a:lumOff val="50000"/>
+                        </a:schemeClr>
+                      </a:solidFill>
+                      <a:prstDash val="solid"/>
+                      <a:round/>
+                      <a:headEnd type="none" w="med" len="med"/>
+                      <a:tailEnd type="none" w="med" len="med"/>
+                    </a:lnT>
+                    <a:lnB w="3175" cap="flat" cmpd="sng" algn="ctr">
+                      <a:solidFill>
+                        <a:schemeClr val="tx1">
+                          <a:lumMod val="50000"/>
+                          <a:lumOff val="50000"/>
+                        </a:schemeClr>
+                      </a:solidFill>
+                      <a:prstDash val="solid"/>
+                      <a:round/>
+                      <a:headEnd type="none" w="med" len="med"/>
+                      <a:tailEnd type="none" w="med" len="med"/>
+                    </a:lnB>
+                    <a:noFill/>
+                  </a:tcPr>
+                </a:tc>
+                <a:extLst>
+                  <a:ext uri="{0D108BD9-81ED-4DB2-BD59-A6C34878D82A}">
+                    <a16:rowId xmlns:a16="http://schemas.microsoft.com/office/drawing/2014/main" val="2075783758"/>
+                  </a:ext>
+                </a:extLst>
+              </a:tr>
+              <a:tr h="241592">
+                <a:tc>
+                  <a:txBody>
+                    <a:bodyPr/>
+                    <a:lstStyle/>
+                    <a:p>
+                      <a:pPr algn="ctr" latinLnBrk="1">
+                        <a:lnSpc>
+                          <a:spcPct val="120000"/>
+                        </a:lnSpc>
+                      </a:pPr>
+                      <a:r>
+                        <a:rPr lang="en-US" altLang="ko-KR" sz="850" b="0" dirty="0">
+                          <a:latin typeface="+mn-ea"/>
+                          <a:ea typeface="+mn-ea"/>
+                        </a:rPr>
+                        <a:t>4</a:t>
+                      </a:r>
+                      <a:endParaRPr lang="ko-KR" altLang="en-US" sz="850" b="0" dirty="0">
+                        <a:latin typeface="+mn-ea"/>
+                        <a:ea typeface="+mn-ea"/>
+                      </a:endParaRPr>
+                    </a:p>
+                  </a:txBody>
+                  <a:tcPr anchor="ctr">
+                    <a:lnL w="3175" cap="flat" cmpd="sng" algn="ctr">
+                      <a:noFill/>
+                      <a:prstDash val="solid"/>
+                      <a:round/>
+                      <a:headEnd type="none" w="med" len="med"/>
+                      <a:tailEnd type="none" w="med" len="med"/>
+                    </a:lnL>
+                    <a:lnR w="3175" cap="flat" cmpd="sng" algn="ctr">
+                      <a:solidFill>
+                        <a:schemeClr val="tx1">
+                          <a:lumMod val="50000"/>
+                          <a:lumOff val="50000"/>
+                        </a:schemeClr>
+                      </a:solidFill>
+                      <a:prstDash val="solid"/>
+                      <a:round/>
+                      <a:headEnd type="none" w="med" len="med"/>
+                      <a:tailEnd type="none" w="med" len="med"/>
+                    </a:lnR>
+                    <a:lnT w="3175" cap="flat" cmpd="sng" algn="ctr">
+                      <a:solidFill>
+                        <a:schemeClr val="tx1">
+                          <a:lumMod val="50000"/>
+                          <a:lumOff val="50000"/>
+                        </a:schemeClr>
+                      </a:solidFill>
+                      <a:prstDash val="solid"/>
+                      <a:round/>
+                      <a:headEnd type="none" w="med" len="med"/>
+                      <a:tailEnd type="none" w="med" len="med"/>
+                    </a:lnT>
+                    <a:lnB w="3175" cap="flat" cmpd="sng" algn="ctr">
+                      <a:solidFill>
+                        <a:schemeClr val="tx1">
+                          <a:lumMod val="50000"/>
+                          <a:lumOff val="50000"/>
+                        </a:schemeClr>
+                      </a:solidFill>
+                      <a:prstDash val="solid"/>
+                      <a:round/>
+                      <a:headEnd type="none" w="med" len="med"/>
+                      <a:tailEnd type="none" w="med" len="med"/>
+                    </a:lnB>
+                    <a:noFill/>
+                  </a:tcPr>
+                </a:tc>
+                <a:tc>
+                  <a:txBody>
+                    <a:bodyPr/>
+                    <a:lstStyle/>
+                    <a:p>
+                      <a:pPr marL="0" marR="0" lvl="0" indent="0" algn="just" defTabSz="914400" rtl="0" eaLnBrk="1" fontAlgn="auto" latinLnBrk="1" hangingPunct="1">
+                        <a:lnSpc>
+                          <a:spcPct val="120000"/>
+                        </a:lnSpc>
+                        <a:spcBef>
+                          <a:spcPts val="0"/>
+                        </a:spcBef>
+                        <a:spcAft>
+                          <a:spcPts val="0"/>
+                        </a:spcAft>
+                        <a:buClrTx/>
+                        <a:buSzTx/>
+                        <a:buFontTx/>
+                        <a:buNone/>
+                        <a:tabLst/>
+                        <a:defRPr/>
+                      </a:pPr>
+                      <a:r>
+                        <a:rPr kumimoji="1" lang="ko-KR" altLang="en-US" sz="850" dirty="0">
+                          <a:solidFill>
+                            <a:schemeClr val="tx1"/>
+                          </a:solidFill>
+                          <a:latin typeface="+mn-ea"/>
+                        </a:rPr>
+                        <a:t>클릭 시 해당 페이지로 이동합니다</a:t>
+                      </a:r>
+                      <a:r>
+                        <a:rPr kumimoji="1" lang="en-US" altLang="ko-KR" sz="850" dirty="0">
+                          <a:solidFill>
+                            <a:schemeClr val="tx1"/>
+                          </a:solidFill>
+                          <a:latin typeface="+mn-ea"/>
+                        </a:rPr>
+                        <a:t>. (</a:t>
+                      </a:r>
+                      <a:r>
+                        <a:rPr kumimoji="1" lang="ko-KR" altLang="en-US" sz="850" dirty="0">
+                          <a:solidFill>
+                            <a:schemeClr val="tx1"/>
+                          </a:solidFill>
+                          <a:latin typeface="+mn-ea"/>
+                        </a:rPr>
+                        <a:t>구현 예정</a:t>
+                      </a:r>
+                      <a:r>
+                        <a:rPr kumimoji="1" lang="en-US" altLang="ko-KR" sz="850" dirty="0">
+                          <a:solidFill>
+                            <a:schemeClr val="tx1"/>
+                          </a:solidFill>
+                          <a:latin typeface="+mn-ea"/>
+                        </a:rPr>
+                        <a:t>)</a:t>
+                      </a:r>
+                      <a:endParaRPr kumimoji="1" lang="ko-KR" altLang="en-US" sz="850" dirty="0">
+                        <a:solidFill>
+                          <a:schemeClr val="tx1"/>
+                        </a:solidFill>
+                        <a:latin typeface="+mn-ea"/>
+                      </a:endParaRPr>
+                    </a:p>
+                  </a:txBody>
+                  <a:tcPr anchor="ctr">
+                    <a:lnL w="3175" cap="flat" cmpd="sng" algn="ctr">
+                      <a:solidFill>
+                        <a:schemeClr val="tx1">
+                          <a:lumMod val="50000"/>
+                          <a:lumOff val="50000"/>
+                        </a:schemeClr>
+                      </a:solidFill>
+                      <a:prstDash val="solid"/>
+                      <a:round/>
+                      <a:headEnd type="none" w="med" len="med"/>
+                      <a:tailEnd type="none" w="med" len="med"/>
+                    </a:lnL>
+                    <a:lnR w="3175" cap="flat" cmpd="sng" algn="ctr">
+                      <a:noFill/>
+                      <a:prstDash val="solid"/>
+                      <a:round/>
+                      <a:headEnd type="none" w="med" len="med"/>
+                      <a:tailEnd type="none" w="med" len="med"/>
+                    </a:lnR>
+                    <a:lnT w="3175" cap="flat" cmpd="sng" algn="ctr">
+                      <a:solidFill>
+                        <a:schemeClr val="tx1">
+                          <a:lumMod val="50000"/>
+                          <a:lumOff val="50000"/>
+                        </a:schemeClr>
+                      </a:solidFill>
+                      <a:prstDash val="solid"/>
+                      <a:round/>
+                      <a:headEnd type="none" w="med" len="med"/>
+                      <a:tailEnd type="none" w="med" len="med"/>
+                    </a:lnT>
+                    <a:lnB w="3175" cap="flat" cmpd="sng" algn="ctr">
+                      <a:solidFill>
+                        <a:schemeClr val="tx1">
+                          <a:lumMod val="50000"/>
+                          <a:lumOff val="50000"/>
+                        </a:schemeClr>
+                      </a:solidFill>
+                      <a:prstDash val="solid"/>
+                      <a:round/>
+                      <a:headEnd type="none" w="med" len="med"/>
+                      <a:tailEnd type="none" w="med" len="med"/>
+                    </a:lnB>
+                    <a:noFill/>
+                  </a:tcPr>
+                </a:tc>
+                <a:extLst>
+                  <a:ext uri="{0D108BD9-81ED-4DB2-BD59-A6C34878D82A}">
+                    <a16:rowId xmlns:a16="http://schemas.microsoft.com/office/drawing/2014/main" val="1068123190"/>
+                  </a:ext>
+                </a:extLst>
+              </a:tr>
+              <a:tr h="241592">
+                <a:tc>
+                  <a:txBody>
+                    <a:bodyPr/>
+                    <a:lstStyle/>
+                    <a:p>
+                      <a:pPr algn="ctr" latinLnBrk="1">
+                        <a:lnSpc>
+                          <a:spcPct val="120000"/>
+                        </a:lnSpc>
+                      </a:pPr>
+                      <a:r>
+                        <a:rPr lang="en-US" altLang="ko-KR" sz="850" b="0" dirty="0">
+                          <a:latin typeface="+mn-ea"/>
+                          <a:ea typeface="+mn-ea"/>
+                        </a:rPr>
+                        <a:t>5</a:t>
+                      </a:r>
+                      <a:endParaRPr lang="ko-KR" altLang="en-US" sz="850" b="0" dirty="0">
+                        <a:latin typeface="+mn-ea"/>
+                        <a:ea typeface="+mn-ea"/>
+                      </a:endParaRPr>
+                    </a:p>
+                  </a:txBody>
+                  <a:tcPr anchor="ctr">
+                    <a:lnL w="3175" cap="flat" cmpd="sng" algn="ctr">
+                      <a:noFill/>
+                      <a:prstDash val="solid"/>
+                      <a:round/>
+                      <a:headEnd type="none" w="med" len="med"/>
+                      <a:tailEnd type="none" w="med" len="med"/>
+                    </a:lnL>
+                    <a:lnR w="3175" cap="flat" cmpd="sng" algn="ctr">
+                      <a:solidFill>
+                        <a:schemeClr val="tx1">
+                          <a:lumMod val="50000"/>
+                          <a:lumOff val="50000"/>
+                        </a:schemeClr>
+                      </a:solidFill>
+                      <a:prstDash val="solid"/>
+                      <a:round/>
+                      <a:headEnd type="none" w="med" len="med"/>
+                      <a:tailEnd type="none" w="med" len="med"/>
+                    </a:lnR>
+                    <a:lnT w="3175" cap="flat" cmpd="sng" algn="ctr">
+                      <a:solidFill>
+                        <a:schemeClr val="tx1">
+                          <a:lumMod val="50000"/>
+                          <a:lumOff val="50000"/>
+                        </a:schemeClr>
+                      </a:solidFill>
+                      <a:prstDash val="solid"/>
+                      <a:round/>
+                      <a:headEnd type="none" w="med" len="med"/>
+                      <a:tailEnd type="none" w="med" len="med"/>
+                    </a:lnT>
+                    <a:lnB w="3175" cap="flat" cmpd="sng" algn="ctr">
+                      <a:solidFill>
+                        <a:schemeClr val="tx1">
+                          <a:lumMod val="50000"/>
+                          <a:lumOff val="50000"/>
+                        </a:schemeClr>
+                      </a:solidFill>
+                      <a:prstDash val="solid"/>
+                      <a:round/>
+                      <a:headEnd type="none" w="med" len="med"/>
+                      <a:tailEnd type="none" w="med" len="med"/>
+                    </a:lnB>
+                    <a:noFill/>
+                  </a:tcPr>
+                </a:tc>
+                <a:tc>
+                  <a:txBody>
+                    <a:bodyPr/>
+                    <a:lstStyle/>
+                    <a:p>
+                      <a:pPr algn="just" latinLnBrk="1">
+                        <a:lnSpc>
+                          <a:spcPct val="120000"/>
+                        </a:lnSpc>
+                      </a:pPr>
+                      <a:r>
+                        <a:rPr lang="ko-KR" altLang="en-US" sz="850" b="0" dirty="0">
+                          <a:latin typeface="+mn-ea"/>
+                          <a:ea typeface="+mn-ea"/>
+                        </a:rPr>
+                        <a:t>클릭 시 이전</a:t>
+                      </a:r>
+                      <a:r>
+                        <a:rPr lang="en-US" altLang="ko-KR" sz="850" b="0" dirty="0">
+                          <a:latin typeface="+mn-ea"/>
+                          <a:ea typeface="+mn-ea"/>
+                        </a:rPr>
+                        <a:t>, </a:t>
+                      </a:r>
+                      <a:r>
+                        <a:rPr lang="ko-KR" altLang="en-US" sz="850" b="0" dirty="0">
+                          <a:latin typeface="+mn-ea"/>
+                          <a:ea typeface="+mn-ea"/>
+                        </a:rPr>
+                        <a:t>다음 배너로 이동합니다</a:t>
+                      </a:r>
+                      <a:r>
+                        <a:rPr lang="en-US" altLang="ko-KR" sz="850" b="0" dirty="0">
+                          <a:latin typeface="+mn-ea"/>
+                          <a:ea typeface="+mn-ea"/>
+                        </a:rPr>
+                        <a:t>.</a:t>
+                      </a:r>
+                      <a:endParaRPr lang="ko-KR" altLang="en-US" sz="850" b="0" dirty="0">
+                        <a:latin typeface="+mn-ea"/>
+                        <a:ea typeface="+mn-ea"/>
+                      </a:endParaRPr>
+                    </a:p>
+                  </a:txBody>
+                  <a:tcPr anchor="ctr">
+                    <a:lnL w="3175" cap="flat" cmpd="sng" algn="ctr">
+                      <a:solidFill>
+                        <a:schemeClr val="tx1">
+                          <a:lumMod val="50000"/>
+                          <a:lumOff val="50000"/>
+                        </a:schemeClr>
+                      </a:solidFill>
+                      <a:prstDash val="solid"/>
+                      <a:round/>
+                      <a:headEnd type="none" w="med" len="med"/>
+                      <a:tailEnd type="none" w="med" len="med"/>
+                    </a:lnL>
+                    <a:lnR w="3175" cap="flat" cmpd="sng" algn="ctr">
+                      <a:noFill/>
+                      <a:prstDash val="solid"/>
+                      <a:round/>
+                      <a:headEnd type="none" w="med" len="med"/>
+                      <a:tailEnd type="none" w="med" len="med"/>
+                    </a:lnR>
+                    <a:lnT w="3175" cap="flat" cmpd="sng" algn="ctr">
+                      <a:solidFill>
+                        <a:schemeClr val="tx1">
+                          <a:lumMod val="50000"/>
+                          <a:lumOff val="50000"/>
+                        </a:schemeClr>
+                      </a:solidFill>
+                      <a:prstDash val="solid"/>
+                      <a:round/>
+                      <a:headEnd type="none" w="med" len="med"/>
+                      <a:tailEnd type="none" w="med" len="med"/>
+                    </a:lnT>
+                    <a:lnB w="3175" cap="flat" cmpd="sng" algn="ctr">
+                      <a:solidFill>
+                        <a:schemeClr val="tx1">
+                          <a:lumMod val="50000"/>
+                          <a:lumOff val="50000"/>
+                        </a:schemeClr>
+                      </a:solidFill>
+                      <a:prstDash val="solid"/>
+                      <a:round/>
+                      <a:headEnd type="none" w="med" len="med"/>
+                      <a:tailEnd type="none" w="med" len="med"/>
+                    </a:lnB>
+                    <a:noFill/>
+                  </a:tcPr>
+                </a:tc>
+                <a:extLst>
+                  <a:ext uri="{0D108BD9-81ED-4DB2-BD59-A6C34878D82A}">
+                    <a16:rowId xmlns:a16="http://schemas.microsoft.com/office/drawing/2014/main" val="1494350657"/>
+                  </a:ext>
+                </a:extLst>
+              </a:tr>
+              <a:tr h="241592">
+                <a:tc>
+                  <a:txBody>
+                    <a:bodyPr/>
+                    <a:lstStyle/>
+                    <a:p>
+                      <a:pPr algn="ctr" latinLnBrk="1">
+                        <a:lnSpc>
+                          <a:spcPct val="120000"/>
+                        </a:lnSpc>
+                      </a:pPr>
+                      <a:r>
+                        <a:rPr lang="en-US" altLang="ko-KR" sz="850" b="0" dirty="0">
+                          <a:latin typeface="+mn-ea"/>
+                          <a:ea typeface="+mn-ea"/>
+                        </a:rPr>
+                        <a:t>6</a:t>
+                      </a:r>
+                      <a:endParaRPr lang="ko-KR" altLang="en-US" sz="850" b="0" dirty="0">
+                        <a:latin typeface="+mn-ea"/>
+                        <a:ea typeface="+mn-ea"/>
+                      </a:endParaRPr>
+                    </a:p>
+                  </a:txBody>
+                  <a:tcPr anchor="ctr">
+                    <a:lnL w="3175" cap="flat" cmpd="sng" algn="ctr">
+                      <a:noFill/>
+                      <a:prstDash val="solid"/>
+                      <a:round/>
+                      <a:headEnd type="none" w="med" len="med"/>
+                      <a:tailEnd type="none" w="med" len="med"/>
+                    </a:lnL>
+                    <a:lnR w="3175" cap="flat" cmpd="sng" algn="ctr">
+                      <a:solidFill>
+                        <a:schemeClr val="tx1">
+                          <a:lumMod val="50000"/>
+                          <a:lumOff val="50000"/>
+                        </a:schemeClr>
+                      </a:solidFill>
+                      <a:prstDash val="solid"/>
+                      <a:round/>
+                      <a:headEnd type="none" w="med" len="med"/>
+                      <a:tailEnd type="none" w="med" len="med"/>
+                    </a:lnR>
+                    <a:lnT w="3175" cap="flat" cmpd="sng" algn="ctr">
+                      <a:solidFill>
+                        <a:schemeClr val="tx1">
+                          <a:lumMod val="50000"/>
+                          <a:lumOff val="50000"/>
+                        </a:schemeClr>
+                      </a:solidFill>
+                      <a:prstDash val="solid"/>
+                      <a:round/>
+                      <a:headEnd type="none" w="med" len="med"/>
+                      <a:tailEnd type="none" w="med" len="med"/>
+                    </a:lnT>
+                    <a:lnB w="3175" cap="flat" cmpd="sng" algn="ctr">
+                      <a:solidFill>
+                        <a:schemeClr val="tx1">
+                          <a:lumMod val="50000"/>
+                          <a:lumOff val="50000"/>
+                        </a:schemeClr>
+                      </a:solidFill>
+                      <a:prstDash val="solid"/>
+                      <a:round/>
+                      <a:headEnd type="none" w="med" len="med"/>
+                      <a:tailEnd type="none" w="med" len="med"/>
+                    </a:lnB>
+                    <a:noFill/>
+                  </a:tcPr>
+                </a:tc>
+                <a:tc>
+                  <a:txBody>
+                    <a:bodyPr/>
+                    <a:lstStyle/>
+                    <a:p>
+                      <a:pPr algn="just" latinLnBrk="1">
+                        <a:lnSpc>
+                          <a:spcPct val="120000"/>
+                        </a:lnSpc>
+                      </a:pPr>
+                      <a:r>
+                        <a:rPr lang="ko-KR" altLang="en-US" sz="850" b="0" dirty="0">
+                          <a:latin typeface="+mn-ea"/>
+                          <a:ea typeface="+mn-ea"/>
+                        </a:rPr>
+                        <a:t>클릭 시 해당 번호의 배너로 이동합니다</a:t>
+                      </a:r>
+                      <a:r>
+                        <a:rPr lang="en-US" altLang="ko-KR" sz="850" b="0">
+                          <a:latin typeface="+mn-ea"/>
+                          <a:ea typeface="+mn-ea"/>
+                        </a:rPr>
+                        <a:t>.</a:t>
+                      </a:r>
+                      <a:endParaRPr lang="ko-KR" altLang="en-US" sz="850" b="0" dirty="0">
+                        <a:latin typeface="+mn-ea"/>
+                        <a:ea typeface="+mn-ea"/>
+                      </a:endParaRPr>
+                    </a:p>
+                  </a:txBody>
+                  <a:tcPr anchor="ctr">
+                    <a:lnL w="3175" cap="flat" cmpd="sng" algn="ctr">
+                      <a:solidFill>
+                        <a:schemeClr val="tx1">
+                          <a:lumMod val="50000"/>
+                          <a:lumOff val="50000"/>
+                        </a:schemeClr>
+                      </a:solidFill>
+                      <a:prstDash val="solid"/>
+                      <a:round/>
+                      <a:headEnd type="none" w="med" len="med"/>
+                      <a:tailEnd type="none" w="med" len="med"/>
+                    </a:lnL>
+                    <a:lnR w="3175" cap="flat" cmpd="sng" algn="ctr">
+                      <a:noFill/>
+                      <a:prstDash val="solid"/>
+                      <a:round/>
+                      <a:headEnd type="none" w="med" len="med"/>
+                      <a:tailEnd type="none" w="med" len="med"/>
+                    </a:lnR>
+                    <a:lnT w="3175" cap="flat" cmpd="sng" algn="ctr">
+                      <a:solidFill>
+                        <a:schemeClr val="tx1">
+                          <a:lumMod val="50000"/>
+                          <a:lumOff val="50000"/>
+                        </a:schemeClr>
+                      </a:solidFill>
+                      <a:prstDash val="solid"/>
+                      <a:round/>
+                      <a:headEnd type="none" w="med" len="med"/>
+                      <a:tailEnd type="none" w="med" len="med"/>
+                    </a:lnT>
+                    <a:lnB w="3175" cap="flat" cmpd="sng" algn="ctr">
+                      <a:solidFill>
+                        <a:schemeClr val="tx1">
+                          <a:lumMod val="50000"/>
+                          <a:lumOff val="50000"/>
+                        </a:schemeClr>
+                      </a:solidFill>
+                      <a:prstDash val="solid"/>
+                      <a:round/>
+                      <a:headEnd type="none" w="med" len="med"/>
+                      <a:tailEnd type="none" w="med" len="med"/>
+                    </a:lnB>
+                    <a:noFill/>
+                  </a:tcPr>
+                </a:tc>
+                <a:extLst>
+                  <a:ext uri="{0D108BD9-81ED-4DB2-BD59-A6C34878D82A}">
+                    <a16:rowId xmlns:a16="http://schemas.microsoft.com/office/drawing/2014/main" val="1839284551"/>
+                  </a:ext>
+                </a:extLst>
+              </a:tr>
+            </a:tbl>
+          </a:graphicData>
+        </a:graphic>
+      </p:graphicFrame>
+      <p:sp>
+        <p:nvSpPr>
+          <p:cNvPr id="8" name="TextBox 7">
+            <a:extLst>
+              <a:ext uri="{FF2B5EF4-FFF2-40B4-BE49-F238E27FC236}">
+                <a16:creationId xmlns:a16="http://schemas.microsoft.com/office/drawing/2014/main" id="{DDF58C48-5157-4FFA-B714-C02B198B9885}"/>
+              </a:ext>
+            </a:extLst>
+          </p:cNvPr>
+          <p:cNvSpPr txBox="1"/>
+          <p:nvPr/>
+        </p:nvSpPr>
+        <p:spPr>
+          <a:xfrm>
+            <a:off x="11780252" y="106980"/>
+            <a:ext cx="248786" cy="230832"/>
+          </a:xfrm>
+          <a:prstGeom prst="rect">
+            <a:avLst/>
+          </a:prstGeom>
+          <a:noFill/>
+        </p:spPr>
+        <p:txBody>
+          <a:bodyPr wrap="none" rtlCol="0">
+            <a:spAutoFit/>
+          </a:bodyPr>
+          <a:lstStyle/>
+          <a:p>
+            <a:fld id="{944918D1-1C8F-48E6-92D4-4089F97E8793}" type="slidenum">
+              <a:rPr lang="ko-KR" altLang="en-US" sz="900" smtClean="0"/>
+              <a:t>11</a:t>
+            </a:fld>
+            <a:endParaRPr lang="ko-KR" altLang="en-US" sz="900" dirty="0"/>
+          </a:p>
+        </p:txBody>
+      </p:sp>
+      <p:pic>
+        <p:nvPicPr>
+          <p:cNvPr id="9" name="그림 8">
+            <a:extLst>
+              <a:ext uri="{FF2B5EF4-FFF2-40B4-BE49-F238E27FC236}">
+                <a16:creationId xmlns:a16="http://schemas.microsoft.com/office/drawing/2014/main" id="{B3BC66A0-1882-4672-851F-7BA235B1112B}"/>
+              </a:ext>
+            </a:extLst>
+          </p:cNvPr>
+          <p:cNvPicPr>
+            <a:picLocks noChangeAspect="1"/>
+          </p:cNvPicPr>
+          <p:nvPr/>
+        </p:nvPicPr>
+        <p:blipFill>
+          <a:blip r:embed="rId3" cstate="print">
+            <a:extLst>
+              <a:ext uri="{28A0092B-C50C-407E-A947-70E740481C1C}">
+                <a14:useLocalDpi xmlns:a14="http://schemas.microsoft.com/office/drawing/2010/main" val="0"/>
+              </a:ext>
+            </a:extLst>
+          </a:blip>
+          <a:stretch>
+            <a:fillRect/>
+          </a:stretch>
+        </p:blipFill>
+        <p:spPr>
+          <a:xfrm>
+            <a:off x="2135560" y="2242229"/>
+            <a:ext cx="220536" cy="222691"/>
+          </a:xfrm>
+          <a:prstGeom prst="rect">
+            <a:avLst/>
+          </a:prstGeom>
+        </p:spPr>
+      </p:pic>
+      <p:pic>
+        <p:nvPicPr>
+          <p:cNvPr id="10" name="그림 9">
+            <a:extLst>
+              <a:ext uri="{FF2B5EF4-FFF2-40B4-BE49-F238E27FC236}">
+                <a16:creationId xmlns:a16="http://schemas.microsoft.com/office/drawing/2014/main" id="{A75A36AD-74B0-4D01-B235-FF3FD1E93A0B}"/>
+              </a:ext>
+            </a:extLst>
+          </p:cNvPr>
+          <p:cNvPicPr>
+            <a:picLocks noChangeAspect="1"/>
+          </p:cNvPicPr>
+          <p:nvPr/>
+        </p:nvPicPr>
+        <p:blipFill>
+          <a:blip r:embed="rId4" cstate="print">
+            <a:extLst>
+              <a:ext uri="{28A0092B-C50C-407E-A947-70E740481C1C}">
+                <a14:useLocalDpi xmlns:a14="http://schemas.microsoft.com/office/drawing/2010/main" val="0"/>
+              </a:ext>
+            </a:extLst>
+          </a:blip>
+          <a:stretch>
+            <a:fillRect/>
+          </a:stretch>
+        </p:blipFill>
+        <p:spPr>
+          <a:xfrm>
+            <a:off x="1703512" y="2622808"/>
+            <a:ext cx="223200" cy="223200"/>
+          </a:xfrm>
+          <a:prstGeom prst="rect">
+            <a:avLst/>
+          </a:prstGeom>
+        </p:spPr>
+      </p:pic>
+      <p:pic>
+        <p:nvPicPr>
+          <p:cNvPr id="11" name="그림 10">
+            <a:extLst>
+              <a:ext uri="{FF2B5EF4-FFF2-40B4-BE49-F238E27FC236}">
+                <a16:creationId xmlns:a16="http://schemas.microsoft.com/office/drawing/2014/main" id="{0900B5F8-9689-4023-A045-1BE897B379A4}"/>
+              </a:ext>
+            </a:extLst>
+          </p:cNvPr>
+          <p:cNvPicPr>
+            <a:picLocks noChangeAspect="1"/>
+          </p:cNvPicPr>
+          <p:nvPr/>
+        </p:nvPicPr>
+        <p:blipFill>
+          <a:blip r:embed="rId5" cstate="print">
+            <a:extLst>
+              <a:ext uri="{28A0092B-C50C-407E-A947-70E740481C1C}">
+                <a14:useLocalDpi xmlns:a14="http://schemas.microsoft.com/office/drawing/2010/main" val="0"/>
+              </a:ext>
+            </a:extLst>
+          </a:blip>
+          <a:stretch>
+            <a:fillRect/>
+          </a:stretch>
+        </p:blipFill>
+        <p:spPr>
+          <a:xfrm>
+            <a:off x="2682122" y="2622808"/>
+            <a:ext cx="223200" cy="223200"/>
+          </a:xfrm>
+          <a:prstGeom prst="rect">
+            <a:avLst/>
+          </a:prstGeom>
+        </p:spPr>
+      </p:pic>
+      <p:pic>
+        <p:nvPicPr>
+          <p:cNvPr id="12" name="그림 11">
+            <a:extLst>
+              <a:ext uri="{FF2B5EF4-FFF2-40B4-BE49-F238E27FC236}">
+                <a16:creationId xmlns:a16="http://schemas.microsoft.com/office/drawing/2014/main" id="{7C7FBCC1-94EB-4C29-8486-8CD8B381FE79}"/>
+              </a:ext>
+            </a:extLst>
+          </p:cNvPr>
+          <p:cNvPicPr>
+            <a:picLocks noChangeAspect="1"/>
+          </p:cNvPicPr>
+          <p:nvPr/>
+        </p:nvPicPr>
+        <p:blipFill>
+          <a:blip r:embed="rId6" cstate="print">
+            <a:extLst>
+              <a:ext uri="{28A0092B-C50C-407E-A947-70E740481C1C}">
+                <a14:useLocalDpi xmlns:a14="http://schemas.microsoft.com/office/drawing/2010/main" val="0"/>
+              </a:ext>
+            </a:extLst>
+          </a:blip>
+          <a:stretch>
+            <a:fillRect/>
+          </a:stretch>
+        </p:blipFill>
+        <p:spPr>
+          <a:xfrm>
+            <a:off x="4164788" y="1844822"/>
+            <a:ext cx="223200" cy="214134"/>
+          </a:xfrm>
+          <a:prstGeom prst="rect">
+            <a:avLst/>
+          </a:prstGeom>
+        </p:spPr>
+      </p:pic>
+      <p:pic>
+        <p:nvPicPr>
+          <p:cNvPr id="13" name="그림 12">
+            <a:extLst>
+              <a:ext uri="{FF2B5EF4-FFF2-40B4-BE49-F238E27FC236}">
+                <a16:creationId xmlns:a16="http://schemas.microsoft.com/office/drawing/2014/main" id="{B29055F2-94F8-4D60-8F56-8914186205FE}"/>
+              </a:ext>
+            </a:extLst>
+          </p:cNvPr>
+          <p:cNvPicPr>
+            <a:picLocks noChangeAspect="1"/>
+          </p:cNvPicPr>
+          <p:nvPr/>
+        </p:nvPicPr>
+        <p:blipFill>
+          <a:blip r:embed="rId7" cstate="print">
+            <a:extLst>
+              <a:ext uri="{28A0092B-C50C-407E-A947-70E740481C1C}">
+                <a14:useLocalDpi xmlns:a14="http://schemas.microsoft.com/office/drawing/2010/main" val="0"/>
+              </a:ext>
+            </a:extLst>
+          </a:blip>
+          <a:stretch>
+            <a:fillRect/>
+          </a:stretch>
+        </p:blipFill>
+        <p:spPr>
+          <a:xfrm>
+            <a:off x="4368146" y="2524303"/>
+            <a:ext cx="222113" cy="223200"/>
+          </a:xfrm>
+          <a:prstGeom prst="rect">
+            <a:avLst/>
+          </a:prstGeom>
+        </p:spPr>
+      </p:pic>
+      <p:pic>
+        <p:nvPicPr>
+          <p:cNvPr id="15" name="그림 14">
+            <a:extLst>
+              <a:ext uri="{FF2B5EF4-FFF2-40B4-BE49-F238E27FC236}">
+                <a16:creationId xmlns:a16="http://schemas.microsoft.com/office/drawing/2014/main" id="{0ECB854B-1343-4577-B32D-6FB83D19B403}"/>
+              </a:ext>
+            </a:extLst>
+          </p:cNvPr>
+          <p:cNvPicPr>
+            <a:picLocks noChangeAspect="1"/>
+          </p:cNvPicPr>
+          <p:nvPr/>
+        </p:nvPicPr>
+        <p:blipFill>
+          <a:blip r:embed="rId8" cstate="print">
+            <a:extLst>
+              <a:ext uri="{28A0092B-C50C-407E-A947-70E740481C1C}">
+                <a14:useLocalDpi xmlns:a14="http://schemas.microsoft.com/office/drawing/2010/main" val="0"/>
+              </a:ext>
+            </a:extLst>
+          </a:blip>
+          <a:stretch>
+            <a:fillRect/>
+          </a:stretch>
+        </p:blipFill>
+        <p:spPr>
+          <a:xfrm>
+            <a:off x="4799856" y="3205800"/>
+            <a:ext cx="222113" cy="223200"/>
+          </a:xfrm>
+          <a:prstGeom prst="rect">
+            <a:avLst/>
+          </a:prstGeom>
+        </p:spPr>
+      </p:pic>
+      <p:pic>
+        <p:nvPicPr>
+          <p:cNvPr id="16" name="그림 15">
+            <a:extLst>
+              <a:ext uri="{FF2B5EF4-FFF2-40B4-BE49-F238E27FC236}">
+                <a16:creationId xmlns:a16="http://schemas.microsoft.com/office/drawing/2014/main" id="{2C57D9C6-6162-42D2-AD4E-16526CBE0CA1}"/>
+              </a:ext>
+            </a:extLst>
+          </p:cNvPr>
+          <p:cNvPicPr>
+            <a:picLocks noChangeAspect="1"/>
+          </p:cNvPicPr>
+          <p:nvPr/>
+        </p:nvPicPr>
+        <p:blipFill>
+          <a:blip r:embed="rId7" cstate="print">
+            <a:extLst>
+              <a:ext uri="{28A0092B-C50C-407E-A947-70E740481C1C}">
+                <a14:useLocalDpi xmlns:a14="http://schemas.microsoft.com/office/drawing/2010/main" val="0"/>
+              </a:ext>
+            </a:extLst>
+          </a:blip>
+          <a:stretch>
+            <a:fillRect/>
+          </a:stretch>
+        </p:blipFill>
+        <p:spPr>
+          <a:xfrm>
+            <a:off x="6877570" y="2492387"/>
+            <a:ext cx="222113" cy="223200"/>
+          </a:xfrm>
+          <a:prstGeom prst="rect">
+            <a:avLst/>
+          </a:prstGeom>
+        </p:spPr>
+      </p:pic>
+    </p:spTree>
+    <p:extLst>
+      <p:ext uri="{BB962C8B-B14F-4D97-AF65-F5344CB8AC3E}">
+        <p14:creationId xmlns:p14="http://schemas.microsoft.com/office/powerpoint/2010/main" val="1550071479"/>
+      </p:ext>
+    </p:extLst>
+  </p:cSld>
+  <p:clrMapOvr>
+    <a:masterClrMapping/>
+  </p:clrMapOvr>
+</p:sld>
+</file>
+
+<file path=ppt/slides/slide12.xml><?xml version="1.0" encoding="utf-8"?>
+<p:sld xmlns:a="http://schemas.openxmlformats.org/drawingml/2006/main" xmlns:r="http://schemas.openxmlformats.org/officeDocument/2006/relationships" xmlns:p="http://schemas.openxmlformats.org/presentationml/2006/main">
+  <p:cSld>
+    <p:spTree>
+      <p:nvGrpSpPr>
+        <p:cNvPr id="1" name=""/>
+        <p:cNvGrpSpPr/>
+        <p:nvPr/>
+      </p:nvGrpSpPr>
+      <p:grpSpPr>
+        <a:xfrm>
+          <a:off x="0" y="0"/>
+          <a:ext cx="0" cy="0"/>
+          <a:chOff x="0" y="0"/>
+          <a:chExt cx="0" cy="0"/>
+        </a:xfrm>
+      </p:grpSpPr>
+      <p:sp>
+        <p:nvSpPr>
+          <p:cNvPr id="2" name="제목 1">
+            <a:extLst>
+              <a:ext uri="{FF2B5EF4-FFF2-40B4-BE49-F238E27FC236}">
+                <a16:creationId xmlns:a16="http://schemas.microsoft.com/office/drawing/2014/main" id="{7959323A-BA29-4853-97C4-82E74244E3A8}"/>
+              </a:ext>
+            </a:extLst>
+          </p:cNvPr>
+          <p:cNvSpPr>
+            <a:spLocks noGrp="1"/>
+          </p:cNvSpPr>
+          <p:nvPr>
+            <p:ph type="title"/>
+          </p:nvPr>
+        </p:nvSpPr>
+        <p:spPr/>
+        <p:txBody>
+          <a:bodyPr/>
+          <a:lstStyle/>
+          <a:p>
+            <a:r>
+              <a:rPr lang="en-US" altLang="ko-KR" dirty="0"/>
+              <a:t>Logic process</a:t>
+            </a:r>
+            <a:endParaRPr lang="ko-KR" altLang="en-US" dirty="0"/>
+          </a:p>
+        </p:txBody>
+      </p:sp>
+      <p:pic>
+        <p:nvPicPr>
+          <p:cNvPr id="4" name="그림 3">
+            <a:extLst>
+              <a:ext uri="{FF2B5EF4-FFF2-40B4-BE49-F238E27FC236}">
+                <a16:creationId xmlns:a16="http://schemas.microsoft.com/office/drawing/2014/main" id="{2AD1A320-74D9-4095-B3AA-3FA0D7171847}"/>
+              </a:ext>
+            </a:extLst>
+          </p:cNvPr>
+          <p:cNvPicPr>
+            <a:picLocks noChangeAspect="1"/>
+          </p:cNvPicPr>
+          <p:nvPr/>
+        </p:nvPicPr>
+        <p:blipFill rotWithShape="1">
+          <a:blip r:embed="rId2">
+            <a:extLst>
+              <a:ext uri="{28A0092B-C50C-407E-A947-70E740481C1C}">
+                <a14:useLocalDpi xmlns:a14="http://schemas.microsoft.com/office/drawing/2010/main" val="0"/>
+              </a:ext>
+            </a:extLst>
+          </a:blip>
+          <a:srcRect l="10698" b="60500"/>
+          <a:stretch/>
+        </p:blipFill>
+        <p:spPr>
+          <a:xfrm>
+            <a:off x="1631504" y="1010827"/>
+            <a:ext cx="7814203" cy="4608512"/>
+          </a:xfrm>
+          <a:prstGeom prst="rect">
+            <a:avLst/>
+          </a:prstGeom>
+        </p:spPr>
+      </p:pic>
+    </p:spTree>
+    <p:extLst>
+      <p:ext uri="{BB962C8B-B14F-4D97-AF65-F5344CB8AC3E}">
+        <p14:creationId xmlns:p14="http://schemas.microsoft.com/office/powerpoint/2010/main" val="2868258012"/>
+      </p:ext>
+    </p:extLst>
+  </p:cSld>
+  <p:clrMapOvr>
+    <a:masterClrMapping/>
+  </p:clrMapOvr>
+</p:sld>
+</file>
+
+<file path=ppt/slides/slide13.xml><?xml version="1.0" encoding="utf-8"?>
+<p:sld xmlns:a="http://schemas.openxmlformats.org/drawingml/2006/main" xmlns:r="http://schemas.openxmlformats.org/officeDocument/2006/relationships" xmlns:p="http://schemas.openxmlformats.org/presentationml/2006/main">
+  <p:cSld>
+    <p:spTree>
+      <p:nvGrpSpPr>
+        <p:cNvPr id="1" name=""/>
+        <p:cNvGrpSpPr/>
+        <p:nvPr/>
+      </p:nvGrpSpPr>
+      <p:grpSpPr>
+        <a:xfrm>
+          <a:off x="0" y="0"/>
+          <a:ext cx="0" cy="0"/>
+          <a:chOff x="0" y="0"/>
+          <a:chExt cx="0" cy="0"/>
+        </a:xfrm>
+      </p:grpSpPr>
+      <p:sp>
+        <p:nvSpPr>
+          <p:cNvPr id="2" name="제목 1">
+            <a:extLst>
+              <a:ext uri="{FF2B5EF4-FFF2-40B4-BE49-F238E27FC236}">
+                <a16:creationId xmlns:a16="http://schemas.microsoft.com/office/drawing/2014/main" id="{719F2D03-4DCC-42DA-95ED-B3FF360D7F63}"/>
+              </a:ext>
+            </a:extLst>
+          </p:cNvPr>
+          <p:cNvSpPr>
+            <a:spLocks noGrp="1"/>
+          </p:cNvSpPr>
+          <p:nvPr>
+            <p:ph type="title"/>
+          </p:nvPr>
+        </p:nvSpPr>
+        <p:spPr/>
+        <p:txBody>
+          <a:bodyPr/>
+          <a:lstStyle/>
+          <a:p>
+            <a:r>
+              <a:rPr lang="en-US" altLang="ko-KR" dirty="0"/>
+              <a:t>User flow</a:t>
+            </a:r>
+            <a:endParaRPr lang="ko-KR" altLang="en-US" dirty="0"/>
+          </a:p>
+        </p:txBody>
+      </p:sp>
+      <p:sp>
+        <p:nvSpPr>
+          <p:cNvPr id="139" name="TextBox 138">
+            <a:extLst>
+              <a:ext uri="{FF2B5EF4-FFF2-40B4-BE49-F238E27FC236}">
+                <a16:creationId xmlns:a16="http://schemas.microsoft.com/office/drawing/2014/main" id="{019DD9D0-C87E-43B8-8B11-2D13E82FE4B0}"/>
+              </a:ext>
+            </a:extLst>
+          </p:cNvPr>
+          <p:cNvSpPr txBox="1"/>
+          <p:nvPr/>
+        </p:nvSpPr>
+        <p:spPr>
+          <a:xfrm>
+            <a:off x="11780252" y="106980"/>
+            <a:ext cx="248786" cy="230832"/>
+          </a:xfrm>
+          <a:prstGeom prst="rect">
+            <a:avLst/>
+          </a:prstGeom>
+          <a:noFill/>
+        </p:spPr>
+        <p:txBody>
+          <a:bodyPr wrap="none" rtlCol="0">
+            <a:spAutoFit/>
+          </a:bodyPr>
+          <a:lstStyle/>
+          <a:p>
+            <a:fld id="{944918D1-1C8F-48E6-92D4-4089F97E8793}" type="slidenum">
+              <a:rPr lang="ko-KR" altLang="en-US" sz="900" smtClean="0"/>
+              <a:t>13</a:t>
+            </a:fld>
+            <a:endParaRPr lang="ko-KR" altLang="en-US" sz="900" dirty="0"/>
+          </a:p>
+        </p:txBody>
+      </p:sp>
+      <p:pic>
+        <p:nvPicPr>
+          <p:cNvPr id="4" name="그림 3">
+            <a:extLst>
+              <a:ext uri="{FF2B5EF4-FFF2-40B4-BE49-F238E27FC236}">
+                <a16:creationId xmlns:a16="http://schemas.microsoft.com/office/drawing/2014/main" id="{F0C05C61-835E-4DA7-85C0-159EE11FD19C}"/>
+              </a:ext>
+            </a:extLst>
+          </p:cNvPr>
+          <p:cNvPicPr>
+            <a:picLocks noChangeAspect="1"/>
+          </p:cNvPicPr>
+          <p:nvPr/>
+        </p:nvPicPr>
+        <p:blipFill rotWithShape="1">
+          <a:blip r:embed="rId2">
+            <a:extLst>
+              <a:ext uri="{28A0092B-C50C-407E-A947-70E740481C1C}">
+                <a14:useLocalDpi xmlns:a14="http://schemas.microsoft.com/office/drawing/2010/main" val="0"/>
+              </a:ext>
+            </a:extLst>
+          </a:blip>
+          <a:srcRect l="9615" t="46291" r="-9615" b="-491"/>
+          <a:stretch/>
+        </p:blipFill>
+        <p:spPr>
+          <a:xfrm>
+            <a:off x="2279576" y="1074347"/>
+            <a:ext cx="7488832" cy="5411923"/>
+          </a:xfrm>
+          <a:prstGeom prst="rect">
+            <a:avLst/>
+          </a:prstGeom>
+        </p:spPr>
+      </p:pic>
+    </p:spTree>
+    <p:extLst>
+      <p:ext uri="{BB962C8B-B14F-4D97-AF65-F5344CB8AC3E}">
+        <p14:creationId xmlns:p14="http://schemas.microsoft.com/office/powerpoint/2010/main" val="1926634286"/>
+      </p:ext>
+    </p:extLst>
+  </p:cSld>
+  <p:clrMapOvr>
+    <a:masterClrMapping/>
+  </p:clrMapOvr>
+</p:sld>
+</file>
+
+<file path=ppt/slides/slide14.xml><?xml version="1.0" encoding="utf-8"?>
+<p:sld xmlns:a="http://schemas.openxmlformats.org/drawingml/2006/main" xmlns:r="http://schemas.openxmlformats.org/officeDocument/2006/relationships" xmlns:p="http://schemas.openxmlformats.org/presentationml/2006/main">
+  <p:cSld>
+    <p:spTree>
+      <p:nvGrpSpPr>
+        <p:cNvPr id="1" name=""/>
+        <p:cNvGrpSpPr/>
+        <p:nvPr/>
+      </p:nvGrpSpPr>
+      <p:grpSpPr>
+        <a:xfrm>
+          <a:off x="0" y="0"/>
+          <a:ext cx="0" cy="0"/>
+          <a:chOff x="0" y="0"/>
+          <a:chExt cx="0" cy="0"/>
+        </a:xfrm>
+      </p:grpSpPr>
+      <p:sp>
+        <p:nvSpPr>
+          <p:cNvPr id="3" name="제목 2">
+            <a:extLst>
+              <a:ext uri="{FF2B5EF4-FFF2-40B4-BE49-F238E27FC236}">
+                <a16:creationId xmlns:a16="http://schemas.microsoft.com/office/drawing/2014/main" id="{683ED0D4-343F-4AC4-936C-4771ADDE3DEC}"/>
+              </a:ext>
+            </a:extLst>
+          </p:cNvPr>
+          <p:cNvSpPr>
+            <a:spLocks noGrp="1"/>
+          </p:cNvSpPr>
+          <p:nvPr>
+            <p:ph type="title"/>
+          </p:nvPr>
+        </p:nvSpPr>
+        <p:spPr/>
+        <p:txBody>
+          <a:bodyPr/>
+          <a:lstStyle/>
+          <a:p>
+            <a:r>
+              <a:rPr lang="ko-KR" altLang="en-US" dirty="0"/>
+              <a:t>회원가입</a:t>
+            </a:r>
+          </a:p>
+        </p:txBody>
+      </p:sp>
+      <p:sp>
+        <p:nvSpPr>
+          <p:cNvPr id="4" name="텍스트 개체 틀 3">
+            <a:extLst>
+              <a:ext uri="{FF2B5EF4-FFF2-40B4-BE49-F238E27FC236}">
+                <a16:creationId xmlns:a16="http://schemas.microsoft.com/office/drawing/2014/main" id="{566248F4-75FF-4781-B7FF-A6FE901E2D68}"/>
+              </a:ext>
+            </a:extLst>
+          </p:cNvPr>
+          <p:cNvSpPr>
+            <a:spLocks noGrp="1"/>
+          </p:cNvSpPr>
+          <p:nvPr>
+            <p:ph type="body" sz="quarter" idx="10"/>
+          </p:nvPr>
+        </p:nvSpPr>
+        <p:spPr/>
+        <p:txBody>
+          <a:bodyPr/>
+          <a:lstStyle/>
+          <a:p>
+            <a:r>
+              <a:rPr lang="en-US" altLang="ko-KR" dirty="0" err="1"/>
+              <a:t>STforU</a:t>
+            </a:r>
+            <a:r>
+              <a:rPr lang="en-US" altLang="ko-KR" dirty="0"/>
+              <a:t> </a:t>
+            </a:r>
+            <a:r>
+              <a:rPr lang="ko-KR" altLang="en-US" dirty="0"/>
+              <a:t>회원가입</a:t>
+            </a:r>
+          </a:p>
+        </p:txBody>
+      </p:sp>
+    </p:spTree>
+    <p:extLst>
+      <p:ext uri="{BB962C8B-B14F-4D97-AF65-F5344CB8AC3E}">
+        <p14:creationId xmlns:p14="http://schemas.microsoft.com/office/powerpoint/2010/main" val="1876930253"/>
+      </p:ext>
+    </p:extLst>
+  </p:cSld>
+  <p:clrMapOvr>
+    <a:masterClrMapping/>
+  </p:clrMapOvr>
+</p:sld>
+</file>
+
+<file path=ppt/slides/slide15.xml><?xml version="1.0" encoding="utf-8"?>
+<p:sld xmlns:a="http://schemas.openxmlformats.org/drawingml/2006/main" xmlns:r="http://schemas.openxmlformats.org/officeDocument/2006/relationships" xmlns:p="http://schemas.openxmlformats.org/presentationml/2006/main">
+  <p:cSld>
+    <p:spTree>
+      <p:nvGrpSpPr>
+        <p:cNvPr id="1" name=""/>
+        <p:cNvGrpSpPr/>
+        <p:nvPr/>
+      </p:nvGrpSpPr>
+      <p:grpSpPr>
+        <a:xfrm>
+          <a:off x="0" y="0"/>
+          <a:ext cx="0" cy="0"/>
+          <a:chOff x="0" y="0"/>
+          <a:chExt cx="0" cy="0"/>
+        </a:xfrm>
+      </p:grpSpPr>
+      <p:sp>
+        <p:nvSpPr>
           <p:cNvPr id="4" name="텍스트 개체 틀 3">
             <a:extLst>
               <a:ext uri="{FF2B5EF4-FFF2-40B4-BE49-F238E27FC236}">
@@ -4134,42 +6366,12 @@
           <a:p>
             <a:fld id="{944918D1-1C8F-48E6-92D4-4089F97E8793}" type="slidenum">
               <a:rPr lang="ko-KR" altLang="en-US" sz="900" smtClean="0"/>
-              <a:t>10</a:t>
+              <a:t>15</a:t>
             </a:fld>
             <a:endParaRPr lang="ko-KR" altLang="en-US" sz="900" dirty="0"/>
           </a:p>
         </p:txBody>
       </p:sp>
-      <p:pic>
-        <p:nvPicPr>
-          <p:cNvPr id="6" name="그림 5">
-            <a:extLst>
-              <a:ext uri="{FF2B5EF4-FFF2-40B4-BE49-F238E27FC236}">
-                <a16:creationId xmlns:a16="http://schemas.microsoft.com/office/drawing/2014/main" id="{A87A6EC3-B059-494E-905B-23C00732D599}"/>
-              </a:ext>
-            </a:extLst>
-          </p:cNvPr>
-          <p:cNvPicPr>
-            <a:picLocks noChangeAspect="1"/>
-          </p:cNvPicPr>
-          <p:nvPr/>
-        </p:nvPicPr>
-        <p:blipFill>
-          <a:blip r:embed="rId2"/>
-          <a:stretch>
-            <a:fillRect/>
-          </a:stretch>
-        </p:blipFill>
-        <p:spPr>
-          <a:xfrm>
-            <a:off x="479376" y="620688"/>
-            <a:ext cx="7910156" cy="4733677"/>
-          </a:xfrm>
-          <a:prstGeom prst="rect">
-            <a:avLst/>
-          </a:prstGeom>
-        </p:spPr>
-      </p:pic>
       <p:pic>
         <p:nvPicPr>
           <p:cNvPr id="10" name="그림 9">
@@ -4185,7 +6387,7 @@
           <p:nvPr/>
         </p:nvPicPr>
         <p:blipFill>
-          <a:blip r:embed="rId3" cstate="print">
+          <a:blip r:embed="rId2" cstate="print">
             <a:extLst>
               <a:ext uri="{28A0092B-C50C-407E-A947-70E740481C1C}">
                 <a14:useLocalDpi xmlns:a14="http://schemas.microsoft.com/office/drawing/2010/main" val="0"/>
@@ -4221,7 +6423,7 @@
           <p:nvPr/>
         </p:nvPicPr>
         <p:blipFill>
-          <a:blip r:embed="rId4" cstate="print">
+          <a:blip r:embed="rId3" cstate="print">
             <a:extLst>
               <a:ext uri="{28A0092B-C50C-407E-A947-70E740481C1C}">
                 <a14:useLocalDpi xmlns:a14="http://schemas.microsoft.com/office/drawing/2010/main" val="0"/>
@@ -4242,6 +6444,36 @@
           </a:prstGeom>
         </p:spPr>
       </p:pic>
+      <p:pic>
+        <p:nvPicPr>
+          <p:cNvPr id="3" name="그림 2">
+            <a:extLst>
+              <a:ext uri="{FF2B5EF4-FFF2-40B4-BE49-F238E27FC236}">
+                <a16:creationId xmlns:a16="http://schemas.microsoft.com/office/drawing/2014/main" id="{EE140D1E-D93C-44BE-9EB9-54954E97BFA3}"/>
+              </a:ext>
+            </a:extLst>
+          </p:cNvPr>
+          <p:cNvPicPr>
+            <a:picLocks noChangeAspect="1"/>
+          </p:cNvPicPr>
+          <p:nvPr/>
+        </p:nvPicPr>
+        <p:blipFill>
+          <a:blip r:embed="rId4"/>
+          <a:stretch>
+            <a:fillRect/>
+          </a:stretch>
+        </p:blipFill>
+        <p:spPr>
+          <a:xfrm>
+            <a:off x="119336" y="476671"/>
+            <a:ext cx="8352928" cy="4265097"/>
+          </a:xfrm>
+          <a:prstGeom prst="rect">
+            <a:avLst/>
+          </a:prstGeom>
+        </p:spPr>
+      </p:pic>
     </p:spTree>
     <p:extLst>
       <p:ext uri="{BB962C8B-B14F-4D97-AF65-F5344CB8AC3E}">
@@ -4255,7 +6487,7 @@
 </p:sld>
 </file>
 
-<file path=ppt/slides/slide11.xml><?xml version="1.0" encoding="utf-8"?>
+<file path=ppt/slides/slide16.xml><?xml version="1.0" encoding="utf-8"?>
 <p:sld xmlns:a="http://schemas.openxmlformats.org/drawingml/2006/main" xmlns:r="http://schemas.openxmlformats.org/officeDocument/2006/relationships" xmlns:p="http://schemas.openxmlformats.org/presentationml/2006/main">
   <p:cSld>
     <p:spTree>
@@ -5330,7 +7562,7 @@
           <a:p>
             <a:fld id="{944918D1-1C8F-48E6-92D4-4089F97E8793}" type="slidenum">
               <a:rPr lang="ko-KR" altLang="en-US" sz="900" smtClean="0"/>
-              <a:t>11</a:t>
+              <a:t>16</a:t>
             </a:fld>
             <a:endParaRPr lang="ko-KR" altLang="en-US" sz="900" dirty="0"/>
           </a:p>
@@ -5338,10 +7570,10 @@
       </p:sp>
       <p:pic>
         <p:nvPicPr>
-          <p:cNvPr id="6" name="그림 5">
+          <p:cNvPr id="3" name="그림 2">
             <a:extLst>
               <a:ext uri="{FF2B5EF4-FFF2-40B4-BE49-F238E27FC236}">
-                <a16:creationId xmlns:a16="http://schemas.microsoft.com/office/drawing/2014/main" id="{CAA8D7B0-994F-4A54-BD39-5397789AD55C}"/>
+                <a16:creationId xmlns:a16="http://schemas.microsoft.com/office/drawing/2014/main" id="{244A2746-8E5B-47F7-B3BD-FFD56446DB29}"/>
               </a:ext>
             </a:extLst>
           </p:cNvPr>
@@ -5358,116 +7590,8 @@
         </p:blipFill>
         <p:spPr>
           <a:xfrm>
-            <a:off x="92440" y="460147"/>
-            <a:ext cx="8422856" cy="4697045"/>
-          </a:xfrm>
-          <a:prstGeom prst="rect">
-            <a:avLst/>
-          </a:prstGeom>
-        </p:spPr>
-      </p:pic>
-      <p:pic>
-        <p:nvPicPr>
-          <p:cNvPr id="9" name="그림 8">
-            <a:extLst>
-              <a:ext uri="{FF2B5EF4-FFF2-40B4-BE49-F238E27FC236}">
-                <a16:creationId xmlns:a16="http://schemas.microsoft.com/office/drawing/2014/main" id="{077E92E3-F94D-45A5-9C5B-474BC17DA7F5}"/>
-              </a:ext>
-            </a:extLst>
-          </p:cNvPr>
-          <p:cNvPicPr>
-            <a:picLocks noChangeAspect="1"/>
-          </p:cNvPicPr>
-          <p:nvPr/>
-        </p:nvPicPr>
-        <p:blipFill>
-          <a:blip r:embed="rId3" cstate="print">
-            <a:extLst>
-              <a:ext uri="{28A0092B-C50C-407E-A947-70E740481C1C}">
-                <a14:useLocalDpi xmlns:a14="http://schemas.microsoft.com/office/drawing/2010/main" val="0"/>
-              </a:ext>
-            </a:extLst>
-          </a:blip>
-          <a:stretch>
-            <a:fillRect/>
-          </a:stretch>
-        </p:blipFill>
-        <p:spPr>
-          <a:xfrm>
-            <a:off x="1775520" y="1622131"/>
-            <a:ext cx="220536" cy="222691"/>
-          </a:xfrm>
-          <a:prstGeom prst="rect">
-            <a:avLst/>
-          </a:prstGeom>
-        </p:spPr>
-      </p:pic>
-      <p:pic>
-        <p:nvPicPr>
-          <p:cNvPr id="10" name="그림 9">
-            <a:extLst>
-              <a:ext uri="{FF2B5EF4-FFF2-40B4-BE49-F238E27FC236}">
-                <a16:creationId xmlns:a16="http://schemas.microsoft.com/office/drawing/2014/main" id="{68AECED7-E2A9-449D-B32D-D3C61A66B888}"/>
-              </a:ext>
-            </a:extLst>
-          </p:cNvPr>
-          <p:cNvPicPr>
-            <a:picLocks noChangeAspect="1"/>
-          </p:cNvPicPr>
-          <p:nvPr/>
-        </p:nvPicPr>
-        <p:blipFill>
-          <a:blip r:embed="rId4" cstate="print">
-            <a:extLst>
-              <a:ext uri="{28A0092B-C50C-407E-A947-70E740481C1C}">
-                <a14:useLocalDpi xmlns:a14="http://schemas.microsoft.com/office/drawing/2010/main" val="0"/>
-              </a:ext>
-            </a:extLst>
-          </a:blip>
-          <a:stretch>
-            <a:fillRect/>
-          </a:stretch>
-        </p:blipFill>
-        <p:spPr>
-          <a:xfrm>
-            <a:off x="1769045" y="3861048"/>
-            <a:ext cx="223200" cy="223200"/>
-          </a:xfrm>
-          <a:prstGeom prst="rect">
-            <a:avLst/>
-          </a:prstGeom>
-        </p:spPr>
-      </p:pic>
-      <p:pic>
-        <p:nvPicPr>
-          <p:cNvPr id="11" name="그림 10">
-            <a:extLst>
-              <a:ext uri="{FF2B5EF4-FFF2-40B4-BE49-F238E27FC236}">
-                <a16:creationId xmlns:a16="http://schemas.microsoft.com/office/drawing/2014/main" id="{EA96A751-1B3B-4AE0-9038-359CFB5B8BEF}"/>
-              </a:ext>
-            </a:extLst>
-          </p:cNvPr>
-          <p:cNvPicPr>
-            <a:picLocks noChangeAspect="1"/>
-          </p:cNvPicPr>
-          <p:nvPr/>
-        </p:nvPicPr>
-        <p:blipFill>
-          <a:blip r:embed="rId5" cstate="print">
-            <a:extLst>
-              <a:ext uri="{28A0092B-C50C-407E-A947-70E740481C1C}">
-                <a14:useLocalDpi xmlns:a14="http://schemas.microsoft.com/office/drawing/2010/main" val="0"/>
-              </a:ext>
-            </a:extLst>
-          </a:blip>
-          <a:stretch>
-            <a:fillRect/>
-          </a:stretch>
-        </p:blipFill>
-        <p:spPr>
-          <a:xfrm>
-            <a:off x="1759466" y="4194364"/>
-            <a:ext cx="223200" cy="223200"/>
+            <a:off x="119336" y="548680"/>
+            <a:ext cx="8275160" cy="4680520"/>
           </a:xfrm>
           <a:prstGeom prst="rect">
             <a:avLst/>
@@ -5487,7 +7611,7 @@
 </p:sld>
 </file>
 
-<file path=ppt/slides/slide12.xml><?xml version="1.0" encoding="utf-8"?>
+<file path=ppt/slides/slide17.xml><?xml version="1.0" encoding="utf-8"?>
 <p:sld xmlns:a="http://schemas.openxmlformats.org/drawingml/2006/main" xmlns:r="http://schemas.openxmlformats.org/officeDocument/2006/relationships" xmlns:p="http://schemas.openxmlformats.org/presentationml/2006/main">
   <p:cSld>
     <p:spTree>
@@ -5506,10 +7630,10 @@
       </p:grpSpPr>
       <p:sp>
         <p:nvSpPr>
-          <p:cNvPr id="2" name="텍스트 개체 틀 1">
+          <p:cNvPr id="2" name="제목 1">
             <a:extLst>
               <a:ext uri="{FF2B5EF4-FFF2-40B4-BE49-F238E27FC236}">
-                <a16:creationId xmlns:a16="http://schemas.microsoft.com/office/drawing/2014/main" id="{56F7D400-4B41-40A6-8DD7-00B8C7A3CD21}"/>
+                <a16:creationId xmlns:a16="http://schemas.microsoft.com/office/drawing/2014/main" id="{7959323A-BA29-4853-97C4-82E74244E3A8}"/>
               </a:ext>
             </a:extLst>
           </p:cNvPr>
@@ -5517,7 +7641,7 @@
             <a:spLocks noGrp="1"/>
           </p:cNvSpPr>
           <p:nvPr>
-            <p:ph type="body" sz="quarter" idx="10"/>
+            <p:ph type="title"/>
           </p:nvPr>
         </p:nvSpPr>
         <p:spPr/>
@@ -5527,18 +7651,83 @@
           <a:p>
             <a:r>
               <a:rPr lang="en-US" altLang="ko-KR" dirty="0"/>
-              <a:t>Signup.html</a:t>
+              <a:t>Logic process</a:t>
             </a:r>
             <a:endParaRPr lang="ko-KR" altLang="en-US" dirty="0"/>
           </a:p>
         </p:txBody>
       </p:sp>
+      <p:pic>
+        <p:nvPicPr>
+          <p:cNvPr id="4" name="그림 3">
+            <a:extLst>
+              <a:ext uri="{FF2B5EF4-FFF2-40B4-BE49-F238E27FC236}">
+                <a16:creationId xmlns:a16="http://schemas.microsoft.com/office/drawing/2014/main" id="{2AD1A320-74D9-4095-B3AA-3FA0D7171847}"/>
+              </a:ext>
+            </a:extLst>
+          </p:cNvPr>
+          <p:cNvPicPr>
+            <a:picLocks noChangeAspect="1"/>
+          </p:cNvPicPr>
+          <p:nvPr/>
+        </p:nvPicPr>
+        <p:blipFill rotWithShape="1">
+          <a:blip r:embed="rId2">
+            <a:extLst>
+              <a:ext uri="{28A0092B-C50C-407E-A947-70E740481C1C}">
+                <a14:useLocalDpi xmlns:a14="http://schemas.microsoft.com/office/drawing/2010/main" val="0"/>
+              </a:ext>
+            </a:extLst>
+          </a:blip>
+          <a:srcRect l="10698" b="60500"/>
+          <a:stretch/>
+        </p:blipFill>
+        <p:spPr>
+          <a:xfrm>
+            <a:off x="1631504" y="1010827"/>
+            <a:ext cx="7814203" cy="4608512"/>
+          </a:xfrm>
+          <a:prstGeom prst="rect">
+            <a:avLst/>
+          </a:prstGeom>
+        </p:spPr>
+      </p:pic>
+    </p:spTree>
+    <p:extLst>
+      <p:ext uri="{BB962C8B-B14F-4D97-AF65-F5344CB8AC3E}">
+        <p14:creationId xmlns:p14="http://schemas.microsoft.com/office/powerpoint/2010/main" val="1289081429"/>
+      </p:ext>
+    </p:extLst>
+  </p:cSld>
+  <p:clrMapOvr>
+    <a:masterClrMapping/>
+  </p:clrMapOvr>
+</p:sld>
+</file>
+
+<file path=ppt/slides/slide18.xml><?xml version="1.0" encoding="utf-8"?>
+<p:sld xmlns:a="http://schemas.openxmlformats.org/drawingml/2006/main" xmlns:r="http://schemas.openxmlformats.org/officeDocument/2006/relationships" xmlns:p="http://schemas.openxmlformats.org/presentationml/2006/main">
+  <p:cSld>
+    <p:spTree>
+      <p:nvGrpSpPr>
+        <p:cNvPr id="1" name=""/>
+        <p:cNvGrpSpPr/>
+        <p:nvPr/>
+      </p:nvGrpSpPr>
+      <p:grpSpPr>
+        <a:xfrm>
+          <a:off x="0" y="0"/>
+          <a:ext cx="0" cy="0"/>
+          <a:chOff x="0" y="0"/>
+          <a:chExt cx="0" cy="0"/>
+        </a:xfrm>
+      </p:grpSpPr>
       <p:sp>
         <p:nvSpPr>
-          <p:cNvPr id="3" name="텍스트 개체 틀 2">
+          <p:cNvPr id="2" name="제목 1">
             <a:extLst>
               <a:ext uri="{FF2B5EF4-FFF2-40B4-BE49-F238E27FC236}">
-                <a16:creationId xmlns:a16="http://schemas.microsoft.com/office/drawing/2014/main" id="{4B2B94C8-E467-4381-B220-9FFB2BCEE802}"/>
+                <a16:creationId xmlns:a16="http://schemas.microsoft.com/office/drawing/2014/main" id="{719F2D03-4DCC-42DA-95ED-B3FF360D7F63}"/>
               </a:ext>
             </a:extLst>
           </p:cNvPr>
@@ -5546,7 +7735,7 @@
             <a:spLocks noGrp="1"/>
           </p:cNvSpPr>
           <p:nvPr>
-            <p:ph type="body" sz="quarter" idx="11"/>
+            <p:ph type="title"/>
           </p:nvPr>
         </p:nvSpPr>
         <p:spPr/>
@@ -5555,773 +7744,19 @@
           <a:lstStyle/>
           <a:p>
             <a:r>
-              <a:rPr lang="ko-KR" altLang="en-US" dirty="0"/>
-              <a:t>회원가입 페이지 </a:t>
-            </a:r>
-            <a:r>
               <a:rPr lang="en-US" altLang="ko-KR" dirty="0"/>
-              <a:t>- 3</a:t>
+              <a:t>User flow</a:t>
             </a:r>
             <a:endParaRPr lang="ko-KR" altLang="en-US" dirty="0"/>
           </a:p>
         </p:txBody>
       </p:sp>
-      <p:pic>
-        <p:nvPicPr>
-          <p:cNvPr id="5" name="그림 4">
+      <p:sp>
+        <p:nvSpPr>
+          <p:cNvPr id="139" name="TextBox 138">
             <a:extLst>
               <a:ext uri="{FF2B5EF4-FFF2-40B4-BE49-F238E27FC236}">
-                <a16:creationId xmlns:a16="http://schemas.microsoft.com/office/drawing/2014/main" id="{9FE8F77E-BB2E-40AC-A2AA-3804977B1375}"/>
-              </a:ext>
-            </a:extLst>
-          </p:cNvPr>
-          <p:cNvPicPr>
-            <a:picLocks noChangeAspect="1"/>
-          </p:cNvPicPr>
-          <p:nvPr/>
-        </p:nvPicPr>
-        <p:blipFill>
-          <a:blip r:embed="rId2"/>
-          <a:stretch>
-            <a:fillRect/>
-          </a:stretch>
-        </p:blipFill>
-        <p:spPr>
-          <a:xfrm>
-            <a:off x="318979" y="548680"/>
-            <a:ext cx="8226611" cy="4943465"/>
-          </a:xfrm>
-          <a:prstGeom prst="rect">
-            <a:avLst/>
-          </a:prstGeom>
-        </p:spPr>
-      </p:pic>
-      <p:graphicFrame>
-        <p:nvGraphicFramePr>
-          <p:cNvPr id="7" name="표 6">
-            <a:extLst>
-              <a:ext uri="{FF2B5EF4-FFF2-40B4-BE49-F238E27FC236}">
-                <a16:creationId xmlns:a16="http://schemas.microsoft.com/office/drawing/2014/main" id="{F805E178-FE94-483D-98A2-1DD14405D62B}"/>
-              </a:ext>
-            </a:extLst>
-          </p:cNvPr>
-          <p:cNvGraphicFramePr>
-            <a:graphicFrameLocks noGrp="1"/>
-          </p:cNvGraphicFramePr>
-          <p:nvPr>
-            <p:extLst>
-              <p:ext uri="{D42A27DB-BD31-4B8C-83A1-F6EECF244321}">
-                <p14:modId xmlns:p14="http://schemas.microsoft.com/office/powerpoint/2010/main" val="481991803"/>
-              </p:ext>
-            </p:extLst>
-          </p:nvPr>
-        </p:nvGraphicFramePr>
-        <p:xfrm>
-          <a:off x="8688288" y="620688"/>
-          <a:ext cx="3384376" cy="1673782"/>
-        </p:xfrm>
-        <a:graphic>
-          <a:graphicData uri="http://schemas.openxmlformats.org/drawingml/2006/table">
-            <a:tbl>
-              <a:tblPr firstRow="1" bandRow="1">
-                <a:tableStyleId>{5C22544A-7EE6-4342-B048-85BDC9FD1C3A}</a:tableStyleId>
-              </a:tblPr>
-              <a:tblGrid>
-                <a:gridCol w="403256">
-                  <a:extLst>
-                    <a:ext uri="{9D8B030D-6E8A-4147-A177-3AD203B41FA5}">
-                      <a16:colId xmlns:a16="http://schemas.microsoft.com/office/drawing/2014/main" val="143998261"/>
-                    </a:ext>
-                  </a:extLst>
-                </a:gridCol>
-                <a:gridCol w="2981120">
-                  <a:extLst>
-                    <a:ext uri="{9D8B030D-6E8A-4147-A177-3AD203B41FA5}">
-                      <a16:colId xmlns:a16="http://schemas.microsoft.com/office/drawing/2014/main" val="2337024672"/>
-                    </a:ext>
-                  </a:extLst>
-                </a:gridCol>
-              </a:tblGrid>
-              <a:tr h="258850">
-                <a:tc gridSpan="2">
-                  <a:txBody>
-                    <a:bodyPr/>
-                    <a:lstStyle/>
-                    <a:p>
-                      <a:pPr marL="0" marR="0" lvl="0" indent="0" algn="l" defTabSz="914400" rtl="0" eaLnBrk="1" fontAlgn="auto" latinLnBrk="1" hangingPunct="1">
-                        <a:lnSpc>
-                          <a:spcPct val="100000"/>
-                        </a:lnSpc>
-                        <a:spcBef>
-                          <a:spcPts val="0"/>
-                        </a:spcBef>
-                        <a:spcAft>
-                          <a:spcPts val="0"/>
-                        </a:spcAft>
-                        <a:buClrTx/>
-                        <a:buSzTx/>
-                        <a:buFontTx/>
-                        <a:buNone/>
-                        <a:tabLst/>
-                        <a:defRPr/>
-                      </a:pPr>
-                      <a:r>
-                        <a:rPr lang="en-US" altLang="ko-KR" sz="900" b="1" dirty="0">
-                          <a:solidFill>
-                            <a:srgbClr val="4E5263"/>
-                          </a:solidFill>
-                          <a:latin typeface="+mn-ea"/>
-                          <a:ea typeface="+mn-ea"/>
-                          <a:sym typeface="맑은 고딕"/>
-                        </a:rPr>
-                        <a:t>Summery.</a:t>
-                      </a:r>
-                      <a:endParaRPr lang="en" altLang="ko-KR" sz="900" b="1" dirty="0">
-                        <a:solidFill>
-                          <a:srgbClr val="4E5263"/>
-                        </a:solidFill>
-                        <a:latin typeface="+mn-ea"/>
-                        <a:ea typeface="+mn-ea"/>
-                        <a:sym typeface="맑은 고딕"/>
-                      </a:endParaRPr>
-                    </a:p>
-                  </a:txBody>
-                  <a:tcPr anchor="ctr">
-                    <a:lnL w="3175" cap="flat" cmpd="sng" algn="ctr">
-                      <a:noFill/>
-                      <a:prstDash val="solid"/>
-                      <a:round/>
-                      <a:headEnd type="none" w="med" len="med"/>
-                      <a:tailEnd type="none" w="med" len="med"/>
-                    </a:lnL>
-                    <a:lnR w="3175" cap="flat" cmpd="sng" algn="ctr">
-                      <a:noFill/>
-                      <a:prstDash val="solid"/>
-                      <a:round/>
-                      <a:headEnd type="none" w="med" len="med"/>
-                      <a:tailEnd type="none" w="med" len="med"/>
-                    </a:lnR>
-                    <a:lnT w="3175" cap="flat" cmpd="sng" algn="ctr">
-                      <a:noFill/>
-                      <a:prstDash val="solid"/>
-                      <a:round/>
-                      <a:headEnd type="none" w="med" len="med"/>
-                      <a:tailEnd type="none" w="med" len="med"/>
-                    </a:lnT>
-                    <a:lnB w="3175" cap="flat" cmpd="sng" algn="ctr">
-                      <a:solidFill>
-                        <a:schemeClr val="bg1">
-                          <a:lumMod val="65000"/>
-                        </a:schemeClr>
-                      </a:solidFill>
-                      <a:prstDash val="solid"/>
-                      <a:round/>
-                      <a:headEnd type="none" w="med" len="med"/>
-                      <a:tailEnd type="none" w="med" len="med"/>
-                    </a:lnB>
-                    <a:solidFill>
-                      <a:schemeClr val="bg1"/>
-                    </a:solidFill>
-                  </a:tcPr>
-                </a:tc>
-                <a:tc hMerge="1">
-                  <a:txBody>
-                    <a:bodyPr/>
-                    <a:lstStyle/>
-                    <a:p>
-                      <a:pPr marL="0" marR="0" lvl="0" indent="0" algn="l" defTabSz="914400" rtl="0" eaLnBrk="1" fontAlgn="auto" latinLnBrk="1" hangingPunct="1">
-                        <a:lnSpc>
-                          <a:spcPct val="100000"/>
-                        </a:lnSpc>
-                        <a:spcBef>
-                          <a:spcPts val="0"/>
-                        </a:spcBef>
-                        <a:spcAft>
-                          <a:spcPts val="0"/>
-                        </a:spcAft>
-                        <a:buClrTx/>
-                        <a:buSzTx/>
-                        <a:buFontTx/>
-                        <a:buNone/>
-                        <a:tabLst/>
-                        <a:defRPr/>
-                      </a:pPr>
-                      <a:endParaRPr lang="en" altLang="ko-KR" sz="900" b="1" dirty="0">
-                        <a:solidFill>
-                          <a:srgbClr val="4E5263"/>
-                        </a:solidFill>
-                        <a:latin typeface="SF Pro Text" pitchFamily="2" charset="0"/>
-                        <a:ea typeface="SF Pro Text" pitchFamily="2" charset="0"/>
-                        <a:sym typeface="맑은 고딕"/>
-                      </a:endParaRPr>
-                    </a:p>
-                  </a:txBody>
-                  <a:tcPr anchor="ctr">
-                    <a:lnL w="3175" cap="flat" cmpd="sng" algn="ctr">
-                      <a:solidFill>
-                        <a:schemeClr val="tx1">
-                          <a:lumMod val="50000"/>
-                          <a:lumOff val="50000"/>
-                        </a:schemeClr>
-                      </a:solidFill>
-                      <a:prstDash val="solid"/>
-                      <a:round/>
-                      <a:headEnd type="none" w="med" len="med"/>
-                      <a:tailEnd type="none" w="med" len="med"/>
-                    </a:lnL>
-                    <a:lnR w="3175" cap="flat" cmpd="sng" algn="ctr">
-                      <a:noFill/>
-                      <a:prstDash val="solid"/>
-                      <a:round/>
-                      <a:headEnd type="none" w="med" len="med"/>
-                      <a:tailEnd type="none" w="med" len="med"/>
-                    </a:lnR>
-                    <a:lnT w="3175" cap="flat" cmpd="sng" algn="ctr">
-                      <a:noFill/>
-                      <a:prstDash val="solid"/>
-                      <a:round/>
-                      <a:headEnd type="none" w="med" len="med"/>
-                      <a:tailEnd type="none" w="med" len="med"/>
-                    </a:lnT>
-                    <a:lnB w="3175" cap="flat" cmpd="sng" algn="ctr">
-                      <a:solidFill>
-                        <a:schemeClr val="tx1">
-                          <a:lumMod val="50000"/>
-                          <a:lumOff val="50000"/>
-                        </a:schemeClr>
-                      </a:solidFill>
-                      <a:prstDash val="solid"/>
-                      <a:round/>
-                      <a:headEnd type="none" w="med" len="med"/>
-                      <a:tailEnd type="none" w="med" len="med"/>
-                    </a:lnB>
-                    <a:noFill/>
-                  </a:tcPr>
-                </a:tc>
-                <a:extLst>
-                  <a:ext uri="{0D108BD9-81ED-4DB2-BD59-A6C34878D82A}">
-                    <a16:rowId xmlns:a16="http://schemas.microsoft.com/office/drawing/2014/main" val="418637585"/>
-                  </a:ext>
-                </a:extLst>
-              </a:tr>
-              <a:tr h="786307">
-                <a:tc gridSpan="2">
-                  <a:txBody>
-                    <a:bodyPr/>
-                    <a:lstStyle/>
-                    <a:p>
-                      <a:pPr marL="108000" marR="0" lvl="0" indent="-108000" algn="just" defTabSz="914400" rtl="0" eaLnBrk="1" fontAlgn="auto" latinLnBrk="1" hangingPunct="1">
-                        <a:lnSpc>
-                          <a:spcPct val="120000"/>
-                        </a:lnSpc>
-                        <a:spcBef>
-                          <a:spcPts val="0"/>
-                        </a:spcBef>
-                        <a:spcAft>
-                          <a:spcPts val="0"/>
-                        </a:spcAft>
-                        <a:buClrTx/>
-                        <a:buSzTx/>
-                        <a:buFont typeface="Arial" panose="020B0604020202020204" pitchFamily="34" charset="0"/>
-                        <a:buChar char="•"/>
-                        <a:tabLst/>
-                        <a:defRPr/>
-                      </a:pPr>
-                      <a:r>
-                        <a:rPr lang="ko-KR" altLang="en-US" sz="800" b="0" dirty="0">
-                          <a:solidFill>
-                            <a:schemeClr val="tx1"/>
-                          </a:solidFill>
-                          <a:latin typeface="+mn-ea"/>
-                          <a:ea typeface="+mn-ea"/>
-                          <a:sym typeface="맑은 고딕"/>
-                        </a:rPr>
-                        <a:t>회원가입 페이지 입니다</a:t>
-                      </a:r>
-                      <a:r>
-                        <a:rPr lang="en-US" altLang="ko-KR" sz="800" b="0" dirty="0">
-                          <a:solidFill>
-                            <a:schemeClr val="tx1"/>
-                          </a:solidFill>
-                          <a:latin typeface="+mn-ea"/>
-                          <a:ea typeface="+mn-ea"/>
-                          <a:sym typeface="맑은 고딕"/>
-                        </a:rPr>
-                        <a:t>. (3)</a:t>
-                      </a:r>
-                    </a:p>
-                    <a:p>
-                      <a:pPr marL="108000" marR="0" lvl="0" indent="-108000" algn="just" defTabSz="914400" rtl="0" eaLnBrk="1" fontAlgn="auto" latinLnBrk="1" hangingPunct="1">
-                        <a:lnSpc>
-                          <a:spcPct val="120000"/>
-                        </a:lnSpc>
-                        <a:spcBef>
-                          <a:spcPts val="0"/>
-                        </a:spcBef>
-                        <a:spcAft>
-                          <a:spcPts val="0"/>
-                        </a:spcAft>
-                        <a:buClrTx/>
-                        <a:buSzTx/>
-                        <a:buFont typeface="Arial" panose="020B0604020202020204" pitchFamily="34" charset="0"/>
-                        <a:buChar char="•"/>
-                        <a:tabLst/>
-                        <a:defRPr/>
-                      </a:pPr>
-                      <a:r>
-                        <a:rPr lang="ko-KR" altLang="en-US" sz="800" b="0" dirty="0">
-                          <a:solidFill>
-                            <a:schemeClr val="tx1"/>
-                          </a:solidFill>
-                          <a:latin typeface="+mn-ea"/>
-                          <a:ea typeface="+mn-ea"/>
-                          <a:sym typeface="맑은 고딕"/>
-                        </a:rPr>
-                        <a:t>회원가입 완료 버튼과 </a:t>
-                      </a:r>
-                      <a:r>
-                        <a:rPr lang="en-US" altLang="ko-KR" sz="800" b="0" dirty="0">
-                          <a:solidFill>
-                            <a:schemeClr val="tx1"/>
-                          </a:solidFill>
-                          <a:latin typeface="+mn-ea"/>
-                          <a:ea typeface="+mn-ea"/>
-                          <a:sym typeface="맑은 고딕"/>
-                        </a:rPr>
-                        <a:t>reset </a:t>
-                      </a:r>
-                      <a:r>
-                        <a:rPr lang="ko-KR" altLang="en-US" sz="800" b="0" dirty="0">
-                          <a:solidFill>
-                            <a:schemeClr val="tx1"/>
-                          </a:solidFill>
-                          <a:latin typeface="+mn-ea"/>
-                          <a:ea typeface="+mn-ea"/>
-                          <a:sym typeface="맑은 고딕"/>
-                        </a:rPr>
-                        <a:t>버튼이 있습니다</a:t>
-                      </a:r>
-                      <a:r>
-                        <a:rPr lang="en-US" altLang="ko-KR" sz="800" b="0" dirty="0">
-                          <a:solidFill>
-                            <a:schemeClr val="tx1"/>
-                          </a:solidFill>
-                          <a:latin typeface="+mn-ea"/>
-                          <a:ea typeface="+mn-ea"/>
-                          <a:sym typeface="맑은 고딕"/>
-                        </a:rPr>
-                        <a:t>.</a:t>
-                      </a:r>
-                    </a:p>
-                  </a:txBody>
-                  <a:tcPr anchor="ctr">
-                    <a:lnL w="3175" cap="flat" cmpd="sng" algn="ctr">
-                      <a:noFill/>
-                      <a:prstDash val="solid"/>
-                      <a:round/>
-                      <a:headEnd type="none" w="med" len="med"/>
-                      <a:tailEnd type="none" w="med" len="med"/>
-                    </a:lnL>
-                    <a:lnR w="3175" cap="flat" cmpd="sng" algn="ctr">
-                      <a:noFill/>
-                      <a:prstDash val="solid"/>
-                      <a:round/>
-                      <a:headEnd type="none" w="med" len="med"/>
-                      <a:tailEnd type="none" w="med" len="med"/>
-                    </a:lnR>
-                    <a:lnT w="3175" cap="flat" cmpd="sng" algn="ctr">
-                      <a:solidFill>
-                        <a:schemeClr val="bg1">
-                          <a:lumMod val="65000"/>
-                        </a:schemeClr>
-                      </a:solidFill>
-                      <a:prstDash val="solid"/>
-                      <a:round/>
-                      <a:headEnd type="none" w="med" len="med"/>
-                      <a:tailEnd type="none" w="med" len="med"/>
-                    </a:lnT>
-                    <a:lnB w="3175" cap="flat" cmpd="sng" algn="ctr">
-                      <a:solidFill>
-                        <a:schemeClr val="tx1">
-                          <a:lumMod val="50000"/>
-                          <a:lumOff val="50000"/>
-                        </a:schemeClr>
-                      </a:solidFill>
-                      <a:prstDash val="solid"/>
-                      <a:round/>
-                      <a:headEnd type="none" w="med" len="med"/>
-                      <a:tailEnd type="none" w="med" len="med"/>
-                    </a:lnB>
-                    <a:noFill/>
-                  </a:tcPr>
-                </a:tc>
-                <a:tc hMerge="1">
-                  <a:txBody>
-                    <a:bodyPr/>
-                    <a:lstStyle/>
-                    <a:p>
-                      <a:pPr latinLnBrk="1"/>
-                      <a:endParaRPr lang="ko-KR" altLang="en-US"/>
-                    </a:p>
-                  </a:txBody>
-                  <a:tcPr/>
-                </a:tc>
-                <a:extLst>
-                  <a:ext uri="{0D108BD9-81ED-4DB2-BD59-A6C34878D82A}">
-                    <a16:rowId xmlns:a16="http://schemas.microsoft.com/office/drawing/2014/main" val="3026413146"/>
-                  </a:ext>
-                </a:extLst>
-              </a:tr>
-              <a:tr h="241592">
-                <a:tc>
-                  <a:txBody>
-                    <a:bodyPr/>
-                    <a:lstStyle/>
-                    <a:p>
-                      <a:pPr algn="ctr" latinLnBrk="1">
-                        <a:lnSpc>
-                          <a:spcPct val="120000"/>
-                        </a:lnSpc>
-                      </a:pPr>
-                      <a:r>
-                        <a:rPr lang="en-US" altLang="ko-KR" sz="850" b="0" dirty="0">
-                          <a:solidFill>
-                            <a:schemeClr val="tx1"/>
-                          </a:solidFill>
-                          <a:latin typeface="+mn-ea"/>
-                          <a:ea typeface="+mn-ea"/>
-                        </a:rPr>
-                        <a:t>1</a:t>
-                      </a:r>
-                      <a:endParaRPr lang="ko-KR" altLang="en-US" sz="850" b="0" dirty="0">
-                        <a:solidFill>
-                          <a:schemeClr val="tx1"/>
-                        </a:solidFill>
-                        <a:latin typeface="+mn-ea"/>
-                        <a:ea typeface="+mn-ea"/>
-                      </a:endParaRPr>
-                    </a:p>
-                  </a:txBody>
-                  <a:tcPr anchor="ctr">
-                    <a:lnL w="3175" cap="flat" cmpd="sng" algn="ctr">
-                      <a:noFill/>
-                      <a:prstDash val="solid"/>
-                      <a:round/>
-                      <a:headEnd type="none" w="med" len="med"/>
-                      <a:tailEnd type="none" w="med" len="med"/>
-                    </a:lnL>
-                    <a:lnR w="3175" cap="flat" cmpd="sng" algn="ctr">
-                      <a:solidFill>
-                        <a:schemeClr val="tx1">
-                          <a:lumMod val="50000"/>
-                          <a:lumOff val="50000"/>
-                        </a:schemeClr>
-                      </a:solidFill>
-                      <a:prstDash val="solid"/>
-                      <a:round/>
-                      <a:headEnd type="none" w="med" len="med"/>
-                      <a:tailEnd type="none" w="med" len="med"/>
-                    </a:lnR>
-                    <a:lnT w="3175" cap="flat" cmpd="sng" algn="ctr">
-                      <a:solidFill>
-                        <a:schemeClr val="tx1">
-                          <a:lumMod val="50000"/>
-                          <a:lumOff val="50000"/>
-                        </a:schemeClr>
-                      </a:solidFill>
-                      <a:prstDash val="solid"/>
-                      <a:round/>
-                      <a:headEnd type="none" w="med" len="med"/>
-                      <a:tailEnd type="none" w="med" len="med"/>
-                    </a:lnT>
-                    <a:lnB w="3175" cap="flat" cmpd="sng" algn="ctr">
-                      <a:solidFill>
-                        <a:schemeClr val="tx1">
-                          <a:lumMod val="50000"/>
-                          <a:lumOff val="50000"/>
-                        </a:schemeClr>
-                      </a:solidFill>
-                      <a:prstDash val="solid"/>
-                      <a:round/>
-                      <a:headEnd type="none" w="med" len="med"/>
-                      <a:tailEnd type="none" w="med" len="med"/>
-                    </a:lnB>
-                    <a:noFill/>
-                  </a:tcPr>
-                </a:tc>
-                <a:tc>
-                  <a:txBody>
-                    <a:bodyPr/>
-                    <a:lstStyle/>
-                    <a:p>
-                      <a:pPr algn="just" latinLnBrk="1">
-                        <a:lnSpc>
-                          <a:spcPct val="120000"/>
-                        </a:lnSpc>
-                      </a:pPr>
-                      <a:r>
-                        <a:rPr lang="ko-KR" altLang="en-US" sz="850" b="0" dirty="0">
-                          <a:latin typeface="+mn-ea"/>
-                          <a:ea typeface="+mn-ea"/>
-                        </a:rPr>
-                        <a:t>필수요소와 추가 정보를 모두 작성 후 </a:t>
-                      </a:r>
-                      <a:r>
-                        <a:rPr lang="en-US" altLang="ko-KR" sz="850" b="0" dirty="0">
-                          <a:latin typeface="+mn-ea"/>
-                          <a:ea typeface="+mn-ea"/>
-                        </a:rPr>
-                        <a:t>sign up </a:t>
-                      </a:r>
-                      <a:r>
-                        <a:rPr lang="ko-KR" altLang="en-US" sz="850" b="0" dirty="0">
-                          <a:latin typeface="+mn-ea"/>
-                          <a:ea typeface="+mn-ea"/>
-                        </a:rPr>
-                        <a:t>버튼을 통해 회원 가입을 완료합니다</a:t>
-                      </a:r>
-                      <a:r>
-                        <a:rPr lang="en-US" altLang="ko-KR" sz="850" b="0" dirty="0">
-                          <a:latin typeface="+mn-ea"/>
-                          <a:ea typeface="+mn-ea"/>
-                        </a:rPr>
-                        <a:t>.</a:t>
-                      </a:r>
-                      <a:endParaRPr lang="ko-KR" altLang="en-US" sz="850" b="0" dirty="0">
-                        <a:latin typeface="+mn-ea"/>
-                        <a:ea typeface="+mn-ea"/>
-                      </a:endParaRPr>
-                    </a:p>
-                  </a:txBody>
-                  <a:tcPr anchor="ctr">
-                    <a:lnL w="3175" cap="flat" cmpd="sng" algn="ctr">
-                      <a:solidFill>
-                        <a:schemeClr val="tx1">
-                          <a:lumMod val="50000"/>
-                          <a:lumOff val="50000"/>
-                        </a:schemeClr>
-                      </a:solidFill>
-                      <a:prstDash val="solid"/>
-                      <a:round/>
-                      <a:headEnd type="none" w="med" len="med"/>
-                      <a:tailEnd type="none" w="med" len="med"/>
-                    </a:lnL>
-                    <a:lnR w="3175" cap="flat" cmpd="sng" algn="ctr">
-                      <a:noFill/>
-                      <a:prstDash val="solid"/>
-                      <a:round/>
-                      <a:headEnd type="none" w="med" len="med"/>
-                      <a:tailEnd type="none" w="med" len="med"/>
-                    </a:lnR>
-                    <a:lnT w="3175" cap="flat" cmpd="sng" algn="ctr">
-                      <a:solidFill>
-                        <a:schemeClr val="tx1">
-                          <a:lumMod val="50000"/>
-                          <a:lumOff val="50000"/>
-                        </a:schemeClr>
-                      </a:solidFill>
-                      <a:prstDash val="solid"/>
-                      <a:round/>
-                      <a:headEnd type="none" w="med" len="med"/>
-                      <a:tailEnd type="none" w="med" len="med"/>
-                    </a:lnT>
-                    <a:lnB w="3175" cap="flat" cmpd="sng" algn="ctr">
-                      <a:solidFill>
-                        <a:schemeClr val="tx1">
-                          <a:lumMod val="50000"/>
-                          <a:lumOff val="50000"/>
-                        </a:schemeClr>
-                      </a:solidFill>
-                      <a:prstDash val="solid"/>
-                      <a:round/>
-                      <a:headEnd type="none" w="med" len="med"/>
-                      <a:tailEnd type="none" w="med" len="med"/>
-                    </a:lnB>
-                    <a:noFill/>
-                  </a:tcPr>
-                </a:tc>
-                <a:extLst>
-                  <a:ext uri="{0D108BD9-81ED-4DB2-BD59-A6C34878D82A}">
-                    <a16:rowId xmlns:a16="http://schemas.microsoft.com/office/drawing/2014/main" val="787081411"/>
-                  </a:ext>
-                </a:extLst>
-              </a:tr>
-              <a:tr h="241592">
-                <a:tc>
-                  <a:txBody>
-                    <a:bodyPr/>
-                    <a:lstStyle/>
-                    <a:p>
-                      <a:pPr algn="ctr" latinLnBrk="1">
-                        <a:lnSpc>
-                          <a:spcPct val="120000"/>
-                        </a:lnSpc>
-                      </a:pPr>
-                      <a:r>
-                        <a:rPr lang="en-US" altLang="ko-KR" sz="850" b="0" dirty="0">
-                          <a:latin typeface="+mn-ea"/>
-                          <a:ea typeface="+mn-ea"/>
-                        </a:rPr>
-                        <a:t>2</a:t>
-                      </a:r>
-                      <a:endParaRPr lang="ko-KR" altLang="en-US" sz="850" b="0" dirty="0">
-                        <a:latin typeface="+mn-ea"/>
-                        <a:ea typeface="+mn-ea"/>
-                      </a:endParaRPr>
-                    </a:p>
-                  </a:txBody>
-                  <a:tcPr anchor="ctr">
-                    <a:lnL w="3175" cap="flat" cmpd="sng" algn="ctr">
-                      <a:noFill/>
-                      <a:prstDash val="solid"/>
-                      <a:round/>
-                      <a:headEnd type="none" w="med" len="med"/>
-                      <a:tailEnd type="none" w="med" len="med"/>
-                    </a:lnL>
-                    <a:lnR w="3175" cap="flat" cmpd="sng" algn="ctr">
-                      <a:solidFill>
-                        <a:schemeClr val="tx1">
-                          <a:lumMod val="50000"/>
-                          <a:lumOff val="50000"/>
-                        </a:schemeClr>
-                      </a:solidFill>
-                      <a:prstDash val="solid"/>
-                      <a:round/>
-                      <a:headEnd type="none" w="med" len="med"/>
-                      <a:tailEnd type="none" w="med" len="med"/>
-                    </a:lnR>
-                    <a:lnT w="3175" cap="flat" cmpd="sng" algn="ctr">
-                      <a:solidFill>
-                        <a:schemeClr val="tx1">
-                          <a:lumMod val="50000"/>
-                          <a:lumOff val="50000"/>
-                        </a:schemeClr>
-                      </a:solidFill>
-                      <a:prstDash val="solid"/>
-                      <a:round/>
-                      <a:headEnd type="none" w="med" len="med"/>
-                      <a:tailEnd type="none" w="med" len="med"/>
-                    </a:lnT>
-                    <a:lnB w="3175" cap="flat" cmpd="sng" algn="ctr">
-                      <a:solidFill>
-                        <a:schemeClr val="tx1">
-                          <a:lumMod val="50000"/>
-                          <a:lumOff val="50000"/>
-                        </a:schemeClr>
-                      </a:solidFill>
-                      <a:prstDash val="solid"/>
-                      <a:round/>
-                      <a:headEnd type="none" w="med" len="med"/>
-                      <a:tailEnd type="none" w="med" len="med"/>
-                    </a:lnB>
-                    <a:noFill/>
-                  </a:tcPr>
-                </a:tc>
-                <a:tc>
-                  <a:txBody>
-                    <a:bodyPr/>
-                    <a:lstStyle/>
-                    <a:p>
-                      <a:pPr marL="0" marR="0" lvl="0" indent="0" algn="just" defTabSz="914400" rtl="0" eaLnBrk="1" fontAlgn="auto" latinLnBrk="1" hangingPunct="1">
-                        <a:lnSpc>
-                          <a:spcPct val="120000"/>
-                        </a:lnSpc>
-                        <a:spcBef>
-                          <a:spcPts val="0"/>
-                        </a:spcBef>
-                        <a:spcAft>
-                          <a:spcPts val="0"/>
-                        </a:spcAft>
-                        <a:buClrTx/>
-                        <a:buSzTx/>
-                        <a:buFontTx/>
-                        <a:buNone/>
-                        <a:tabLst/>
-                        <a:defRPr/>
-                      </a:pPr>
-                      <a:r>
-                        <a:rPr kumimoji="1" lang="ko-KR" altLang="en-US" sz="850" dirty="0">
-                          <a:solidFill>
-                            <a:schemeClr val="tx1"/>
-                          </a:solidFill>
-                          <a:latin typeface="+mn-ea"/>
-                        </a:rPr>
-                        <a:t>현재 적은 내용 모두를 초기화 합니다</a:t>
-                      </a:r>
-                      <a:r>
-                        <a:rPr kumimoji="1" lang="en-US" altLang="ko-KR" sz="850" dirty="0">
-                          <a:solidFill>
-                            <a:schemeClr val="tx1"/>
-                          </a:solidFill>
-                          <a:latin typeface="+mn-ea"/>
-                        </a:rPr>
-                        <a:t>.</a:t>
-                      </a:r>
-                    </a:p>
-                  </a:txBody>
-                  <a:tcPr anchor="ctr">
-                    <a:lnL w="3175" cap="flat" cmpd="sng" algn="ctr">
-                      <a:solidFill>
-                        <a:schemeClr val="tx1">
-                          <a:lumMod val="50000"/>
-                          <a:lumOff val="50000"/>
-                        </a:schemeClr>
-                      </a:solidFill>
-                      <a:prstDash val="solid"/>
-                      <a:round/>
-                      <a:headEnd type="none" w="med" len="med"/>
-                      <a:tailEnd type="none" w="med" len="med"/>
-                    </a:lnL>
-                    <a:lnR w="3175" cap="flat" cmpd="sng" algn="ctr">
-                      <a:noFill/>
-                      <a:prstDash val="solid"/>
-                      <a:round/>
-                      <a:headEnd type="none" w="med" len="med"/>
-                      <a:tailEnd type="none" w="med" len="med"/>
-                    </a:lnR>
-                    <a:lnT w="3175" cap="flat" cmpd="sng" algn="ctr">
-                      <a:solidFill>
-                        <a:schemeClr val="tx1">
-                          <a:lumMod val="50000"/>
-                          <a:lumOff val="50000"/>
-                        </a:schemeClr>
-                      </a:solidFill>
-                      <a:prstDash val="solid"/>
-                      <a:round/>
-                      <a:headEnd type="none" w="med" len="med"/>
-                      <a:tailEnd type="none" w="med" len="med"/>
-                    </a:lnT>
-                    <a:lnB w="3175" cap="flat" cmpd="sng" algn="ctr">
-                      <a:solidFill>
-                        <a:schemeClr val="tx1">
-                          <a:lumMod val="50000"/>
-                          <a:lumOff val="50000"/>
-                        </a:schemeClr>
-                      </a:solidFill>
-                      <a:prstDash val="solid"/>
-                      <a:round/>
-                      <a:headEnd type="none" w="med" len="med"/>
-                      <a:tailEnd type="none" w="med" len="med"/>
-                    </a:lnB>
-                    <a:noFill/>
-                  </a:tcPr>
-                </a:tc>
-                <a:extLst>
-                  <a:ext uri="{0D108BD9-81ED-4DB2-BD59-A6C34878D82A}">
-                    <a16:rowId xmlns:a16="http://schemas.microsoft.com/office/drawing/2014/main" val="655206683"/>
-                  </a:ext>
-                </a:extLst>
-              </a:tr>
-            </a:tbl>
-          </a:graphicData>
-        </a:graphic>
-      </p:graphicFrame>
-      <p:sp>
-        <p:nvSpPr>
-          <p:cNvPr id="8" name="TextBox 7">
-            <a:extLst>
-              <a:ext uri="{FF2B5EF4-FFF2-40B4-BE49-F238E27FC236}">
-                <a16:creationId xmlns:a16="http://schemas.microsoft.com/office/drawing/2014/main" id="{4F2E1430-8FF3-468C-8653-7666563D1DF5}"/>
+                <a16:creationId xmlns:a16="http://schemas.microsoft.com/office/drawing/2014/main" id="{019DD9D0-C87E-43B8-8B11-2D13E82FE4B0}"/>
               </a:ext>
             </a:extLst>
           </p:cNvPr>
@@ -6346,7 +7781,7 @@
           <a:p>
             <a:fld id="{944918D1-1C8F-48E6-92D4-4089F97E8793}" type="slidenum">
               <a:rPr lang="ko-KR" altLang="en-US" sz="900" smtClean="0"/>
-              <a:t>12</a:t>
+              <a:t>18</a:t>
             </a:fld>
             <a:endParaRPr lang="ko-KR" altLang="en-US" sz="900" dirty="0"/>
           </a:p>
@@ -6354,10 +7789,10 @@
       </p:sp>
       <p:pic>
         <p:nvPicPr>
-          <p:cNvPr id="9" name="그림 8">
+          <p:cNvPr id="4" name="그림 3">
             <a:extLst>
               <a:ext uri="{FF2B5EF4-FFF2-40B4-BE49-F238E27FC236}">
-                <a16:creationId xmlns:a16="http://schemas.microsoft.com/office/drawing/2014/main" id="{F89F741E-BD8F-4F7B-9E62-6CE6062D365B}"/>
+                <a16:creationId xmlns:a16="http://schemas.microsoft.com/office/drawing/2014/main" id="{F0C05C61-835E-4DA7-85C0-159EE11FD19C}"/>
               </a:ext>
             </a:extLst>
           </p:cNvPr>
@@ -6366,58 +7801,21 @@
           </p:cNvPicPr>
           <p:nvPr/>
         </p:nvPicPr>
-        <p:blipFill>
-          <a:blip r:embed="rId3" cstate="print">
+        <p:blipFill rotWithShape="1">
+          <a:blip r:embed="rId2">
             <a:extLst>
               <a:ext uri="{28A0092B-C50C-407E-A947-70E740481C1C}">
                 <a14:useLocalDpi xmlns:a14="http://schemas.microsoft.com/office/drawing/2010/main" val="0"/>
               </a:ext>
             </a:extLst>
           </a:blip>
-          <a:stretch>
-            <a:fillRect/>
-          </a:stretch>
+          <a:srcRect l="9615" t="46291" r="-9615" b="-491"/>
+          <a:stretch/>
         </p:blipFill>
         <p:spPr>
           <a:xfrm>
-            <a:off x="2279576" y="4725144"/>
-            <a:ext cx="220536" cy="222691"/>
-          </a:xfrm>
-          <a:prstGeom prst="rect">
-            <a:avLst/>
-          </a:prstGeom>
-        </p:spPr>
-      </p:pic>
-      <p:pic>
-        <p:nvPicPr>
-          <p:cNvPr id="10" name="그림 9">
-            <a:extLst>
-              <a:ext uri="{FF2B5EF4-FFF2-40B4-BE49-F238E27FC236}">
-                <a16:creationId xmlns:a16="http://schemas.microsoft.com/office/drawing/2014/main" id="{17113C84-F353-4C89-A3F6-AC69938B9F16}"/>
-              </a:ext>
-            </a:extLst>
-          </p:cNvPr>
-          <p:cNvPicPr>
-            <a:picLocks noChangeAspect="1"/>
-          </p:cNvPicPr>
-          <p:nvPr/>
-        </p:nvPicPr>
-        <p:blipFill>
-          <a:blip r:embed="rId4" cstate="print">
-            <a:extLst>
-              <a:ext uri="{28A0092B-C50C-407E-A947-70E740481C1C}">
-                <a14:useLocalDpi xmlns:a14="http://schemas.microsoft.com/office/drawing/2010/main" val="0"/>
-              </a:ext>
-            </a:extLst>
-          </a:blip>
-          <a:stretch>
-            <a:fillRect/>
-          </a:stretch>
-        </p:blipFill>
-        <p:spPr>
-          <a:xfrm>
-            <a:off x="3359696" y="4724635"/>
-            <a:ext cx="223200" cy="223200"/>
+            <a:off x="2279576" y="1074347"/>
+            <a:ext cx="7488832" cy="5411923"/>
           </a:xfrm>
           <a:prstGeom prst="rect">
             <a:avLst/>
@@ -6427,7 +7825,7 @@
     </p:spTree>
     <p:extLst>
       <p:ext uri="{BB962C8B-B14F-4D97-AF65-F5344CB8AC3E}">
-        <p14:creationId xmlns:p14="http://schemas.microsoft.com/office/powerpoint/2010/main" val="345434605"/>
+        <p14:creationId xmlns:p14="http://schemas.microsoft.com/office/powerpoint/2010/main" val="3112953065"/>
       </p:ext>
     </p:extLst>
   </p:cSld>
@@ -6437,7 +7835,7 @@
 </p:sld>
 </file>
 
-<file path=ppt/slides/slide13.xml><?xml version="1.0" encoding="utf-8"?>
+<file path=ppt/slides/slide19.xml><?xml version="1.0" encoding="utf-8"?>
 <p:sld xmlns:a="http://schemas.openxmlformats.org/drawingml/2006/main" xmlns:r="http://schemas.openxmlformats.org/officeDocument/2006/relationships" xmlns:p="http://schemas.openxmlformats.org/presentationml/2006/main">
   <p:cSld>
     <p:spTree>
@@ -6538,1948 +7936,6 @@
     <p:extLst>
       <p:ext uri="{BB962C8B-B14F-4D97-AF65-F5344CB8AC3E}">
         <p14:creationId xmlns:p14="http://schemas.microsoft.com/office/powerpoint/2010/main" val="955627303"/>
-      </p:ext>
-    </p:extLst>
-  </p:cSld>
-  <p:clrMapOvr>
-    <a:masterClrMapping/>
-  </p:clrMapOvr>
-</p:sld>
-</file>
-
-<file path=ppt/slides/slide14.xml><?xml version="1.0" encoding="utf-8"?>
-<p:sld xmlns:a="http://schemas.openxmlformats.org/drawingml/2006/main" xmlns:r="http://schemas.openxmlformats.org/officeDocument/2006/relationships" xmlns:p="http://schemas.openxmlformats.org/presentationml/2006/main">
-  <p:cSld>
-    <p:spTree>
-      <p:nvGrpSpPr>
-        <p:cNvPr id="1" name=""/>
-        <p:cNvGrpSpPr/>
-        <p:nvPr/>
-      </p:nvGrpSpPr>
-      <p:grpSpPr>
-        <a:xfrm>
-          <a:off x="0" y="0"/>
-          <a:ext cx="0" cy="0"/>
-          <a:chOff x="0" y="0"/>
-          <a:chExt cx="0" cy="0"/>
-        </a:xfrm>
-      </p:grpSpPr>
-      <p:sp>
-        <p:nvSpPr>
-          <p:cNvPr id="2" name="텍스트 개체 틀 1">
-            <a:extLst>
-              <a:ext uri="{FF2B5EF4-FFF2-40B4-BE49-F238E27FC236}">
-                <a16:creationId xmlns:a16="http://schemas.microsoft.com/office/drawing/2014/main" id="{94885DE3-B6F9-4DF8-8629-05C57D93211B}"/>
-              </a:ext>
-            </a:extLst>
-          </p:cNvPr>
-          <p:cNvSpPr>
-            <a:spLocks noGrp="1"/>
-          </p:cNvSpPr>
-          <p:nvPr>
-            <p:ph type="body" sz="quarter" idx="10"/>
-          </p:nvPr>
-        </p:nvSpPr>
-        <p:spPr/>
-        <p:txBody>
-          <a:bodyPr/>
-          <a:lstStyle/>
-          <a:p>
-            <a:r>
-              <a:rPr lang="en-US" altLang="ko-KR" dirty="0"/>
-              <a:t>FindId.html</a:t>
-            </a:r>
-            <a:endParaRPr lang="ko-KR" altLang="en-US" dirty="0"/>
-          </a:p>
-        </p:txBody>
-      </p:sp>
-      <p:sp>
-        <p:nvSpPr>
-          <p:cNvPr id="3" name="텍스트 개체 틀 2">
-            <a:extLst>
-              <a:ext uri="{FF2B5EF4-FFF2-40B4-BE49-F238E27FC236}">
-                <a16:creationId xmlns:a16="http://schemas.microsoft.com/office/drawing/2014/main" id="{3E07DE56-DA07-4296-8085-57B4EE80358C}"/>
-              </a:ext>
-            </a:extLst>
-          </p:cNvPr>
-          <p:cNvSpPr>
-            <a:spLocks noGrp="1"/>
-          </p:cNvSpPr>
-          <p:nvPr>
-            <p:ph type="body" sz="quarter" idx="11"/>
-          </p:nvPr>
-        </p:nvSpPr>
-        <p:spPr/>
-        <p:txBody>
-          <a:bodyPr/>
-          <a:lstStyle/>
-          <a:p>
-            <a:r>
-              <a:rPr lang="ko-KR" altLang="en-US" dirty="0"/>
-              <a:t>아이디 찾기</a:t>
-            </a:r>
-          </a:p>
-        </p:txBody>
-      </p:sp>
-      <p:pic>
-        <p:nvPicPr>
-          <p:cNvPr id="5" name="그림 4">
-            <a:extLst>
-              <a:ext uri="{FF2B5EF4-FFF2-40B4-BE49-F238E27FC236}">
-                <a16:creationId xmlns:a16="http://schemas.microsoft.com/office/drawing/2014/main" id="{62BA1BF1-6430-471D-B78A-36A433C46D5F}"/>
-              </a:ext>
-            </a:extLst>
-          </p:cNvPr>
-          <p:cNvPicPr>
-            <a:picLocks noChangeAspect="1"/>
-          </p:cNvPicPr>
-          <p:nvPr/>
-        </p:nvPicPr>
-        <p:blipFill>
-          <a:blip r:embed="rId2"/>
-          <a:stretch>
-            <a:fillRect/>
-          </a:stretch>
-        </p:blipFill>
-        <p:spPr>
-          <a:xfrm>
-            <a:off x="85674" y="620688"/>
-            <a:ext cx="8479989" cy="4176464"/>
-          </a:xfrm>
-          <a:prstGeom prst="rect">
-            <a:avLst/>
-          </a:prstGeom>
-        </p:spPr>
-      </p:pic>
-      <p:sp>
-        <p:nvSpPr>
-          <p:cNvPr id="6" name="TextBox 5">
-            <a:extLst>
-              <a:ext uri="{FF2B5EF4-FFF2-40B4-BE49-F238E27FC236}">
-                <a16:creationId xmlns:a16="http://schemas.microsoft.com/office/drawing/2014/main" id="{2A9BC5D2-1642-499B-818E-09291388BC19}"/>
-              </a:ext>
-            </a:extLst>
-          </p:cNvPr>
-          <p:cNvSpPr txBox="1"/>
-          <p:nvPr/>
-        </p:nvSpPr>
-        <p:spPr>
-          <a:xfrm>
-            <a:off x="11780252" y="106980"/>
-            <a:ext cx="248786" cy="230832"/>
-          </a:xfrm>
-          <a:prstGeom prst="rect">
-            <a:avLst/>
-          </a:prstGeom>
-          <a:noFill/>
-        </p:spPr>
-        <p:txBody>
-          <a:bodyPr wrap="none" rtlCol="0">
-            <a:spAutoFit/>
-          </a:bodyPr>
-          <a:lstStyle/>
-          <a:p>
-            <a:fld id="{944918D1-1C8F-48E6-92D4-4089F97E8793}" type="slidenum">
-              <a:rPr lang="ko-KR" altLang="en-US" sz="900" smtClean="0"/>
-              <a:t>14</a:t>
-            </a:fld>
-            <a:endParaRPr lang="ko-KR" altLang="en-US" sz="900" dirty="0"/>
-          </a:p>
-        </p:txBody>
-      </p:sp>
-      <p:graphicFrame>
-        <p:nvGraphicFramePr>
-          <p:cNvPr id="7" name="표 6">
-            <a:extLst>
-              <a:ext uri="{FF2B5EF4-FFF2-40B4-BE49-F238E27FC236}">
-                <a16:creationId xmlns:a16="http://schemas.microsoft.com/office/drawing/2014/main" id="{A1E30966-17C1-4F0C-ABDB-17F3196E5018}"/>
-              </a:ext>
-            </a:extLst>
-          </p:cNvPr>
-          <p:cNvGraphicFramePr>
-            <a:graphicFrameLocks noGrp="1"/>
-          </p:cNvGraphicFramePr>
-          <p:nvPr>
-            <p:extLst>
-              <p:ext uri="{D42A27DB-BD31-4B8C-83A1-F6EECF244321}">
-                <p14:modId xmlns:p14="http://schemas.microsoft.com/office/powerpoint/2010/main" val="2990560426"/>
-              </p:ext>
-            </p:extLst>
-          </p:nvPr>
-        </p:nvGraphicFramePr>
-        <p:xfrm>
-          <a:off x="8688288" y="620688"/>
-          <a:ext cx="3384376" cy="1819223"/>
-        </p:xfrm>
-        <a:graphic>
-          <a:graphicData uri="http://schemas.openxmlformats.org/drawingml/2006/table">
-            <a:tbl>
-              <a:tblPr firstRow="1" bandRow="1">
-                <a:tableStyleId>{5C22544A-7EE6-4342-B048-85BDC9FD1C3A}</a:tableStyleId>
-              </a:tblPr>
-              <a:tblGrid>
-                <a:gridCol w="403256">
-                  <a:extLst>
-                    <a:ext uri="{9D8B030D-6E8A-4147-A177-3AD203B41FA5}">
-                      <a16:colId xmlns:a16="http://schemas.microsoft.com/office/drawing/2014/main" val="143998261"/>
-                    </a:ext>
-                  </a:extLst>
-                </a:gridCol>
-                <a:gridCol w="2981120">
-                  <a:extLst>
-                    <a:ext uri="{9D8B030D-6E8A-4147-A177-3AD203B41FA5}">
-                      <a16:colId xmlns:a16="http://schemas.microsoft.com/office/drawing/2014/main" val="2337024672"/>
-                    </a:ext>
-                  </a:extLst>
-                </a:gridCol>
-              </a:tblGrid>
-              <a:tr h="258850">
-                <a:tc gridSpan="2">
-                  <a:txBody>
-                    <a:bodyPr/>
-                    <a:lstStyle/>
-                    <a:p>
-                      <a:pPr marL="0" marR="0" lvl="0" indent="0" algn="l" defTabSz="914400" rtl="0" eaLnBrk="1" fontAlgn="auto" latinLnBrk="1" hangingPunct="1">
-                        <a:lnSpc>
-                          <a:spcPct val="100000"/>
-                        </a:lnSpc>
-                        <a:spcBef>
-                          <a:spcPts val="0"/>
-                        </a:spcBef>
-                        <a:spcAft>
-                          <a:spcPts val="0"/>
-                        </a:spcAft>
-                        <a:buClrTx/>
-                        <a:buSzTx/>
-                        <a:buFontTx/>
-                        <a:buNone/>
-                        <a:tabLst/>
-                        <a:defRPr/>
-                      </a:pPr>
-                      <a:r>
-                        <a:rPr lang="en-US" altLang="ko-KR" sz="900" b="1" dirty="0">
-                          <a:solidFill>
-                            <a:srgbClr val="4E5263"/>
-                          </a:solidFill>
-                          <a:latin typeface="+mn-ea"/>
-                          <a:ea typeface="+mn-ea"/>
-                          <a:sym typeface="맑은 고딕"/>
-                        </a:rPr>
-                        <a:t>Summery.</a:t>
-                      </a:r>
-                      <a:endParaRPr lang="en" altLang="ko-KR" sz="900" b="1" dirty="0">
-                        <a:solidFill>
-                          <a:srgbClr val="4E5263"/>
-                        </a:solidFill>
-                        <a:latin typeface="+mn-ea"/>
-                        <a:ea typeface="+mn-ea"/>
-                        <a:sym typeface="맑은 고딕"/>
-                      </a:endParaRPr>
-                    </a:p>
-                  </a:txBody>
-                  <a:tcPr anchor="ctr">
-                    <a:lnL w="3175" cap="flat" cmpd="sng" algn="ctr">
-                      <a:noFill/>
-                      <a:prstDash val="solid"/>
-                      <a:round/>
-                      <a:headEnd type="none" w="med" len="med"/>
-                      <a:tailEnd type="none" w="med" len="med"/>
-                    </a:lnL>
-                    <a:lnR w="3175" cap="flat" cmpd="sng" algn="ctr">
-                      <a:noFill/>
-                      <a:prstDash val="solid"/>
-                      <a:round/>
-                      <a:headEnd type="none" w="med" len="med"/>
-                      <a:tailEnd type="none" w="med" len="med"/>
-                    </a:lnR>
-                    <a:lnT w="3175" cap="flat" cmpd="sng" algn="ctr">
-                      <a:noFill/>
-                      <a:prstDash val="solid"/>
-                      <a:round/>
-                      <a:headEnd type="none" w="med" len="med"/>
-                      <a:tailEnd type="none" w="med" len="med"/>
-                    </a:lnT>
-                    <a:lnB w="3175" cap="flat" cmpd="sng" algn="ctr">
-                      <a:solidFill>
-                        <a:schemeClr val="bg1">
-                          <a:lumMod val="65000"/>
-                        </a:schemeClr>
-                      </a:solidFill>
-                      <a:prstDash val="solid"/>
-                      <a:round/>
-                      <a:headEnd type="none" w="med" len="med"/>
-                      <a:tailEnd type="none" w="med" len="med"/>
-                    </a:lnB>
-                    <a:solidFill>
-                      <a:schemeClr val="bg1"/>
-                    </a:solidFill>
-                  </a:tcPr>
-                </a:tc>
-                <a:tc hMerge="1">
-                  <a:txBody>
-                    <a:bodyPr/>
-                    <a:lstStyle/>
-                    <a:p>
-                      <a:pPr marL="0" marR="0" lvl="0" indent="0" algn="l" defTabSz="914400" rtl="0" eaLnBrk="1" fontAlgn="auto" latinLnBrk="1" hangingPunct="1">
-                        <a:lnSpc>
-                          <a:spcPct val="100000"/>
-                        </a:lnSpc>
-                        <a:spcBef>
-                          <a:spcPts val="0"/>
-                        </a:spcBef>
-                        <a:spcAft>
-                          <a:spcPts val="0"/>
-                        </a:spcAft>
-                        <a:buClrTx/>
-                        <a:buSzTx/>
-                        <a:buFontTx/>
-                        <a:buNone/>
-                        <a:tabLst/>
-                        <a:defRPr/>
-                      </a:pPr>
-                      <a:endParaRPr lang="en" altLang="ko-KR" sz="900" b="1" dirty="0">
-                        <a:solidFill>
-                          <a:srgbClr val="4E5263"/>
-                        </a:solidFill>
-                        <a:latin typeface="SF Pro Text" pitchFamily="2" charset="0"/>
-                        <a:ea typeface="SF Pro Text" pitchFamily="2" charset="0"/>
-                        <a:sym typeface="맑은 고딕"/>
-                      </a:endParaRPr>
-                    </a:p>
-                  </a:txBody>
-                  <a:tcPr anchor="ctr">
-                    <a:lnL w="3175" cap="flat" cmpd="sng" algn="ctr">
-                      <a:solidFill>
-                        <a:schemeClr val="tx1">
-                          <a:lumMod val="50000"/>
-                          <a:lumOff val="50000"/>
-                        </a:schemeClr>
-                      </a:solidFill>
-                      <a:prstDash val="solid"/>
-                      <a:round/>
-                      <a:headEnd type="none" w="med" len="med"/>
-                      <a:tailEnd type="none" w="med" len="med"/>
-                    </a:lnL>
-                    <a:lnR w="3175" cap="flat" cmpd="sng" algn="ctr">
-                      <a:noFill/>
-                      <a:prstDash val="solid"/>
-                      <a:round/>
-                      <a:headEnd type="none" w="med" len="med"/>
-                      <a:tailEnd type="none" w="med" len="med"/>
-                    </a:lnR>
-                    <a:lnT w="3175" cap="flat" cmpd="sng" algn="ctr">
-                      <a:noFill/>
-                      <a:prstDash val="solid"/>
-                      <a:round/>
-                      <a:headEnd type="none" w="med" len="med"/>
-                      <a:tailEnd type="none" w="med" len="med"/>
-                    </a:lnT>
-                    <a:lnB w="3175" cap="flat" cmpd="sng" algn="ctr">
-                      <a:solidFill>
-                        <a:schemeClr val="tx1">
-                          <a:lumMod val="50000"/>
-                          <a:lumOff val="50000"/>
-                        </a:schemeClr>
-                      </a:solidFill>
-                      <a:prstDash val="solid"/>
-                      <a:round/>
-                      <a:headEnd type="none" w="med" len="med"/>
-                      <a:tailEnd type="none" w="med" len="med"/>
-                    </a:lnB>
-                    <a:noFill/>
-                  </a:tcPr>
-                </a:tc>
-                <a:extLst>
-                  <a:ext uri="{0D108BD9-81ED-4DB2-BD59-A6C34878D82A}">
-                    <a16:rowId xmlns:a16="http://schemas.microsoft.com/office/drawing/2014/main" val="418637585"/>
-                  </a:ext>
-                </a:extLst>
-              </a:tr>
-              <a:tr h="786307">
-                <a:tc gridSpan="2">
-                  <a:txBody>
-                    <a:bodyPr/>
-                    <a:lstStyle/>
-                    <a:p>
-                      <a:pPr marL="108000" marR="0" lvl="0" indent="-108000" algn="just" defTabSz="914400" rtl="0" eaLnBrk="1" fontAlgn="auto" latinLnBrk="1" hangingPunct="1">
-                        <a:lnSpc>
-                          <a:spcPct val="120000"/>
-                        </a:lnSpc>
-                        <a:spcBef>
-                          <a:spcPts val="0"/>
-                        </a:spcBef>
-                        <a:spcAft>
-                          <a:spcPts val="0"/>
-                        </a:spcAft>
-                        <a:buClrTx/>
-                        <a:buSzTx/>
-                        <a:buFont typeface="Arial" panose="020B0604020202020204" pitchFamily="34" charset="0"/>
-                        <a:buChar char="•"/>
-                        <a:tabLst/>
-                        <a:defRPr/>
-                      </a:pPr>
-                      <a:r>
-                        <a:rPr lang="ko-KR" altLang="en-US" sz="800" b="0" dirty="0">
-                          <a:solidFill>
-                            <a:schemeClr val="tx1"/>
-                          </a:solidFill>
-                          <a:latin typeface="+mn-ea"/>
-                          <a:ea typeface="+mn-ea"/>
-                          <a:sym typeface="맑은 고딕"/>
-                        </a:rPr>
-                        <a:t>가입시 등록한 휴대폰 번호를 통해 가입했던 이메일 주소를 발송합니다</a:t>
-                      </a:r>
-                      <a:r>
-                        <a:rPr lang="en-US" altLang="ko-KR" sz="800" b="0" dirty="0">
-                          <a:solidFill>
-                            <a:schemeClr val="tx1"/>
-                          </a:solidFill>
-                          <a:latin typeface="+mn-ea"/>
-                          <a:ea typeface="+mn-ea"/>
-                          <a:sym typeface="맑은 고딕"/>
-                        </a:rPr>
-                        <a:t>.</a:t>
-                      </a:r>
-                    </a:p>
-                  </a:txBody>
-                  <a:tcPr anchor="ctr">
-                    <a:lnL w="3175" cap="flat" cmpd="sng" algn="ctr">
-                      <a:noFill/>
-                      <a:prstDash val="solid"/>
-                      <a:round/>
-                      <a:headEnd type="none" w="med" len="med"/>
-                      <a:tailEnd type="none" w="med" len="med"/>
-                    </a:lnL>
-                    <a:lnR w="3175" cap="flat" cmpd="sng" algn="ctr">
-                      <a:noFill/>
-                      <a:prstDash val="solid"/>
-                      <a:round/>
-                      <a:headEnd type="none" w="med" len="med"/>
-                      <a:tailEnd type="none" w="med" len="med"/>
-                    </a:lnR>
-                    <a:lnT w="3175" cap="flat" cmpd="sng" algn="ctr">
-                      <a:solidFill>
-                        <a:schemeClr val="bg1">
-                          <a:lumMod val="65000"/>
-                        </a:schemeClr>
-                      </a:solidFill>
-                      <a:prstDash val="solid"/>
-                      <a:round/>
-                      <a:headEnd type="none" w="med" len="med"/>
-                      <a:tailEnd type="none" w="med" len="med"/>
-                    </a:lnT>
-                    <a:lnB w="3175" cap="flat" cmpd="sng" algn="ctr">
-                      <a:solidFill>
-                        <a:schemeClr val="tx1">
-                          <a:lumMod val="50000"/>
-                          <a:lumOff val="50000"/>
-                        </a:schemeClr>
-                      </a:solidFill>
-                      <a:prstDash val="solid"/>
-                      <a:round/>
-                      <a:headEnd type="none" w="med" len="med"/>
-                      <a:tailEnd type="none" w="med" len="med"/>
-                    </a:lnB>
-                    <a:noFill/>
-                  </a:tcPr>
-                </a:tc>
-                <a:tc hMerge="1">
-                  <a:txBody>
-                    <a:bodyPr/>
-                    <a:lstStyle/>
-                    <a:p>
-                      <a:pPr latinLnBrk="1"/>
-                      <a:endParaRPr lang="ko-KR" altLang="en-US"/>
-                    </a:p>
-                  </a:txBody>
-                  <a:tcPr/>
-                </a:tc>
-                <a:extLst>
-                  <a:ext uri="{0D108BD9-81ED-4DB2-BD59-A6C34878D82A}">
-                    <a16:rowId xmlns:a16="http://schemas.microsoft.com/office/drawing/2014/main" val="3026413146"/>
-                  </a:ext>
-                </a:extLst>
-              </a:tr>
-              <a:tr h="241592">
-                <a:tc>
-                  <a:txBody>
-                    <a:bodyPr/>
-                    <a:lstStyle/>
-                    <a:p>
-                      <a:pPr algn="ctr" latinLnBrk="1">
-                        <a:lnSpc>
-                          <a:spcPct val="120000"/>
-                        </a:lnSpc>
-                      </a:pPr>
-                      <a:r>
-                        <a:rPr lang="en-US" altLang="ko-KR" sz="850" b="0" dirty="0">
-                          <a:solidFill>
-                            <a:schemeClr val="tx1"/>
-                          </a:solidFill>
-                          <a:latin typeface="+mn-ea"/>
-                          <a:ea typeface="+mn-ea"/>
-                        </a:rPr>
-                        <a:t>1</a:t>
-                      </a:r>
-                      <a:endParaRPr lang="ko-KR" altLang="en-US" sz="850" b="0" dirty="0">
-                        <a:solidFill>
-                          <a:schemeClr val="tx1"/>
-                        </a:solidFill>
-                        <a:latin typeface="+mn-ea"/>
-                        <a:ea typeface="+mn-ea"/>
-                      </a:endParaRPr>
-                    </a:p>
-                  </a:txBody>
-                  <a:tcPr anchor="ctr">
-                    <a:lnL w="3175" cap="flat" cmpd="sng" algn="ctr">
-                      <a:noFill/>
-                      <a:prstDash val="solid"/>
-                      <a:round/>
-                      <a:headEnd type="none" w="med" len="med"/>
-                      <a:tailEnd type="none" w="med" len="med"/>
-                    </a:lnL>
-                    <a:lnR w="3175" cap="flat" cmpd="sng" algn="ctr">
-                      <a:solidFill>
-                        <a:schemeClr val="tx1">
-                          <a:lumMod val="50000"/>
-                          <a:lumOff val="50000"/>
-                        </a:schemeClr>
-                      </a:solidFill>
-                      <a:prstDash val="solid"/>
-                      <a:round/>
-                      <a:headEnd type="none" w="med" len="med"/>
-                      <a:tailEnd type="none" w="med" len="med"/>
-                    </a:lnR>
-                    <a:lnT w="3175" cap="flat" cmpd="sng" algn="ctr">
-                      <a:solidFill>
-                        <a:schemeClr val="tx1">
-                          <a:lumMod val="50000"/>
-                          <a:lumOff val="50000"/>
-                        </a:schemeClr>
-                      </a:solidFill>
-                      <a:prstDash val="solid"/>
-                      <a:round/>
-                      <a:headEnd type="none" w="med" len="med"/>
-                      <a:tailEnd type="none" w="med" len="med"/>
-                    </a:lnT>
-                    <a:lnB w="3175" cap="flat" cmpd="sng" algn="ctr">
-                      <a:solidFill>
-                        <a:schemeClr val="tx1">
-                          <a:lumMod val="50000"/>
-                          <a:lumOff val="50000"/>
-                        </a:schemeClr>
-                      </a:solidFill>
-                      <a:prstDash val="solid"/>
-                      <a:round/>
-                      <a:headEnd type="none" w="med" len="med"/>
-                      <a:tailEnd type="none" w="med" len="med"/>
-                    </a:lnB>
-                    <a:noFill/>
-                  </a:tcPr>
-                </a:tc>
-                <a:tc>
-                  <a:txBody>
-                    <a:bodyPr/>
-                    <a:lstStyle/>
-                    <a:p>
-                      <a:pPr algn="just" latinLnBrk="1">
-                        <a:lnSpc>
-                          <a:spcPct val="120000"/>
-                        </a:lnSpc>
-                      </a:pPr>
-                      <a:r>
-                        <a:rPr lang="en-US" altLang="ko-KR" sz="850" b="0" dirty="0">
-                          <a:latin typeface="+mn-ea"/>
-                          <a:ea typeface="+mn-ea"/>
-                        </a:rPr>
-                        <a:t>Login </a:t>
-                      </a:r>
-                      <a:r>
-                        <a:rPr lang="ko-KR" altLang="en-US" sz="850" b="0" dirty="0">
-                          <a:latin typeface="+mn-ea"/>
-                          <a:ea typeface="+mn-ea"/>
-                        </a:rPr>
-                        <a:t>버튼을 클릭하면 로그인 화면으로 이동합니다</a:t>
-                      </a:r>
-                      <a:r>
-                        <a:rPr lang="en-US" altLang="ko-KR" sz="850" b="0" dirty="0">
-                          <a:latin typeface="+mn-ea"/>
-                          <a:ea typeface="+mn-ea"/>
-                        </a:rPr>
-                        <a:t>.</a:t>
-                      </a:r>
-                    </a:p>
-                    <a:p>
-                      <a:pPr algn="just" latinLnBrk="1">
-                        <a:lnSpc>
-                          <a:spcPct val="120000"/>
-                        </a:lnSpc>
-                      </a:pPr>
-                      <a:r>
-                        <a:rPr lang="en-US" altLang="ko-KR" sz="850" b="0" dirty="0">
-                          <a:latin typeface="+mn-ea"/>
-                          <a:ea typeface="+mn-ea"/>
-                        </a:rPr>
-                        <a:t>(7</a:t>
-                      </a:r>
-                      <a:r>
-                        <a:rPr lang="ko-KR" altLang="en-US" sz="850" b="0" dirty="0">
-                          <a:latin typeface="+mn-ea"/>
-                          <a:ea typeface="+mn-ea"/>
-                        </a:rPr>
-                        <a:t>페이지 참조</a:t>
-                      </a:r>
-                      <a:r>
-                        <a:rPr lang="en-US" altLang="ko-KR" sz="850" b="0" dirty="0">
-                          <a:latin typeface="+mn-ea"/>
-                          <a:ea typeface="+mn-ea"/>
-                        </a:rPr>
-                        <a:t>)</a:t>
-                      </a:r>
-                      <a:endParaRPr lang="ko-KR" altLang="en-US" sz="850" b="0" dirty="0">
-                        <a:latin typeface="+mn-ea"/>
-                        <a:ea typeface="+mn-ea"/>
-                      </a:endParaRPr>
-                    </a:p>
-                  </a:txBody>
-                  <a:tcPr anchor="ctr">
-                    <a:lnL w="3175" cap="flat" cmpd="sng" algn="ctr">
-                      <a:solidFill>
-                        <a:schemeClr val="tx1">
-                          <a:lumMod val="50000"/>
-                          <a:lumOff val="50000"/>
-                        </a:schemeClr>
-                      </a:solidFill>
-                      <a:prstDash val="solid"/>
-                      <a:round/>
-                      <a:headEnd type="none" w="med" len="med"/>
-                      <a:tailEnd type="none" w="med" len="med"/>
-                    </a:lnL>
-                    <a:lnR w="3175" cap="flat" cmpd="sng" algn="ctr">
-                      <a:noFill/>
-                      <a:prstDash val="solid"/>
-                      <a:round/>
-                      <a:headEnd type="none" w="med" len="med"/>
-                      <a:tailEnd type="none" w="med" len="med"/>
-                    </a:lnR>
-                    <a:lnT w="3175" cap="flat" cmpd="sng" algn="ctr">
-                      <a:solidFill>
-                        <a:schemeClr val="tx1">
-                          <a:lumMod val="50000"/>
-                          <a:lumOff val="50000"/>
-                        </a:schemeClr>
-                      </a:solidFill>
-                      <a:prstDash val="solid"/>
-                      <a:round/>
-                      <a:headEnd type="none" w="med" len="med"/>
-                      <a:tailEnd type="none" w="med" len="med"/>
-                    </a:lnT>
-                    <a:lnB w="3175" cap="flat" cmpd="sng" algn="ctr">
-                      <a:solidFill>
-                        <a:schemeClr val="tx1">
-                          <a:lumMod val="50000"/>
-                          <a:lumOff val="50000"/>
-                        </a:schemeClr>
-                      </a:solidFill>
-                      <a:prstDash val="solid"/>
-                      <a:round/>
-                      <a:headEnd type="none" w="med" len="med"/>
-                      <a:tailEnd type="none" w="med" len="med"/>
-                    </a:lnB>
-                    <a:noFill/>
-                  </a:tcPr>
-                </a:tc>
-                <a:extLst>
-                  <a:ext uri="{0D108BD9-81ED-4DB2-BD59-A6C34878D82A}">
-                    <a16:rowId xmlns:a16="http://schemas.microsoft.com/office/drawing/2014/main" val="787081411"/>
-                  </a:ext>
-                </a:extLst>
-              </a:tr>
-              <a:tr h="241592">
-                <a:tc>
-                  <a:txBody>
-                    <a:bodyPr/>
-                    <a:lstStyle/>
-                    <a:p>
-                      <a:pPr algn="ctr" latinLnBrk="1">
-                        <a:lnSpc>
-                          <a:spcPct val="120000"/>
-                        </a:lnSpc>
-                      </a:pPr>
-                      <a:r>
-                        <a:rPr lang="en-US" altLang="ko-KR" sz="850" b="0" dirty="0">
-                          <a:latin typeface="+mn-ea"/>
-                          <a:ea typeface="+mn-ea"/>
-                        </a:rPr>
-                        <a:t>2</a:t>
-                      </a:r>
-                      <a:endParaRPr lang="ko-KR" altLang="en-US" sz="850" b="0" dirty="0">
-                        <a:latin typeface="+mn-ea"/>
-                        <a:ea typeface="+mn-ea"/>
-                      </a:endParaRPr>
-                    </a:p>
-                  </a:txBody>
-                  <a:tcPr anchor="ctr">
-                    <a:lnL w="3175" cap="flat" cmpd="sng" algn="ctr">
-                      <a:noFill/>
-                      <a:prstDash val="solid"/>
-                      <a:round/>
-                      <a:headEnd type="none" w="med" len="med"/>
-                      <a:tailEnd type="none" w="med" len="med"/>
-                    </a:lnL>
-                    <a:lnR w="3175" cap="flat" cmpd="sng" algn="ctr">
-                      <a:solidFill>
-                        <a:schemeClr val="tx1">
-                          <a:lumMod val="50000"/>
-                          <a:lumOff val="50000"/>
-                        </a:schemeClr>
-                      </a:solidFill>
-                      <a:prstDash val="solid"/>
-                      <a:round/>
-                      <a:headEnd type="none" w="med" len="med"/>
-                      <a:tailEnd type="none" w="med" len="med"/>
-                    </a:lnR>
-                    <a:lnT w="3175" cap="flat" cmpd="sng" algn="ctr">
-                      <a:solidFill>
-                        <a:schemeClr val="tx1">
-                          <a:lumMod val="50000"/>
-                          <a:lumOff val="50000"/>
-                        </a:schemeClr>
-                      </a:solidFill>
-                      <a:prstDash val="solid"/>
-                      <a:round/>
-                      <a:headEnd type="none" w="med" len="med"/>
-                      <a:tailEnd type="none" w="med" len="med"/>
-                    </a:lnT>
-                    <a:lnB w="3175" cap="flat" cmpd="sng" algn="ctr">
-                      <a:solidFill>
-                        <a:schemeClr val="tx1">
-                          <a:lumMod val="50000"/>
-                          <a:lumOff val="50000"/>
-                        </a:schemeClr>
-                      </a:solidFill>
-                      <a:prstDash val="solid"/>
-                      <a:round/>
-                      <a:headEnd type="none" w="med" len="med"/>
-                      <a:tailEnd type="none" w="med" len="med"/>
-                    </a:lnB>
-                    <a:noFill/>
-                  </a:tcPr>
-                </a:tc>
-                <a:tc>
-                  <a:txBody>
-                    <a:bodyPr/>
-                    <a:lstStyle/>
-                    <a:p>
-                      <a:pPr marL="0" marR="0" lvl="0" indent="0" algn="just" defTabSz="914400" rtl="0" eaLnBrk="1" fontAlgn="auto" latinLnBrk="1" hangingPunct="1">
-                        <a:lnSpc>
-                          <a:spcPct val="120000"/>
-                        </a:lnSpc>
-                        <a:spcBef>
-                          <a:spcPts val="0"/>
-                        </a:spcBef>
-                        <a:spcAft>
-                          <a:spcPts val="0"/>
-                        </a:spcAft>
-                        <a:buClrTx/>
-                        <a:buSzTx/>
-                        <a:buFontTx/>
-                        <a:buNone/>
-                        <a:tabLst/>
-                        <a:defRPr/>
-                      </a:pPr>
-                      <a:r>
-                        <a:rPr kumimoji="1" lang="ko-KR" altLang="en-US" sz="850" dirty="0">
-                          <a:solidFill>
-                            <a:schemeClr val="tx1"/>
-                          </a:solidFill>
-                          <a:latin typeface="+mn-ea"/>
-                        </a:rPr>
-                        <a:t>회원이 아닌 경우 회원가입 페이지로 이동합니다</a:t>
-                      </a:r>
-                      <a:r>
-                        <a:rPr kumimoji="1" lang="en-US" altLang="ko-KR" sz="850" dirty="0">
-                          <a:solidFill>
-                            <a:schemeClr val="tx1"/>
-                          </a:solidFill>
-                          <a:latin typeface="+mn-ea"/>
-                        </a:rPr>
-                        <a:t>. </a:t>
-                      </a:r>
-                    </a:p>
-                    <a:p>
-                      <a:pPr marL="0" marR="0" lvl="0" indent="0" algn="just" defTabSz="914400" rtl="0" eaLnBrk="1" fontAlgn="auto" latinLnBrk="1" hangingPunct="1">
-                        <a:lnSpc>
-                          <a:spcPct val="120000"/>
-                        </a:lnSpc>
-                        <a:spcBef>
-                          <a:spcPts val="0"/>
-                        </a:spcBef>
-                        <a:spcAft>
-                          <a:spcPts val="0"/>
-                        </a:spcAft>
-                        <a:buClrTx/>
-                        <a:buSzTx/>
-                        <a:buFontTx/>
-                        <a:buNone/>
-                        <a:tabLst/>
-                        <a:defRPr/>
-                      </a:pPr>
-                      <a:r>
-                        <a:rPr kumimoji="1" lang="en-US" altLang="ko-KR" sz="850" dirty="0">
-                          <a:solidFill>
-                            <a:schemeClr val="tx1"/>
-                          </a:solidFill>
-                          <a:latin typeface="+mn-ea"/>
-                        </a:rPr>
-                        <a:t>(8~10</a:t>
-                      </a:r>
-                      <a:r>
-                        <a:rPr kumimoji="1" lang="ko-KR" altLang="en-US" sz="850" dirty="0">
-                          <a:solidFill>
-                            <a:schemeClr val="tx1"/>
-                          </a:solidFill>
-                          <a:latin typeface="+mn-ea"/>
-                        </a:rPr>
-                        <a:t>페이지 참조</a:t>
-                      </a:r>
-                      <a:r>
-                        <a:rPr kumimoji="1" lang="en-US" altLang="ko-KR" sz="850" dirty="0">
-                          <a:solidFill>
-                            <a:schemeClr val="tx1"/>
-                          </a:solidFill>
-                          <a:latin typeface="+mn-ea"/>
-                        </a:rPr>
-                        <a:t>)</a:t>
-                      </a:r>
-                    </a:p>
-                  </a:txBody>
-                  <a:tcPr anchor="ctr">
-                    <a:lnL w="3175" cap="flat" cmpd="sng" algn="ctr">
-                      <a:solidFill>
-                        <a:schemeClr val="tx1">
-                          <a:lumMod val="50000"/>
-                          <a:lumOff val="50000"/>
-                        </a:schemeClr>
-                      </a:solidFill>
-                      <a:prstDash val="solid"/>
-                      <a:round/>
-                      <a:headEnd type="none" w="med" len="med"/>
-                      <a:tailEnd type="none" w="med" len="med"/>
-                    </a:lnL>
-                    <a:lnR w="3175" cap="flat" cmpd="sng" algn="ctr">
-                      <a:noFill/>
-                      <a:prstDash val="solid"/>
-                      <a:round/>
-                      <a:headEnd type="none" w="med" len="med"/>
-                      <a:tailEnd type="none" w="med" len="med"/>
-                    </a:lnR>
-                    <a:lnT w="3175" cap="flat" cmpd="sng" algn="ctr">
-                      <a:solidFill>
-                        <a:schemeClr val="tx1">
-                          <a:lumMod val="50000"/>
-                          <a:lumOff val="50000"/>
-                        </a:schemeClr>
-                      </a:solidFill>
-                      <a:prstDash val="solid"/>
-                      <a:round/>
-                      <a:headEnd type="none" w="med" len="med"/>
-                      <a:tailEnd type="none" w="med" len="med"/>
-                    </a:lnT>
-                    <a:lnB w="3175" cap="flat" cmpd="sng" algn="ctr">
-                      <a:solidFill>
-                        <a:schemeClr val="tx1">
-                          <a:lumMod val="50000"/>
-                          <a:lumOff val="50000"/>
-                        </a:schemeClr>
-                      </a:solidFill>
-                      <a:prstDash val="solid"/>
-                      <a:round/>
-                      <a:headEnd type="none" w="med" len="med"/>
-                      <a:tailEnd type="none" w="med" len="med"/>
-                    </a:lnB>
-                    <a:noFill/>
-                  </a:tcPr>
-                </a:tc>
-                <a:extLst>
-                  <a:ext uri="{0D108BD9-81ED-4DB2-BD59-A6C34878D82A}">
-                    <a16:rowId xmlns:a16="http://schemas.microsoft.com/office/drawing/2014/main" val="655206683"/>
-                  </a:ext>
-                </a:extLst>
-              </a:tr>
-            </a:tbl>
-          </a:graphicData>
-        </a:graphic>
-      </p:graphicFrame>
-      <p:pic>
-        <p:nvPicPr>
-          <p:cNvPr id="8" name="그림 7">
-            <a:extLst>
-              <a:ext uri="{FF2B5EF4-FFF2-40B4-BE49-F238E27FC236}">
-                <a16:creationId xmlns:a16="http://schemas.microsoft.com/office/drawing/2014/main" id="{ABADAEF3-46A2-4C67-ADFB-FAB3ED26512C}"/>
-              </a:ext>
-            </a:extLst>
-          </p:cNvPr>
-          <p:cNvPicPr>
-            <a:picLocks noChangeAspect="1"/>
-          </p:cNvPicPr>
-          <p:nvPr/>
-        </p:nvPicPr>
-        <p:blipFill>
-          <a:blip r:embed="rId3" cstate="print">
-            <a:extLst>
-              <a:ext uri="{28A0092B-C50C-407E-A947-70E740481C1C}">
-                <a14:useLocalDpi xmlns:a14="http://schemas.microsoft.com/office/drawing/2010/main" val="0"/>
-              </a:ext>
-            </a:extLst>
-          </a:blip>
-          <a:stretch>
-            <a:fillRect/>
-          </a:stretch>
-        </p:blipFill>
-        <p:spPr>
-          <a:xfrm>
-            <a:off x="2062628" y="2962515"/>
-            <a:ext cx="220536" cy="222691"/>
-          </a:xfrm>
-          <a:prstGeom prst="rect">
-            <a:avLst/>
-          </a:prstGeom>
-        </p:spPr>
-      </p:pic>
-      <p:pic>
-        <p:nvPicPr>
-          <p:cNvPr id="9" name="그림 8">
-            <a:extLst>
-              <a:ext uri="{FF2B5EF4-FFF2-40B4-BE49-F238E27FC236}">
-                <a16:creationId xmlns:a16="http://schemas.microsoft.com/office/drawing/2014/main" id="{BD0CC597-C295-4C00-A172-95AD99ABEB28}"/>
-              </a:ext>
-            </a:extLst>
-          </p:cNvPr>
-          <p:cNvPicPr>
-            <a:picLocks noChangeAspect="1"/>
-          </p:cNvPicPr>
-          <p:nvPr/>
-        </p:nvPicPr>
-        <p:blipFill>
-          <a:blip r:embed="rId4" cstate="print">
-            <a:extLst>
-              <a:ext uri="{28A0092B-C50C-407E-A947-70E740481C1C}">
-                <a14:useLocalDpi xmlns:a14="http://schemas.microsoft.com/office/drawing/2010/main" val="0"/>
-              </a:ext>
-            </a:extLst>
-          </a:blip>
-          <a:stretch>
-            <a:fillRect/>
-          </a:stretch>
-        </p:blipFill>
-        <p:spPr>
-          <a:xfrm>
-            <a:off x="3241091" y="2962515"/>
-            <a:ext cx="223200" cy="223200"/>
-          </a:xfrm>
-          <a:prstGeom prst="rect">
-            <a:avLst/>
-          </a:prstGeom>
-        </p:spPr>
-      </p:pic>
-    </p:spTree>
-    <p:extLst>
-      <p:ext uri="{BB962C8B-B14F-4D97-AF65-F5344CB8AC3E}">
-        <p14:creationId xmlns:p14="http://schemas.microsoft.com/office/powerpoint/2010/main" val="910751828"/>
-      </p:ext>
-    </p:extLst>
-  </p:cSld>
-  <p:clrMapOvr>
-    <a:masterClrMapping/>
-  </p:clrMapOvr>
-</p:sld>
-</file>
-
-<file path=ppt/slides/slide15.xml><?xml version="1.0" encoding="utf-8"?>
-<p:sld xmlns:a="http://schemas.openxmlformats.org/drawingml/2006/main" xmlns:r="http://schemas.openxmlformats.org/officeDocument/2006/relationships" xmlns:p="http://schemas.openxmlformats.org/presentationml/2006/main">
-  <p:cSld>
-    <p:spTree>
-      <p:nvGrpSpPr>
-        <p:cNvPr id="1" name=""/>
-        <p:cNvGrpSpPr/>
-        <p:nvPr/>
-      </p:nvGrpSpPr>
-      <p:grpSpPr>
-        <a:xfrm>
-          <a:off x="0" y="0"/>
-          <a:ext cx="0" cy="0"/>
-          <a:chOff x="0" y="0"/>
-          <a:chExt cx="0" cy="0"/>
-        </a:xfrm>
-      </p:grpSpPr>
-      <p:sp>
-        <p:nvSpPr>
-          <p:cNvPr id="2" name="텍스트 개체 틀 1">
-            <a:extLst>
-              <a:ext uri="{FF2B5EF4-FFF2-40B4-BE49-F238E27FC236}">
-                <a16:creationId xmlns:a16="http://schemas.microsoft.com/office/drawing/2014/main" id="{C7444139-C12B-4D18-A359-1625DE3F93A3}"/>
-              </a:ext>
-            </a:extLst>
-          </p:cNvPr>
-          <p:cNvSpPr>
-            <a:spLocks noGrp="1"/>
-          </p:cNvSpPr>
-          <p:nvPr>
-            <p:ph type="body" sz="quarter" idx="10"/>
-          </p:nvPr>
-        </p:nvSpPr>
-        <p:spPr/>
-        <p:txBody>
-          <a:bodyPr/>
-          <a:lstStyle/>
-          <a:p>
-            <a:r>
-              <a:rPr lang="en-US" altLang="ko-KR" dirty="0"/>
-              <a:t>FindPw.html	</a:t>
-            </a:r>
-            <a:endParaRPr lang="ko-KR" altLang="en-US" dirty="0"/>
-          </a:p>
-        </p:txBody>
-      </p:sp>
-      <p:sp>
-        <p:nvSpPr>
-          <p:cNvPr id="3" name="텍스트 개체 틀 2">
-            <a:extLst>
-              <a:ext uri="{FF2B5EF4-FFF2-40B4-BE49-F238E27FC236}">
-                <a16:creationId xmlns:a16="http://schemas.microsoft.com/office/drawing/2014/main" id="{69B33728-BE55-4FDB-902A-F6026CD7818F}"/>
-              </a:ext>
-            </a:extLst>
-          </p:cNvPr>
-          <p:cNvSpPr>
-            <a:spLocks noGrp="1"/>
-          </p:cNvSpPr>
-          <p:nvPr>
-            <p:ph type="body" sz="quarter" idx="11"/>
-          </p:nvPr>
-        </p:nvSpPr>
-        <p:spPr/>
-        <p:txBody>
-          <a:bodyPr/>
-          <a:lstStyle/>
-          <a:p>
-            <a:r>
-              <a:rPr lang="ko-KR" altLang="en-US" dirty="0"/>
-              <a:t>비밀번호 찾기</a:t>
-            </a:r>
-          </a:p>
-        </p:txBody>
-      </p:sp>
-      <p:pic>
-        <p:nvPicPr>
-          <p:cNvPr id="5" name="그림 4">
-            <a:extLst>
-              <a:ext uri="{FF2B5EF4-FFF2-40B4-BE49-F238E27FC236}">
-                <a16:creationId xmlns:a16="http://schemas.microsoft.com/office/drawing/2014/main" id="{82CA9827-B3E7-49CA-AE3A-BF8FCC80A906}"/>
-              </a:ext>
-            </a:extLst>
-          </p:cNvPr>
-          <p:cNvPicPr>
-            <a:picLocks noChangeAspect="1"/>
-          </p:cNvPicPr>
-          <p:nvPr/>
-        </p:nvPicPr>
-        <p:blipFill>
-          <a:blip r:embed="rId2"/>
-          <a:stretch>
-            <a:fillRect/>
-          </a:stretch>
-        </p:blipFill>
-        <p:spPr>
-          <a:xfrm>
-            <a:off x="119337" y="515391"/>
-            <a:ext cx="8442036" cy="4569794"/>
-          </a:xfrm>
-          <a:prstGeom prst="rect">
-            <a:avLst/>
-          </a:prstGeom>
-        </p:spPr>
-      </p:pic>
-      <p:sp>
-        <p:nvSpPr>
-          <p:cNvPr id="6" name="TextBox 5">
-            <a:extLst>
-              <a:ext uri="{FF2B5EF4-FFF2-40B4-BE49-F238E27FC236}">
-                <a16:creationId xmlns:a16="http://schemas.microsoft.com/office/drawing/2014/main" id="{2D74DF8F-2285-4778-A7AA-45705041E039}"/>
-              </a:ext>
-            </a:extLst>
-          </p:cNvPr>
-          <p:cNvSpPr txBox="1"/>
-          <p:nvPr/>
-        </p:nvSpPr>
-        <p:spPr>
-          <a:xfrm>
-            <a:off x="11780252" y="106980"/>
-            <a:ext cx="248786" cy="230832"/>
-          </a:xfrm>
-          <a:prstGeom prst="rect">
-            <a:avLst/>
-          </a:prstGeom>
-          <a:noFill/>
-        </p:spPr>
-        <p:txBody>
-          <a:bodyPr wrap="none" rtlCol="0">
-            <a:spAutoFit/>
-          </a:bodyPr>
-          <a:lstStyle/>
-          <a:p>
-            <a:fld id="{944918D1-1C8F-48E6-92D4-4089F97E8793}" type="slidenum">
-              <a:rPr lang="ko-KR" altLang="en-US" sz="900" smtClean="0"/>
-              <a:t>15</a:t>
-            </a:fld>
-            <a:endParaRPr lang="ko-KR" altLang="en-US" sz="900" dirty="0"/>
-          </a:p>
-        </p:txBody>
-      </p:sp>
-      <p:graphicFrame>
-        <p:nvGraphicFramePr>
-          <p:cNvPr id="7" name="표 6">
-            <a:extLst>
-              <a:ext uri="{FF2B5EF4-FFF2-40B4-BE49-F238E27FC236}">
-                <a16:creationId xmlns:a16="http://schemas.microsoft.com/office/drawing/2014/main" id="{60E51CA9-B99F-4CDC-A8FD-4D40BB7BAEA6}"/>
-              </a:ext>
-            </a:extLst>
-          </p:cNvPr>
-          <p:cNvGraphicFramePr>
-            <a:graphicFrameLocks noGrp="1"/>
-          </p:cNvGraphicFramePr>
-          <p:nvPr>
-            <p:extLst>
-              <p:ext uri="{D42A27DB-BD31-4B8C-83A1-F6EECF244321}">
-                <p14:modId xmlns:p14="http://schemas.microsoft.com/office/powerpoint/2010/main" val="447664877"/>
-              </p:ext>
-            </p:extLst>
-          </p:nvPr>
-        </p:nvGraphicFramePr>
-        <p:xfrm>
-          <a:off x="8688288" y="620688"/>
-          <a:ext cx="3384376" cy="1819223"/>
-        </p:xfrm>
-        <a:graphic>
-          <a:graphicData uri="http://schemas.openxmlformats.org/drawingml/2006/table">
-            <a:tbl>
-              <a:tblPr firstRow="1" bandRow="1">
-                <a:tableStyleId>{5C22544A-7EE6-4342-B048-85BDC9FD1C3A}</a:tableStyleId>
-              </a:tblPr>
-              <a:tblGrid>
-                <a:gridCol w="403256">
-                  <a:extLst>
-                    <a:ext uri="{9D8B030D-6E8A-4147-A177-3AD203B41FA5}">
-                      <a16:colId xmlns:a16="http://schemas.microsoft.com/office/drawing/2014/main" val="143998261"/>
-                    </a:ext>
-                  </a:extLst>
-                </a:gridCol>
-                <a:gridCol w="2981120">
-                  <a:extLst>
-                    <a:ext uri="{9D8B030D-6E8A-4147-A177-3AD203B41FA5}">
-                      <a16:colId xmlns:a16="http://schemas.microsoft.com/office/drawing/2014/main" val="2337024672"/>
-                    </a:ext>
-                  </a:extLst>
-                </a:gridCol>
-              </a:tblGrid>
-              <a:tr h="258850">
-                <a:tc gridSpan="2">
-                  <a:txBody>
-                    <a:bodyPr/>
-                    <a:lstStyle/>
-                    <a:p>
-                      <a:pPr marL="0" marR="0" lvl="0" indent="0" algn="l" defTabSz="914400" rtl="0" eaLnBrk="1" fontAlgn="auto" latinLnBrk="1" hangingPunct="1">
-                        <a:lnSpc>
-                          <a:spcPct val="100000"/>
-                        </a:lnSpc>
-                        <a:spcBef>
-                          <a:spcPts val="0"/>
-                        </a:spcBef>
-                        <a:spcAft>
-                          <a:spcPts val="0"/>
-                        </a:spcAft>
-                        <a:buClrTx/>
-                        <a:buSzTx/>
-                        <a:buFontTx/>
-                        <a:buNone/>
-                        <a:tabLst/>
-                        <a:defRPr/>
-                      </a:pPr>
-                      <a:r>
-                        <a:rPr lang="en-US" altLang="ko-KR" sz="900" b="1" dirty="0">
-                          <a:solidFill>
-                            <a:srgbClr val="4E5263"/>
-                          </a:solidFill>
-                          <a:latin typeface="+mn-ea"/>
-                          <a:ea typeface="+mn-ea"/>
-                          <a:sym typeface="맑은 고딕"/>
-                        </a:rPr>
-                        <a:t>Summery.</a:t>
-                      </a:r>
-                      <a:endParaRPr lang="en" altLang="ko-KR" sz="900" b="1" dirty="0">
-                        <a:solidFill>
-                          <a:srgbClr val="4E5263"/>
-                        </a:solidFill>
-                        <a:latin typeface="+mn-ea"/>
-                        <a:ea typeface="+mn-ea"/>
-                        <a:sym typeface="맑은 고딕"/>
-                      </a:endParaRPr>
-                    </a:p>
-                  </a:txBody>
-                  <a:tcPr anchor="ctr">
-                    <a:lnL w="3175" cap="flat" cmpd="sng" algn="ctr">
-                      <a:noFill/>
-                      <a:prstDash val="solid"/>
-                      <a:round/>
-                      <a:headEnd type="none" w="med" len="med"/>
-                      <a:tailEnd type="none" w="med" len="med"/>
-                    </a:lnL>
-                    <a:lnR w="3175" cap="flat" cmpd="sng" algn="ctr">
-                      <a:noFill/>
-                      <a:prstDash val="solid"/>
-                      <a:round/>
-                      <a:headEnd type="none" w="med" len="med"/>
-                      <a:tailEnd type="none" w="med" len="med"/>
-                    </a:lnR>
-                    <a:lnT w="3175" cap="flat" cmpd="sng" algn="ctr">
-                      <a:noFill/>
-                      <a:prstDash val="solid"/>
-                      <a:round/>
-                      <a:headEnd type="none" w="med" len="med"/>
-                      <a:tailEnd type="none" w="med" len="med"/>
-                    </a:lnT>
-                    <a:lnB w="3175" cap="flat" cmpd="sng" algn="ctr">
-                      <a:solidFill>
-                        <a:schemeClr val="bg1">
-                          <a:lumMod val="65000"/>
-                        </a:schemeClr>
-                      </a:solidFill>
-                      <a:prstDash val="solid"/>
-                      <a:round/>
-                      <a:headEnd type="none" w="med" len="med"/>
-                      <a:tailEnd type="none" w="med" len="med"/>
-                    </a:lnB>
-                    <a:solidFill>
-                      <a:schemeClr val="bg1"/>
-                    </a:solidFill>
-                  </a:tcPr>
-                </a:tc>
-                <a:tc hMerge="1">
-                  <a:txBody>
-                    <a:bodyPr/>
-                    <a:lstStyle/>
-                    <a:p>
-                      <a:pPr marL="0" marR="0" lvl="0" indent="0" algn="l" defTabSz="914400" rtl="0" eaLnBrk="1" fontAlgn="auto" latinLnBrk="1" hangingPunct="1">
-                        <a:lnSpc>
-                          <a:spcPct val="100000"/>
-                        </a:lnSpc>
-                        <a:spcBef>
-                          <a:spcPts val="0"/>
-                        </a:spcBef>
-                        <a:spcAft>
-                          <a:spcPts val="0"/>
-                        </a:spcAft>
-                        <a:buClrTx/>
-                        <a:buSzTx/>
-                        <a:buFontTx/>
-                        <a:buNone/>
-                        <a:tabLst/>
-                        <a:defRPr/>
-                      </a:pPr>
-                      <a:endParaRPr lang="en" altLang="ko-KR" sz="900" b="1" dirty="0">
-                        <a:solidFill>
-                          <a:srgbClr val="4E5263"/>
-                        </a:solidFill>
-                        <a:latin typeface="SF Pro Text" pitchFamily="2" charset="0"/>
-                        <a:ea typeface="SF Pro Text" pitchFamily="2" charset="0"/>
-                        <a:sym typeface="맑은 고딕"/>
-                      </a:endParaRPr>
-                    </a:p>
-                  </a:txBody>
-                  <a:tcPr anchor="ctr">
-                    <a:lnL w="3175" cap="flat" cmpd="sng" algn="ctr">
-                      <a:solidFill>
-                        <a:schemeClr val="tx1">
-                          <a:lumMod val="50000"/>
-                          <a:lumOff val="50000"/>
-                        </a:schemeClr>
-                      </a:solidFill>
-                      <a:prstDash val="solid"/>
-                      <a:round/>
-                      <a:headEnd type="none" w="med" len="med"/>
-                      <a:tailEnd type="none" w="med" len="med"/>
-                    </a:lnL>
-                    <a:lnR w="3175" cap="flat" cmpd="sng" algn="ctr">
-                      <a:noFill/>
-                      <a:prstDash val="solid"/>
-                      <a:round/>
-                      <a:headEnd type="none" w="med" len="med"/>
-                      <a:tailEnd type="none" w="med" len="med"/>
-                    </a:lnR>
-                    <a:lnT w="3175" cap="flat" cmpd="sng" algn="ctr">
-                      <a:noFill/>
-                      <a:prstDash val="solid"/>
-                      <a:round/>
-                      <a:headEnd type="none" w="med" len="med"/>
-                      <a:tailEnd type="none" w="med" len="med"/>
-                    </a:lnT>
-                    <a:lnB w="3175" cap="flat" cmpd="sng" algn="ctr">
-                      <a:solidFill>
-                        <a:schemeClr val="tx1">
-                          <a:lumMod val="50000"/>
-                          <a:lumOff val="50000"/>
-                        </a:schemeClr>
-                      </a:solidFill>
-                      <a:prstDash val="solid"/>
-                      <a:round/>
-                      <a:headEnd type="none" w="med" len="med"/>
-                      <a:tailEnd type="none" w="med" len="med"/>
-                    </a:lnB>
-                    <a:noFill/>
-                  </a:tcPr>
-                </a:tc>
-                <a:extLst>
-                  <a:ext uri="{0D108BD9-81ED-4DB2-BD59-A6C34878D82A}">
-                    <a16:rowId xmlns:a16="http://schemas.microsoft.com/office/drawing/2014/main" val="418637585"/>
-                  </a:ext>
-                </a:extLst>
-              </a:tr>
-              <a:tr h="786307">
-                <a:tc gridSpan="2">
-                  <a:txBody>
-                    <a:bodyPr/>
-                    <a:lstStyle/>
-                    <a:p>
-                      <a:pPr marL="108000" marR="0" lvl="0" indent="-108000" algn="just" defTabSz="914400" rtl="0" eaLnBrk="1" fontAlgn="auto" latinLnBrk="1" hangingPunct="1">
-                        <a:lnSpc>
-                          <a:spcPct val="120000"/>
-                        </a:lnSpc>
-                        <a:spcBef>
-                          <a:spcPts val="0"/>
-                        </a:spcBef>
-                        <a:spcAft>
-                          <a:spcPts val="0"/>
-                        </a:spcAft>
-                        <a:buClrTx/>
-                        <a:buSzTx/>
-                        <a:buFont typeface="Arial" panose="020B0604020202020204" pitchFamily="34" charset="0"/>
-                        <a:buChar char="•"/>
-                        <a:tabLst/>
-                        <a:defRPr/>
-                      </a:pPr>
-                      <a:r>
-                        <a:rPr lang="ko-KR" altLang="en-US" sz="800" b="0" dirty="0">
-                          <a:solidFill>
-                            <a:schemeClr val="tx1"/>
-                          </a:solidFill>
-                          <a:latin typeface="+mn-ea"/>
-                          <a:ea typeface="+mn-ea"/>
-                          <a:sym typeface="맑은 고딕"/>
-                        </a:rPr>
-                        <a:t>가입시 등록된 이름과 이메일</a:t>
-                      </a:r>
-                      <a:r>
-                        <a:rPr lang="en-US" altLang="ko-KR" sz="800" b="0" dirty="0">
-                          <a:solidFill>
-                            <a:schemeClr val="tx1"/>
-                          </a:solidFill>
-                          <a:latin typeface="+mn-ea"/>
-                          <a:ea typeface="+mn-ea"/>
-                          <a:sym typeface="맑은 고딕"/>
-                        </a:rPr>
-                        <a:t>, </a:t>
-                      </a:r>
-                      <a:r>
-                        <a:rPr lang="ko-KR" altLang="en-US" sz="800" b="0" dirty="0">
-                          <a:solidFill>
-                            <a:schemeClr val="tx1"/>
-                          </a:solidFill>
-                          <a:latin typeface="+mn-ea"/>
-                          <a:ea typeface="+mn-ea"/>
-                          <a:sym typeface="맑은 고딕"/>
-                        </a:rPr>
-                        <a:t>휴대폰 번호 인증 후 임시 비밀번호가 등록된 이메일 주소로 발송됩니다</a:t>
-                      </a:r>
-                      <a:r>
-                        <a:rPr lang="en-US" altLang="ko-KR" sz="800" b="0" dirty="0">
-                          <a:solidFill>
-                            <a:schemeClr val="tx1"/>
-                          </a:solidFill>
-                          <a:latin typeface="+mn-ea"/>
-                          <a:ea typeface="+mn-ea"/>
-                          <a:sym typeface="맑은 고딕"/>
-                        </a:rPr>
-                        <a:t>. (</a:t>
-                      </a:r>
-                      <a:r>
-                        <a:rPr lang="ko-KR" altLang="en-US" sz="800" b="0" dirty="0">
-                          <a:solidFill>
-                            <a:schemeClr val="tx1"/>
-                          </a:solidFill>
-                          <a:latin typeface="+mn-ea"/>
-                          <a:ea typeface="+mn-ea"/>
-                          <a:sym typeface="맑은 고딕"/>
-                        </a:rPr>
-                        <a:t>구현 예정</a:t>
-                      </a:r>
-                      <a:r>
-                        <a:rPr lang="en-US" altLang="ko-KR" sz="800" b="0" dirty="0">
-                          <a:solidFill>
-                            <a:schemeClr val="tx1"/>
-                          </a:solidFill>
-                          <a:latin typeface="+mn-ea"/>
-                          <a:ea typeface="+mn-ea"/>
-                          <a:sym typeface="맑은 고딕"/>
-                        </a:rPr>
-                        <a:t>)</a:t>
-                      </a:r>
-                    </a:p>
-                  </a:txBody>
-                  <a:tcPr anchor="ctr">
-                    <a:lnL w="3175" cap="flat" cmpd="sng" algn="ctr">
-                      <a:noFill/>
-                      <a:prstDash val="solid"/>
-                      <a:round/>
-                      <a:headEnd type="none" w="med" len="med"/>
-                      <a:tailEnd type="none" w="med" len="med"/>
-                    </a:lnL>
-                    <a:lnR w="3175" cap="flat" cmpd="sng" algn="ctr">
-                      <a:noFill/>
-                      <a:prstDash val="solid"/>
-                      <a:round/>
-                      <a:headEnd type="none" w="med" len="med"/>
-                      <a:tailEnd type="none" w="med" len="med"/>
-                    </a:lnR>
-                    <a:lnT w="3175" cap="flat" cmpd="sng" algn="ctr">
-                      <a:solidFill>
-                        <a:schemeClr val="bg1">
-                          <a:lumMod val="65000"/>
-                        </a:schemeClr>
-                      </a:solidFill>
-                      <a:prstDash val="solid"/>
-                      <a:round/>
-                      <a:headEnd type="none" w="med" len="med"/>
-                      <a:tailEnd type="none" w="med" len="med"/>
-                    </a:lnT>
-                    <a:lnB w="3175" cap="flat" cmpd="sng" algn="ctr">
-                      <a:solidFill>
-                        <a:schemeClr val="tx1">
-                          <a:lumMod val="50000"/>
-                          <a:lumOff val="50000"/>
-                        </a:schemeClr>
-                      </a:solidFill>
-                      <a:prstDash val="solid"/>
-                      <a:round/>
-                      <a:headEnd type="none" w="med" len="med"/>
-                      <a:tailEnd type="none" w="med" len="med"/>
-                    </a:lnB>
-                    <a:noFill/>
-                  </a:tcPr>
-                </a:tc>
-                <a:tc hMerge="1">
-                  <a:txBody>
-                    <a:bodyPr/>
-                    <a:lstStyle/>
-                    <a:p>
-                      <a:pPr latinLnBrk="1"/>
-                      <a:endParaRPr lang="ko-KR" altLang="en-US"/>
-                    </a:p>
-                  </a:txBody>
-                  <a:tcPr/>
-                </a:tc>
-                <a:extLst>
-                  <a:ext uri="{0D108BD9-81ED-4DB2-BD59-A6C34878D82A}">
-                    <a16:rowId xmlns:a16="http://schemas.microsoft.com/office/drawing/2014/main" val="3026413146"/>
-                  </a:ext>
-                </a:extLst>
-              </a:tr>
-              <a:tr h="241592">
-                <a:tc>
-                  <a:txBody>
-                    <a:bodyPr/>
-                    <a:lstStyle/>
-                    <a:p>
-                      <a:pPr algn="ctr" latinLnBrk="1">
-                        <a:lnSpc>
-                          <a:spcPct val="120000"/>
-                        </a:lnSpc>
-                      </a:pPr>
-                      <a:r>
-                        <a:rPr lang="en-US" altLang="ko-KR" sz="850" b="0" dirty="0">
-                          <a:solidFill>
-                            <a:schemeClr val="tx1"/>
-                          </a:solidFill>
-                          <a:latin typeface="+mn-ea"/>
-                          <a:ea typeface="+mn-ea"/>
-                        </a:rPr>
-                        <a:t>1</a:t>
-                      </a:r>
-                      <a:endParaRPr lang="ko-KR" altLang="en-US" sz="850" b="0" dirty="0">
-                        <a:solidFill>
-                          <a:schemeClr val="tx1"/>
-                        </a:solidFill>
-                        <a:latin typeface="+mn-ea"/>
-                        <a:ea typeface="+mn-ea"/>
-                      </a:endParaRPr>
-                    </a:p>
-                  </a:txBody>
-                  <a:tcPr anchor="ctr">
-                    <a:lnL w="3175" cap="flat" cmpd="sng" algn="ctr">
-                      <a:noFill/>
-                      <a:prstDash val="solid"/>
-                      <a:round/>
-                      <a:headEnd type="none" w="med" len="med"/>
-                      <a:tailEnd type="none" w="med" len="med"/>
-                    </a:lnL>
-                    <a:lnR w="3175" cap="flat" cmpd="sng" algn="ctr">
-                      <a:solidFill>
-                        <a:schemeClr val="tx1">
-                          <a:lumMod val="50000"/>
-                          <a:lumOff val="50000"/>
-                        </a:schemeClr>
-                      </a:solidFill>
-                      <a:prstDash val="solid"/>
-                      <a:round/>
-                      <a:headEnd type="none" w="med" len="med"/>
-                      <a:tailEnd type="none" w="med" len="med"/>
-                    </a:lnR>
-                    <a:lnT w="3175" cap="flat" cmpd="sng" algn="ctr">
-                      <a:solidFill>
-                        <a:schemeClr val="tx1">
-                          <a:lumMod val="50000"/>
-                          <a:lumOff val="50000"/>
-                        </a:schemeClr>
-                      </a:solidFill>
-                      <a:prstDash val="solid"/>
-                      <a:round/>
-                      <a:headEnd type="none" w="med" len="med"/>
-                      <a:tailEnd type="none" w="med" len="med"/>
-                    </a:lnT>
-                    <a:lnB w="3175" cap="flat" cmpd="sng" algn="ctr">
-                      <a:solidFill>
-                        <a:schemeClr val="tx1">
-                          <a:lumMod val="50000"/>
-                          <a:lumOff val="50000"/>
-                        </a:schemeClr>
-                      </a:solidFill>
-                      <a:prstDash val="solid"/>
-                      <a:round/>
-                      <a:headEnd type="none" w="med" len="med"/>
-                      <a:tailEnd type="none" w="med" len="med"/>
-                    </a:lnB>
-                    <a:noFill/>
-                  </a:tcPr>
-                </a:tc>
-                <a:tc>
-                  <a:txBody>
-                    <a:bodyPr/>
-                    <a:lstStyle/>
-                    <a:p>
-                      <a:pPr algn="just" latinLnBrk="1">
-                        <a:lnSpc>
-                          <a:spcPct val="120000"/>
-                        </a:lnSpc>
-                      </a:pPr>
-                      <a:r>
-                        <a:rPr lang="en-US" altLang="ko-KR" sz="850" b="0" dirty="0">
-                          <a:latin typeface="+mn-ea"/>
-                          <a:ea typeface="+mn-ea"/>
-                        </a:rPr>
-                        <a:t>Login </a:t>
-                      </a:r>
-                      <a:r>
-                        <a:rPr lang="ko-KR" altLang="en-US" sz="850" b="0" dirty="0">
-                          <a:latin typeface="+mn-ea"/>
-                          <a:ea typeface="+mn-ea"/>
-                        </a:rPr>
-                        <a:t>버튼을 클릭하면 로그인 화면으로 이동합니다</a:t>
-                      </a:r>
-                      <a:r>
-                        <a:rPr lang="en-US" altLang="ko-KR" sz="850" b="0" dirty="0">
-                          <a:latin typeface="+mn-ea"/>
-                          <a:ea typeface="+mn-ea"/>
-                        </a:rPr>
-                        <a:t>.</a:t>
-                      </a:r>
-                    </a:p>
-                    <a:p>
-                      <a:pPr algn="just" latinLnBrk="1">
-                        <a:lnSpc>
-                          <a:spcPct val="120000"/>
-                        </a:lnSpc>
-                      </a:pPr>
-                      <a:r>
-                        <a:rPr lang="en-US" altLang="ko-KR" sz="850" b="0" dirty="0">
-                          <a:latin typeface="+mn-ea"/>
-                          <a:ea typeface="+mn-ea"/>
-                        </a:rPr>
-                        <a:t>(7</a:t>
-                      </a:r>
-                      <a:r>
-                        <a:rPr lang="ko-KR" altLang="en-US" sz="850" b="0" dirty="0">
-                          <a:latin typeface="+mn-ea"/>
-                          <a:ea typeface="+mn-ea"/>
-                        </a:rPr>
-                        <a:t>페이지 참조</a:t>
-                      </a:r>
-                      <a:r>
-                        <a:rPr lang="en-US" altLang="ko-KR" sz="850" b="0" dirty="0">
-                          <a:latin typeface="+mn-ea"/>
-                          <a:ea typeface="+mn-ea"/>
-                        </a:rPr>
-                        <a:t>)</a:t>
-                      </a:r>
-                      <a:endParaRPr lang="ko-KR" altLang="en-US" sz="850" b="0" dirty="0">
-                        <a:latin typeface="+mn-ea"/>
-                        <a:ea typeface="+mn-ea"/>
-                      </a:endParaRPr>
-                    </a:p>
-                  </a:txBody>
-                  <a:tcPr anchor="ctr">
-                    <a:lnL w="3175" cap="flat" cmpd="sng" algn="ctr">
-                      <a:solidFill>
-                        <a:schemeClr val="tx1">
-                          <a:lumMod val="50000"/>
-                          <a:lumOff val="50000"/>
-                        </a:schemeClr>
-                      </a:solidFill>
-                      <a:prstDash val="solid"/>
-                      <a:round/>
-                      <a:headEnd type="none" w="med" len="med"/>
-                      <a:tailEnd type="none" w="med" len="med"/>
-                    </a:lnL>
-                    <a:lnR w="3175" cap="flat" cmpd="sng" algn="ctr">
-                      <a:noFill/>
-                      <a:prstDash val="solid"/>
-                      <a:round/>
-                      <a:headEnd type="none" w="med" len="med"/>
-                      <a:tailEnd type="none" w="med" len="med"/>
-                    </a:lnR>
-                    <a:lnT w="3175" cap="flat" cmpd="sng" algn="ctr">
-                      <a:solidFill>
-                        <a:schemeClr val="tx1">
-                          <a:lumMod val="50000"/>
-                          <a:lumOff val="50000"/>
-                        </a:schemeClr>
-                      </a:solidFill>
-                      <a:prstDash val="solid"/>
-                      <a:round/>
-                      <a:headEnd type="none" w="med" len="med"/>
-                      <a:tailEnd type="none" w="med" len="med"/>
-                    </a:lnT>
-                    <a:lnB w="3175" cap="flat" cmpd="sng" algn="ctr">
-                      <a:solidFill>
-                        <a:schemeClr val="tx1">
-                          <a:lumMod val="50000"/>
-                          <a:lumOff val="50000"/>
-                        </a:schemeClr>
-                      </a:solidFill>
-                      <a:prstDash val="solid"/>
-                      <a:round/>
-                      <a:headEnd type="none" w="med" len="med"/>
-                      <a:tailEnd type="none" w="med" len="med"/>
-                    </a:lnB>
-                    <a:noFill/>
-                  </a:tcPr>
-                </a:tc>
-                <a:extLst>
-                  <a:ext uri="{0D108BD9-81ED-4DB2-BD59-A6C34878D82A}">
-                    <a16:rowId xmlns:a16="http://schemas.microsoft.com/office/drawing/2014/main" val="787081411"/>
-                  </a:ext>
-                </a:extLst>
-              </a:tr>
-              <a:tr h="241592">
-                <a:tc>
-                  <a:txBody>
-                    <a:bodyPr/>
-                    <a:lstStyle/>
-                    <a:p>
-                      <a:pPr algn="ctr" latinLnBrk="1">
-                        <a:lnSpc>
-                          <a:spcPct val="120000"/>
-                        </a:lnSpc>
-                      </a:pPr>
-                      <a:r>
-                        <a:rPr lang="en-US" altLang="ko-KR" sz="850" b="0" dirty="0">
-                          <a:latin typeface="+mn-ea"/>
-                          <a:ea typeface="+mn-ea"/>
-                        </a:rPr>
-                        <a:t>2</a:t>
-                      </a:r>
-                      <a:endParaRPr lang="ko-KR" altLang="en-US" sz="850" b="0" dirty="0">
-                        <a:latin typeface="+mn-ea"/>
-                        <a:ea typeface="+mn-ea"/>
-                      </a:endParaRPr>
-                    </a:p>
-                  </a:txBody>
-                  <a:tcPr anchor="ctr">
-                    <a:lnL w="3175" cap="flat" cmpd="sng" algn="ctr">
-                      <a:noFill/>
-                      <a:prstDash val="solid"/>
-                      <a:round/>
-                      <a:headEnd type="none" w="med" len="med"/>
-                      <a:tailEnd type="none" w="med" len="med"/>
-                    </a:lnL>
-                    <a:lnR w="3175" cap="flat" cmpd="sng" algn="ctr">
-                      <a:solidFill>
-                        <a:schemeClr val="tx1">
-                          <a:lumMod val="50000"/>
-                          <a:lumOff val="50000"/>
-                        </a:schemeClr>
-                      </a:solidFill>
-                      <a:prstDash val="solid"/>
-                      <a:round/>
-                      <a:headEnd type="none" w="med" len="med"/>
-                      <a:tailEnd type="none" w="med" len="med"/>
-                    </a:lnR>
-                    <a:lnT w="3175" cap="flat" cmpd="sng" algn="ctr">
-                      <a:solidFill>
-                        <a:schemeClr val="tx1">
-                          <a:lumMod val="50000"/>
-                          <a:lumOff val="50000"/>
-                        </a:schemeClr>
-                      </a:solidFill>
-                      <a:prstDash val="solid"/>
-                      <a:round/>
-                      <a:headEnd type="none" w="med" len="med"/>
-                      <a:tailEnd type="none" w="med" len="med"/>
-                    </a:lnT>
-                    <a:lnB w="3175" cap="flat" cmpd="sng" algn="ctr">
-                      <a:solidFill>
-                        <a:schemeClr val="tx1">
-                          <a:lumMod val="50000"/>
-                          <a:lumOff val="50000"/>
-                        </a:schemeClr>
-                      </a:solidFill>
-                      <a:prstDash val="solid"/>
-                      <a:round/>
-                      <a:headEnd type="none" w="med" len="med"/>
-                      <a:tailEnd type="none" w="med" len="med"/>
-                    </a:lnB>
-                    <a:noFill/>
-                  </a:tcPr>
-                </a:tc>
-                <a:tc>
-                  <a:txBody>
-                    <a:bodyPr/>
-                    <a:lstStyle/>
-                    <a:p>
-                      <a:pPr marL="0" marR="0" lvl="0" indent="0" algn="just" defTabSz="914400" rtl="0" eaLnBrk="1" fontAlgn="auto" latinLnBrk="1" hangingPunct="1">
-                        <a:lnSpc>
-                          <a:spcPct val="120000"/>
-                        </a:lnSpc>
-                        <a:spcBef>
-                          <a:spcPts val="0"/>
-                        </a:spcBef>
-                        <a:spcAft>
-                          <a:spcPts val="0"/>
-                        </a:spcAft>
-                        <a:buClrTx/>
-                        <a:buSzTx/>
-                        <a:buFontTx/>
-                        <a:buNone/>
-                        <a:tabLst/>
-                        <a:defRPr/>
-                      </a:pPr>
-                      <a:r>
-                        <a:rPr kumimoji="1" lang="ko-KR" altLang="en-US" sz="850" dirty="0">
-                          <a:solidFill>
-                            <a:schemeClr val="tx1"/>
-                          </a:solidFill>
-                          <a:latin typeface="+mn-ea"/>
-                        </a:rPr>
-                        <a:t>회원이 아닌 경우 회원가입 페이지로 이동합니다</a:t>
-                      </a:r>
-                      <a:r>
-                        <a:rPr kumimoji="1" lang="en-US" altLang="ko-KR" sz="850" dirty="0">
-                          <a:solidFill>
-                            <a:schemeClr val="tx1"/>
-                          </a:solidFill>
-                          <a:latin typeface="+mn-ea"/>
-                        </a:rPr>
-                        <a:t>. </a:t>
-                      </a:r>
-                    </a:p>
-                    <a:p>
-                      <a:pPr marL="0" marR="0" lvl="0" indent="0" algn="just" defTabSz="914400" rtl="0" eaLnBrk="1" fontAlgn="auto" latinLnBrk="1" hangingPunct="1">
-                        <a:lnSpc>
-                          <a:spcPct val="120000"/>
-                        </a:lnSpc>
-                        <a:spcBef>
-                          <a:spcPts val="0"/>
-                        </a:spcBef>
-                        <a:spcAft>
-                          <a:spcPts val="0"/>
-                        </a:spcAft>
-                        <a:buClrTx/>
-                        <a:buSzTx/>
-                        <a:buFontTx/>
-                        <a:buNone/>
-                        <a:tabLst/>
-                        <a:defRPr/>
-                      </a:pPr>
-                      <a:r>
-                        <a:rPr kumimoji="1" lang="en-US" altLang="ko-KR" sz="850" dirty="0">
-                          <a:solidFill>
-                            <a:schemeClr val="tx1"/>
-                          </a:solidFill>
-                          <a:latin typeface="+mn-ea"/>
-                        </a:rPr>
-                        <a:t>(8~10</a:t>
-                      </a:r>
-                      <a:r>
-                        <a:rPr kumimoji="1" lang="ko-KR" altLang="en-US" sz="850" dirty="0">
-                          <a:solidFill>
-                            <a:schemeClr val="tx1"/>
-                          </a:solidFill>
-                          <a:latin typeface="+mn-ea"/>
-                        </a:rPr>
-                        <a:t>페이지 참조</a:t>
-                      </a:r>
-                      <a:r>
-                        <a:rPr kumimoji="1" lang="en-US" altLang="ko-KR" sz="850" dirty="0">
-                          <a:solidFill>
-                            <a:schemeClr val="tx1"/>
-                          </a:solidFill>
-                          <a:latin typeface="+mn-ea"/>
-                        </a:rPr>
-                        <a:t>)</a:t>
-                      </a:r>
-                    </a:p>
-                  </a:txBody>
-                  <a:tcPr anchor="ctr">
-                    <a:lnL w="3175" cap="flat" cmpd="sng" algn="ctr">
-                      <a:solidFill>
-                        <a:schemeClr val="tx1">
-                          <a:lumMod val="50000"/>
-                          <a:lumOff val="50000"/>
-                        </a:schemeClr>
-                      </a:solidFill>
-                      <a:prstDash val="solid"/>
-                      <a:round/>
-                      <a:headEnd type="none" w="med" len="med"/>
-                      <a:tailEnd type="none" w="med" len="med"/>
-                    </a:lnL>
-                    <a:lnR w="3175" cap="flat" cmpd="sng" algn="ctr">
-                      <a:noFill/>
-                      <a:prstDash val="solid"/>
-                      <a:round/>
-                      <a:headEnd type="none" w="med" len="med"/>
-                      <a:tailEnd type="none" w="med" len="med"/>
-                    </a:lnR>
-                    <a:lnT w="3175" cap="flat" cmpd="sng" algn="ctr">
-                      <a:solidFill>
-                        <a:schemeClr val="tx1">
-                          <a:lumMod val="50000"/>
-                          <a:lumOff val="50000"/>
-                        </a:schemeClr>
-                      </a:solidFill>
-                      <a:prstDash val="solid"/>
-                      <a:round/>
-                      <a:headEnd type="none" w="med" len="med"/>
-                      <a:tailEnd type="none" w="med" len="med"/>
-                    </a:lnT>
-                    <a:lnB w="3175" cap="flat" cmpd="sng" algn="ctr">
-                      <a:solidFill>
-                        <a:schemeClr val="tx1">
-                          <a:lumMod val="50000"/>
-                          <a:lumOff val="50000"/>
-                        </a:schemeClr>
-                      </a:solidFill>
-                      <a:prstDash val="solid"/>
-                      <a:round/>
-                      <a:headEnd type="none" w="med" len="med"/>
-                      <a:tailEnd type="none" w="med" len="med"/>
-                    </a:lnB>
-                    <a:noFill/>
-                  </a:tcPr>
-                </a:tc>
-                <a:extLst>
-                  <a:ext uri="{0D108BD9-81ED-4DB2-BD59-A6C34878D82A}">
-                    <a16:rowId xmlns:a16="http://schemas.microsoft.com/office/drawing/2014/main" val="655206683"/>
-                  </a:ext>
-                </a:extLst>
-              </a:tr>
-            </a:tbl>
-          </a:graphicData>
-        </a:graphic>
-      </p:graphicFrame>
-      <p:pic>
-        <p:nvPicPr>
-          <p:cNvPr id="8" name="그림 7">
-            <a:extLst>
-              <a:ext uri="{FF2B5EF4-FFF2-40B4-BE49-F238E27FC236}">
-                <a16:creationId xmlns:a16="http://schemas.microsoft.com/office/drawing/2014/main" id="{C54F3EDD-3A1F-4184-AAD6-9FAE3887894C}"/>
-              </a:ext>
-            </a:extLst>
-          </p:cNvPr>
-          <p:cNvPicPr>
-            <a:picLocks noChangeAspect="1"/>
-          </p:cNvPicPr>
-          <p:nvPr/>
-        </p:nvPicPr>
-        <p:blipFill>
-          <a:blip r:embed="rId3" cstate="print">
-            <a:extLst>
-              <a:ext uri="{28A0092B-C50C-407E-A947-70E740481C1C}">
-                <a14:useLocalDpi xmlns:a14="http://schemas.microsoft.com/office/drawing/2010/main" val="0"/>
-              </a:ext>
-            </a:extLst>
-          </a:blip>
-          <a:stretch>
-            <a:fillRect/>
-          </a:stretch>
-        </p:blipFill>
-        <p:spPr>
-          <a:xfrm>
-            <a:off x="2279576" y="3429000"/>
-            <a:ext cx="220536" cy="222691"/>
-          </a:xfrm>
-          <a:prstGeom prst="rect">
-            <a:avLst/>
-          </a:prstGeom>
-        </p:spPr>
-      </p:pic>
-      <p:pic>
-        <p:nvPicPr>
-          <p:cNvPr id="9" name="그림 8">
-            <a:extLst>
-              <a:ext uri="{FF2B5EF4-FFF2-40B4-BE49-F238E27FC236}">
-                <a16:creationId xmlns:a16="http://schemas.microsoft.com/office/drawing/2014/main" id="{53B336EE-91EE-447C-832B-1073168B8A9D}"/>
-              </a:ext>
-            </a:extLst>
-          </p:cNvPr>
-          <p:cNvPicPr>
-            <a:picLocks noChangeAspect="1"/>
-          </p:cNvPicPr>
-          <p:nvPr/>
-        </p:nvPicPr>
-        <p:blipFill>
-          <a:blip r:embed="rId4" cstate="print">
-            <a:extLst>
-              <a:ext uri="{28A0092B-C50C-407E-A947-70E740481C1C}">
-                <a14:useLocalDpi xmlns:a14="http://schemas.microsoft.com/office/drawing/2010/main" val="0"/>
-              </a:ext>
-            </a:extLst>
-          </a:blip>
-          <a:stretch>
-            <a:fillRect/>
-          </a:stretch>
-        </p:blipFill>
-        <p:spPr>
-          <a:xfrm>
-            <a:off x="3431704" y="3429000"/>
-            <a:ext cx="223200" cy="223200"/>
-          </a:xfrm>
-          <a:prstGeom prst="rect">
-            <a:avLst/>
-          </a:prstGeom>
-        </p:spPr>
-      </p:pic>
-    </p:spTree>
-    <p:extLst>
-      <p:ext uri="{BB962C8B-B14F-4D97-AF65-F5344CB8AC3E}">
-        <p14:creationId xmlns:p14="http://schemas.microsoft.com/office/powerpoint/2010/main" val="3733948305"/>
       </p:ext>
     </p:extLst>
   </p:cSld>
@@ -29637,6 +29093,1948 @@
     <p:extLst>
       <p:ext uri="{BB962C8B-B14F-4D97-AF65-F5344CB8AC3E}">
         <p14:creationId xmlns:p14="http://schemas.microsoft.com/office/powerpoint/2010/main" val="3982823181"/>
+      </p:ext>
+    </p:extLst>
+  </p:cSld>
+  <p:clrMapOvr>
+    <a:masterClrMapping/>
+  </p:clrMapOvr>
+</p:sld>
+</file>
+
+<file path=ppt/slides/slide20.xml><?xml version="1.0" encoding="utf-8"?>
+<p:sld xmlns:a="http://schemas.openxmlformats.org/drawingml/2006/main" xmlns:r="http://schemas.openxmlformats.org/officeDocument/2006/relationships" xmlns:p="http://schemas.openxmlformats.org/presentationml/2006/main">
+  <p:cSld>
+    <p:spTree>
+      <p:nvGrpSpPr>
+        <p:cNvPr id="1" name=""/>
+        <p:cNvGrpSpPr/>
+        <p:nvPr/>
+      </p:nvGrpSpPr>
+      <p:grpSpPr>
+        <a:xfrm>
+          <a:off x="0" y="0"/>
+          <a:ext cx="0" cy="0"/>
+          <a:chOff x="0" y="0"/>
+          <a:chExt cx="0" cy="0"/>
+        </a:xfrm>
+      </p:grpSpPr>
+      <p:sp>
+        <p:nvSpPr>
+          <p:cNvPr id="2" name="텍스트 개체 틀 1">
+            <a:extLst>
+              <a:ext uri="{FF2B5EF4-FFF2-40B4-BE49-F238E27FC236}">
+                <a16:creationId xmlns:a16="http://schemas.microsoft.com/office/drawing/2014/main" id="{94885DE3-B6F9-4DF8-8629-05C57D93211B}"/>
+              </a:ext>
+            </a:extLst>
+          </p:cNvPr>
+          <p:cNvSpPr>
+            <a:spLocks noGrp="1"/>
+          </p:cNvSpPr>
+          <p:nvPr>
+            <p:ph type="body" sz="quarter" idx="10"/>
+          </p:nvPr>
+        </p:nvSpPr>
+        <p:spPr/>
+        <p:txBody>
+          <a:bodyPr/>
+          <a:lstStyle/>
+          <a:p>
+            <a:r>
+              <a:rPr lang="en-US" altLang="ko-KR" dirty="0"/>
+              <a:t>FindId.html</a:t>
+            </a:r>
+            <a:endParaRPr lang="ko-KR" altLang="en-US" dirty="0"/>
+          </a:p>
+        </p:txBody>
+      </p:sp>
+      <p:sp>
+        <p:nvSpPr>
+          <p:cNvPr id="3" name="텍스트 개체 틀 2">
+            <a:extLst>
+              <a:ext uri="{FF2B5EF4-FFF2-40B4-BE49-F238E27FC236}">
+                <a16:creationId xmlns:a16="http://schemas.microsoft.com/office/drawing/2014/main" id="{3E07DE56-DA07-4296-8085-57B4EE80358C}"/>
+              </a:ext>
+            </a:extLst>
+          </p:cNvPr>
+          <p:cNvSpPr>
+            <a:spLocks noGrp="1"/>
+          </p:cNvSpPr>
+          <p:nvPr>
+            <p:ph type="body" sz="quarter" idx="11"/>
+          </p:nvPr>
+        </p:nvSpPr>
+        <p:spPr/>
+        <p:txBody>
+          <a:bodyPr/>
+          <a:lstStyle/>
+          <a:p>
+            <a:r>
+              <a:rPr lang="ko-KR" altLang="en-US" dirty="0"/>
+              <a:t>아이디 찾기</a:t>
+            </a:r>
+          </a:p>
+        </p:txBody>
+      </p:sp>
+      <p:pic>
+        <p:nvPicPr>
+          <p:cNvPr id="5" name="그림 4">
+            <a:extLst>
+              <a:ext uri="{FF2B5EF4-FFF2-40B4-BE49-F238E27FC236}">
+                <a16:creationId xmlns:a16="http://schemas.microsoft.com/office/drawing/2014/main" id="{62BA1BF1-6430-471D-B78A-36A433C46D5F}"/>
+              </a:ext>
+            </a:extLst>
+          </p:cNvPr>
+          <p:cNvPicPr>
+            <a:picLocks noChangeAspect="1"/>
+          </p:cNvPicPr>
+          <p:nvPr/>
+        </p:nvPicPr>
+        <p:blipFill>
+          <a:blip r:embed="rId2"/>
+          <a:stretch>
+            <a:fillRect/>
+          </a:stretch>
+        </p:blipFill>
+        <p:spPr>
+          <a:xfrm>
+            <a:off x="85674" y="620688"/>
+            <a:ext cx="8479989" cy="4176464"/>
+          </a:xfrm>
+          <a:prstGeom prst="rect">
+            <a:avLst/>
+          </a:prstGeom>
+        </p:spPr>
+      </p:pic>
+      <p:sp>
+        <p:nvSpPr>
+          <p:cNvPr id="6" name="TextBox 5">
+            <a:extLst>
+              <a:ext uri="{FF2B5EF4-FFF2-40B4-BE49-F238E27FC236}">
+                <a16:creationId xmlns:a16="http://schemas.microsoft.com/office/drawing/2014/main" id="{2A9BC5D2-1642-499B-818E-09291388BC19}"/>
+              </a:ext>
+            </a:extLst>
+          </p:cNvPr>
+          <p:cNvSpPr txBox="1"/>
+          <p:nvPr/>
+        </p:nvSpPr>
+        <p:spPr>
+          <a:xfrm>
+            <a:off x="11780252" y="106980"/>
+            <a:ext cx="248786" cy="230832"/>
+          </a:xfrm>
+          <a:prstGeom prst="rect">
+            <a:avLst/>
+          </a:prstGeom>
+          <a:noFill/>
+        </p:spPr>
+        <p:txBody>
+          <a:bodyPr wrap="none" rtlCol="0">
+            <a:spAutoFit/>
+          </a:bodyPr>
+          <a:lstStyle/>
+          <a:p>
+            <a:fld id="{944918D1-1C8F-48E6-92D4-4089F97E8793}" type="slidenum">
+              <a:rPr lang="ko-KR" altLang="en-US" sz="900" smtClean="0"/>
+              <a:t>20</a:t>
+            </a:fld>
+            <a:endParaRPr lang="ko-KR" altLang="en-US" sz="900" dirty="0"/>
+          </a:p>
+        </p:txBody>
+      </p:sp>
+      <p:graphicFrame>
+        <p:nvGraphicFramePr>
+          <p:cNvPr id="7" name="표 6">
+            <a:extLst>
+              <a:ext uri="{FF2B5EF4-FFF2-40B4-BE49-F238E27FC236}">
+                <a16:creationId xmlns:a16="http://schemas.microsoft.com/office/drawing/2014/main" id="{A1E30966-17C1-4F0C-ABDB-17F3196E5018}"/>
+              </a:ext>
+            </a:extLst>
+          </p:cNvPr>
+          <p:cNvGraphicFramePr>
+            <a:graphicFrameLocks noGrp="1"/>
+          </p:cNvGraphicFramePr>
+          <p:nvPr>
+            <p:extLst>
+              <p:ext uri="{D42A27DB-BD31-4B8C-83A1-F6EECF244321}">
+                <p14:modId xmlns:p14="http://schemas.microsoft.com/office/powerpoint/2010/main" val="2990560426"/>
+              </p:ext>
+            </p:extLst>
+          </p:nvPr>
+        </p:nvGraphicFramePr>
+        <p:xfrm>
+          <a:off x="8688288" y="620688"/>
+          <a:ext cx="3384376" cy="1819223"/>
+        </p:xfrm>
+        <a:graphic>
+          <a:graphicData uri="http://schemas.openxmlformats.org/drawingml/2006/table">
+            <a:tbl>
+              <a:tblPr firstRow="1" bandRow="1">
+                <a:tableStyleId>{5C22544A-7EE6-4342-B048-85BDC9FD1C3A}</a:tableStyleId>
+              </a:tblPr>
+              <a:tblGrid>
+                <a:gridCol w="403256">
+                  <a:extLst>
+                    <a:ext uri="{9D8B030D-6E8A-4147-A177-3AD203B41FA5}">
+                      <a16:colId xmlns:a16="http://schemas.microsoft.com/office/drawing/2014/main" val="143998261"/>
+                    </a:ext>
+                  </a:extLst>
+                </a:gridCol>
+                <a:gridCol w="2981120">
+                  <a:extLst>
+                    <a:ext uri="{9D8B030D-6E8A-4147-A177-3AD203B41FA5}">
+                      <a16:colId xmlns:a16="http://schemas.microsoft.com/office/drawing/2014/main" val="2337024672"/>
+                    </a:ext>
+                  </a:extLst>
+                </a:gridCol>
+              </a:tblGrid>
+              <a:tr h="258850">
+                <a:tc gridSpan="2">
+                  <a:txBody>
+                    <a:bodyPr/>
+                    <a:lstStyle/>
+                    <a:p>
+                      <a:pPr marL="0" marR="0" lvl="0" indent="0" algn="l" defTabSz="914400" rtl="0" eaLnBrk="1" fontAlgn="auto" latinLnBrk="1" hangingPunct="1">
+                        <a:lnSpc>
+                          <a:spcPct val="100000"/>
+                        </a:lnSpc>
+                        <a:spcBef>
+                          <a:spcPts val="0"/>
+                        </a:spcBef>
+                        <a:spcAft>
+                          <a:spcPts val="0"/>
+                        </a:spcAft>
+                        <a:buClrTx/>
+                        <a:buSzTx/>
+                        <a:buFontTx/>
+                        <a:buNone/>
+                        <a:tabLst/>
+                        <a:defRPr/>
+                      </a:pPr>
+                      <a:r>
+                        <a:rPr lang="en-US" altLang="ko-KR" sz="900" b="1" dirty="0">
+                          <a:solidFill>
+                            <a:srgbClr val="4E5263"/>
+                          </a:solidFill>
+                          <a:latin typeface="+mn-ea"/>
+                          <a:ea typeface="+mn-ea"/>
+                          <a:sym typeface="맑은 고딕"/>
+                        </a:rPr>
+                        <a:t>Summery.</a:t>
+                      </a:r>
+                      <a:endParaRPr lang="en" altLang="ko-KR" sz="900" b="1" dirty="0">
+                        <a:solidFill>
+                          <a:srgbClr val="4E5263"/>
+                        </a:solidFill>
+                        <a:latin typeface="+mn-ea"/>
+                        <a:ea typeface="+mn-ea"/>
+                        <a:sym typeface="맑은 고딕"/>
+                      </a:endParaRPr>
+                    </a:p>
+                  </a:txBody>
+                  <a:tcPr anchor="ctr">
+                    <a:lnL w="3175" cap="flat" cmpd="sng" algn="ctr">
+                      <a:noFill/>
+                      <a:prstDash val="solid"/>
+                      <a:round/>
+                      <a:headEnd type="none" w="med" len="med"/>
+                      <a:tailEnd type="none" w="med" len="med"/>
+                    </a:lnL>
+                    <a:lnR w="3175" cap="flat" cmpd="sng" algn="ctr">
+                      <a:noFill/>
+                      <a:prstDash val="solid"/>
+                      <a:round/>
+                      <a:headEnd type="none" w="med" len="med"/>
+                      <a:tailEnd type="none" w="med" len="med"/>
+                    </a:lnR>
+                    <a:lnT w="3175" cap="flat" cmpd="sng" algn="ctr">
+                      <a:noFill/>
+                      <a:prstDash val="solid"/>
+                      <a:round/>
+                      <a:headEnd type="none" w="med" len="med"/>
+                      <a:tailEnd type="none" w="med" len="med"/>
+                    </a:lnT>
+                    <a:lnB w="3175" cap="flat" cmpd="sng" algn="ctr">
+                      <a:solidFill>
+                        <a:schemeClr val="bg1">
+                          <a:lumMod val="65000"/>
+                        </a:schemeClr>
+                      </a:solidFill>
+                      <a:prstDash val="solid"/>
+                      <a:round/>
+                      <a:headEnd type="none" w="med" len="med"/>
+                      <a:tailEnd type="none" w="med" len="med"/>
+                    </a:lnB>
+                    <a:solidFill>
+                      <a:schemeClr val="bg1"/>
+                    </a:solidFill>
+                  </a:tcPr>
+                </a:tc>
+                <a:tc hMerge="1">
+                  <a:txBody>
+                    <a:bodyPr/>
+                    <a:lstStyle/>
+                    <a:p>
+                      <a:pPr marL="0" marR="0" lvl="0" indent="0" algn="l" defTabSz="914400" rtl="0" eaLnBrk="1" fontAlgn="auto" latinLnBrk="1" hangingPunct="1">
+                        <a:lnSpc>
+                          <a:spcPct val="100000"/>
+                        </a:lnSpc>
+                        <a:spcBef>
+                          <a:spcPts val="0"/>
+                        </a:spcBef>
+                        <a:spcAft>
+                          <a:spcPts val="0"/>
+                        </a:spcAft>
+                        <a:buClrTx/>
+                        <a:buSzTx/>
+                        <a:buFontTx/>
+                        <a:buNone/>
+                        <a:tabLst/>
+                        <a:defRPr/>
+                      </a:pPr>
+                      <a:endParaRPr lang="en" altLang="ko-KR" sz="900" b="1" dirty="0">
+                        <a:solidFill>
+                          <a:srgbClr val="4E5263"/>
+                        </a:solidFill>
+                        <a:latin typeface="SF Pro Text" pitchFamily="2" charset="0"/>
+                        <a:ea typeface="SF Pro Text" pitchFamily="2" charset="0"/>
+                        <a:sym typeface="맑은 고딕"/>
+                      </a:endParaRPr>
+                    </a:p>
+                  </a:txBody>
+                  <a:tcPr anchor="ctr">
+                    <a:lnL w="3175" cap="flat" cmpd="sng" algn="ctr">
+                      <a:solidFill>
+                        <a:schemeClr val="tx1">
+                          <a:lumMod val="50000"/>
+                          <a:lumOff val="50000"/>
+                        </a:schemeClr>
+                      </a:solidFill>
+                      <a:prstDash val="solid"/>
+                      <a:round/>
+                      <a:headEnd type="none" w="med" len="med"/>
+                      <a:tailEnd type="none" w="med" len="med"/>
+                    </a:lnL>
+                    <a:lnR w="3175" cap="flat" cmpd="sng" algn="ctr">
+                      <a:noFill/>
+                      <a:prstDash val="solid"/>
+                      <a:round/>
+                      <a:headEnd type="none" w="med" len="med"/>
+                      <a:tailEnd type="none" w="med" len="med"/>
+                    </a:lnR>
+                    <a:lnT w="3175" cap="flat" cmpd="sng" algn="ctr">
+                      <a:noFill/>
+                      <a:prstDash val="solid"/>
+                      <a:round/>
+                      <a:headEnd type="none" w="med" len="med"/>
+                      <a:tailEnd type="none" w="med" len="med"/>
+                    </a:lnT>
+                    <a:lnB w="3175" cap="flat" cmpd="sng" algn="ctr">
+                      <a:solidFill>
+                        <a:schemeClr val="tx1">
+                          <a:lumMod val="50000"/>
+                          <a:lumOff val="50000"/>
+                        </a:schemeClr>
+                      </a:solidFill>
+                      <a:prstDash val="solid"/>
+                      <a:round/>
+                      <a:headEnd type="none" w="med" len="med"/>
+                      <a:tailEnd type="none" w="med" len="med"/>
+                    </a:lnB>
+                    <a:noFill/>
+                  </a:tcPr>
+                </a:tc>
+                <a:extLst>
+                  <a:ext uri="{0D108BD9-81ED-4DB2-BD59-A6C34878D82A}">
+                    <a16:rowId xmlns:a16="http://schemas.microsoft.com/office/drawing/2014/main" val="418637585"/>
+                  </a:ext>
+                </a:extLst>
+              </a:tr>
+              <a:tr h="786307">
+                <a:tc gridSpan="2">
+                  <a:txBody>
+                    <a:bodyPr/>
+                    <a:lstStyle/>
+                    <a:p>
+                      <a:pPr marL="108000" marR="0" lvl="0" indent="-108000" algn="just" defTabSz="914400" rtl="0" eaLnBrk="1" fontAlgn="auto" latinLnBrk="1" hangingPunct="1">
+                        <a:lnSpc>
+                          <a:spcPct val="120000"/>
+                        </a:lnSpc>
+                        <a:spcBef>
+                          <a:spcPts val="0"/>
+                        </a:spcBef>
+                        <a:spcAft>
+                          <a:spcPts val="0"/>
+                        </a:spcAft>
+                        <a:buClrTx/>
+                        <a:buSzTx/>
+                        <a:buFont typeface="Arial" panose="020B0604020202020204" pitchFamily="34" charset="0"/>
+                        <a:buChar char="•"/>
+                        <a:tabLst/>
+                        <a:defRPr/>
+                      </a:pPr>
+                      <a:r>
+                        <a:rPr lang="ko-KR" altLang="en-US" sz="800" b="0" dirty="0">
+                          <a:solidFill>
+                            <a:schemeClr val="tx1"/>
+                          </a:solidFill>
+                          <a:latin typeface="+mn-ea"/>
+                          <a:ea typeface="+mn-ea"/>
+                          <a:sym typeface="맑은 고딕"/>
+                        </a:rPr>
+                        <a:t>가입시 등록한 휴대폰 번호를 통해 가입했던 이메일 주소를 발송합니다</a:t>
+                      </a:r>
+                      <a:r>
+                        <a:rPr lang="en-US" altLang="ko-KR" sz="800" b="0" dirty="0">
+                          <a:solidFill>
+                            <a:schemeClr val="tx1"/>
+                          </a:solidFill>
+                          <a:latin typeface="+mn-ea"/>
+                          <a:ea typeface="+mn-ea"/>
+                          <a:sym typeface="맑은 고딕"/>
+                        </a:rPr>
+                        <a:t>.</a:t>
+                      </a:r>
+                    </a:p>
+                  </a:txBody>
+                  <a:tcPr anchor="ctr">
+                    <a:lnL w="3175" cap="flat" cmpd="sng" algn="ctr">
+                      <a:noFill/>
+                      <a:prstDash val="solid"/>
+                      <a:round/>
+                      <a:headEnd type="none" w="med" len="med"/>
+                      <a:tailEnd type="none" w="med" len="med"/>
+                    </a:lnL>
+                    <a:lnR w="3175" cap="flat" cmpd="sng" algn="ctr">
+                      <a:noFill/>
+                      <a:prstDash val="solid"/>
+                      <a:round/>
+                      <a:headEnd type="none" w="med" len="med"/>
+                      <a:tailEnd type="none" w="med" len="med"/>
+                    </a:lnR>
+                    <a:lnT w="3175" cap="flat" cmpd="sng" algn="ctr">
+                      <a:solidFill>
+                        <a:schemeClr val="bg1">
+                          <a:lumMod val="65000"/>
+                        </a:schemeClr>
+                      </a:solidFill>
+                      <a:prstDash val="solid"/>
+                      <a:round/>
+                      <a:headEnd type="none" w="med" len="med"/>
+                      <a:tailEnd type="none" w="med" len="med"/>
+                    </a:lnT>
+                    <a:lnB w="3175" cap="flat" cmpd="sng" algn="ctr">
+                      <a:solidFill>
+                        <a:schemeClr val="tx1">
+                          <a:lumMod val="50000"/>
+                          <a:lumOff val="50000"/>
+                        </a:schemeClr>
+                      </a:solidFill>
+                      <a:prstDash val="solid"/>
+                      <a:round/>
+                      <a:headEnd type="none" w="med" len="med"/>
+                      <a:tailEnd type="none" w="med" len="med"/>
+                    </a:lnB>
+                    <a:noFill/>
+                  </a:tcPr>
+                </a:tc>
+                <a:tc hMerge="1">
+                  <a:txBody>
+                    <a:bodyPr/>
+                    <a:lstStyle/>
+                    <a:p>
+                      <a:pPr latinLnBrk="1"/>
+                      <a:endParaRPr lang="ko-KR" altLang="en-US"/>
+                    </a:p>
+                  </a:txBody>
+                  <a:tcPr/>
+                </a:tc>
+                <a:extLst>
+                  <a:ext uri="{0D108BD9-81ED-4DB2-BD59-A6C34878D82A}">
+                    <a16:rowId xmlns:a16="http://schemas.microsoft.com/office/drawing/2014/main" val="3026413146"/>
+                  </a:ext>
+                </a:extLst>
+              </a:tr>
+              <a:tr h="241592">
+                <a:tc>
+                  <a:txBody>
+                    <a:bodyPr/>
+                    <a:lstStyle/>
+                    <a:p>
+                      <a:pPr algn="ctr" latinLnBrk="1">
+                        <a:lnSpc>
+                          <a:spcPct val="120000"/>
+                        </a:lnSpc>
+                      </a:pPr>
+                      <a:r>
+                        <a:rPr lang="en-US" altLang="ko-KR" sz="850" b="0" dirty="0">
+                          <a:solidFill>
+                            <a:schemeClr val="tx1"/>
+                          </a:solidFill>
+                          <a:latin typeface="+mn-ea"/>
+                          <a:ea typeface="+mn-ea"/>
+                        </a:rPr>
+                        <a:t>1</a:t>
+                      </a:r>
+                      <a:endParaRPr lang="ko-KR" altLang="en-US" sz="850" b="0" dirty="0">
+                        <a:solidFill>
+                          <a:schemeClr val="tx1"/>
+                        </a:solidFill>
+                        <a:latin typeface="+mn-ea"/>
+                        <a:ea typeface="+mn-ea"/>
+                      </a:endParaRPr>
+                    </a:p>
+                  </a:txBody>
+                  <a:tcPr anchor="ctr">
+                    <a:lnL w="3175" cap="flat" cmpd="sng" algn="ctr">
+                      <a:noFill/>
+                      <a:prstDash val="solid"/>
+                      <a:round/>
+                      <a:headEnd type="none" w="med" len="med"/>
+                      <a:tailEnd type="none" w="med" len="med"/>
+                    </a:lnL>
+                    <a:lnR w="3175" cap="flat" cmpd="sng" algn="ctr">
+                      <a:solidFill>
+                        <a:schemeClr val="tx1">
+                          <a:lumMod val="50000"/>
+                          <a:lumOff val="50000"/>
+                        </a:schemeClr>
+                      </a:solidFill>
+                      <a:prstDash val="solid"/>
+                      <a:round/>
+                      <a:headEnd type="none" w="med" len="med"/>
+                      <a:tailEnd type="none" w="med" len="med"/>
+                    </a:lnR>
+                    <a:lnT w="3175" cap="flat" cmpd="sng" algn="ctr">
+                      <a:solidFill>
+                        <a:schemeClr val="tx1">
+                          <a:lumMod val="50000"/>
+                          <a:lumOff val="50000"/>
+                        </a:schemeClr>
+                      </a:solidFill>
+                      <a:prstDash val="solid"/>
+                      <a:round/>
+                      <a:headEnd type="none" w="med" len="med"/>
+                      <a:tailEnd type="none" w="med" len="med"/>
+                    </a:lnT>
+                    <a:lnB w="3175" cap="flat" cmpd="sng" algn="ctr">
+                      <a:solidFill>
+                        <a:schemeClr val="tx1">
+                          <a:lumMod val="50000"/>
+                          <a:lumOff val="50000"/>
+                        </a:schemeClr>
+                      </a:solidFill>
+                      <a:prstDash val="solid"/>
+                      <a:round/>
+                      <a:headEnd type="none" w="med" len="med"/>
+                      <a:tailEnd type="none" w="med" len="med"/>
+                    </a:lnB>
+                    <a:noFill/>
+                  </a:tcPr>
+                </a:tc>
+                <a:tc>
+                  <a:txBody>
+                    <a:bodyPr/>
+                    <a:lstStyle/>
+                    <a:p>
+                      <a:pPr algn="just" latinLnBrk="1">
+                        <a:lnSpc>
+                          <a:spcPct val="120000"/>
+                        </a:lnSpc>
+                      </a:pPr>
+                      <a:r>
+                        <a:rPr lang="en-US" altLang="ko-KR" sz="850" b="0" dirty="0">
+                          <a:latin typeface="+mn-ea"/>
+                          <a:ea typeface="+mn-ea"/>
+                        </a:rPr>
+                        <a:t>Login </a:t>
+                      </a:r>
+                      <a:r>
+                        <a:rPr lang="ko-KR" altLang="en-US" sz="850" b="0" dirty="0">
+                          <a:latin typeface="+mn-ea"/>
+                          <a:ea typeface="+mn-ea"/>
+                        </a:rPr>
+                        <a:t>버튼을 클릭하면 로그인 화면으로 이동합니다</a:t>
+                      </a:r>
+                      <a:r>
+                        <a:rPr lang="en-US" altLang="ko-KR" sz="850" b="0" dirty="0">
+                          <a:latin typeface="+mn-ea"/>
+                          <a:ea typeface="+mn-ea"/>
+                        </a:rPr>
+                        <a:t>.</a:t>
+                      </a:r>
+                    </a:p>
+                    <a:p>
+                      <a:pPr algn="just" latinLnBrk="1">
+                        <a:lnSpc>
+                          <a:spcPct val="120000"/>
+                        </a:lnSpc>
+                      </a:pPr>
+                      <a:r>
+                        <a:rPr lang="en-US" altLang="ko-KR" sz="850" b="0" dirty="0">
+                          <a:latin typeface="+mn-ea"/>
+                          <a:ea typeface="+mn-ea"/>
+                        </a:rPr>
+                        <a:t>(7</a:t>
+                      </a:r>
+                      <a:r>
+                        <a:rPr lang="ko-KR" altLang="en-US" sz="850" b="0" dirty="0">
+                          <a:latin typeface="+mn-ea"/>
+                          <a:ea typeface="+mn-ea"/>
+                        </a:rPr>
+                        <a:t>페이지 참조</a:t>
+                      </a:r>
+                      <a:r>
+                        <a:rPr lang="en-US" altLang="ko-KR" sz="850" b="0" dirty="0">
+                          <a:latin typeface="+mn-ea"/>
+                          <a:ea typeface="+mn-ea"/>
+                        </a:rPr>
+                        <a:t>)</a:t>
+                      </a:r>
+                      <a:endParaRPr lang="ko-KR" altLang="en-US" sz="850" b="0" dirty="0">
+                        <a:latin typeface="+mn-ea"/>
+                        <a:ea typeface="+mn-ea"/>
+                      </a:endParaRPr>
+                    </a:p>
+                  </a:txBody>
+                  <a:tcPr anchor="ctr">
+                    <a:lnL w="3175" cap="flat" cmpd="sng" algn="ctr">
+                      <a:solidFill>
+                        <a:schemeClr val="tx1">
+                          <a:lumMod val="50000"/>
+                          <a:lumOff val="50000"/>
+                        </a:schemeClr>
+                      </a:solidFill>
+                      <a:prstDash val="solid"/>
+                      <a:round/>
+                      <a:headEnd type="none" w="med" len="med"/>
+                      <a:tailEnd type="none" w="med" len="med"/>
+                    </a:lnL>
+                    <a:lnR w="3175" cap="flat" cmpd="sng" algn="ctr">
+                      <a:noFill/>
+                      <a:prstDash val="solid"/>
+                      <a:round/>
+                      <a:headEnd type="none" w="med" len="med"/>
+                      <a:tailEnd type="none" w="med" len="med"/>
+                    </a:lnR>
+                    <a:lnT w="3175" cap="flat" cmpd="sng" algn="ctr">
+                      <a:solidFill>
+                        <a:schemeClr val="tx1">
+                          <a:lumMod val="50000"/>
+                          <a:lumOff val="50000"/>
+                        </a:schemeClr>
+                      </a:solidFill>
+                      <a:prstDash val="solid"/>
+                      <a:round/>
+                      <a:headEnd type="none" w="med" len="med"/>
+                      <a:tailEnd type="none" w="med" len="med"/>
+                    </a:lnT>
+                    <a:lnB w="3175" cap="flat" cmpd="sng" algn="ctr">
+                      <a:solidFill>
+                        <a:schemeClr val="tx1">
+                          <a:lumMod val="50000"/>
+                          <a:lumOff val="50000"/>
+                        </a:schemeClr>
+                      </a:solidFill>
+                      <a:prstDash val="solid"/>
+                      <a:round/>
+                      <a:headEnd type="none" w="med" len="med"/>
+                      <a:tailEnd type="none" w="med" len="med"/>
+                    </a:lnB>
+                    <a:noFill/>
+                  </a:tcPr>
+                </a:tc>
+                <a:extLst>
+                  <a:ext uri="{0D108BD9-81ED-4DB2-BD59-A6C34878D82A}">
+                    <a16:rowId xmlns:a16="http://schemas.microsoft.com/office/drawing/2014/main" val="787081411"/>
+                  </a:ext>
+                </a:extLst>
+              </a:tr>
+              <a:tr h="241592">
+                <a:tc>
+                  <a:txBody>
+                    <a:bodyPr/>
+                    <a:lstStyle/>
+                    <a:p>
+                      <a:pPr algn="ctr" latinLnBrk="1">
+                        <a:lnSpc>
+                          <a:spcPct val="120000"/>
+                        </a:lnSpc>
+                      </a:pPr>
+                      <a:r>
+                        <a:rPr lang="en-US" altLang="ko-KR" sz="850" b="0" dirty="0">
+                          <a:latin typeface="+mn-ea"/>
+                          <a:ea typeface="+mn-ea"/>
+                        </a:rPr>
+                        <a:t>2</a:t>
+                      </a:r>
+                      <a:endParaRPr lang="ko-KR" altLang="en-US" sz="850" b="0" dirty="0">
+                        <a:latin typeface="+mn-ea"/>
+                        <a:ea typeface="+mn-ea"/>
+                      </a:endParaRPr>
+                    </a:p>
+                  </a:txBody>
+                  <a:tcPr anchor="ctr">
+                    <a:lnL w="3175" cap="flat" cmpd="sng" algn="ctr">
+                      <a:noFill/>
+                      <a:prstDash val="solid"/>
+                      <a:round/>
+                      <a:headEnd type="none" w="med" len="med"/>
+                      <a:tailEnd type="none" w="med" len="med"/>
+                    </a:lnL>
+                    <a:lnR w="3175" cap="flat" cmpd="sng" algn="ctr">
+                      <a:solidFill>
+                        <a:schemeClr val="tx1">
+                          <a:lumMod val="50000"/>
+                          <a:lumOff val="50000"/>
+                        </a:schemeClr>
+                      </a:solidFill>
+                      <a:prstDash val="solid"/>
+                      <a:round/>
+                      <a:headEnd type="none" w="med" len="med"/>
+                      <a:tailEnd type="none" w="med" len="med"/>
+                    </a:lnR>
+                    <a:lnT w="3175" cap="flat" cmpd="sng" algn="ctr">
+                      <a:solidFill>
+                        <a:schemeClr val="tx1">
+                          <a:lumMod val="50000"/>
+                          <a:lumOff val="50000"/>
+                        </a:schemeClr>
+                      </a:solidFill>
+                      <a:prstDash val="solid"/>
+                      <a:round/>
+                      <a:headEnd type="none" w="med" len="med"/>
+                      <a:tailEnd type="none" w="med" len="med"/>
+                    </a:lnT>
+                    <a:lnB w="3175" cap="flat" cmpd="sng" algn="ctr">
+                      <a:solidFill>
+                        <a:schemeClr val="tx1">
+                          <a:lumMod val="50000"/>
+                          <a:lumOff val="50000"/>
+                        </a:schemeClr>
+                      </a:solidFill>
+                      <a:prstDash val="solid"/>
+                      <a:round/>
+                      <a:headEnd type="none" w="med" len="med"/>
+                      <a:tailEnd type="none" w="med" len="med"/>
+                    </a:lnB>
+                    <a:noFill/>
+                  </a:tcPr>
+                </a:tc>
+                <a:tc>
+                  <a:txBody>
+                    <a:bodyPr/>
+                    <a:lstStyle/>
+                    <a:p>
+                      <a:pPr marL="0" marR="0" lvl="0" indent="0" algn="just" defTabSz="914400" rtl="0" eaLnBrk="1" fontAlgn="auto" latinLnBrk="1" hangingPunct="1">
+                        <a:lnSpc>
+                          <a:spcPct val="120000"/>
+                        </a:lnSpc>
+                        <a:spcBef>
+                          <a:spcPts val="0"/>
+                        </a:spcBef>
+                        <a:spcAft>
+                          <a:spcPts val="0"/>
+                        </a:spcAft>
+                        <a:buClrTx/>
+                        <a:buSzTx/>
+                        <a:buFontTx/>
+                        <a:buNone/>
+                        <a:tabLst/>
+                        <a:defRPr/>
+                      </a:pPr>
+                      <a:r>
+                        <a:rPr kumimoji="1" lang="ko-KR" altLang="en-US" sz="850" dirty="0">
+                          <a:solidFill>
+                            <a:schemeClr val="tx1"/>
+                          </a:solidFill>
+                          <a:latin typeface="+mn-ea"/>
+                        </a:rPr>
+                        <a:t>회원이 아닌 경우 회원가입 페이지로 이동합니다</a:t>
+                      </a:r>
+                      <a:r>
+                        <a:rPr kumimoji="1" lang="en-US" altLang="ko-KR" sz="850" dirty="0">
+                          <a:solidFill>
+                            <a:schemeClr val="tx1"/>
+                          </a:solidFill>
+                          <a:latin typeface="+mn-ea"/>
+                        </a:rPr>
+                        <a:t>. </a:t>
+                      </a:r>
+                    </a:p>
+                    <a:p>
+                      <a:pPr marL="0" marR="0" lvl="0" indent="0" algn="just" defTabSz="914400" rtl="0" eaLnBrk="1" fontAlgn="auto" latinLnBrk="1" hangingPunct="1">
+                        <a:lnSpc>
+                          <a:spcPct val="120000"/>
+                        </a:lnSpc>
+                        <a:spcBef>
+                          <a:spcPts val="0"/>
+                        </a:spcBef>
+                        <a:spcAft>
+                          <a:spcPts val="0"/>
+                        </a:spcAft>
+                        <a:buClrTx/>
+                        <a:buSzTx/>
+                        <a:buFontTx/>
+                        <a:buNone/>
+                        <a:tabLst/>
+                        <a:defRPr/>
+                      </a:pPr>
+                      <a:r>
+                        <a:rPr kumimoji="1" lang="en-US" altLang="ko-KR" sz="850" dirty="0">
+                          <a:solidFill>
+                            <a:schemeClr val="tx1"/>
+                          </a:solidFill>
+                          <a:latin typeface="+mn-ea"/>
+                        </a:rPr>
+                        <a:t>(8~10</a:t>
+                      </a:r>
+                      <a:r>
+                        <a:rPr kumimoji="1" lang="ko-KR" altLang="en-US" sz="850" dirty="0">
+                          <a:solidFill>
+                            <a:schemeClr val="tx1"/>
+                          </a:solidFill>
+                          <a:latin typeface="+mn-ea"/>
+                        </a:rPr>
+                        <a:t>페이지 참조</a:t>
+                      </a:r>
+                      <a:r>
+                        <a:rPr kumimoji="1" lang="en-US" altLang="ko-KR" sz="850" dirty="0">
+                          <a:solidFill>
+                            <a:schemeClr val="tx1"/>
+                          </a:solidFill>
+                          <a:latin typeface="+mn-ea"/>
+                        </a:rPr>
+                        <a:t>)</a:t>
+                      </a:r>
+                    </a:p>
+                  </a:txBody>
+                  <a:tcPr anchor="ctr">
+                    <a:lnL w="3175" cap="flat" cmpd="sng" algn="ctr">
+                      <a:solidFill>
+                        <a:schemeClr val="tx1">
+                          <a:lumMod val="50000"/>
+                          <a:lumOff val="50000"/>
+                        </a:schemeClr>
+                      </a:solidFill>
+                      <a:prstDash val="solid"/>
+                      <a:round/>
+                      <a:headEnd type="none" w="med" len="med"/>
+                      <a:tailEnd type="none" w="med" len="med"/>
+                    </a:lnL>
+                    <a:lnR w="3175" cap="flat" cmpd="sng" algn="ctr">
+                      <a:noFill/>
+                      <a:prstDash val="solid"/>
+                      <a:round/>
+                      <a:headEnd type="none" w="med" len="med"/>
+                      <a:tailEnd type="none" w="med" len="med"/>
+                    </a:lnR>
+                    <a:lnT w="3175" cap="flat" cmpd="sng" algn="ctr">
+                      <a:solidFill>
+                        <a:schemeClr val="tx1">
+                          <a:lumMod val="50000"/>
+                          <a:lumOff val="50000"/>
+                        </a:schemeClr>
+                      </a:solidFill>
+                      <a:prstDash val="solid"/>
+                      <a:round/>
+                      <a:headEnd type="none" w="med" len="med"/>
+                      <a:tailEnd type="none" w="med" len="med"/>
+                    </a:lnT>
+                    <a:lnB w="3175" cap="flat" cmpd="sng" algn="ctr">
+                      <a:solidFill>
+                        <a:schemeClr val="tx1">
+                          <a:lumMod val="50000"/>
+                          <a:lumOff val="50000"/>
+                        </a:schemeClr>
+                      </a:solidFill>
+                      <a:prstDash val="solid"/>
+                      <a:round/>
+                      <a:headEnd type="none" w="med" len="med"/>
+                      <a:tailEnd type="none" w="med" len="med"/>
+                    </a:lnB>
+                    <a:noFill/>
+                  </a:tcPr>
+                </a:tc>
+                <a:extLst>
+                  <a:ext uri="{0D108BD9-81ED-4DB2-BD59-A6C34878D82A}">
+                    <a16:rowId xmlns:a16="http://schemas.microsoft.com/office/drawing/2014/main" val="655206683"/>
+                  </a:ext>
+                </a:extLst>
+              </a:tr>
+            </a:tbl>
+          </a:graphicData>
+        </a:graphic>
+      </p:graphicFrame>
+      <p:pic>
+        <p:nvPicPr>
+          <p:cNvPr id="8" name="그림 7">
+            <a:extLst>
+              <a:ext uri="{FF2B5EF4-FFF2-40B4-BE49-F238E27FC236}">
+                <a16:creationId xmlns:a16="http://schemas.microsoft.com/office/drawing/2014/main" id="{ABADAEF3-46A2-4C67-ADFB-FAB3ED26512C}"/>
+              </a:ext>
+            </a:extLst>
+          </p:cNvPr>
+          <p:cNvPicPr>
+            <a:picLocks noChangeAspect="1"/>
+          </p:cNvPicPr>
+          <p:nvPr/>
+        </p:nvPicPr>
+        <p:blipFill>
+          <a:blip r:embed="rId3" cstate="print">
+            <a:extLst>
+              <a:ext uri="{28A0092B-C50C-407E-A947-70E740481C1C}">
+                <a14:useLocalDpi xmlns:a14="http://schemas.microsoft.com/office/drawing/2010/main" val="0"/>
+              </a:ext>
+            </a:extLst>
+          </a:blip>
+          <a:stretch>
+            <a:fillRect/>
+          </a:stretch>
+        </p:blipFill>
+        <p:spPr>
+          <a:xfrm>
+            <a:off x="2062628" y="2962515"/>
+            <a:ext cx="220536" cy="222691"/>
+          </a:xfrm>
+          <a:prstGeom prst="rect">
+            <a:avLst/>
+          </a:prstGeom>
+        </p:spPr>
+      </p:pic>
+      <p:pic>
+        <p:nvPicPr>
+          <p:cNvPr id="9" name="그림 8">
+            <a:extLst>
+              <a:ext uri="{FF2B5EF4-FFF2-40B4-BE49-F238E27FC236}">
+                <a16:creationId xmlns:a16="http://schemas.microsoft.com/office/drawing/2014/main" id="{BD0CC597-C295-4C00-A172-95AD99ABEB28}"/>
+              </a:ext>
+            </a:extLst>
+          </p:cNvPr>
+          <p:cNvPicPr>
+            <a:picLocks noChangeAspect="1"/>
+          </p:cNvPicPr>
+          <p:nvPr/>
+        </p:nvPicPr>
+        <p:blipFill>
+          <a:blip r:embed="rId4" cstate="print">
+            <a:extLst>
+              <a:ext uri="{28A0092B-C50C-407E-A947-70E740481C1C}">
+                <a14:useLocalDpi xmlns:a14="http://schemas.microsoft.com/office/drawing/2010/main" val="0"/>
+              </a:ext>
+            </a:extLst>
+          </a:blip>
+          <a:stretch>
+            <a:fillRect/>
+          </a:stretch>
+        </p:blipFill>
+        <p:spPr>
+          <a:xfrm>
+            <a:off x="3241091" y="2962515"/>
+            <a:ext cx="223200" cy="223200"/>
+          </a:xfrm>
+          <a:prstGeom prst="rect">
+            <a:avLst/>
+          </a:prstGeom>
+        </p:spPr>
+      </p:pic>
+    </p:spTree>
+    <p:extLst>
+      <p:ext uri="{BB962C8B-B14F-4D97-AF65-F5344CB8AC3E}">
+        <p14:creationId xmlns:p14="http://schemas.microsoft.com/office/powerpoint/2010/main" val="910751828"/>
+      </p:ext>
+    </p:extLst>
+  </p:cSld>
+  <p:clrMapOvr>
+    <a:masterClrMapping/>
+  </p:clrMapOvr>
+</p:sld>
+</file>
+
+<file path=ppt/slides/slide21.xml><?xml version="1.0" encoding="utf-8"?>
+<p:sld xmlns:a="http://schemas.openxmlformats.org/drawingml/2006/main" xmlns:r="http://schemas.openxmlformats.org/officeDocument/2006/relationships" xmlns:p="http://schemas.openxmlformats.org/presentationml/2006/main">
+  <p:cSld>
+    <p:spTree>
+      <p:nvGrpSpPr>
+        <p:cNvPr id="1" name=""/>
+        <p:cNvGrpSpPr/>
+        <p:nvPr/>
+      </p:nvGrpSpPr>
+      <p:grpSpPr>
+        <a:xfrm>
+          <a:off x="0" y="0"/>
+          <a:ext cx="0" cy="0"/>
+          <a:chOff x="0" y="0"/>
+          <a:chExt cx="0" cy="0"/>
+        </a:xfrm>
+      </p:grpSpPr>
+      <p:sp>
+        <p:nvSpPr>
+          <p:cNvPr id="2" name="텍스트 개체 틀 1">
+            <a:extLst>
+              <a:ext uri="{FF2B5EF4-FFF2-40B4-BE49-F238E27FC236}">
+                <a16:creationId xmlns:a16="http://schemas.microsoft.com/office/drawing/2014/main" id="{C7444139-C12B-4D18-A359-1625DE3F93A3}"/>
+              </a:ext>
+            </a:extLst>
+          </p:cNvPr>
+          <p:cNvSpPr>
+            <a:spLocks noGrp="1"/>
+          </p:cNvSpPr>
+          <p:nvPr>
+            <p:ph type="body" sz="quarter" idx="10"/>
+          </p:nvPr>
+        </p:nvSpPr>
+        <p:spPr/>
+        <p:txBody>
+          <a:bodyPr/>
+          <a:lstStyle/>
+          <a:p>
+            <a:r>
+              <a:rPr lang="en-US" altLang="ko-KR" dirty="0"/>
+              <a:t>FindPw.html	</a:t>
+            </a:r>
+            <a:endParaRPr lang="ko-KR" altLang="en-US" dirty="0"/>
+          </a:p>
+        </p:txBody>
+      </p:sp>
+      <p:sp>
+        <p:nvSpPr>
+          <p:cNvPr id="3" name="텍스트 개체 틀 2">
+            <a:extLst>
+              <a:ext uri="{FF2B5EF4-FFF2-40B4-BE49-F238E27FC236}">
+                <a16:creationId xmlns:a16="http://schemas.microsoft.com/office/drawing/2014/main" id="{69B33728-BE55-4FDB-902A-F6026CD7818F}"/>
+              </a:ext>
+            </a:extLst>
+          </p:cNvPr>
+          <p:cNvSpPr>
+            <a:spLocks noGrp="1"/>
+          </p:cNvSpPr>
+          <p:nvPr>
+            <p:ph type="body" sz="quarter" idx="11"/>
+          </p:nvPr>
+        </p:nvSpPr>
+        <p:spPr/>
+        <p:txBody>
+          <a:bodyPr/>
+          <a:lstStyle/>
+          <a:p>
+            <a:r>
+              <a:rPr lang="ko-KR" altLang="en-US" dirty="0"/>
+              <a:t>비밀번호 찾기</a:t>
+            </a:r>
+          </a:p>
+        </p:txBody>
+      </p:sp>
+      <p:pic>
+        <p:nvPicPr>
+          <p:cNvPr id="5" name="그림 4">
+            <a:extLst>
+              <a:ext uri="{FF2B5EF4-FFF2-40B4-BE49-F238E27FC236}">
+                <a16:creationId xmlns:a16="http://schemas.microsoft.com/office/drawing/2014/main" id="{82CA9827-B3E7-49CA-AE3A-BF8FCC80A906}"/>
+              </a:ext>
+            </a:extLst>
+          </p:cNvPr>
+          <p:cNvPicPr>
+            <a:picLocks noChangeAspect="1"/>
+          </p:cNvPicPr>
+          <p:nvPr/>
+        </p:nvPicPr>
+        <p:blipFill>
+          <a:blip r:embed="rId2"/>
+          <a:stretch>
+            <a:fillRect/>
+          </a:stretch>
+        </p:blipFill>
+        <p:spPr>
+          <a:xfrm>
+            <a:off x="119337" y="515391"/>
+            <a:ext cx="8442036" cy="4569794"/>
+          </a:xfrm>
+          <a:prstGeom prst="rect">
+            <a:avLst/>
+          </a:prstGeom>
+        </p:spPr>
+      </p:pic>
+      <p:sp>
+        <p:nvSpPr>
+          <p:cNvPr id="6" name="TextBox 5">
+            <a:extLst>
+              <a:ext uri="{FF2B5EF4-FFF2-40B4-BE49-F238E27FC236}">
+                <a16:creationId xmlns:a16="http://schemas.microsoft.com/office/drawing/2014/main" id="{2D74DF8F-2285-4778-A7AA-45705041E039}"/>
+              </a:ext>
+            </a:extLst>
+          </p:cNvPr>
+          <p:cNvSpPr txBox="1"/>
+          <p:nvPr/>
+        </p:nvSpPr>
+        <p:spPr>
+          <a:xfrm>
+            <a:off x="11780252" y="106980"/>
+            <a:ext cx="248786" cy="230832"/>
+          </a:xfrm>
+          <a:prstGeom prst="rect">
+            <a:avLst/>
+          </a:prstGeom>
+          <a:noFill/>
+        </p:spPr>
+        <p:txBody>
+          <a:bodyPr wrap="none" rtlCol="0">
+            <a:spAutoFit/>
+          </a:bodyPr>
+          <a:lstStyle/>
+          <a:p>
+            <a:fld id="{944918D1-1C8F-48E6-92D4-4089F97E8793}" type="slidenum">
+              <a:rPr lang="ko-KR" altLang="en-US" sz="900" smtClean="0"/>
+              <a:t>21</a:t>
+            </a:fld>
+            <a:endParaRPr lang="ko-KR" altLang="en-US" sz="900" dirty="0"/>
+          </a:p>
+        </p:txBody>
+      </p:sp>
+      <p:graphicFrame>
+        <p:nvGraphicFramePr>
+          <p:cNvPr id="7" name="표 6">
+            <a:extLst>
+              <a:ext uri="{FF2B5EF4-FFF2-40B4-BE49-F238E27FC236}">
+                <a16:creationId xmlns:a16="http://schemas.microsoft.com/office/drawing/2014/main" id="{60E51CA9-B99F-4CDC-A8FD-4D40BB7BAEA6}"/>
+              </a:ext>
+            </a:extLst>
+          </p:cNvPr>
+          <p:cNvGraphicFramePr>
+            <a:graphicFrameLocks noGrp="1"/>
+          </p:cNvGraphicFramePr>
+          <p:nvPr>
+            <p:extLst>
+              <p:ext uri="{D42A27DB-BD31-4B8C-83A1-F6EECF244321}">
+                <p14:modId xmlns:p14="http://schemas.microsoft.com/office/powerpoint/2010/main" val="447664877"/>
+              </p:ext>
+            </p:extLst>
+          </p:nvPr>
+        </p:nvGraphicFramePr>
+        <p:xfrm>
+          <a:off x="8688288" y="620688"/>
+          <a:ext cx="3384376" cy="1819223"/>
+        </p:xfrm>
+        <a:graphic>
+          <a:graphicData uri="http://schemas.openxmlformats.org/drawingml/2006/table">
+            <a:tbl>
+              <a:tblPr firstRow="1" bandRow="1">
+                <a:tableStyleId>{5C22544A-7EE6-4342-B048-85BDC9FD1C3A}</a:tableStyleId>
+              </a:tblPr>
+              <a:tblGrid>
+                <a:gridCol w="403256">
+                  <a:extLst>
+                    <a:ext uri="{9D8B030D-6E8A-4147-A177-3AD203B41FA5}">
+                      <a16:colId xmlns:a16="http://schemas.microsoft.com/office/drawing/2014/main" val="143998261"/>
+                    </a:ext>
+                  </a:extLst>
+                </a:gridCol>
+                <a:gridCol w="2981120">
+                  <a:extLst>
+                    <a:ext uri="{9D8B030D-6E8A-4147-A177-3AD203B41FA5}">
+                      <a16:colId xmlns:a16="http://schemas.microsoft.com/office/drawing/2014/main" val="2337024672"/>
+                    </a:ext>
+                  </a:extLst>
+                </a:gridCol>
+              </a:tblGrid>
+              <a:tr h="258850">
+                <a:tc gridSpan="2">
+                  <a:txBody>
+                    <a:bodyPr/>
+                    <a:lstStyle/>
+                    <a:p>
+                      <a:pPr marL="0" marR="0" lvl="0" indent="0" algn="l" defTabSz="914400" rtl="0" eaLnBrk="1" fontAlgn="auto" latinLnBrk="1" hangingPunct="1">
+                        <a:lnSpc>
+                          <a:spcPct val="100000"/>
+                        </a:lnSpc>
+                        <a:spcBef>
+                          <a:spcPts val="0"/>
+                        </a:spcBef>
+                        <a:spcAft>
+                          <a:spcPts val="0"/>
+                        </a:spcAft>
+                        <a:buClrTx/>
+                        <a:buSzTx/>
+                        <a:buFontTx/>
+                        <a:buNone/>
+                        <a:tabLst/>
+                        <a:defRPr/>
+                      </a:pPr>
+                      <a:r>
+                        <a:rPr lang="en-US" altLang="ko-KR" sz="900" b="1" dirty="0">
+                          <a:solidFill>
+                            <a:srgbClr val="4E5263"/>
+                          </a:solidFill>
+                          <a:latin typeface="+mn-ea"/>
+                          <a:ea typeface="+mn-ea"/>
+                          <a:sym typeface="맑은 고딕"/>
+                        </a:rPr>
+                        <a:t>Summery.</a:t>
+                      </a:r>
+                      <a:endParaRPr lang="en" altLang="ko-KR" sz="900" b="1" dirty="0">
+                        <a:solidFill>
+                          <a:srgbClr val="4E5263"/>
+                        </a:solidFill>
+                        <a:latin typeface="+mn-ea"/>
+                        <a:ea typeface="+mn-ea"/>
+                        <a:sym typeface="맑은 고딕"/>
+                      </a:endParaRPr>
+                    </a:p>
+                  </a:txBody>
+                  <a:tcPr anchor="ctr">
+                    <a:lnL w="3175" cap="flat" cmpd="sng" algn="ctr">
+                      <a:noFill/>
+                      <a:prstDash val="solid"/>
+                      <a:round/>
+                      <a:headEnd type="none" w="med" len="med"/>
+                      <a:tailEnd type="none" w="med" len="med"/>
+                    </a:lnL>
+                    <a:lnR w="3175" cap="flat" cmpd="sng" algn="ctr">
+                      <a:noFill/>
+                      <a:prstDash val="solid"/>
+                      <a:round/>
+                      <a:headEnd type="none" w="med" len="med"/>
+                      <a:tailEnd type="none" w="med" len="med"/>
+                    </a:lnR>
+                    <a:lnT w="3175" cap="flat" cmpd="sng" algn="ctr">
+                      <a:noFill/>
+                      <a:prstDash val="solid"/>
+                      <a:round/>
+                      <a:headEnd type="none" w="med" len="med"/>
+                      <a:tailEnd type="none" w="med" len="med"/>
+                    </a:lnT>
+                    <a:lnB w="3175" cap="flat" cmpd="sng" algn="ctr">
+                      <a:solidFill>
+                        <a:schemeClr val="bg1">
+                          <a:lumMod val="65000"/>
+                        </a:schemeClr>
+                      </a:solidFill>
+                      <a:prstDash val="solid"/>
+                      <a:round/>
+                      <a:headEnd type="none" w="med" len="med"/>
+                      <a:tailEnd type="none" w="med" len="med"/>
+                    </a:lnB>
+                    <a:solidFill>
+                      <a:schemeClr val="bg1"/>
+                    </a:solidFill>
+                  </a:tcPr>
+                </a:tc>
+                <a:tc hMerge="1">
+                  <a:txBody>
+                    <a:bodyPr/>
+                    <a:lstStyle/>
+                    <a:p>
+                      <a:pPr marL="0" marR="0" lvl="0" indent="0" algn="l" defTabSz="914400" rtl="0" eaLnBrk="1" fontAlgn="auto" latinLnBrk="1" hangingPunct="1">
+                        <a:lnSpc>
+                          <a:spcPct val="100000"/>
+                        </a:lnSpc>
+                        <a:spcBef>
+                          <a:spcPts val="0"/>
+                        </a:spcBef>
+                        <a:spcAft>
+                          <a:spcPts val="0"/>
+                        </a:spcAft>
+                        <a:buClrTx/>
+                        <a:buSzTx/>
+                        <a:buFontTx/>
+                        <a:buNone/>
+                        <a:tabLst/>
+                        <a:defRPr/>
+                      </a:pPr>
+                      <a:endParaRPr lang="en" altLang="ko-KR" sz="900" b="1" dirty="0">
+                        <a:solidFill>
+                          <a:srgbClr val="4E5263"/>
+                        </a:solidFill>
+                        <a:latin typeface="SF Pro Text" pitchFamily="2" charset="0"/>
+                        <a:ea typeface="SF Pro Text" pitchFamily="2" charset="0"/>
+                        <a:sym typeface="맑은 고딕"/>
+                      </a:endParaRPr>
+                    </a:p>
+                  </a:txBody>
+                  <a:tcPr anchor="ctr">
+                    <a:lnL w="3175" cap="flat" cmpd="sng" algn="ctr">
+                      <a:solidFill>
+                        <a:schemeClr val="tx1">
+                          <a:lumMod val="50000"/>
+                          <a:lumOff val="50000"/>
+                        </a:schemeClr>
+                      </a:solidFill>
+                      <a:prstDash val="solid"/>
+                      <a:round/>
+                      <a:headEnd type="none" w="med" len="med"/>
+                      <a:tailEnd type="none" w="med" len="med"/>
+                    </a:lnL>
+                    <a:lnR w="3175" cap="flat" cmpd="sng" algn="ctr">
+                      <a:noFill/>
+                      <a:prstDash val="solid"/>
+                      <a:round/>
+                      <a:headEnd type="none" w="med" len="med"/>
+                      <a:tailEnd type="none" w="med" len="med"/>
+                    </a:lnR>
+                    <a:lnT w="3175" cap="flat" cmpd="sng" algn="ctr">
+                      <a:noFill/>
+                      <a:prstDash val="solid"/>
+                      <a:round/>
+                      <a:headEnd type="none" w="med" len="med"/>
+                      <a:tailEnd type="none" w="med" len="med"/>
+                    </a:lnT>
+                    <a:lnB w="3175" cap="flat" cmpd="sng" algn="ctr">
+                      <a:solidFill>
+                        <a:schemeClr val="tx1">
+                          <a:lumMod val="50000"/>
+                          <a:lumOff val="50000"/>
+                        </a:schemeClr>
+                      </a:solidFill>
+                      <a:prstDash val="solid"/>
+                      <a:round/>
+                      <a:headEnd type="none" w="med" len="med"/>
+                      <a:tailEnd type="none" w="med" len="med"/>
+                    </a:lnB>
+                    <a:noFill/>
+                  </a:tcPr>
+                </a:tc>
+                <a:extLst>
+                  <a:ext uri="{0D108BD9-81ED-4DB2-BD59-A6C34878D82A}">
+                    <a16:rowId xmlns:a16="http://schemas.microsoft.com/office/drawing/2014/main" val="418637585"/>
+                  </a:ext>
+                </a:extLst>
+              </a:tr>
+              <a:tr h="786307">
+                <a:tc gridSpan="2">
+                  <a:txBody>
+                    <a:bodyPr/>
+                    <a:lstStyle/>
+                    <a:p>
+                      <a:pPr marL="108000" marR="0" lvl="0" indent="-108000" algn="just" defTabSz="914400" rtl="0" eaLnBrk="1" fontAlgn="auto" latinLnBrk="1" hangingPunct="1">
+                        <a:lnSpc>
+                          <a:spcPct val="120000"/>
+                        </a:lnSpc>
+                        <a:spcBef>
+                          <a:spcPts val="0"/>
+                        </a:spcBef>
+                        <a:spcAft>
+                          <a:spcPts val="0"/>
+                        </a:spcAft>
+                        <a:buClrTx/>
+                        <a:buSzTx/>
+                        <a:buFont typeface="Arial" panose="020B0604020202020204" pitchFamily="34" charset="0"/>
+                        <a:buChar char="•"/>
+                        <a:tabLst/>
+                        <a:defRPr/>
+                      </a:pPr>
+                      <a:r>
+                        <a:rPr lang="ko-KR" altLang="en-US" sz="800" b="0" dirty="0">
+                          <a:solidFill>
+                            <a:schemeClr val="tx1"/>
+                          </a:solidFill>
+                          <a:latin typeface="+mn-ea"/>
+                          <a:ea typeface="+mn-ea"/>
+                          <a:sym typeface="맑은 고딕"/>
+                        </a:rPr>
+                        <a:t>가입시 등록된 이름과 이메일</a:t>
+                      </a:r>
+                      <a:r>
+                        <a:rPr lang="en-US" altLang="ko-KR" sz="800" b="0" dirty="0">
+                          <a:solidFill>
+                            <a:schemeClr val="tx1"/>
+                          </a:solidFill>
+                          <a:latin typeface="+mn-ea"/>
+                          <a:ea typeface="+mn-ea"/>
+                          <a:sym typeface="맑은 고딕"/>
+                        </a:rPr>
+                        <a:t>, </a:t>
+                      </a:r>
+                      <a:r>
+                        <a:rPr lang="ko-KR" altLang="en-US" sz="800" b="0" dirty="0">
+                          <a:solidFill>
+                            <a:schemeClr val="tx1"/>
+                          </a:solidFill>
+                          <a:latin typeface="+mn-ea"/>
+                          <a:ea typeface="+mn-ea"/>
+                          <a:sym typeface="맑은 고딕"/>
+                        </a:rPr>
+                        <a:t>휴대폰 번호 인증 후 임시 비밀번호가 등록된 이메일 주소로 발송됩니다</a:t>
+                      </a:r>
+                      <a:r>
+                        <a:rPr lang="en-US" altLang="ko-KR" sz="800" b="0" dirty="0">
+                          <a:solidFill>
+                            <a:schemeClr val="tx1"/>
+                          </a:solidFill>
+                          <a:latin typeface="+mn-ea"/>
+                          <a:ea typeface="+mn-ea"/>
+                          <a:sym typeface="맑은 고딕"/>
+                        </a:rPr>
+                        <a:t>. (</a:t>
+                      </a:r>
+                      <a:r>
+                        <a:rPr lang="ko-KR" altLang="en-US" sz="800" b="0" dirty="0">
+                          <a:solidFill>
+                            <a:schemeClr val="tx1"/>
+                          </a:solidFill>
+                          <a:latin typeface="+mn-ea"/>
+                          <a:ea typeface="+mn-ea"/>
+                          <a:sym typeface="맑은 고딕"/>
+                        </a:rPr>
+                        <a:t>구현 예정</a:t>
+                      </a:r>
+                      <a:r>
+                        <a:rPr lang="en-US" altLang="ko-KR" sz="800" b="0" dirty="0">
+                          <a:solidFill>
+                            <a:schemeClr val="tx1"/>
+                          </a:solidFill>
+                          <a:latin typeface="+mn-ea"/>
+                          <a:ea typeface="+mn-ea"/>
+                          <a:sym typeface="맑은 고딕"/>
+                        </a:rPr>
+                        <a:t>)</a:t>
+                      </a:r>
+                    </a:p>
+                  </a:txBody>
+                  <a:tcPr anchor="ctr">
+                    <a:lnL w="3175" cap="flat" cmpd="sng" algn="ctr">
+                      <a:noFill/>
+                      <a:prstDash val="solid"/>
+                      <a:round/>
+                      <a:headEnd type="none" w="med" len="med"/>
+                      <a:tailEnd type="none" w="med" len="med"/>
+                    </a:lnL>
+                    <a:lnR w="3175" cap="flat" cmpd="sng" algn="ctr">
+                      <a:noFill/>
+                      <a:prstDash val="solid"/>
+                      <a:round/>
+                      <a:headEnd type="none" w="med" len="med"/>
+                      <a:tailEnd type="none" w="med" len="med"/>
+                    </a:lnR>
+                    <a:lnT w="3175" cap="flat" cmpd="sng" algn="ctr">
+                      <a:solidFill>
+                        <a:schemeClr val="bg1">
+                          <a:lumMod val="65000"/>
+                        </a:schemeClr>
+                      </a:solidFill>
+                      <a:prstDash val="solid"/>
+                      <a:round/>
+                      <a:headEnd type="none" w="med" len="med"/>
+                      <a:tailEnd type="none" w="med" len="med"/>
+                    </a:lnT>
+                    <a:lnB w="3175" cap="flat" cmpd="sng" algn="ctr">
+                      <a:solidFill>
+                        <a:schemeClr val="tx1">
+                          <a:lumMod val="50000"/>
+                          <a:lumOff val="50000"/>
+                        </a:schemeClr>
+                      </a:solidFill>
+                      <a:prstDash val="solid"/>
+                      <a:round/>
+                      <a:headEnd type="none" w="med" len="med"/>
+                      <a:tailEnd type="none" w="med" len="med"/>
+                    </a:lnB>
+                    <a:noFill/>
+                  </a:tcPr>
+                </a:tc>
+                <a:tc hMerge="1">
+                  <a:txBody>
+                    <a:bodyPr/>
+                    <a:lstStyle/>
+                    <a:p>
+                      <a:pPr latinLnBrk="1"/>
+                      <a:endParaRPr lang="ko-KR" altLang="en-US"/>
+                    </a:p>
+                  </a:txBody>
+                  <a:tcPr/>
+                </a:tc>
+                <a:extLst>
+                  <a:ext uri="{0D108BD9-81ED-4DB2-BD59-A6C34878D82A}">
+                    <a16:rowId xmlns:a16="http://schemas.microsoft.com/office/drawing/2014/main" val="3026413146"/>
+                  </a:ext>
+                </a:extLst>
+              </a:tr>
+              <a:tr h="241592">
+                <a:tc>
+                  <a:txBody>
+                    <a:bodyPr/>
+                    <a:lstStyle/>
+                    <a:p>
+                      <a:pPr algn="ctr" latinLnBrk="1">
+                        <a:lnSpc>
+                          <a:spcPct val="120000"/>
+                        </a:lnSpc>
+                      </a:pPr>
+                      <a:r>
+                        <a:rPr lang="en-US" altLang="ko-KR" sz="850" b="0" dirty="0">
+                          <a:solidFill>
+                            <a:schemeClr val="tx1"/>
+                          </a:solidFill>
+                          <a:latin typeface="+mn-ea"/>
+                          <a:ea typeface="+mn-ea"/>
+                        </a:rPr>
+                        <a:t>1</a:t>
+                      </a:r>
+                      <a:endParaRPr lang="ko-KR" altLang="en-US" sz="850" b="0" dirty="0">
+                        <a:solidFill>
+                          <a:schemeClr val="tx1"/>
+                        </a:solidFill>
+                        <a:latin typeface="+mn-ea"/>
+                        <a:ea typeface="+mn-ea"/>
+                      </a:endParaRPr>
+                    </a:p>
+                  </a:txBody>
+                  <a:tcPr anchor="ctr">
+                    <a:lnL w="3175" cap="flat" cmpd="sng" algn="ctr">
+                      <a:noFill/>
+                      <a:prstDash val="solid"/>
+                      <a:round/>
+                      <a:headEnd type="none" w="med" len="med"/>
+                      <a:tailEnd type="none" w="med" len="med"/>
+                    </a:lnL>
+                    <a:lnR w="3175" cap="flat" cmpd="sng" algn="ctr">
+                      <a:solidFill>
+                        <a:schemeClr val="tx1">
+                          <a:lumMod val="50000"/>
+                          <a:lumOff val="50000"/>
+                        </a:schemeClr>
+                      </a:solidFill>
+                      <a:prstDash val="solid"/>
+                      <a:round/>
+                      <a:headEnd type="none" w="med" len="med"/>
+                      <a:tailEnd type="none" w="med" len="med"/>
+                    </a:lnR>
+                    <a:lnT w="3175" cap="flat" cmpd="sng" algn="ctr">
+                      <a:solidFill>
+                        <a:schemeClr val="tx1">
+                          <a:lumMod val="50000"/>
+                          <a:lumOff val="50000"/>
+                        </a:schemeClr>
+                      </a:solidFill>
+                      <a:prstDash val="solid"/>
+                      <a:round/>
+                      <a:headEnd type="none" w="med" len="med"/>
+                      <a:tailEnd type="none" w="med" len="med"/>
+                    </a:lnT>
+                    <a:lnB w="3175" cap="flat" cmpd="sng" algn="ctr">
+                      <a:solidFill>
+                        <a:schemeClr val="tx1">
+                          <a:lumMod val="50000"/>
+                          <a:lumOff val="50000"/>
+                        </a:schemeClr>
+                      </a:solidFill>
+                      <a:prstDash val="solid"/>
+                      <a:round/>
+                      <a:headEnd type="none" w="med" len="med"/>
+                      <a:tailEnd type="none" w="med" len="med"/>
+                    </a:lnB>
+                    <a:noFill/>
+                  </a:tcPr>
+                </a:tc>
+                <a:tc>
+                  <a:txBody>
+                    <a:bodyPr/>
+                    <a:lstStyle/>
+                    <a:p>
+                      <a:pPr algn="just" latinLnBrk="1">
+                        <a:lnSpc>
+                          <a:spcPct val="120000"/>
+                        </a:lnSpc>
+                      </a:pPr>
+                      <a:r>
+                        <a:rPr lang="en-US" altLang="ko-KR" sz="850" b="0" dirty="0">
+                          <a:latin typeface="+mn-ea"/>
+                          <a:ea typeface="+mn-ea"/>
+                        </a:rPr>
+                        <a:t>Login </a:t>
+                      </a:r>
+                      <a:r>
+                        <a:rPr lang="ko-KR" altLang="en-US" sz="850" b="0" dirty="0">
+                          <a:latin typeface="+mn-ea"/>
+                          <a:ea typeface="+mn-ea"/>
+                        </a:rPr>
+                        <a:t>버튼을 클릭하면 로그인 화면으로 이동합니다</a:t>
+                      </a:r>
+                      <a:r>
+                        <a:rPr lang="en-US" altLang="ko-KR" sz="850" b="0" dirty="0">
+                          <a:latin typeface="+mn-ea"/>
+                          <a:ea typeface="+mn-ea"/>
+                        </a:rPr>
+                        <a:t>.</a:t>
+                      </a:r>
+                    </a:p>
+                    <a:p>
+                      <a:pPr algn="just" latinLnBrk="1">
+                        <a:lnSpc>
+                          <a:spcPct val="120000"/>
+                        </a:lnSpc>
+                      </a:pPr>
+                      <a:r>
+                        <a:rPr lang="en-US" altLang="ko-KR" sz="850" b="0" dirty="0">
+                          <a:latin typeface="+mn-ea"/>
+                          <a:ea typeface="+mn-ea"/>
+                        </a:rPr>
+                        <a:t>(7</a:t>
+                      </a:r>
+                      <a:r>
+                        <a:rPr lang="ko-KR" altLang="en-US" sz="850" b="0" dirty="0">
+                          <a:latin typeface="+mn-ea"/>
+                          <a:ea typeface="+mn-ea"/>
+                        </a:rPr>
+                        <a:t>페이지 참조</a:t>
+                      </a:r>
+                      <a:r>
+                        <a:rPr lang="en-US" altLang="ko-KR" sz="850" b="0" dirty="0">
+                          <a:latin typeface="+mn-ea"/>
+                          <a:ea typeface="+mn-ea"/>
+                        </a:rPr>
+                        <a:t>)</a:t>
+                      </a:r>
+                      <a:endParaRPr lang="ko-KR" altLang="en-US" sz="850" b="0" dirty="0">
+                        <a:latin typeface="+mn-ea"/>
+                        <a:ea typeface="+mn-ea"/>
+                      </a:endParaRPr>
+                    </a:p>
+                  </a:txBody>
+                  <a:tcPr anchor="ctr">
+                    <a:lnL w="3175" cap="flat" cmpd="sng" algn="ctr">
+                      <a:solidFill>
+                        <a:schemeClr val="tx1">
+                          <a:lumMod val="50000"/>
+                          <a:lumOff val="50000"/>
+                        </a:schemeClr>
+                      </a:solidFill>
+                      <a:prstDash val="solid"/>
+                      <a:round/>
+                      <a:headEnd type="none" w="med" len="med"/>
+                      <a:tailEnd type="none" w="med" len="med"/>
+                    </a:lnL>
+                    <a:lnR w="3175" cap="flat" cmpd="sng" algn="ctr">
+                      <a:noFill/>
+                      <a:prstDash val="solid"/>
+                      <a:round/>
+                      <a:headEnd type="none" w="med" len="med"/>
+                      <a:tailEnd type="none" w="med" len="med"/>
+                    </a:lnR>
+                    <a:lnT w="3175" cap="flat" cmpd="sng" algn="ctr">
+                      <a:solidFill>
+                        <a:schemeClr val="tx1">
+                          <a:lumMod val="50000"/>
+                          <a:lumOff val="50000"/>
+                        </a:schemeClr>
+                      </a:solidFill>
+                      <a:prstDash val="solid"/>
+                      <a:round/>
+                      <a:headEnd type="none" w="med" len="med"/>
+                      <a:tailEnd type="none" w="med" len="med"/>
+                    </a:lnT>
+                    <a:lnB w="3175" cap="flat" cmpd="sng" algn="ctr">
+                      <a:solidFill>
+                        <a:schemeClr val="tx1">
+                          <a:lumMod val="50000"/>
+                          <a:lumOff val="50000"/>
+                        </a:schemeClr>
+                      </a:solidFill>
+                      <a:prstDash val="solid"/>
+                      <a:round/>
+                      <a:headEnd type="none" w="med" len="med"/>
+                      <a:tailEnd type="none" w="med" len="med"/>
+                    </a:lnB>
+                    <a:noFill/>
+                  </a:tcPr>
+                </a:tc>
+                <a:extLst>
+                  <a:ext uri="{0D108BD9-81ED-4DB2-BD59-A6C34878D82A}">
+                    <a16:rowId xmlns:a16="http://schemas.microsoft.com/office/drawing/2014/main" val="787081411"/>
+                  </a:ext>
+                </a:extLst>
+              </a:tr>
+              <a:tr h="241592">
+                <a:tc>
+                  <a:txBody>
+                    <a:bodyPr/>
+                    <a:lstStyle/>
+                    <a:p>
+                      <a:pPr algn="ctr" latinLnBrk="1">
+                        <a:lnSpc>
+                          <a:spcPct val="120000"/>
+                        </a:lnSpc>
+                      </a:pPr>
+                      <a:r>
+                        <a:rPr lang="en-US" altLang="ko-KR" sz="850" b="0" dirty="0">
+                          <a:latin typeface="+mn-ea"/>
+                          <a:ea typeface="+mn-ea"/>
+                        </a:rPr>
+                        <a:t>2</a:t>
+                      </a:r>
+                      <a:endParaRPr lang="ko-KR" altLang="en-US" sz="850" b="0" dirty="0">
+                        <a:latin typeface="+mn-ea"/>
+                        <a:ea typeface="+mn-ea"/>
+                      </a:endParaRPr>
+                    </a:p>
+                  </a:txBody>
+                  <a:tcPr anchor="ctr">
+                    <a:lnL w="3175" cap="flat" cmpd="sng" algn="ctr">
+                      <a:noFill/>
+                      <a:prstDash val="solid"/>
+                      <a:round/>
+                      <a:headEnd type="none" w="med" len="med"/>
+                      <a:tailEnd type="none" w="med" len="med"/>
+                    </a:lnL>
+                    <a:lnR w="3175" cap="flat" cmpd="sng" algn="ctr">
+                      <a:solidFill>
+                        <a:schemeClr val="tx1">
+                          <a:lumMod val="50000"/>
+                          <a:lumOff val="50000"/>
+                        </a:schemeClr>
+                      </a:solidFill>
+                      <a:prstDash val="solid"/>
+                      <a:round/>
+                      <a:headEnd type="none" w="med" len="med"/>
+                      <a:tailEnd type="none" w="med" len="med"/>
+                    </a:lnR>
+                    <a:lnT w="3175" cap="flat" cmpd="sng" algn="ctr">
+                      <a:solidFill>
+                        <a:schemeClr val="tx1">
+                          <a:lumMod val="50000"/>
+                          <a:lumOff val="50000"/>
+                        </a:schemeClr>
+                      </a:solidFill>
+                      <a:prstDash val="solid"/>
+                      <a:round/>
+                      <a:headEnd type="none" w="med" len="med"/>
+                      <a:tailEnd type="none" w="med" len="med"/>
+                    </a:lnT>
+                    <a:lnB w="3175" cap="flat" cmpd="sng" algn="ctr">
+                      <a:solidFill>
+                        <a:schemeClr val="tx1">
+                          <a:lumMod val="50000"/>
+                          <a:lumOff val="50000"/>
+                        </a:schemeClr>
+                      </a:solidFill>
+                      <a:prstDash val="solid"/>
+                      <a:round/>
+                      <a:headEnd type="none" w="med" len="med"/>
+                      <a:tailEnd type="none" w="med" len="med"/>
+                    </a:lnB>
+                    <a:noFill/>
+                  </a:tcPr>
+                </a:tc>
+                <a:tc>
+                  <a:txBody>
+                    <a:bodyPr/>
+                    <a:lstStyle/>
+                    <a:p>
+                      <a:pPr marL="0" marR="0" lvl="0" indent="0" algn="just" defTabSz="914400" rtl="0" eaLnBrk="1" fontAlgn="auto" latinLnBrk="1" hangingPunct="1">
+                        <a:lnSpc>
+                          <a:spcPct val="120000"/>
+                        </a:lnSpc>
+                        <a:spcBef>
+                          <a:spcPts val="0"/>
+                        </a:spcBef>
+                        <a:spcAft>
+                          <a:spcPts val="0"/>
+                        </a:spcAft>
+                        <a:buClrTx/>
+                        <a:buSzTx/>
+                        <a:buFontTx/>
+                        <a:buNone/>
+                        <a:tabLst/>
+                        <a:defRPr/>
+                      </a:pPr>
+                      <a:r>
+                        <a:rPr kumimoji="1" lang="ko-KR" altLang="en-US" sz="850" dirty="0">
+                          <a:solidFill>
+                            <a:schemeClr val="tx1"/>
+                          </a:solidFill>
+                          <a:latin typeface="+mn-ea"/>
+                        </a:rPr>
+                        <a:t>회원이 아닌 경우 회원가입 페이지로 이동합니다</a:t>
+                      </a:r>
+                      <a:r>
+                        <a:rPr kumimoji="1" lang="en-US" altLang="ko-KR" sz="850" dirty="0">
+                          <a:solidFill>
+                            <a:schemeClr val="tx1"/>
+                          </a:solidFill>
+                          <a:latin typeface="+mn-ea"/>
+                        </a:rPr>
+                        <a:t>. </a:t>
+                      </a:r>
+                    </a:p>
+                    <a:p>
+                      <a:pPr marL="0" marR="0" lvl="0" indent="0" algn="just" defTabSz="914400" rtl="0" eaLnBrk="1" fontAlgn="auto" latinLnBrk="1" hangingPunct="1">
+                        <a:lnSpc>
+                          <a:spcPct val="120000"/>
+                        </a:lnSpc>
+                        <a:spcBef>
+                          <a:spcPts val="0"/>
+                        </a:spcBef>
+                        <a:spcAft>
+                          <a:spcPts val="0"/>
+                        </a:spcAft>
+                        <a:buClrTx/>
+                        <a:buSzTx/>
+                        <a:buFontTx/>
+                        <a:buNone/>
+                        <a:tabLst/>
+                        <a:defRPr/>
+                      </a:pPr>
+                      <a:r>
+                        <a:rPr kumimoji="1" lang="en-US" altLang="ko-KR" sz="850" dirty="0">
+                          <a:solidFill>
+                            <a:schemeClr val="tx1"/>
+                          </a:solidFill>
+                          <a:latin typeface="+mn-ea"/>
+                        </a:rPr>
+                        <a:t>(8~10</a:t>
+                      </a:r>
+                      <a:r>
+                        <a:rPr kumimoji="1" lang="ko-KR" altLang="en-US" sz="850" dirty="0">
+                          <a:solidFill>
+                            <a:schemeClr val="tx1"/>
+                          </a:solidFill>
+                          <a:latin typeface="+mn-ea"/>
+                        </a:rPr>
+                        <a:t>페이지 참조</a:t>
+                      </a:r>
+                      <a:r>
+                        <a:rPr kumimoji="1" lang="en-US" altLang="ko-KR" sz="850" dirty="0">
+                          <a:solidFill>
+                            <a:schemeClr val="tx1"/>
+                          </a:solidFill>
+                          <a:latin typeface="+mn-ea"/>
+                        </a:rPr>
+                        <a:t>)</a:t>
+                      </a:r>
+                    </a:p>
+                  </a:txBody>
+                  <a:tcPr anchor="ctr">
+                    <a:lnL w="3175" cap="flat" cmpd="sng" algn="ctr">
+                      <a:solidFill>
+                        <a:schemeClr val="tx1">
+                          <a:lumMod val="50000"/>
+                          <a:lumOff val="50000"/>
+                        </a:schemeClr>
+                      </a:solidFill>
+                      <a:prstDash val="solid"/>
+                      <a:round/>
+                      <a:headEnd type="none" w="med" len="med"/>
+                      <a:tailEnd type="none" w="med" len="med"/>
+                    </a:lnL>
+                    <a:lnR w="3175" cap="flat" cmpd="sng" algn="ctr">
+                      <a:noFill/>
+                      <a:prstDash val="solid"/>
+                      <a:round/>
+                      <a:headEnd type="none" w="med" len="med"/>
+                      <a:tailEnd type="none" w="med" len="med"/>
+                    </a:lnR>
+                    <a:lnT w="3175" cap="flat" cmpd="sng" algn="ctr">
+                      <a:solidFill>
+                        <a:schemeClr val="tx1">
+                          <a:lumMod val="50000"/>
+                          <a:lumOff val="50000"/>
+                        </a:schemeClr>
+                      </a:solidFill>
+                      <a:prstDash val="solid"/>
+                      <a:round/>
+                      <a:headEnd type="none" w="med" len="med"/>
+                      <a:tailEnd type="none" w="med" len="med"/>
+                    </a:lnT>
+                    <a:lnB w="3175" cap="flat" cmpd="sng" algn="ctr">
+                      <a:solidFill>
+                        <a:schemeClr val="tx1">
+                          <a:lumMod val="50000"/>
+                          <a:lumOff val="50000"/>
+                        </a:schemeClr>
+                      </a:solidFill>
+                      <a:prstDash val="solid"/>
+                      <a:round/>
+                      <a:headEnd type="none" w="med" len="med"/>
+                      <a:tailEnd type="none" w="med" len="med"/>
+                    </a:lnB>
+                    <a:noFill/>
+                  </a:tcPr>
+                </a:tc>
+                <a:extLst>
+                  <a:ext uri="{0D108BD9-81ED-4DB2-BD59-A6C34878D82A}">
+                    <a16:rowId xmlns:a16="http://schemas.microsoft.com/office/drawing/2014/main" val="655206683"/>
+                  </a:ext>
+                </a:extLst>
+              </a:tr>
+            </a:tbl>
+          </a:graphicData>
+        </a:graphic>
+      </p:graphicFrame>
+      <p:pic>
+        <p:nvPicPr>
+          <p:cNvPr id="8" name="그림 7">
+            <a:extLst>
+              <a:ext uri="{FF2B5EF4-FFF2-40B4-BE49-F238E27FC236}">
+                <a16:creationId xmlns:a16="http://schemas.microsoft.com/office/drawing/2014/main" id="{C54F3EDD-3A1F-4184-AAD6-9FAE3887894C}"/>
+              </a:ext>
+            </a:extLst>
+          </p:cNvPr>
+          <p:cNvPicPr>
+            <a:picLocks noChangeAspect="1"/>
+          </p:cNvPicPr>
+          <p:nvPr/>
+        </p:nvPicPr>
+        <p:blipFill>
+          <a:blip r:embed="rId3" cstate="print">
+            <a:extLst>
+              <a:ext uri="{28A0092B-C50C-407E-A947-70E740481C1C}">
+                <a14:useLocalDpi xmlns:a14="http://schemas.microsoft.com/office/drawing/2010/main" val="0"/>
+              </a:ext>
+            </a:extLst>
+          </a:blip>
+          <a:stretch>
+            <a:fillRect/>
+          </a:stretch>
+        </p:blipFill>
+        <p:spPr>
+          <a:xfrm>
+            <a:off x="2279576" y="3429000"/>
+            <a:ext cx="220536" cy="222691"/>
+          </a:xfrm>
+          <a:prstGeom prst="rect">
+            <a:avLst/>
+          </a:prstGeom>
+        </p:spPr>
+      </p:pic>
+      <p:pic>
+        <p:nvPicPr>
+          <p:cNvPr id="9" name="그림 8">
+            <a:extLst>
+              <a:ext uri="{FF2B5EF4-FFF2-40B4-BE49-F238E27FC236}">
+                <a16:creationId xmlns:a16="http://schemas.microsoft.com/office/drawing/2014/main" id="{53B336EE-91EE-447C-832B-1073168B8A9D}"/>
+              </a:ext>
+            </a:extLst>
+          </p:cNvPr>
+          <p:cNvPicPr>
+            <a:picLocks noChangeAspect="1"/>
+          </p:cNvPicPr>
+          <p:nvPr/>
+        </p:nvPicPr>
+        <p:blipFill>
+          <a:blip r:embed="rId4" cstate="print">
+            <a:extLst>
+              <a:ext uri="{28A0092B-C50C-407E-A947-70E740481C1C}">
+                <a14:useLocalDpi xmlns:a14="http://schemas.microsoft.com/office/drawing/2010/main" val="0"/>
+              </a:ext>
+            </a:extLst>
+          </a:blip>
+          <a:stretch>
+            <a:fillRect/>
+          </a:stretch>
+        </p:blipFill>
+        <p:spPr>
+          <a:xfrm>
+            <a:off x="3431704" y="3429000"/>
+            <a:ext cx="223200" cy="223200"/>
+          </a:xfrm>
+          <a:prstGeom prst="rect">
+            <a:avLst/>
+          </a:prstGeom>
+        </p:spPr>
+      </p:pic>
+    </p:spTree>
+    <p:extLst>
+      <p:ext uri="{BB962C8B-B14F-4D97-AF65-F5344CB8AC3E}">
+        <p14:creationId xmlns:p14="http://schemas.microsoft.com/office/powerpoint/2010/main" val="3733948305"/>
       </p:ext>
     </p:extLst>
   </p:cSld>
@@ -36784,6 +38182,356 @@
       </p:grpSpPr>
       <p:sp>
         <p:nvSpPr>
+          <p:cNvPr id="2" name="제목 1">
+            <a:extLst>
+              <a:ext uri="{FF2B5EF4-FFF2-40B4-BE49-F238E27FC236}">
+                <a16:creationId xmlns:a16="http://schemas.microsoft.com/office/drawing/2014/main" id="{719F2D03-4DCC-42DA-95ED-B3FF360D7F63}"/>
+              </a:ext>
+            </a:extLst>
+          </p:cNvPr>
+          <p:cNvSpPr>
+            <a:spLocks noGrp="1"/>
+          </p:cNvSpPr>
+          <p:nvPr>
+            <p:ph type="title"/>
+          </p:nvPr>
+        </p:nvSpPr>
+        <p:spPr/>
+        <p:txBody>
+          <a:bodyPr/>
+          <a:lstStyle/>
+          <a:p>
+            <a:r>
+              <a:rPr lang="en-US" altLang="ko-KR" dirty="0"/>
+              <a:t>ERD</a:t>
+            </a:r>
+            <a:endParaRPr lang="ko-KR" altLang="en-US" dirty="0"/>
+          </a:p>
+        </p:txBody>
+      </p:sp>
+      <p:sp>
+        <p:nvSpPr>
+          <p:cNvPr id="139" name="TextBox 138">
+            <a:extLst>
+              <a:ext uri="{FF2B5EF4-FFF2-40B4-BE49-F238E27FC236}">
+                <a16:creationId xmlns:a16="http://schemas.microsoft.com/office/drawing/2014/main" id="{019DD9D0-C87E-43B8-8B11-2D13E82FE4B0}"/>
+              </a:ext>
+            </a:extLst>
+          </p:cNvPr>
+          <p:cNvSpPr txBox="1"/>
+          <p:nvPr/>
+        </p:nvSpPr>
+        <p:spPr>
+          <a:xfrm>
+            <a:off x="11780252" y="106980"/>
+            <a:ext cx="248786" cy="230832"/>
+          </a:xfrm>
+          <a:prstGeom prst="rect">
+            <a:avLst/>
+          </a:prstGeom>
+          <a:noFill/>
+        </p:spPr>
+        <p:txBody>
+          <a:bodyPr wrap="none" rtlCol="0">
+            <a:spAutoFit/>
+          </a:bodyPr>
+          <a:lstStyle/>
+          <a:p>
+            <a:fld id="{944918D1-1C8F-48E6-92D4-4089F97E8793}" type="slidenum">
+              <a:rPr lang="ko-KR" altLang="en-US" sz="900" smtClean="0"/>
+              <a:t>5</a:t>
+            </a:fld>
+            <a:endParaRPr lang="ko-KR" altLang="en-US" sz="900" dirty="0"/>
+          </a:p>
+        </p:txBody>
+      </p:sp>
+      <p:pic>
+        <p:nvPicPr>
+          <p:cNvPr id="4" name="그림 3">
+            <a:extLst>
+              <a:ext uri="{FF2B5EF4-FFF2-40B4-BE49-F238E27FC236}">
+                <a16:creationId xmlns:a16="http://schemas.microsoft.com/office/drawing/2014/main" id="{E51D5D21-EB27-474E-9B12-60B7E0EC1237}"/>
+              </a:ext>
+            </a:extLst>
+          </p:cNvPr>
+          <p:cNvPicPr>
+            <a:picLocks noChangeAspect="1"/>
+          </p:cNvPicPr>
+          <p:nvPr/>
+        </p:nvPicPr>
+        <p:blipFill>
+          <a:blip r:embed="rId2"/>
+          <a:stretch>
+            <a:fillRect/>
+          </a:stretch>
+        </p:blipFill>
+        <p:spPr>
+          <a:xfrm>
+            <a:off x="4511824" y="2385867"/>
+            <a:ext cx="2667372" cy="2086266"/>
+          </a:xfrm>
+          <a:prstGeom prst="rect">
+            <a:avLst/>
+          </a:prstGeom>
+        </p:spPr>
+      </p:pic>
+    </p:spTree>
+    <p:extLst>
+      <p:ext uri="{BB962C8B-B14F-4D97-AF65-F5344CB8AC3E}">
+        <p14:creationId xmlns:p14="http://schemas.microsoft.com/office/powerpoint/2010/main" val="3920462503"/>
+      </p:ext>
+    </p:extLst>
+  </p:cSld>
+  <p:clrMapOvr>
+    <a:masterClrMapping/>
+  </p:clrMapOvr>
+</p:sld>
+</file>
+
+<file path=ppt/slides/slide6.xml><?xml version="1.0" encoding="utf-8"?>
+<p:sld xmlns:a="http://schemas.openxmlformats.org/drawingml/2006/main" xmlns:r="http://schemas.openxmlformats.org/officeDocument/2006/relationships" xmlns:p="http://schemas.openxmlformats.org/presentationml/2006/main">
+  <p:cSld>
+    <p:spTree>
+      <p:nvGrpSpPr>
+        <p:cNvPr id="1" name=""/>
+        <p:cNvGrpSpPr/>
+        <p:nvPr/>
+      </p:nvGrpSpPr>
+      <p:grpSpPr>
+        <a:xfrm>
+          <a:off x="0" y="0"/>
+          <a:ext cx="0" cy="0"/>
+          <a:chOff x="0" y="0"/>
+          <a:chExt cx="0" cy="0"/>
+        </a:xfrm>
+      </p:grpSpPr>
+      <p:sp>
+        <p:nvSpPr>
+          <p:cNvPr id="2" name="제목 1">
+            <a:extLst>
+              <a:ext uri="{FF2B5EF4-FFF2-40B4-BE49-F238E27FC236}">
+                <a16:creationId xmlns:a16="http://schemas.microsoft.com/office/drawing/2014/main" id="{7959323A-BA29-4853-97C4-82E74244E3A8}"/>
+              </a:ext>
+            </a:extLst>
+          </p:cNvPr>
+          <p:cNvSpPr>
+            <a:spLocks noGrp="1"/>
+          </p:cNvSpPr>
+          <p:nvPr>
+            <p:ph type="title"/>
+          </p:nvPr>
+        </p:nvSpPr>
+        <p:spPr/>
+        <p:txBody>
+          <a:bodyPr/>
+          <a:lstStyle/>
+          <a:p>
+            <a:r>
+              <a:rPr lang="en-US" altLang="ko-KR" dirty="0"/>
+              <a:t>Logic process</a:t>
+            </a:r>
+            <a:endParaRPr lang="ko-KR" altLang="en-US" dirty="0"/>
+          </a:p>
+        </p:txBody>
+      </p:sp>
+      <p:pic>
+        <p:nvPicPr>
+          <p:cNvPr id="67" name="그림 66">
+            <a:extLst>
+              <a:ext uri="{FF2B5EF4-FFF2-40B4-BE49-F238E27FC236}">
+                <a16:creationId xmlns:a16="http://schemas.microsoft.com/office/drawing/2014/main" id="{0A16204B-237E-4780-B8E0-903D088DC1DB}"/>
+              </a:ext>
+            </a:extLst>
+          </p:cNvPr>
+          <p:cNvPicPr>
+            <a:picLocks noChangeAspect="1"/>
+          </p:cNvPicPr>
+          <p:nvPr/>
+        </p:nvPicPr>
+        <p:blipFill>
+          <a:blip r:embed="rId2">
+            <a:extLst>
+              <a:ext uri="{28A0092B-C50C-407E-A947-70E740481C1C}">
+                <a14:useLocalDpi xmlns:a14="http://schemas.microsoft.com/office/drawing/2010/main" val="0"/>
+              </a:ext>
+            </a:extLst>
+          </a:blip>
+          <a:stretch>
+            <a:fillRect/>
+          </a:stretch>
+        </p:blipFill>
+        <p:spPr>
+          <a:xfrm>
+            <a:off x="1055440" y="836712"/>
+            <a:ext cx="6667500" cy="3857625"/>
+          </a:xfrm>
+          <a:prstGeom prst="rect">
+            <a:avLst/>
+          </a:prstGeom>
+        </p:spPr>
+      </p:pic>
+    </p:spTree>
+    <p:extLst>
+      <p:ext uri="{BB962C8B-B14F-4D97-AF65-F5344CB8AC3E}">
+        <p14:creationId xmlns:p14="http://schemas.microsoft.com/office/powerpoint/2010/main" val="1001684205"/>
+      </p:ext>
+    </p:extLst>
+  </p:cSld>
+  <p:clrMapOvr>
+    <a:masterClrMapping/>
+  </p:clrMapOvr>
+</p:sld>
+</file>
+
+<file path=ppt/slides/slide7.xml><?xml version="1.0" encoding="utf-8"?>
+<p:sld xmlns:a="http://schemas.openxmlformats.org/drawingml/2006/main" xmlns:r="http://schemas.openxmlformats.org/officeDocument/2006/relationships" xmlns:p="http://schemas.openxmlformats.org/presentationml/2006/main">
+  <p:cSld>
+    <p:spTree>
+      <p:nvGrpSpPr>
+        <p:cNvPr id="1" name=""/>
+        <p:cNvGrpSpPr/>
+        <p:nvPr/>
+      </p:nvGrpSpPr>
+      <p:grpSpPr>
+        <a:xfrm>
+          <a:off x="0" y="0"/>
+          <a:ext cx="0" cy="0"/>
+          <a:chOff x="0" y="0"/>
+          <a:chExt cx="0" cy="0"/>
+        </a:xfrm>
+      </p:grpSpPr>
+      <p:sp>
+        <p:nvSpPr>
+          <p:cNvPr id="2" name="제목 1">
+            <a:extLst>
+              <a:ext uri="{FF2B5EF4-FFF2-40B4-BE49-F238E27FC236}">
+                <a16:creationId xmlns:a16="http://schemas.microsoft.com/office/drawing/2014/main" id="{719F2D03-4DCC-42DA-95ED-B3FF360D7F63}"/>
+              </a:ext>
+            </a:extLst>
+          </p:cNvPr>
+          <p:cNvSpPr>
+            <a:spLocks noGrp="1"/>
+          </p:cNvSpPr>
+          <p:nvPr>
+            <p:ph type="title"/>
+          </p:nvPr>
+        </p:nvSpPr>
+        <p:spPr/>
+        <p:txBody>
+          <a:bodyPr/>
+          <a:lstStyle/>
+          <a:p>
+            <a:r>
+              <a:rPr lang="en-US" altLang="ko-KR" dirty="0"/>
+              <a:t>User flow</a:t>
+            </a:r>
+            <a:endParaRPr lang="ko-KR" altLang="en-US" dirty="0"/>
+          </a:p>
+        </p:txBody>
+      </p:sp>
+      <p:sp>
+        <p:nvSpPr>
+          <p:cNvPr id="139" name="TextBox 138">
+            <a:extLst>
+              <a:ext uri="{FF2B5EF4-FFF2-40B4-BE49-F238E27FC236}">
+                <a16:creationId xmlns:a16="http://schemas.microsoft.com/office/drawing/2014/main" id="{019DD9D0-C87E-43B8-8B11-2D13E82FE4B0}"/>
+              </a:ext>
+            </a:extLst>
+          </p:cNvPr>
+          <p:cNvSpPr txBox="1"/>
+          <p:nvPr/>
+        </p:nvSpPr>
+        <p:spPr>
+          <a:xfrm>
+            <a:off x="11780252" y="106980"/>
+            <a:ext cx="248786" cy="230832"/>
+          </a:xfrm>
+          <a:prstGeom prst="rect">
+            <a:avLst/>
+          </a:prstGeom>
+          <a:noFill/>
+        </p:spPr>
+        <p:txBody>
+          <a:bodyPr wrap="none" rtlCol="0">
+            <a:spAutoFit/>
+          </a:bodyPr>
+          <a:lstStyle/>
+          <a:p>
+            <a:fld id="{944918D1-1C8F-48E6-92D4-4089F97E8793}" type="slidenum">
+              <a:rPr lang="ko-KR" altLang="en-US" sz="900" smtClean="0"/>
+              <a:t>7</a:t>
+            </a:fld>
+            <a:endParaRPr lang="ko-KR" altLang="en-US" sz="900" dirty="0"/>
+          </a:p>
+        </p:txBody>
+      </p:sp>
+      <p:pic>
+        <p:nvPicPr>
+          <p:cNvPr id="5" name="그림 4">
+            <a:extLst>
+              <a:ext uri="{FF2B5EF4-FFF2-40B4-BE49-F238E27FC236}">
+                <a16:creationId xmlns:a16="http://schemas.microsoft.com/office/drawing/2014/main" id="{E9470306-E16C-4258-BD9C-02AF76311B5E}"/>
+              </a:ext>
+            </a:extLst>
+          </p:cNvPr>
+          <p:cNvPicPr>
+            <a:picLocks noChangeAspect="1"/>
+          </p:cNvPicPr>
+          <p:nvPr/>
+        </p:nvPicPr>
+        <p:blipFill rotWithShape="1">
+          <a:blip r:embed="rId2">
+            <a:extLst>
+              <a:ext uri="{28A0092B-C50C-407E-A947-70E740481C1C}">
+                <a14:useLocalDpi xmlns:a14="http://schemas.microsoft.com/office/drawing/2010/main" val="0"/>
+              </a:ext>
+            </a:extLst>
+          </a:blip>
+          <a:srcRect t="51050"/>
+          <a:stretch/>
+        </p:blipFill>
+        <p:spPr>
+          <a:xfrm>
+            <a:off x="839416" y="1268760"/>
+            <a:ext cx="9072377" cy="4608512"/>
+          </a:xfrm>
+          <a:prstGeom prst="rect">
+            <a:avLst/>
+          </a:prstGeom>
+        </p:spPr>
+      </p:pic>
+    </p:spTree>
+    <p:extLst>
+      <p:ext uri="{BB962C8B-B14F-4D97-AF65-F5344CB8AC3E}">
+        <p14:creationId xmlns:p14="http://schemas.microsoft.com/office/powerpoint/2010/main" val="323672912"/>
+      </p:ext>
+    </p:extLst>
+  </p:cSld>
+  <p:clrMapOvr>
+    <a:masterClrMapping/>
+  </p:clrMapOvr>
+</p:sld>
+</file>
+
+<file path=ppt/slides/slide8.xml><?xml version="1.0" encoding="utf-8"?>
+<p:sld xmlns:a="http://schemas.openxmlformats.org/drawingml/2006/main" xmlns:r="http://schemas.openxmlformats.org/officeDocument/2006/relationships" xmlns:p="http://schemas.openxmlformats.org/presentationml/2006/main">
+  <p:cSld>
+    <p:spTree>
+      <p:nvGrpSpPr>
+        <p:cNvPr id="1" name=""/>
+        <p:cNvGrpSpPr/>
+        <p:nvPr/>
+      </p:nvGrpSpPr>
+      <p:grpSpPr>
+        <a:xfrm>
+          <a:off x="0" y="0"/>
+          <a:ext cx="0" cy="0"/>
+          <a:chOff x="0" y="0"/>
+          <a:chExt cx="0" cy="0"/>
+        </a:xfrm>
+      </p:grpSpPr>
+      <p:sp>
+        <p:nvSpPr>
           <p:cNvPr id="3" name="제목 2">
             <a:extLst>
               <a:ext uri="{FF2B5EF4-FFF2-40B4-BE49-F238E27FC236}">
@@ -36859,7 +38607,7 @@
 </p:sld>
 </file>
 
-<file path=ppt/slides/slide6.xml><?xml version="1.0" encoding="utf-8"?>
+<file path=ppt/slides/slide9.xml><?xml version="1.0" encoding="utf-8"?>
 <p:sld xmlns:a="http://schemas.openxmlformats.org/drawingml/2006/main" xmlns:r="http://schemas.openxmlformats.org/officeDocument/2006/relationships" xmlns:p="http://schemas.openxmlformats.org/presentationml/2006/main">
   <p:cSld>
     <p:spTree>
@@ -38328,7 +40076,7 @@
           <a:p>
             <a:fld id="{944918D1-1C8F-48E6-92D4-4089F97E8793}" type="slidenum">
               <a:rPr lang="ko-KR" altLang="en-US" sz="900" smtClean="0"/>
-              <a:t>6</a:t>
+              <a:t>9</a:t>
             </a:fld>
             <a:endParaRPr lang="ko-KR" altLang="en-US" sz="900" dirty="0"/>
           </a:p>
@@ -38584,2002 +40332,6 @@
     <p:extLst>
       <p:ext uri="{BB962C8B-B14F-4D97-AF65-F5344CB8AC3E}">
         <p14:creationId xmlns:p14="http://schemas.microsoft.com/office/powerpoint/2010/main" val="3759879480"/>
-      </p:ext>
-    </p:extLst>
-  </p:cSld>
-  <p:clrMapOvr>
-    <a:masterClrMapping/>
-  </p:clrMapOvr>
-</p:sld>
-</file>
-
-<file path=ppt/slides/slide7.xml><?xml version="1.0" encoding="utf-8"?>
-<p:sld xmlns:a="http://schemas.openxmlformats.org/drawingml/2006/main" xmlns:r="http://schemas.openxmlformats.org/officeDocument/2006/relationships" xmlns:p="http://schemas.openxmlformats.org/presentationml/2006/main">
-  <p:cSld>
-    <p:spTree>
-      <p:nvGrpSpPr>
-        <p:cNvPr id="1" name=""/>
-        <p:cNvGrpSpPr/>
-        <p:nvPr/>
-      </p:nvGrpSpPr>
-      <p:grpSpPr>
-        <a:xfrm>
-          <a:off x="0" y="0"/>
-          <a:ext cx="0" cy="0"/>
-          <a:chOff x="0" y="0"/>
-          <a:chExt cx="0" cy="0"/>
-        </a:xfrm>
-      </p:grpSpPr>
-      <p:sp>
-        <p:nvSpPr>
-          <p:cNvPr id="3" name="제목 2">
-            <a:extLst>
-              <a:ext uri="{FF2B5EF4-FFF2-40B4-BE49-F238E27FC236}">
-                <a16:creationId xmlns:a16="http://schemas.microsoft.com/office/drawing/2014/main" id="{683ED0D4-343F-4AC4-936C-4771ADDE3DEC}"/>
-              </a:ext>
-            </a:extLst>
-          </p:cNvPr>
-          <p:cNvSpPr>
-            <a:spLocks noGrp="1"/>
-          </p:cNvSpPr>
-          <p:nvPr>
-            <p:ph type="title"/>
-          </p:nvPr>
-        </p:nvSpPr>
-        <p:spPr/>
-        <p:txBody>
-          <a:bodyPr/>
-          <a:lstStyle/>
-          <a:p>
-            <a:r>
-              <a:rPr lang="ko-KR" altLang="en-US" dirty="0"/>
-              <a:t>로그인</a:t>
-            </a:r>
-          </a:p>
-        </p:txBody>
-      </p:sp>
-      <p:sp>
-        <p:nvSpPr>
-          <p:cNvPr id="4" name="텍스트 개체 틀 3">
-            <a:extLst>
-              <a:ext uri="{FF2B5EF4-FFF2-40B4-BE49-F238E27FC236}">
-                <a16:creationId xmlns:a16="http://schemas.microsoft.com/office/drawing/2014/main" id="{566248F4-75FF-4781-B7FF-A6FE901E2D68}"/>
-              </a:ext>
-            </a:extLst>
-          </p:cNvPr>
-          <p:cNvSpPr>
-            <a:spLocks noGrp="1"/>
-          </p:cNvSpPr>
-          <p:nvPr>
-            <p:ph type="body" sz="quarter" idx="10"/>
-          </p:nvPr>
-        </p:nvSpPr>
-        <p:spPr/>
-        <p:txBody>
-          <a:bodyPr/>
-          <a:lstStyle/>
-          <a:p>
-            <a:r>
-              <a:rPr lang="en-US" altLang="ko-KR" dirty="0" err="1"/>
-              <a:t>STforU</a:t>
-            </a:r>
-            <a:r>
-              <a:rPr lang="en-US" altLang="ko-KR" dirty="0"/>
-              <a:t> </a:t>
-            </a:r>
-            <a:r>
-              <a:rPr lang="ko-KR" altLang="en-US" dirty="0"/>
-              <a:t>로그인</a:t>
-            </a:r>
-          </a:p>
-        </p:txBody>
-      </p:sp>
-    </p:spTree>
-    <p:extLst>
-      <p:ext uri="{BB962C8B-B14F-4D97-AF65-F5344CB8AC3E}">
-        <p14:creationId xmlns:p14="http://schemas.microsoft.com/office/powerpoint/2010/main" val="2688302106"/>
-      </p:ext>
-    </p:extLst>
-  </p:cSld>
-  <p:clrMapOvr>
-    <a:masterClrMapping/>
-  </p:clrMapOvr>
-</p:sld>
-</file>
-
-<file path=ppt/slides/slide8.xml><?xml version="1.0" encoding="utf-8"?>
-<p:sld xmlns:a="http://schemas.openxmlformats.org/drawingml/2006/main" xmlns:r="http://schemas.openxmlformats.org/officeDocument/2006/relationships" xmlns:p="http://schemas.openxmlformats.org/presentationml/2006/main">
-  <p:cSld>
-    <p:spTree>
-      <p:nvGrpSpPr>
-        <p:cNvPr id="1" name=""/>
-        <p:cNvGrpSpPr/>
-        <p:nvPr/>
-      </p:nvGrpSpPr>
-      <p:grpSpPr>
-        <a:xfrm>
-          <a:off x="0" y="0"/>
-          <a:ext cx="0" cy="0"/>
-          <a:chOff x="0" y="0"/>
-          <a:chExt cx="0" cy="0"/>
-        </a:xfrm>
-      </p:grpSpPr>
-      <p:sp>
-        <p:nvSpPr>
-          <p:cNvPr id="4" name="텍스트 개체 틀 3">
-            <a:extLst>
-              <a:ext uri="{FF2B5EF4-FFF2-40B4-BE49-F238E27FC236}">
-                <a16:creationId xmlns:a16="http://schemas.microsoft.com/office/drawing/2014/main" id="{32E285E0-25D1-4806-B9DF-3590BD92D435}"/>
-              </a:ext>
-            </a:extLst>
-          </p:cNvPr>
-          <p:cNvSpPr>
-            <a:spLocks noGrp="1"/>
-          </p:cNvSpPr>
-          <p:nvPr>
-            <p:ph type="body" sz="quarter" idx="10"/>
-          </p:nvPr>
-        </p:nvSpPr>
-        <p:spPr/>
-        <p:txBody>
-          <a:bodyPr/>
-          <a:lstStyle/>
-          <a:p>
-            <a:r>
-              <a:rPr lang="en-US" altLang="ko-KR" dirty="0"/>
-              <a:t>Login.html</a:t>
-            </a:r>
-            <a:endParaRPr lang="ko-KR" altLang="en-US" dirty="0"/>
-          </a:p>
-        </p:txBody>
-      </p:sp>
-      <p:sp>
-        <p:nvSpPr>
-          <p:cNvPr id="5" name="텍스트 개체 틀 4">
-            <a:extLst>
-              <a:ext uri="{FF2B5EF4-FFF2-40B4-BE49-F238E27FC236}">
-                <a16:creationId xmlns:a16="http://schemas.microsoft.com/office/drawing/2014/main" id="{181CE6EC-43A5-4409-9C12-1C3782E8CB22}"/>
-              </a:ext>
-            </a:extLst>
-          </p:cNvPr>
-          <p:cNvSpPr>
-            <a:spLocks noGrp="1"/>
-          </p:cNvSpPr>
-          <p:nvPr>
-            <p:ph type="body" sz="quarter" idx="11"/>
-          </p:nvPr>
-        </p:nvSpPr>
-        <p:spPr/>
-        <p:txBody>
-          <a:bodyPr/>
-          <a:lstStyle/>
-          <a:p>
-            <a:r>
-              <a:rPr lang="ko-KR" altLang="en-US" dirty="0"/>
-              <a:t>로그인 페이지</a:t>
-            </a:r>
-          </a:p>
-        </p:txBody>
-      </p:sp>
-      <p:graphicFrame>
-        <p:nvGraphicFramePr>
-          <p:cNvPr id="7" name="표 6">
-            <a:extLst>
-              <a:ext uri="{FF2B5EF4-FFF2-40B4-BE49-F238E27FC236}">
-                <a16:creationId xmlns:a16="http://schemas.microsoft.com/office/drawing/2014/main" id="{EE672C9C-2796-4CD4-B138-FB14ECB9EFA6}"/>
-              </a:ext>
-            </a:extLst>
-          </p:cNvPr>
-          <p:cNvGraphicFramePr>
-            <a:graphicFrameLocks noGrp="1"/>
-          </p:cNvGraphicFramePr>
-          <p:nvPr>
-            <p:extLst>
-              <p:ext uri="{D42A27DB-BD31-4B8C-83A1-F6EECF244321}">
-                <p14:modId xmlns:p14="http://schemas.microsoft.com/office/powerpoint/2010/main" val="717000853"/>
-              </p:ext>
-            </p:extLst>
-          </p:nvPr>
-        </p:nvGraphicFramePr>
-        <p:xfrm>
-          <a:off x="8688288" y="476672"/>
-          <a:ext cx="3384376" cy="3086480"/>
-        </p:xfrm>
-        <a:graphic>
-          <a:graphicData uri="http://schemas.openxmlformats.org/drawingml/2006/table">
-            <a:tbl>
-              <a:tblPr firstRow="1" bandRow="1">
-                <a:tableStyleId>{5C22544A-7EE6-4342-B048-85BDC9FD1C3A}</a:tableStyleId>
-              </a:tblPr>
-              <a:tblGrid>
-                <a:gridCol w="403256">
-                  <a:extLst>
-                    <a:ext uri="{9D8B030D-6E8A-4147-A177-3AD203B41FA5}">
-                      <a16:colId xmlns:a16="http://schemas.microsoft.com/office/drawing/2014/main" val="74772085"/>
-                    </a:ext>
-                  </a:extLst>
-                </a:gridCol>
-                <a:gridCol w="2981120">
-                  <a:extLst>
-                    <a:ext uri="{9D8B030D-6E8A-4147-A177-3AD203B41FA5}">
-                      <a16:colId xmlns:a16="http://schemas.microsoft.com/office/drawing/2014/main" val="2572474025"/>
-                    </a:ext>
-                  </a:extLst>
-                </a:gridCol>
-              </a:tblGrid>
-              <a:tr h="258850">
-                <a:tc gridSpan="2">
-                  <a:txBody>
-                    <a:bodyPr/>
-                    <a:lstStyle/>
-                    <a:p>
-                      <a:pPr marL="0" marR="0" lvl="0" indent="0" algn="l" defTabSz="914400" rtl="0" eaLnBrk="1" fontAlgn="auto" latinLnBrk="1" hangingPunct="1">
-                        <a:lnSpc>
-                          <a:spcPct val="100000"/>
-                        </a:lnSpc>
-                        <a:spcBef>
-                          <a:spcPts val="0"/>
-                        </a:spcBef>
-                        <a:spcAft>
-                          <a:spcPts val="0"/>
-                        </a:spcAft>
-                        <a:buClrTx/>
-                        <a:buSzTx/>
-                        <a:buFontTx/>
-                        <a:buNone/>
-                        <a:tabLst/>
-                        <a:defRPr/>
-                      </a:pPr>
-                      <a:r>
-                        <a:rPr lang="en-US" altLang="ko-KR" sz="900" b="1" dirty="0">
-                          <a:solidFill>
-                            <a:srgbClr val="4E5263"/>
-                          </a:solidFill>
-                          <a:latin typeface="+mn-ea"/>
-                          <a:ea typeface="+mn-ea"/>
-                          <a:sym typeface="맑은 고딕"/>
-                        </a:rPr>
-                        <a:t>Summery. </a:t>
-                      </a:r>
-                      <a:r>
-                        <a:rPr lang="ko-KR" altLang="en-US" sz="900" b="1" dirty="0">
-                          <a:solidFill>
-                            <a:srgbClr val="4E5263"/>
-                          </a:solidFill>
-                          <a:latin typeface="+mn-ea"/>
-                          <a:ea typeface="+mn-ea"/>
-                          <a:sym typeface="맑은 고딕"/>
-                        </a:rPr>
-                        <a:t>로그인 페이지</a:t>
-                      </a:r>
-                      <a:endParaRPr lang="en" altLang="ko-KR" sz="900" b="1" dirty="0">
-                        <a:solidFill>
-                          <a:srgbClr val="4E5263"/>
-                        </a:solidFill>
-                        <a:latin typeface="+mn-ea"/>
-                        <a:ea typeface="+mn-ea"/>
-                        <a:sym typeface="맑은 고딕"/>
-                      </a:endParaRPr>
-                    </a:p>
-                  </a:txBody>
-                  <a:tcPr anchor="ctr">
-                    <a:lnL w="3175" cap="flat" cmpd="sng" algn="ctr">
-                      <a:noFill/>
-                      <a:prstDash val="solid"/>
-                      <a:round/>
-                      <a:headEnd type="none" w="med" len="med"/>
-                      <a:tailEnd type="none" w="med" len="med"/>
-                    </a:lnL>
-                    <a:lnR w="3175" cap="flat" cmpd="sng" algn="ctr">
-                      <a:noFill/>
-                      <a:prstDash val="solid"/>
-                      <a:round/>
-                      <a:headEnd type="none" w="med" len="med"/>
-                      <a:tailEnd type="none" w="med" len="med"/>
-                    </a:lnR>
-                    <a:lnT w="3175" cap="flat" cmpd="sng" algn="ctr">
-                      <a:noFill/>
-                      <a:prstDash val="solid"/>
-                      <a:round/>
-                      <a:headEnd type="none" w="med" len="med"/>
-                      <a:tailEnd type="none" w="med" len="med"/>
-                    </a:lnT>
-                    <a:lnB w="3175" cap="flat" cmpd="sng" algn="ctr">
-                      <a:solidFill>
-                        <a:schemeClr val="bg1">
-                          <a:lumMod val="65000"/>
-                        </a:schemeClr>
-                      </a:solidFill>
-                      <a:prstDash val="solid"/>
-                      <a:round/>
-                      <a:headEnd type="none" w="med" len="med"/>
-                      <a:tailEnd type="none" w="med" len="med"/>
-                    </a:lnB>
-                    <a:solidFill>
-                      <a:schemeClr val="bg1"/>
-                    </a:solidFill>
-                  </a:tcPr>
-                </a:tc>
-                <a:tc hMerge="1">
-                  <a:txBody>
-                    <a:bodyPr/>
-                    <a:lstStyle/>
-                    <a:p>
-                      <a:pPr marL="0" marR="0" lvl="0" indent="0" algn="l" defTabSz="914400" rtl="0" eaLnBrk="1" fontAlgn="auto" latinLnBrk="1" hangingPunct="1">
-                        <a:lnSpc>
-                          <a:spcPct val="100000"/>
-                        </a:lnSpc>
-                        <a:spcBef>
-                          <a:spcPts val="0"/>
-                        </a:spcBef>
-                        <a:spcAft>
-                          <a:spcPts val="0"/>
-                        </a:spcAft>
-                        <a:buClrTx/>
-                        <a:buSzTx/>
-                        <a:buFontTx/>
-                        <a:buNone/>
-                        <a:tabLst/>
-                        <a:defRPr/>
-                      </a:pPr>
-                      <a:endParaRPr lang="en" altLang="ko-KR" sz="900" b="1" dirty="0">
-                        <a:solidFill>
-                          <a:srgbClr val="4E5263"/>
-                        </a:solidFill>
-                        <a:latin typeface="SF Pro Text" pitchFamily="2" charset="0"/>
-                        <a:ea typeface="SF Pro Text" pitchFamily="2" charset="0"/>
-                        <a:sym typeface="맑은 고딕"/>
-                      </a:endParaRPr>
-                    </a:p>
-                  </a:txBody>
-                  <a:tcPr anchor="ctr">
-                    <a:lnL w="3175" cap="flat" cmpd="sng" algn="ctr">
-                      <a:solidFill>
-                        <a:schemeClr val="tx1">
-                          <a:lumMod val="50000"/>
-                          <a:lumOff val="50000"/>
-                        </a:schemeClr>
-                      </a:solidFill>
-                      <a:prstDash val="solid"/>
-                      <a:round/>
-                      <a:headEnd type="none" w="med" len="med"/>
-                      <a:tailEnd type="none" w="med" len="med"/>
-                    </a:lnL>
-                    <a:lnR w="3175" cap="flat" cmpd="sng" algn="ctr">
-                      <a:noFill/>
-                      <a:prstDash val="solid"/>
-                      <a:round/>
-                      <a:headEnd type="none" w="med" len="med"/>
-                      <a:tailEnd type="none" w="med" len="med"/>
-                    </a:lnR>
-                    <a:lnT w="3175" cap="flat" cmpd="sng" algn="ctr">
-                      <a:noFill/>
-                      <a:prstDash val="solid"/>
-                      <a:round/>
-                      <a:headEnd type="none" w="med" len="med"/>
-                      <a:tailEnd type="none" w="med" len="med"/>
-                    </a:lnT>
-                    <a:lnB w="3175" cap="flat" cmpd="sng" algn="ctr">
-                      <a:solidFill>
-                        <a:schemeClr val="tx1">
-                          <a:lumMod val="50000"/>
-                          <a:lumOff val="50000"/>
-                        </a:schemeClr>
-                      </a:solidFill>
-                      <a:prstDash val="solid"/>
-                      <a:round/>
-                      <a:headEnd type="none" w="med" len="med"/>
-                      <a:tailEnd type="none" w="med" len="med"/>
-                    </a:lnB>
-                    <a:noFill/>
-                  </a:tcPr>
-                </a:tc>
-                <a:extLst>
-                  <a:ext uri="{0D108BD9-81ED-4DB2-BD59-A6C34878D82A}">
-                    <a16:rowId xmlns:a16="http://schemas.microsoft.com/office/drawing/2014/main" val="1283880267"/>
-                  </a:ext>
-                </a:extLst>
-              </a:tr>
-              <a:tr h="786307">
-                <a:tc gridSpan="2">
-                  <a:txBody>
-                    <a:bodyPr/>
-                    <a:lstStyle/>
-                    <a:p>
-                      <a:pPr marL="108000" marR="0" lvl="0" indent="-108000" algn="just" defTabSz="914400" rtl="0" eaLnBrk="1" fontAlgn="auto" latinLnBrk="1" hangingPunct="1">
-                        <a:lnSpc>
-                          <a:spcPct val="120000"/>
-                        </a:lnSpc>
-                        <a:spcBef>
-                          <a:spcPts val="0"/>
-                        </a:spcBef>
-                        <a:spcAft>
-                          <a:spcPts val="0"/>
-                        </a:spcAft>
-                        <a:buClrTx/>
-                        <a:buSzTx/>
-                        <a:buFont typeface="Arial" panose="020B0604020202020204" pitchFamily="34" charset="0"/>
-                        <a:buChar char="•"/>
-                        <a:tabLst/>
-                        <a:defRPr/>
-                      </a:pPr>
-                      <a:r>
-                        <a:rPr lang="ko-KR" altLang="en-US" sz="800" b="0" dirty="0">
-                          <a:solidFill>
-                            <a:schemeClr val="tx1"/>
-                          </a:solidFill>
-                          <a:latin typeface="+mn-ea"/>
-                          <a:ea typeface="+mn-ea"/>
-                          <a:sym typeface="맑은 고딕"/>
-                        </a:rPr>
-                        <a:t>회원들은 로그인 페이지를 통해 로그인이 가능합니다</a:t>
-                      </a:r>
-                      <a:r>
-                        <a:rPr lang="en-US" altLang="ko-KR" sz="800" b="0" dirty="0">
-                          <a:solidFill>
-                            <a:schemeClr val="tx1"/>
-                          </a:solidFill>
-                          <a:latin typeface="+mn-ea"/>
-                          <a:ea typeface="+mn-ea"/>
-                          <a:sym typeface="맑은 고딕"/>
-                        </a:rPr>
-                        <a:t>.</a:t>
-                      </a:r>
-                    </a:p>
-                  </a:txBody>
-                  <a:tcPr anchor="ctr">
-                    <a:lnL w="3175" cap="flat" cmpd="sng" algn="ctr">
-                      <a:noFill/>
-                      <a:prstDash val="solid"/>
-                      <a:round/>
-                      <a:headEnd type="none" w="med" len="med"/>
-                      <a:tailEnd type="none" w="med" len="med"/>
-                    </a:lnL>
-                    <a:lnR w="3175" cap="flat" cmpd="sng" algn="ctr">
-                      <a:noFill/>
-                      <a:prstDash val="solid"/>
-                      <a:round/>
-                      <a:headEnd type="none" w="med" len="med"/>
-                      <a:tailEnd type="none" w="med" len="med"/>
-                    </a:lnR>
-                    <a:lnT w="3175" cap="flat" cmpd="sng" algn="ctr">
-                      <a:solidFill>
-                        <a:schemeClr val="bg1">
-                          <a:lumMod val="65000"/>
-                        </a:schemeClr>
-                      </a:solidFill>
-                      <a:prstDash val="solid"/>
-                      <a:round/>
-                      <a:headEnd type="none" w="med" len="med"/>
-                      <a:tailEnd type="none" w="med" len="med"/>
-                    </a:lnT>
-                    <a:lnB w="3175" cap="flat" cmpd="sng" algn="ctr">
-                      <a:solidFill>
-                        <a:schemeClr val="tx1">
-                          <a:lumMod val="50000"/>
-                          <a:lumOff val="50000"/>
-                        </a:schemeClr>
-                      </a:solidFill>
-                      <a:prstDash val="solid"/>
-                      <a:round/>
-                      <a:headEnd type="none" w="med" len="med"/>
-                      <a:tailEnd type="none" w="med" len="med"/>
-                    </a:lnB>
-                    <a:noFill/>
-                  </a:tcPr>
-                </a:tc>
-                <a:tc hMerge="1">
-                  <a:txBody>
-                    <a:bodyPr/>
-                    <a:lstStyle/>
-                    <a:p>
-                      <a:pPr latinLnBrk="1"/>
-                      <a:endParaRPr lang="ko-KR" altLang="en-US"/>
-                    </a:p>
-                  </a:txBody>
-                  <a:tcPr/>
-                </a:tc>
-                <a:extLst>
-                  <a:ext uri="{0D108BD9-81ED-4DB2-BD59-A6C34878D82A}">
-                    <a16:rowId xmlns:a16="http://schemas.microsoft.com/office/drawing/2014/main" val="3072083066"/>
-                  </a:ext>
-                </a:extLst>
-              </a:tr>
-              <a:tr h="241592">
-                <a:tc>
-                  <a:txBody>
-                    <a:bodyPr/>
-                    <a:lstStyle/>
-                    <a:p>
-                      <a:pPr algn="ctr" latinLnBrk="1">
-                        <a:lnSpc>
-                          <a:spcPct val="120000"/>
-                        </a:lnSpc>
-                      </a:pPr>
-                      <a:r>
-                        <a:rPr lang="en-US" altLang="ko-KR" sz="850" b="0" dirty="0">
-                          <a:solidFill>
-                            <a:schemeClr val="tx1"/>
-                          </a:solidFill>
-                          <a:latin typeface="+mn-ea"/>
-                          <a:ea typeface="+mn-ea"/>
-                        </a:rPr>
-                        <a:t>1</a:t>
-                      </a:r>
-                      <a:endParaRPr lang="ko-KR" altLang="en-US" sz="850" b="0" dirty="0">
-                        <a:solidFill>
-                          <a:schemeClr val="tx1"/>
-                        </a:solidFill>
-                        <a:latin typeface="+mn-ea"/>
-                        <a:ea typeface="+mn-ea"/>
-                      </a:endParaRPr>
-                    </a:p>
-                  </a:txBody>
-                  <a:tcPr anchor="ctr">
-                    <a:lnL w="3175" cap="flat" cmpd="sng" algn="ctr">
-                      <a:noFill/>
-                      <a:prstDash val="solid"/>
-                      <a:round/>
-                      <a:headEnd type="none" w="med" len="med"/>
-                      <a:tailEnd type="none" w="med" len="med"/>
-                    </a:lnL>
-                    <a:lnR w="3175" cap="flat" cmpd="sng" algn="ctr">
-                      <a:solidFill>
-                        <a:schemeClr val="tx1">
-                          <a:lumMod val="50000"/>
-                          <a:lumOff val="50000"/>
-                        </a:schemeClr>
-                      </a:solidFill>
-                      <a:prstDash val="solid"/>
-                      <a:round/>
-                      <a:headEnd type="none" w="med" len="med"/>
-                      <a:tailEnd type="none" w="med" len="med"/>
-                    </a:lnR>
-                    <a:lnT w="3175" cap="flat" cmpd="sng" algn="ctr">
-                      <a:solidFill>
-                        <a:schemeClr val="tx1">
-                          <a:lumMod val="50000"/>
-                          <a:lumOff val="50000"/>
-                        </a:schemeClr>
-                      </a:solidFill>
-                      <a:prstDash val="solid"/>
-                      <a:round/>
-                      <a:headEnd type="none" w="med" len="med"/>
-                      <a:tailEnd type="none" w="med" len="med"/>
-                    </a:lnT>
-                    <a:lnB w="3175" cap="flat" cmpd="sng" algn="ctr">
-                      <a:solidFill>
-                        <a:schemeClr val="tx1">
-                          <a:lumMod val="50000"/>
-                          <a:lumOff val="50000"/>
-                        </a:schemeClr>
-                      </a:solidFill>
-                      <a:prstDash val="solid"/>
-                      <a:round/>
-                      <a:headEnd type="none" w="med" len="med"/>
-                      <a:tailEnd type="none" w="med" len="med"/>
-                    </a:lnB>
-                    <a:noFill/>
-                  </a:tcPr>
-                </a:tc>
-                <a:tc>
-                  <a:txBody>
-                    <a:bodyPr/>
-                    <a:lstStyle/>
-                    <a:p>
-                      <a:pPr algn="just" latinLnBrk="1">
-                        <a:lnSpc>
-                          <a:spcPct val="120000"/>
-                        </a:lnSpc>
-                      </a:pPr>
-                      <a:r>
-                        <a:rPr lang="ko-KR" altLang="en-US" sz="850" b="0" dirty="0">
-                          <a:latin typeface="+mn-ea"/>
-                          <a:ea typeface="+mn-ea"/>
-                        </a:rPr>
-                        <a:t>아이디를 잃어버렸거나 비밀번호를 잃어버린 회원들이 아이디 찾기 </a:t>
-                      </a:r>
-                      <a:r>
-                        <a:rPr lang="en-US" altLang="ko-KR" sz="850" b="0" dirty="0">
-                          <a:latin typeface="+mn-ea"/>
-                          <a:ea typeface="+mn-ea"/>
-                        </a:rPr>
-                        <a:t>(11p)</a:t>
-                      </a:r>
-                      <a:r>
-                        <a:rPr lang="ko-KR" altLang="en-US" sz="850" b="0" dirty="0">
-                          <a:latin typeface="+mn-ea"/>
-                          <a:ea typeface="+mn-ea"/>
-                        </a:rPr>
-                        <a:t> 또는 비밀번호 찾기</a:t>
-                      </a:r>
-                      <a:r>
-                        <a:rPr lang="en-US" altLang="ko-KR" sz="850" b="0" dirty="0">
-                          <a:latin typeface="+mn-ea"/>
-                          <a:ea typeface="+mn-ea"/>
-                        </a:rPr>
-                        <a:t>(12p)</a:t>
-                      </a:r>
-                      <a:r>
-                        <a:rPr lang="ko-KR" altLang="en-US" sz="850" b="0" dirty="0">
-                          <a:latin typeface="+mn-ea"/>
-                          <a:ea typeface="+mn-ea"/>
-                        </a:rPr>
-                        <a:t>로 이동하게 하는 버튼입니다</a:t>
-                      </a:r>
-                      <a:r>
-                        <a:rPr lang="en-US" altLang="ko-KR" sz="850" b="0" dirty="0">
-                          <a:latin typeface="+mn-ea"/>
-                          <a:ea typeface="+mn-ea"/>
-                        </a:rPr>
-                        <a:t>.</a:t>
-                      </a:r>
-                      <a:r>
-                        <a:rPr lang="ko-KR" altLang="en-US" sz="850" b="0" dirty="0">
-                          <a:latin typeface="+mn-ea"/>
-                          <a:ea typeface="+mn-ea"/>
-                        </a:rPr>
-                        <a:t> </a:t>
-                      </a:r>
-                      <a:endParaRPr lang="en-US" altLang="ko-KR" sz="850" b="0" dirty="0">
-                        <a:latin typeface="+mn-ea"/>
-                        <a:ea typeface="+mn-ea"/>
-                      </a:endParaRPr>
-                    </a:p>
-                  </a:txBody>
-                  <a:tcPr anchor="ctr">
-                    <a:lnL w="3175" cap="flat" cmpd="sng" algn="ctr">
-                      <a:solidFill>
-                        <a:schemeClr val="tx1">
-                          <a:lumMod val="50000"/>
-                          <a:lumOff val="50000"/>
-                        </a:schemeClr>
-                      </a:solidFill>
-                      <a:prstDash val="solid"/>
-                      <a:round/>
-                      <a:headEnd type="none" w="med" len="med"/>
-                      <a:tailEnd type="none" w="med" len="med"/>
-                    </a:lnL>
-                    <a:lnR w="3175" cap="flat" cmpd="sng" algn="ctr">
-                      <a:noFill/>
-                      <a:prstDash val="solid"/>
-                      <a:round/>
-                      <a:headEnd type="none" w="med" len="med"/>
-                      <a:tailEnd type="none" w="med" len="med"/>
-                    </a:lnR>
-                    <a:lnT w="3175" cap="flat" cmpd="sng" algn="ctr">
-                      <a:solidFill>
-                        <a:schemeClr val="tx1">
-                          <a:lumMod val="50000"/>
-                          <a:lumOff val="50000"/>
-                        </a:schemeClr>
-                      </a:solidFill>
-                      <a:prstDash val="solid"/>
-                      <a:round/>
-                      <a:headEnd type="none" w="med" len="med"/>
-                      <a:tailEnd type="none" w="med" len="med"/>
-                    </a:lnT>
-                    <a:lnB w="3175" cap="flat" cmpd="sng" algn="ctr">
-                      <a:solidFill>
-                        <a:schemeClr val="tx1">
-                          <a:lumMod val="50000"/>
-                          <a:lumOff val="50000"/>
-                        </a:schemeClr>
-                      </a:solidFill>
-                      <a:prstDash val="solid"/>
-                      <a:round/>
-                      <a:headEnd type="none" w="med" len="med"/>
-                      <a:tailEnd type="none" w="med" len="med"/>
-                    </a:lnB>
-                    <a:noFill/>
-                  </a:tcPr>
-                </a:tc>
-                <a:extLst>
-                  <a:ext uri="{0D108BD9-81ED-4DB2-BD59-A6C34878D82A}">
-                    <a16:rowId xmlns:a16="http://schemas.microsoft.com/office/drawing/2014/main" val="896699591"/>
-                  </a:ext>
-                </a:extLst>
-              </a:tr>
-              <a:tr h="241592">
-                <a:tc>
-                  <a:txBody>
-                    <a:bodyPr/>
-                    <a:lstStyle/>
-                    <a:p>
-                      <a:pPr algn="ctr" latinLnBrk="1">
-                        <a:lnSpc>
-                          <a:spcPct val="120000"/>
-                        </a:lnSpc>
-                      </a:pPr>
-                      <a:r>
-                        <a:rPr lang="en-US" altLang="ko-KR" sz="850" b="0" dirty="0">
-                          <a:latin typeface="+mn-ea"/>
-                          <a:ea typeface="+mn-ea"/>
-                        </a:rPr>
-                        <a:t>2</a:t>
-                      </a:r>
-                      <a:endParaRPr lang="ko-KR" altLang="en-US" sz="850" b="0" dirty="0">
-                        <a:latin typeface="+mn-ea"/>
-                        <a:ea typeface="+mn-ea"/>
-                      </a:endParaRPr>
-                    </a:p>
-                  </a:txBody>
-                  <a:tcPr anchor="ctr">
-                    <a:lnL w="3175" cap="flat" cmpd="sng" algn="ctr">
-                      <a:noFill/>
-                      <a:prstDash val="solid"/>
-                      <a:round/>
-                      <a:headEnd type="none" w="med" len="med"/>
-                      <a:tailEnd type="none" w="med" len="med"/>
-                    </a:lnL>
-                    <a:lnR w="3175" cap="flat" cmpd="sng" algn="ctr">
-                      <a:solidFill>
-                        <a:schemeClr val="tx1">
-                          <a:lumMod val="50000"/>
-                          <a:lumOff val="50000"/>
-                        </a:schemeClr>
-                      </a:solidFill>
-                      <a:prstDash val="solid"/>
-                      <a:round/>
-                      <a:headEnd type="none" w="med" len="med"/>
-                      <a:tailEnd type="none" w="med" len="med"/>
-                    </a:lnR>
-                    <a:lnT w="3175" cap="flat" cmpd="sng" algn="ctr">
-                      <a:solidFill>
-                        <a:schemeClr val="tx1">
-                          <a:lumMod val="50000"/>
-                          <a:lumOff val="50000"/>
-                        </a:schemeClr>
-                      </a:solidFill>
-                      <a:prstDash val="solid"/>
-                      <a:round/>
-                      <a:headEnd type="none" w="med" len="med"/>
-                      <a:tailEnd type="none" w="med" len="med"/>
-                    </a:lnT>
-                    <a:lnB w="3175" cap="flat" cmpd="sng" algn="ctr">
-                      <a:solidFill>
-                        <a:schemeClr val="tx1">
-                          <a:lumMod val="50000"/>
-                          <a:lumOff val="50000"/>
-                        </a:schemeClr>
-                      </a:solidFill>
-                      <a:prstDash val="solid"/>
-                      <a:round/>
-                      <a:headEnd type="none" w="med" len="med"/>
-                      <a:tailEnd type="none" w="med" len="med"/>
-                    </a:lnB>
-                    <a:noFill/>
-                  </a:tcPr>
-                </a:tc>
-                <a:tc>
-                  <a:txBody>
-                    <a:bodyPr/>
-                    <a:lstStyle/>
-                    <a:p>
-                      <a:pPr marL="0" marR="0" lvl="0" indent="0" algn="just" defTabSz="914400" rtl="0" eaLnBrk="1" fontAlgn="auto" latinLnBrk="1" hangingPunct="1">
-                        <a:lnSpc>
-                          <a:spcPct val="120000"/>
-                        </a:lnSpc>
-                        <a:spcBef>
-                          <a:spcPts val="0"/>
-                        </a:spcBef>
-                        <a:spcAft>
-                          <a:spcPts val="0"/>
-                        </a:spcAft>
-                        <a:buClrTx/>
-                        <a:buSzTx/>
-                        <a:buFontTx/>
-                        <a:buNone/>
-                        <a:tabLst/>
-                        <a:defRPr/>
-                      </a:pPr>
-                      <a:r>
-                        <a:rPr kumimoji="1" lang="ko-KR" altLang="en-US" sz="850" dirty="0">
-                          <a:solidFill>
-                            <a:schemeClr val="tx1"/>
-                          </a:solidFill>
-                          <a:latin typeface="+mn-ea"/>
-                        </a:rPr>
-                        <a:t>회원 이메일과 비밀번호를 올바르게 적은 후 로그인 하도록 하는 버튼입니다</a:t>
-                      </a:r>
-                      <a:r>
-                        <a:rPr kumimoji="1" lang="en-US" altLang="ko-KR" sz="850" dirty="0">
-                          <a:solidFill>
-                            <a:schemeClr val="tx1"/>
-                          </a:solidFill>
-                          <a:latin typeface="+mn-ea"/>
-                        </a:rPr>
-                        <a:t>.</a:t>
-                      </a:r>
-                      <a:endParaRPr kumimoji="1" lang="ko-KR" altLang="en-US" sz="850" dirty="0">
-                        <a:solidFill>
-                          <a:schemeClr val="tx1"/>
-                        </a:solidFill>
-                        <a:latin typeface="+mn-ea"/>
-                      </a:endParaRPr>
-                    </a:p>
-                  </a:txBody>
-                  <a:tcPr anchor="ctr">
-                    <a:lnL w="3175" cap="flat" cmpd="sng" algn="ctr">
-                      <a:solidFill>
-                        <a:schemeClr val="tx1">
-                          <a:lumMod val="50000"/>
-                          <a:lumOff val="50000"/>
-                        </a:schemeClr>
-                      </a:solidFill>
-                      <a:prstDash val="solid"/>
-                      <a:round/>
-                      <a:headEnd type="none" w="med" len="med"/>
-                      <a:tailEnd type="none" w="med" len="med"/>
-                    </a:lnL>
-                    <a:lnR w="3175" cap="flat" cmpd="sng" algn="ctr">
-                      <a:noFill/>
-                      <a:prstDash val="solid"/>
-                      <a:round/>
-                      <a:headEnd type="none" w="med" len="med"/>
-                      <a:tailEnd type="none" w="med" len="med"/>
-                    </a:lnR>
-                    <a:lnT w="3175" cap="flat" cmpd="sng" algn="ctr">
-                      <a:solidFill>
-                        <a:schemeClr val="tx1">
-                          <a:lumMod val="50000"/>
-                          <a:lumOff val="50000"/>
-                        </a:schemeClr>
-                      </a:solidFill>
-                      <a:prstDash val="solid"/>
-                      <a:round/>
-                      <a:headEnd type="none" w="med" len="med"/>
-                      <a:tailEnd type="none" w="med" len="med"/>
-                    </a:lnT>
-                    <a:lnB w="3175" cap="flat" cmpd="sng" algn="ctr">
-                      <a:solidFill>
-                        <a:schemeClr val="tx1">
-                          <a:lumMod val="50000"/>
-                          <a:lumOff val="50000"/>
-                        </a:schemeClr>
-                      </a:solidFill>
-                      <a:prstDash val="solid"/>
-                      <a:round/>
-                      <a:headEnd type="none" w="med" len="med"/>
-                      <a:tailEnd type="none" w="med" len="med"/>
-                    </a:lnB>
-                    <a:noFill/>
-                  </a:tcPr>
-                </a:tc>
-                <a:extLst>
-                  <a:ext uri="{0D108BD9-81ED-4DB2-BD59-A6C34878D82A}">
-                    <a16:rowId xmlns:a16="http://schemas.microsoft.com/office/drawing/2014/main" val="2972133637"/>
-                  </a:ext>
-                </a:extLst>
-              </a:tr>
-              <a:tr h="241592">
-                <a:tc>
-                  <a:txBody>
-                    <a:bodyPr/>
-                    <a:lstStyle/>
-                    <a:p>
-                      <a:pPr algn="ctr" latinLnBrk="1">
-                        <a:lnSpc>
-                          <a:spcPct val="120000"/>
-                        </a:lnSpc>
-                      </a:pPr>
-                      <a:r>
-                        <a:rPr lang="en-US" altLang="ko-KR" sz="850" b="0" dirty="0">
-                          <a:latin typeface="+mn-ea"/>
-                          <a:ea typeface="+mn-ea"/>
-                        </a:rPr>
-                        <a:t>3</a:t>
-                      </a:r>
-                      <a:endParaRPr lang="ko-KR" altLang="en-US" sz="850" b="0" dirty="0">
-                        <a:latin typeface="+mn-ea"/>
-                        <a:ea typeface="+mn-ea"/>
-                      </a:endParaRPr>
-                    </a:p>
-                  </a:txBody>
-                  <a:tcPr anchor="ctr">
-                    <a:lnL w="3175" cap="flat" cmpd="sng" algn="ctr">
-                      <a:noFill/>
-                      <a:prstDash val="solid"/>
-                      <a:round/>
-                      <a:headEnd type="none" w="med" len="med"/>
-                      <a:tailEnd type="none" w="med" len="med"/>
-                    </a:lnL>
-                    <a:lnR w="3175" cap="flat" cmpd="sng" algn="ctr">
-                      <a:solidFill>
-                        <a:schemeClr val="tx1">
-                          <a:lumMod val="50000"/>
-                          <a:lumOff val="50000"/>
-                        </a:schemeClr>
-                      </a:solidFill>
-                      <a:prstDash val="solid"/>
-                      <a:round/>
-                      <a:headEnd type="none" w="med" len="med"/>
-                      <a:tailEnd type="none" w="med" len="med"/>
-                    </a:lnR>
-                    <a:lnT w="3175" cap="flat" cmpd="sng" algn="ctr">
-                      <a:solidFill>
-                        <a:schemeClr val="tx1">
-                          <a:lumMod val="50000"/>
-                          <a:lumOff val="50000"/>
-                        </a:schemeClr>
-                      </a:solidFill>
-                      <a:prstDash val="solid"/>
-                      <a:round/>
-                      <a:headEnd type="none" w="med" len="med"/>
-                      <a:tailEnd type="none" w="med" len="med"/>
-                    </a:lnT>
-                    <a:lnB w="3175" cap="flat" cmpd="sng" algn="ctr">
-                      <a:solidFill>
-                        <a:schemeClr val="tx1">
-                          <a:lumMod val="50000"/>
-                          <a:lumOff val="50000"/>
-                        </a:schemeClr>
-                      </a:solidFill>
-                      <a:prstDash val="solid"/>
-                      <a:round/>
-                      <a:headEnd type="none" w="med" len="med"/>
-                      <a:tailEnd type="none" w="med" len="med"/>
-                    </a:lnB>
-                    <a:noFill/>
-                  </a:tcPr>
-                </a:tc>
-                <a:tc>
-                  <a:txBody>
-                    <a:bodyPr/>
-                    <a:lstStyle/>
-                    <a:p>
-                      <a:pPr algn="just" latinLnBrk="1">
-                        <a:lnSpc>
-                          <a:spcPct val="120000"/>
-                        </a:lnSpc>
-                      </a:pPr>
-                      <a:r>
-                        <a:rPr lang="ko-KR" altLang="en-US" sz="850" b="0" dirty="0">
-                          <a:latin typeface="+mn-ea"/>
-                          <a:ea typeface="+mn-ea"/>
-                        </a:rPr>
-                        <a:t>신규회원가입 화면으로 이동하는 버튼입니다</a:t>
-                      </a:r>
-                      <a:r>
-                        <a:rPr lang="en-US" altLang="ko-KR" sz="850" b="0" dirty="0">
-                          <a:latin typeface="+mn-ea"/>
-                          <a:ea typeface="+mn-ea"/>
-                        </a:rPr>
-                        <a:t>. </a:t>
-                      </a:r>
-                    </a:p>
-                    <a:p>
-                      <a:pPr algn="just" latinLnBrk="1">
-                        <a:lnSpc>
-                          <a:spcPct val="120000"/>
-                        </a:lnSpc>
-                      </a:pPr>
-                      <a:r>
-                        <a:rPr lang="en-US" altLang="ko-KR" sz="850" b="0" dirty="0">
-                          <a:latin typeface="+mn-ea"/>
-                          <a:ea typeface="+mn-ea"/>
-                        </a:rPr>
-                        <a:t>(8~10</a:t>
-                      </a:r>
-                      <a:r>
-                        <a:rPr lang="ko-KR" altLang="en-US" sz="850" b="0" dirty="0">
-                          <a:latin typeface="+mn-ea"/>
-                          <a:ea typeface="+mn-ea"/>
-                        </a:rPr>
-                        <a:t>페이지</a:t>
-                      </a:r>
-                      <a:r>
-                        <a:rPr lang="en-US" altLang="ko-KR" sz="850" b="0" dirty="0">
-                          <a:latin typeface="+mn-ea"/>
-                          <a:ea typeface="+mn-ea"/>
-                        </a:rPr>
-                        <a:t> </a:t>
-                      </a:r>
-                      <a:r>
-                        <a:rPr lang="ko-KR" altLang="en-US" sz="850" b="0" dirty="0">
-                          <a:latin typeface="+mn-ea"/>
-                          <a:ea typeface="+mn-ea"/>
-                        </a:rPr>
-                        <a:t>참조</a:t>
-                      </a:r>
-                      <a:r>
-                        <a:rPr lang="en-US" altLang="ko-KR" sz="850" b="0" dirty="0">
-                          <a:latin typeface="+mn-ea"/>
-                          <a:ea typeface="+mn-ea"/>
-                        </a:rPr>
-                        <a:t>)</a:t>
-                      </a:r>
-                      <a:endParaRPr lang="ko-KR" altLang="en-US" sz="850" b="0" dirty="0">
-                        <a:latin typeface="+mn-ea"/>
-                        <a:ea typeface="+mn-ea"/>
-                      </a:endParaRPr>
-                    </a:p>
-                  </a:txBody>
-                  <a:tcPr anchor="ctr">
-                    <a:lnL w="3175" cap="flat" cmpd="sng" algn="ctr">
-                      <a:solidFill>
-                        <a:schemeClr val="tx1">
-                          <a:lumMod val="50000"/>
-                          <a:lumOff val="50000"/>
-                        </a:schemeClr>
-                      </a:solidFill>
-                      <a:prstDash val="solid"/>
-                      <a:round/>
-                      <a:headEnd type="none" w="med" len="med"/>
-                      <a:tailEnd type="none" w="med" len="med"/>
-                    </a:lnL>
-                    <a:lnR w="3175" cap="flat" cmpd="sng" algn="ctr">
-                      <a:noFill/>
-                      <a:prstDash val="solid"/>
-                      <a:round/>
-                      <a:headEnd type="none" w="med" len="med"/>
-                      <a:tailEnd type="none" w="med" len="med"/>
-                    </a:lnR>
-                    <a:lnT w="3175" cap="flat" cmpd="sng" algn="ctr">
-                      <a:solidFill>
-                        <a:schemeClr val="tx1">
-                          <a:lumMod val="50000"/>
-                          <a:lumOff val="50000"/>
-                        </a:schemeClr>
-                      </a:solidFill>
-                      <a:prstDash val="solid"/>
-                      <a:round/>
-                      <a:headEnd type="none" w="med" len="med"/>
-                      <a:tailEnd type="none" w="med" len="med"/>
-                    </a:lnT>
-                    <a:lnB w="3175" cap="flat" cmpd="sng" algn="ctr">
-                      <a:solidFill>
-                        <a:schemeClr val="tx1">
-                          <a:lumMod val="50000"/>
-                          <a:lumOff val="50000"/>
-                        </a:schemeClr>
-                      </a:solidFill>
-                      <a:prstDash val="solid"/>
-                      <a:round/>
-                      <a:headEnd type="none" w="med" len="med"/>
-                      <a:tailEnd type="none" w="med" len="med"/>
-                    </a:lnB>
-                    <a:noFill/>
-                  </a:tcPr>
-                </a:tc>
-                <a:extLst>
-                  <a:ext uri="{0D108BD9-81ED-4DB2-BD59-A6C34878D82A}">
-                    <a16:rowId xmlns:a16="http://schemas.microsoft.com/office/drawing/2014/main" val="2075783758"/>
-                  </a:ext>
-                </a:extLst>
-              </a:tr>
-              <a:tr h="241592">
-                <a:tc>
-                  <a:txBody>
-                    <a:bodyPr/>
-                    <a:lstStyle/>
-                    <a:p>
-                      <a:pPr algn="ctr" latinLnBrk="1">
-                        <a:lnSpc>
-                          <a:spcPct val="120000"/>
-                        </a:lnSpc>
-                      </a:pPr>
-                      <a:r>
-                        <a:rPr lang="en-US" altLang="ko-KR" sz="850" b="0" dirty="0">
-                          <a:latin typeface="+mn-ea"/>
-                          <a:ea typeface="+mn-ea"/>
-                        </a:rPr>
-                        <a:t>4</a:t>
-                      </a:r>
-                      <a:endParaRPr lang="ko-KR" altLang="en-US" sz="850" b="0" dirty="0">
-                        <a:latin typeface="+mn-ea"/>
-                        <a:ea typeface="+mn-ea"/>
-                      </a:endParaRPr>
-                    </a:p>
-                  </a:txBody>
-                  <a:tcPr anchor="ctr">
-                    <a:lnL w="3175" cap="flat" cmpd="sng" algn="ctr">
-                      <a:noFill/>
-                      <a:prstDash val="solid"/>
-                      <a:round/>
-                      <a:headEnd type="none" w="med" len="med"/>
-                      <a:tailEnd type="none" w="med" len="med"/>
-                    </a:lnL>
-                    <a:lnR w="3175" cap="flat" cmpd="sng" algn="ctr">
-                      <a:solidFill>
-                        <a:schemeClr val="tx1">
-                          <a:lumMod val="50000"/>
-                          <a:lumOff val="50000"/>
-                        </a:schemeClr>
-                      </a:solidFill>
-                      <a:prstDash val="solid"/>
-                      <a:round/>
-                      <a:headEnd type="none" w="med" len="med"/>
-                      <a:tailEnd type="none" w="med" len="med"/>
-                    </a:lnR>
-                    <a:lnT w="3175" cap="flat" cmpd="sng" algn="ctr">
-                      <a:solidFill>
-                        <a:schemeClr val="tx1">
-                          <a:lumMod val="50000"/>
-                          <a:lumOff val="50000"/>
-                        </a:schemeClr>
-                      </a:solidFill>
-                      <a:prstDash val="solid"/>
-                      <a:round/>
-                      <a:headEnd type="none" w="med" len="med"/>
-                      <a:tailEnd type="none" w="med" len="med"/>
-                    </a:lnT>
-                    <a:lnB w="3175" cap="flat" cmpd="sng" algn="ctr">
-                      <a:solidFill>
-                        <a:schemeClr val="tx1">
-                          <a:lumMod val="50000"/>
-                          <a:lumOff val="50000"/>
-                        </a:schemeClr>
-                      </a:solidFill>
-                      <a:prstDash val="solid"/>
-                      <a:round/>
-                      <a:headEnd type="none" w="med" len="med"/>
-                      <a:tailEnd type="none" w="med" len="med"/>
-                    </a:lnB>
-                    <a:noFill/>
-                  </a:tcPr>
-                </a:tc>
-                <a:tc>
-                  <a:txBody>
-                    <a:bodyPr/>
-                    <a:lstStyle/>
-                    <a:p>
-                      <a:pPr marL="0" marR="0" lvl="0" indent="0" algn="just" defTabSz="914400" rtl="0" eaLnBrk="1" fontAlgn="auto" latinLnBrk="1" hangingPunct="1">
-                        <a:lnSpc>
-                          <a:spcPct val="120000"/>
-                        </a:lnSpc>
-                        <a:spcBef>
-                          <a:spcPts val="0"/>
-                        </a:spcBef>
-                        <a:spcAft>
-                          <a:spcPts val="0"/>
-                        </a:spcAft>
-                        <a:buClrTx/>
-                        <a:buSzTx/>
-                        <a:buFontTx/>
-                        <a:buNone/>
-                        <a:tabLst/>
-                        <a:defRPr/>
-                      </a:pPr>
-                      <a:r>
-                        <a:rPr kumimoji="1" lang="ko-KR" altLang="en-US" sz="850" dirty="0">
-                          <a:solidFill>
-                            <a:schemeClr val="tx1"/>
-                          </a:solidFill>
-                          <a:latin typeface="+mn-ea"/>
-                        </a:rPr>
-                        <a:t>클릭 시 해당 페이지로 이동합니다</a:t>
-                      </a:r>
-                      <a:r>
-                        <a:rPr kumimoji="1" lang="en-US" altLang="ko-KR" sz="850" dirty="0">
-                          <a:solidFill>
-                            <a:schemeClr val="tx1"/>
-                          </a:solidFill>
-                          <a:latin typeface="+mn-ea"/>
-                        </a:rPr>
-                        <a:t>. (</a:t>
-                      </a:r>
-                      <a:r>
-                        <a:rPr kumimoji="1" lang="ko-KR" altLang="en-US" sz="850" dirty="0">
-                          <a:solidFill>
-                            <a:schemeClr val="tx1"/>
-                          </a:solidFill>
-                          <a:latin typeface="+mn-ea"/>
-                        </a:rPr>
-                        <a:t>구현 예정</a:t>
-                      </a:r>
-                      <a:r>
-                        <a:rPr kumimoji="1" lang="en-US" altLang="ko-KR" sz="850" dirty="0">
-                          <a:solidFill>
-                            <a:schemeClr val="tx1"/>
-                          </a:solidFill>
-                          <a:latin typeface="+mn-ea"/>
-                        </a:rPr>
-                        <a:t>)</a:t>
-                      </a:r>
-                      <a:endParaRPr kumimoji="1" lang="ko-KR" altLang="en-US" sz="850" dirty="0">
-                        <a:solidFill>
-                          <a:schemeClr val="tx1"/>
-                        </a:solidFill>
-                        <a:latin typeface="+mn-ea"/>
-                      </a:endParaRPr>
-                    </a:p>
-                  </a:txBody>
-                  <a:tcPr anchor="ctr">
-                    <a:lnL w="3175" cap="flat" cmpd="sng" algn="ctr">
-                      <a:solidFill>
-                        <a:schemeClr val="tx1">
-                          <a:lumMod val="50000"/>
-                          <a:lumOff val="50000"/>
-                        </a:schemeClr>
-                      </a:solidFill>
-                      <a:prstDash val="solid"/>
-                      <a:round/>
-                      <a:headEnd type="none" w="med" len="med"/>
-                      <a:tailEnd type="none" w="med" len="med"/>
-                    </a:lnL>
-                    <a:lnR w="3175" cap="flat" cmpd="sng" algn="ctr">
-                      <a:noFill/>
-                      <a:prstDash val="solid"/>
-                      <a:round/>
-                      <a:headEnd type="none" w="med" len="med"/>
-                      <a:tailEnd type="none" w="med" len="med"/>
-                    </a:lnR>
-                    <a:lnT w="3175" cap="flat" cmpd="sng" algn="ctr">
-                      <a:solidFill>
-                        <a:schemeClr val="tx1">
-                          <a:lumMod val="50000"/>
-                          <a:lumOff val="50000"/>
-                        </a:schemeClr>
-                      </a:solidFill>
-                      <a:prstDash val="solid"/>
-                      <a:round/>
-                      <a:headEnd type="none" w="med" len="med"/>
-                      <a:tailEnd type="none" w="med" len="med"/>
-                    </a:lnT>
-                    <a:lnB w="3175" cap="flat" cmpd="sng" algn="ctr">
-                      <a:solidFill>
-                        <a:schemeClr val="tx1">
-                          <a:lumMod val="50000"/>
-                          <a:lumOff val="50000"/>
-                        </a:schemeClr>
-                      </a:solidFill>
-                      <a:prstDash val="solid"/>
-                      <a:round/>
-                      <a:headEnd type="none" w="med" len="med"/>
-                      <a:tailEnd type="none" w="med" len="med"/>
-                    </a:lnB>
-                    <a:noFill/>
-                  </a:tcPr>
-                </a:tc>
-                <a:extLst>
-                  <a:ext uri="{0D108BD9-81ED-4DB2-BD59-A6C34878D82A}">
-                    <a16:rowId xmlns:a16="http://schemas.microsoft.com/office/drawing/2014/main" val="1068123190"/>
-                  </a:ext>
-                </a:extLst>
-              </a:tr>
-              <a:tr h="241592">
-                <a:tc>
-                  <a:txBody>
-                    <a:bodyPr/>
-                    <a:lstStyle/>
-                    <a:p>
-                      <a:pPr algn="ctr" latinLnBrk="1">
-                        <a:lnSpc>
-                          <a:spcPct val="120000"/>
-                        </a:lnSpc>
-                      </a:pPr>
-                      <a:r>
-                        <a:rPr lang="en-US" altLang="ko-KR" sz="850" b="0" dirty="0">
-                          <a:latin typeface="+mn-ea"/>
-                          <a:ea typeface="+mn-ea"/>
-                        </a:rPr>
-                        <a:t>5</a:t>
-                      </a:r>
-                      <a:endParaRPr lang="ko-KR" altLang="en-US" sz="850" b="0" dirty="0">
-                        <a:latin typeface="+mn-ea"/>
-                        <a:ea typeface="+mn-ea"/>
-                      </a:endParaRPr>
-                    </a:p>
-                  </a:txBody>
-                  <a:tcPr anchor="ctr">
-                    <a:lnL w="3175" cap="flat" cmpd="sng" algn="ctr">
-                      <a:noFill/>
-                      <a:prstDash val="solid"/>
-                      <a:round/>
-                      <a:headEnd type="none" w="med" len="med"/>
-                      <a:tailEnd type="none" w="med" len="med"/>
-                    </a:lnL>
-                    <a:lnR w="3175" cap="flat" cmpd="sng" algn="ctr">
-                      <a:solidFill>
-                        <a:schemeClr val="tx1">
-                          <a:lumMod val="50000"/>
-                          <a:lumOff val="50000"/>
-                        </a:schemeClr>
-                      </a:solidFill>
-                      <a:prstDash val="solid"/>
-                      <a:round/>
-                      <a:headEnd type="none" w="med" len="med"/>
-                      <a:tailEnd type="none" w="med" len="med"/>
-                    </a:lnR>
-                    <a:lnT w="3175" cap="flat" cmpd="sng" algn="ctr">
-                      <a:solidFill>
-                        <a:schemeClr val="tx1">
-                          <a:lumMod val="50000"/>
-                          <a:lumOff val="50000"/>
-                        </a:schemeClr>
-                      </a:solidFill>
-                      <a:prstDash val="solid"/>
-                      <a:round/>
-                      <a:headEnd type="none" w="med" len="med"/>
-                      <a:tailEnd type="none" w="med" len="med"/>
-                    </a:lnT>
-                    <a:lnB w="3175" cap="flat" cmpd="sng" algn="ctr">
-                      <a:solidFill>
-                        <a:schemeClr val="tx1">
-                          <a:lumMod val="50000"/>
-                          <a:lumOff val="50000"/>
-                        </a:schemeClr>
-                      </a:solidFill>
-                      <a:prstDash val="solid"/>
-                      <a:round/>
-                      <a:headEnd type="none" w="med" len="med"/>
-                      <a:tailEnd type="none" w="med" len="med"/>
-                    </a:lnB>
-                    <a:noFill/>
-                  </a:tcPr>
-                </a:tc>
-                <a:tc>
-                  <a:txBody>
-                    <a:bodyPr/>
-                    <a:lstStyle/>
-                    <a:p>
-                      <a:pPr algn="just" latinLnBrk="1">
-                        <a:lnSpc>
-                          <a:spcPct val="120000"/>
-                        </a:lnSpc>
-                      </a:pPr>
-                      <a:r>
-                        <a:rPr lang="ko-KR" altLang="en-US" sz="850" b="0" dirty="0">
-                          <a:latin typeface="+mn-ea"/>
-                          <a:ea typeface="+mn-ea"/>
-                        </a:rPr>
-                        <a:t>클릭 시 이전</a:t>
-                      </a:r>
-                      <a:r>
-                        <a:rPr lang="en-US" altLang="ko-KR" sz="850" b="0" dirty="0">
-                          <a:latin typeface="+mn-ea"/>
-                          <a:ea typeface="+mn-ea"/>
-                        </a:rPr>
-                        <a:t>, </a:t>
-                      </a:r>
-                      <a:r>
-                        <a:rPr lang="ko-KR" altLang="en-US" sz="850" b="0" dirty="0">
-                          <a:latin typeface="+mn-ea"/>
-                          <a:ea typeface="+mn-ea"/>
-                        </a:rPr>
-                        <a:t>다음 배너로 이동합니다</a:t>
-                      </a:r>
-                      <a:r>
-                        <a:rPr lang="en-US" altLang="ko-KR" sz="850" b="0" dirty="0">
-                          <a:latin typeface="+mn-ea"/>
-                          <a:ea typeface="+mn-ea"/>
-                        </a:rPr>
-                        <a:t>.</a:t>
-                      </a:r>
-                      <a:endParaRPr lang="ko-KR" altLang="en-US" sz="850" b="0" dirty="0">
-                        <a:latin typeface="+mn-ea"/>
-                        <a:ea typeface="+mn-ea"/>
-                      </a:endParaRPr>
-                    </a:p>
-                  </a:txBody>
-                  <a:tcPr anchor="ctr">
-                    <a:lnL w="3175" cap="flat" cmpd="sng" algn="ctr">
-                      <a:solidFill>
-                        <a:schemeClr val="tx1">
-                          <a:lumMod val="50000"/>
-                          <a:lumOff val="50000"/>
-                        </a:schemeClr>
-                      </a:solidFill>
-                      <a:prstDash val="solid"/>
-                      <a:round/>
-                      <a:headEnd type="none" w="med" len="med"/>
-                      <a:tailEnd type="none" w="med" len="med"/>
-                    </a:lnL>
-                    <a:lnR w="3175" cap="flat" cmpd="sng" algn="ctr">
-                      <a:noFill/>
-                      <a:prstDash val="solid"/>
-                      <a:round/>
-                      <a:headEnd type="none" w="med" len="med"/>
-                      <a:tailEnd type="none" w="med" len="med"/>
-                    </a:lnR>
-                    <a:lnT w="3175" cap="flat" cmpd="sng" algn="ctr">
-                      <a:solidFill>
-                        <a:schemeClr val="tx1">
-                          <a:lumMod val="50000"/>
-                          <a:lumOff val="50000"/>
-                        </a:schemeClr>
-                      </a:solidFill>
-                      <a:prstDash val="solid"/>
-                      <a:round/>
-                      <a:headEnd type="none" w="med" len="med"/>
-                      <a:tailEnd type="none" w="med" len="med"/>
-                    </a:lnT>
-                    <a:lnB w="3175" cap="flat" cmpd="sng" algn="ctr">
-                      <a:solidFill>
-                        <a:schemeClr val="tx1">
-                          <a:lumMod val="50000"/>
-                          <a:lumOff val="50000"/>
-                        </a:schemeClr>
-                      </a:solidFill>
-                      <a:prstDash val="solid"/>
-                      <a:round/>
-                      <a:headEnd type="none" w="med" len="med"/>
-                      <a:tailEnd type="none" w="med" len="med"/>
-                    </a:lnB>
-                    <a:noFill/>
-                  </a:tcPr>
-                </a:tc>
-                <a:extLst>
-                  <a:ext uri="{0D108BD9-81ED-4DB2-BD59-A6C34878D82A}">
-                    <a16:rowId xmlns:a16="http://schemas.microsoft.com/office/drawing/2014/main" val="1494350657"/>
-                  </a:ext>
-                </a:extLst>
-              </a:tr>
-              <a:tr h="241592">
-                <a:tc>
-                  <a:txBody>
-                    <a:bodyPr/>
-                    <a:lstStyle/>
-                    <a:p>
-                      <a:pPr algn="ctr" latinLnBrk="1">
-                        <a:lnSpc>
-                          <a:spcPct val="120000"/>
-                        </a:lnSpc>
-                      </a:pPr>
-                      <a:r>
-                        <a:rPr lang="en-US" altLang="ko-KR" sz="850" b="0" dirty="0">
-                          <a:latin typeface="+mn-ea"/>
-                          <a:ea typeface="+mn-ea"/>
-                        </a:rPr>
-                        <a:t>6</a:t>
-                      </a:r>
-                      <a:endParaRPr lang="ko-KR" altLang="en-US" sz="850" b="0" dirty="0">
-                        <a:latin typeface="+mn-ea"/>
-                        <a:ea typeface="+mn-ea"/>
-                      </a:endParaRPr>
-                    </a:p>
-                  </a:txBody>
-                  <a:tcPr anchor="ctr">
-                    <a:lnL w="3175" cap="flat" cmpd="sng" algn="ctr">
-                      <a:noFill/>
-                      <a:prstDash val="solid"/>
-                      <a:round/>
-                      <a:headEnd type="none" w="med" len="med"/>
-                      <a:tailEnd type="none" w="med" len="med"/>
-                    </a:lnL>
-                    <a:lnR w="3175" cap="flat" cmpd="sng" algn="ctr">
-                      <a:solidFill>
-                        <a:schemeClr val="tx1">
-                          <a:lumMod val="50000"/>
-                          <a:lumOff val="50000"/>
-                        </a:schemeClr>
-                      </a:solidFill>
-                      <a:prstDash val="solid"/>
-                      <a:round/>
-                      <a:headEnd type="none" w="med" len="med"/>
-                      <a:tailEnd type="none" w="med" len="med"/>
-                    </a:lnR>
-                    <a:lnT w="3175" cap="flat" cmpd="sng" algn="ctr">
-                      <a:solidFill>
-                        <a:schemeClr val="tx1">
-                          <a:lumMod val="50000"/>
-                          <a:lumOff val="50000"/>
-                        </a:schemeClr>
-                      </a:solidFill>
-                      <a:prstDash val="solid"/>
-                      <a:round/>
-                      <a:headEnd type="none" w="med" len="med"/>
-                      <a:tailEnd type="none" w="med" len="med"/>
-                    </a:lnT>
-                    <a:lnB w="3175" cap="flat" cmpd="sng" algn="ctr">
-                      <a:solidFill>
-                        <a:schemeClr val="tx1">
-                          <a:lumMod val="50000"/>
-                          <a:lumOff val="50000"/>
-                        </a:schemeClr>
-                      </a:solidFill>
-                      <a:prstDash val="solid"/>
-                      <a:round/>
-                      <a:headEnd type="none" w="med" len="med"/>
-                      <a:tailEnd type="none" w="med" len="med"/>
-                    </a:lnB>
-                    <a:noFill/>
-                  </a:tcPr>
-                </a:tc>
-                <a:tc>
-                  <a:txBody>
-                    <a:bodyPr/>
-                    <a:lstStyle/>
-                    <a:p>
-                      <a:pPr algn="just" latinLnBrk="1">
-                        <a:lnSpc>
-                          <a:spcPct val="120000"/>
-                        </a:lnSpc>
-                      </a:pPr>
-                      <a:r>
-                        <a:rPr lang="ko-KR" altLang="en-US" sz="850" b="0" dirty="0">
-                          <a:latin typeface="+mn-ea"/>
-                          <a:ea typeface="+mn-ea"/>
-                        </a:rPr>
-                        <a:t>클릭 시 해당 번호의 배너로 이동합니다</a:t>
-                      </a:r>
-                      <a:r>
-                        <a:rPr lang="en-US" altLang="ko-KR" sz="850" b="0">
-                          <a:latin typeface="+mn-ea"/>
-                          <a:ea typeface="+mn-ea"/>
-                        </a:rPr>
-                        <a:t>.</a:t>
-                      </a:r>
-                      <a:endParaRPr lang="ko-KR" altLang="en-US" sz="850" b="0" dirty="0">
-                        <a:latin typeface="+mn-ea"/>
-                        <a:ea typeface="+mn-ea"/>
-                      </a:endParaRPr>
-                    </a:p>
-                  </a:txBody>
-                  <a:tcPr anchor="ctr">
-                    <a:lnL w="3175" cap="flat" cmpd="sng" algn="ctr">
-                      <a:solidFill>
-                        <a:schemeClr val="tx1">
-                          <a:lumMod val="50000"/>
-                          <a:lumOff val="50000"/>
-                        </a:schemeClr>
-                      </a:solidFill>
-                      <a:prstDash val="solid"/>
-                      <a:round/>
-                      <a:headEnd type="none" w="med" len="med"/>
-                      <a:tailEnd type="none" w="med" len="med"/>
-                    </a:lnL>
-                    <a:lnR w="3175" cap="flat" cmpd="sng" algn="ctr">
-                      <a:noFill/>
-                      <a:prstDash val="solid"/>
-                      <a:round/>
-                      <a:headEnd type="none" w="med" len="med"/>
-                      <a:tailEnd type="none" w="med" len="med"/>
-                    </a:lnR>
-                    <a:lnT w="3175" cap="flat" cmpd="sng" algn="ctr">
-                      <a:solidFill>
-                        <a:schemeClr val="tx1">
-                          <a:lumMod val="50000"/>
-                          <a:lumOff val="50000"/>
-                        </a:schemeClr>
-                      </a:solidFill>
-                      <a:prstDash val="solid"/>
-                      <a:round/>
-                      <a:headEnd type="none" w="med" len="med"/>
-                      <a:tailEnd type="none" w="med" len="med"/>
-                    </a:lnT>
-                    <a:lnB w="3175" cap="flat" cmpd="sng" algn="ctr">
-                      <a:solidFill>
-                        <a:schemeClr val="tx1">
-                          <a:lumMod val="50000"/>
-                          <a:lumOff val="50000"/>
-                        </a:schemeClr>
-                      </a:solidFill>
-                      <a:prstDash val="solid"/>
-                      <a:round/>
-                      <a:headEnd type="none" w="med" len="med"/>
-                      <a:tailEnd type="none" w="med" len="med"/>
-                    </a:lnB>
-                    <a:noFill/>
-                  </a:tcPr>
-                </a:tc>
-                <a:extLst>
-                  <a:ext uri="{0D108BD9-81ED-4DB2-BD59-A6C34878D82A}">
-                    <a16:rowId xmlns:a16="http://schemas.microsoft.com/office/drawing/2014/main" val="1839284551"/>
-                  </a:ext>
-                </a:extLst>
-              </a:tr>
-            </a:tbl>
-          </a:graphicData>
-        </a:graphic>
-      </p:graphicFrame>
-      <p:sp>
-        <p:nvSpPr>
-          <p:cNvPr id="8" name="TextBox 7">
-            <a:extLst>
-              <a:ext uri="{FF2B5EF4-FFF2-40B4-BE49-F238E27FC236}">
-                <a16:creationId xmlns:a16="http://schemas.microsoft.com/office/drawing/2014/main" id="{DDF58C48-5157-4FFA-B714-C02B198B9885}"/>
-              </a:ext>
-            </a:extLst>
-          </p:cNvPr>
-          <p:cNvSpPr txBox="1"/>
-          <p:nvPr/>
-        </p:nvSpPr>
-        <p:spPr>
-          <a:xfrm>
-            <a:off x="11780252" y="106980"/>
-            <a:ext cx="248786" cy="230832"/>
-          </a:xfrm>
-          <a:prstGeom prst="rect">
-            <a:avLst/>
-          </a:prstGeom>
-          <a:noFill/>
-        </p:spPr>
-        <p:txBody>
-          <a:bodyPr wrap="none" rtlCol="0">
-            <a:spAutoFit/>
-          </a:bodyPr>
-          <a:lstStyle/>
-          <a:p>
-            <a:fld id="{944918D1-1C8F-48E6-92D4-4089F97E8793}" type="slidenum">
-              <a:rPr lang="ko-KR" altLang="en-US" sz="900" smtClean="0"/>
-              <a:t>8</a:t>
-            </a:fld>
-            <a:endParaRPr lang="ko-KR" altLang="en-US" sz="900" dirty="0"/>
-          </a:p>
-        </p:txBody>
-      </p:sp>
-      <p:pic>
-        <p:nvPicPr>
-          <p:cNvPr id="6" name="그림 5">
-            <a:extLst>
-              <a:ext uri="{FF2B5EF4-FFF2-40B4-BE49-F238E27FC236}">
-                <a16:creationId xmlns:a16="http://schemas.microsoft.com/office/drawing/2014/main" id="{3701C5CB-ACC7-4957-B810-30F06DFF92FA}"/>
-              </a:ext>
-            </a:extLst>
-          </p:cNvPr>
-          <p:cNvPicPr>
-            <a:picLocks noChangeAspect="1"/>
-          </p:cNvPicPr>
-          <p:nvPr/>
-        </p:nvPicPr>
-        <p:blipFill>
-          <a:blip r:embed="rId2"/>
-          <a:stretch>
-            <a:fillRect/>
-          </a:stretch>
-        </p:blipFill>
-        <p:spPr>
-          <a:xfrm>
-            <a:off x="161117" y="908720"/>
-            <a:ext cx="8400256" cy="4375133"/>
-          </a:xfrm>
-          <a:prstGeom prst="rect">
-            <a:avLst/>
-          </a:prstGeom>
-        </p:spPr>
-      </p:pic>
-      <p:pic>
-        <p:nvPicPr>
-          <p:cNvPr id="9" name="그림 8">
-            <a:extLst>
-              <a:ext uri="{FF2B5EF4-FFF2-40B4-BE49-F238E27FC236}">
-                <a16:creationId xmlns:a16="http://schemas.microsoft.com/office/drawing/2014/main" id="{B3BC66A0-1882-4672-851F-7BA235B1112B}"/>
-              </a:ext>
-            </a:extLst>
-          </p:cNvPr>
-          <p:cNvPicPr>
-            <a:picLocks noChangeAspect="1"/>
-          </p:cNvPicPr>
-          <p:nvPr/>
-        </p:nvPicPr>
-        <p:blipFill>
-          <a:blip r:embed="rId3" cstate="print">
-            <a:extLst>
-              <a:ext uri="{28A0092B-C50C-407E-A947-70E740481C1C}">
-                <a14:useLocalDpi xmlns:a14="http://schemas.microsoft.com/office/drawing/2010/main" val="0"/>
-              </a:ext>
-            </a:extLst>
-          </a:blip>
-          <a:stretch>
-            <a:fillRect/>
-          </a:stretch>
-        </p:blipFill>
-        <p:spPr>
-          <a:xfrm>
-            <a:off x="2063552" y="2492896"/>
-            <a:ext cx="220536" cy="222691"/>
-          </a:xfrm>
-          <a:prstGeom prst="rect">
-            <a:avLst/>
-          </a:prstGeom>
-        </p:spPr>
-      </p:pic>
-      <p:pic>
-        <p:nvPicPr>
-          <p:cNvPr id="10" name="그림 9">
-            <a:extLst>
-              <a:ext uri="{FF2B5EF4-FFF2-40B4-BE49-F238E27FC236}">
-                <a16:creationId xmlns:a16="http://schemas.microsoft.com/office/drawing/2014/main" id="{A75A36AD-74B0-4D01-B235-FF3FD1E93A0B}"/>
-              </a:ext>
-            </a:extLst>
-          </p:cNvPr>
-          <p:cNvPicPr>
-            <a:picLocks noChangeAspect="1"/>
-          </p:cNvPicPr>
-          <p:nvPr/>
-        </p:nvPicPr>
-        <p:blipFill>
-          <a:blip r:embed="rId4" cstate="print">
-            <a:extLst>
-              <a:ext uri="{28A0092B-C50C-407E-A947-70E740481C1C}">
-                <a14:useLocalDpi xmlns:a14="http://schemas.microsoft.com/office/drawing/2010/main" val="0"/>
-              </a:ext>
-            </a:extLst>
-          </a:blip>
-          <a:stretch>
-            <a:fillRect/>
-          </a:stretch>
-        </p:blipFill>
-        <p:spPr>
-          <a:xfrm>
-            <a:off x="1703512" y="2850915"/>
-            <a:ext cx="223200" cy="223200"/>
-          </a:xfrm>
-          <a:prstGeom prst="rect">
-            <a:avLst/>
-          </a:prstGeom>
-        </p:spPr>
-      </p:pic>
-      <p:pic>
-        <p:nvPicPr>
-          <p:cNvPr id="11" name="그림 10">
-            <a:extLst>
-              <a:ext uri="{FF2B5EF4-FFF2-40B4-BE49-F238E27FC236}">
-                <a16:creationId xmlns:a16="http://schemas.microsoft.com/office/drawing/2014/main" id="{0900B5F8-9689-4023-A045-1BE897B379A4}"/>
-              </a:ext>
-            </a:extLst>
-          </p:cNvPr>
-          <p:cNvPicPr>
-            <a:picLocks noChangeAspect="1"/>
-          </p:cNvPicPr>
-          <p:nvPr/>
-        </p:nvPicPr>
-        <p:blipFill>
-          <a:blip r:embed="rId5" cstate="print">
-            <a:extLst>
-              <a:ext uri="{28A0092B-C50C-407E-A947-70E740481C1C}">
-                <a14:useLocalDpi xmlns:a14="http://schemas.microsoft.com/office/drawing/2010/main" val="0"/>
-              </a:ext>
-            </a:extLst>
-          </a:blip>
-          <a:stretch>
-            <a:fillRect/>
-          </a:stretch>
-        </p:blipFill>
-        <p:spPr>
-          <a:xfrm>
-            <a:off x="2639616" y="2852936"/>
-            <a:ext cx="223200" cy="223200"/>
-          </a:xfrm>
-          <a:prstGeom prst="rect">
-            <a:avLst/>
-          </a:prstGeom>
-        </p:spPr>
-      </p:pic>
-      <p:pic>
-        <p:nvPicPr>
-          <p:cNvPr id="12" name="그림 11">
-            <a:extLst>
-              <a:ext uri="{FF2B5EF4-FFF2-40B4-BE49-F238E27FC236}">
-                <a16:creationId xmlns:a16="http://schemas.microsoft.com/office/drawing/2014/main" id="{7C7FBCC1-94EB-4C29-8486-8CD8B381FE79}"/>
-              </a:ext>
-            </a:extLst>
-          </p:cNvPr>
-          <p:cNvPicPr>
-            <a:picLocks noChangeAspect="1"/>
-          </p:cNvPicPr>
-          <p:nvPr/>
-        </p:nvPicPr>
-        <p:blipFill>
-          <a:blip r:embed="rId6" cstate="print">
-            <a:extLst>
-              <a:ext uri="{28A0092B-C50C-407E-A947-70E740481C1C}">
-                <a14:useLocalDpi xmlns:a14="http://schemas.microsoft.com/office/drawing/2010/main" val="0"/>
-              </a:ext>
-            </a:extLst>
-          </a:blip>
-          <a:stretch>
-            <a:fillRect/>
-          </a:stretch>
-        </p:blipFill>
-        <p:spPr>
-          <a:xfrm>
-            <a:off x="4164788" y="1844822"/>
-            <a:ext cx="223200" cy="214134"/>
-          </a:xfrm>
-          <a:prstGeom prst="rect">
-            <a:avLst/>
-          </a:prstGeom>
-        </p:spPr>
-      </p:pic>
-      <p:pic>
-        <p:nvPicPr>
-          <p:cNvPr id="13" name="그림 12">
-            <a:extLst>
-              <a:ext uri="{FF2B5EF4-FFF2-40B4-BE49-F238E27FC236}">
-                <a16:creationId xmlns:a16="http://schemas.microsoft.com/office/drawing/2014/main" id="{B29055F2-94F8-4D60-8F56-8914186205FE}"/>
-              </a:ext>
-            </a:extLst>
-          </p:cNvPr>
-          <p:cNvPicPr>
-            <a:picLocks noChangeAspect="1"/>
-          </p:cNvPicPr>
-          <p:nvPr/>
-        </p:nvPicPr>
-        <p:blipFill>
-          <a:blip r:embed="rId7" cstate="print">
-            <a:extLst>
-              <a:ext uri="{28A0092B-C50C-407E-A947-70E740481C1C}">
-                <a14:useLocalDpi xmlns:a14="http://schemas.microsoft.com/office/drawing/2010/main" val="0"/>
-              </a:ext>
-            </a:extLst>
-          </a:blip>
-          <a:stretch>
-            <a:fillRect/>
-          </a:stretch>
-        </p:blipFill>
-        <p:spPr>
-          <a:xfrm>
-            <a:off x="4368146" y="2524303"/>
-            <a:ext cx="222113" cy="223200"/>
-          </a:xfrm>
-          <a:prstGeom prst="rect">
-            <a:avLst/>
-          </a:prstGeom>
-        </p:spPr>
-      </p:pic>
-      <p:pic>
-        <p:nvPicPr>
-          <p:cNvPr id="15" name="그림 14">
-            <a:extLst>
-              <a:ext uri="{FF2B5EF4-FFF2-40B4-BE49-F238E27FC236}">
-                <a16:creationId xmlns:a16="http://schemas.microsoft.com/office/drawing/2014/main" id="{0ECB854B-1343-4577-B32D-6FB83D19B403}"/>
-              </a:ext>
-            </a:extLst>
-          </p:cNvPr>
-          <p:cNvPicPr>
-            <a:picLocks noChangeAspect="1"/>
-          </p:cNvPicPr>
-          <p:nvPr/>
-        </p:nvPicPr>
-        <p:blipFill>
-          <a:blip r:embed="rId8" cstate="print">
-            <a:extLst>
-              <a:ext uri="{28A0092B-C50C-407E-A947-70E740481C1C}">
-                <a14:useLocalDpi xmlns:a14="http://schemas.microsoft.com/office/drawing/2010/main" val="0"/>
-              </a:ext>
-            </a:extLst>
-          </a:blip>
-          <a:stretch>
-            <a:fillRect/>
-          </a:stretch>
-        </p:blipFill>
-        <p:spPr>
-          <a:xfrm>
-            <a:off x="4871864" y="3429000"/>
-            <a:ext cx="222113" cy="223200"/>
-          </a:xfrm>
-          <a:prstGeom prst="rect">
-            <a:avLst/>
-          </a:prstGeom>
-        </p:spPr>
-      </p:pic>
-      <p:pic>
-        <p:nvPicPr>
-          <p:cNvPr id="16" name="그림 15">
-            <a:extLst>
-              <a:ext uri="{FF2B5EF4-FFF2-40B4-BE49-F238E27FC236}">
-                <a16:creationId xmlns:a16="http://schemas.microsoft.com/office/drawing/2014/main" id="{2C57D9C6-6162-42D2-AD4E-16526CBE0CA1}"/>
-              </a:ext>
-            </a:extLst>
-          </p:cNvPr>
-          <p:cNvPicPr>
-            <a:picLocks noChangeAspect="1"/>
-          </p:cNvPicPr>
-          <p:nvPr/>
-        </p:nvPicPr>
-        <p:blipFill>
-          <a:blip r:embed="rId7" cstate="print">
-            <a:extLst>
-              <a:ext uri="{28A0092B-C50C-407E-A947-70E740481C1C}">
-                <a14:useLocalDpi xmlns:a14="http://schemas.microsoft.com/office/drawing/2010/main" val="0"/>
-              </a:ext>
-            </a:extLst>
-          </a:blip>
-          <a:stretch>
-            <a:fillRect/>
-          </a:stretch>
-        </p:blipFill>
-        <p:spPr>
-          <a:xfrm>
-            <a:off x="6877570" y="2492387"/>
-            <a:ext cx="222113" cy="223200"/>
-          </a:xfrm>
-          <a:prstGeom prst="rect">
-            <a:avLst/>
-          </a:prstGeom>
-        </p:spPr>
-      </p:pic>
-    </p:spTree>
-    <p:extLst>
-      <p:ext uri="{BB962C8B-B14F-4D97-AF65-F5344CB8AC3E}">
-        <p14:creationId xmlns:p14="http://schemas.microsoft.com/office/powerpoint/2010/main" val="1550071479"/>
-      </p:ext>
-    </p:extLst>
-  </p:cSld>
-  <p:clrMapOvr>
-    <a:masterClrMapping/>
-  </p:clrMapOvr>
-</p:sld>
-</file>
-
-<file path=ppt/slides/slide9.xml><?xml version="1.0" encoding="utf-8"?>
-<p:sld xmlns:a="http://schemas.openxmlformats.org/drawingml/2006/main" xmlns:r="http://schemas.openxmlformats.org/officeDocument/2006/relationships" xmlns:p="http://schemas.openxmlformats.org/presentationml/2006/main">
-  <p:cSld>
-    <p:spTree>
-      <p:nvGrpSpPr>
-        <p:cNvPr id="1" name=""/>
-        <p:cNvGrpSpPr/>
-        <p:nvPr/>
-      </p:nvGrpSpPr>
-      <p:grpSpPr>
-        <a:xfrm>
-          <a:off x="0" y="0"/>
-          <a:ext cx="0" cy="0"/>
-          <a:chOff x="0" y="0"/>
-          <a:chExt cx="0" cy="0"/>
-        </a:xfrm>
-      </p:grpSpPr>
-      <p:sp>
-        <p:nvSpPr>
-          <p:cNvPr id="3" name="제목 2">
-            <a:extLst>
-              <a:ext uri="{FF2B5EF4-FFF2-40B4-BE49-F238E27FC236}">
-                <a16:creationId xmlns:a16="http://schemas.microsoft.com/office/drawing/2014/main" id="{683ED0D4-343F-4AC4-936C-4771ADDE3DEC}"/>
-              </a:ext>
-            </a:extLst>
-          </p:cNvPr>
-          <p:cNvSpPr>
-            <a:spLocks noGrp="1"/>
-          </p:cNvSpPr>
-          <p:nvPr>
-            <p:ph type="title"/>
-          </p:nvPr>
-        </p:nvSpPr>
-        <p:spPr/>
-        <p:txBody>
-          <a:bodyPr/>
-          <a:lstStyle/>
-          <a:p>
-            <a:r>
-              <a:rPr lang="ko-KR" altLang="en-US" dirty="0"/>
-              <a:t>회원가입</a:t>
-            </a:r>
-          </a:p>
-        </p:txBody>
-      </p:sp>
-      <p:sp>
-        <p:nvSpPr>
-          <p:cNvPr id="4" name="텍스트 개체 틀 3">
-            <a:extLst>
-              <a:ext uri="{FF2B5EF4-FFF2-40B4-BE49-F238E27FC236}">
-                <a16:creationId xmlns:a16="http://schemas.microsoft.com/office/drawing/2014/main" id="{566248F4-75FF-4781-B7FF-A6FE901E2D68}"/>
-              </a:ext>
-            </a:extLst>
-          </p:cNvPr>
-          <p:cNvSpPr>
-            <a:spLocks noGrp="1"/>
-          </p:cNvSpPr>
-          <p:nvPr>
-            <p:ph type="body" sz="quarter" idx="10"/>
-          </p:nvPr>
-        </p:nvSpPr>
-        <p:spPr/>
-        <p:txBody>
-          <a:bodyPr/>
-          <a:lstStyle/>
-          <a:p>
-            <a:r>
-              <a:rPr lang="en-US" altLang="ko-KR" dirty="0" err="1"/>
-              <a:t>STforU</a:t>
-            </a:r>
-            <a:r>
-              <a:rPr lang="en-US" altLang="ko-KR" dirty="0"/>
-              <a:t> </a:t>
-            </a:r>
-            <a:r>
-              <a:rPr lang="ko-KR" altLang="en-US" dirty="0"/>
-              <a:t>회원가입</a:t>
-            </a:r>
-          </a:p>
-        </p:txBody>
-      </p:sp>
-    </p:spTree>
-    <p:extLst>
-      <p:ext uri="{BB962C8B-B14F-4D97-AF65-F5344CB8AC3E}">
-        <p14:creationId xmlns:p14="http://schemas.microsoft.com/office/powerpoint/2010/main" val="1876930253"/>
       </p:ext>
     </p:extLst>
   </p:cSld>
